--- a/day 1/SAC_Training Day 1.pptx
+++ b/day 1/SAC_Training Day 1.pptx
@@ -8659,7 +8659,7 @@
         <p:spPr>
           <a:xfrm>
             <a:off x="187367" y="2062424"/>
-            <a:ext cx="6629399" cy="646331"/>
+            <a:ext cx="6629399" cy="1200329"/>
           </a:xfrm>
           <a:prstGeom prst="rect">
             <a:avLst/>
@@ -8679,6 +8679,16 @@
                 </a:solidFill>
               </a:rPr>
               <a:t>Anurag Bajaj</a:t>
+            </a:r>
+          </a:p>
+          <a:p>
+            <a:r>
+              <a:rPr lang="en-US" sz="3600" spc="-150" dirty="0">
+                <a:solidFill>
+                  <a:schemeClr val="bg1"/>
+                </a:solidFill>
+              </a:rPr>
+              <a:t>Day 1</a:t>
             </a:r>
           </a:p>
         </p:txBody>
@@ -28663,9 +28673,12 @@
           </a:p>
           <a:p>
             <a:r>
-              <a:rPr lang="en-US" sz="2000" dirty="0"/>
+              <a:rPr lang="en-US" sz="2000" dirty="0">
+                <a:hlinkClick r:id="rId2"/>
+              </a:rPr>
               <a:t>Dataset is available here</a:t>
             </a:r>
+            <a:endParaRPr lang="en-US" sz="2000" dirty="0"/>
           </a:p>
         </p:txBody>
       </p:sp>
@@ -31652,8 +31665,8 @@
           </a:p>
         </p:txBody>
       </p:sp>
-      <mc:AlternateContent xmlns:mc="http://schemas.openxmlformats.org/markup-compatibility/2006">
-        <mc:Choice xmlns:p14="http://schemas.microsoft.com/office/powerpoint/2010/main" Requires="p14">
+      <mc:AlternateContent xmlns:mc="http://schemas.openxmlformats.org/markup-compatibility/2006" xmlns:p14="http://schemas.microsoft.com/office/powerpoint/2010/main">
+        <mc:Choice Requires="p14">
           <p:contentPart p14:bwMode="auto" r:id="rId3">
             <p14:nvContentPartPr>
               <p14:cNvPr id="181" name="Ink 180">
@@ -31672,7 +31685,7 @@
             </p14:xfrm>
           </p:contentPart>
         </mc:Choice>
-        <mc:Fallback>
+        <mc:Fallback xmlns="">
           <p:pic>
             <p:nvPicPr>
               <p:cNvPr id="181" name="Ink 180">

--- a/day 1/SAC_Training Day 1.pptx
+++ b/day 1/SAC_Training Day 1.pptx
@@ -27443,108 +27443,108 @@
           <a:lstStyle/>
           <a:p>
             <a:r>
-              <a:rPr lang="en-US" sz="2800" dirty="0">
+              <a:rPr lang="en-US" sz="2400" dirty="0">
                 <a:hlinkClick r:id="rId3"/>
               </a:rPr>
               <a:t>SAP Analytics Cloud Product Roadmap</a:t>
             </a:r>
-            <a:endParaRPr lang="en-US" sz="2800" dirty="0"/>
-          </a:p>
-          <a:p>
-            <a:r>
-              <a:rPr lang="en-US" sz="2800" dirty="0">
+            <a:endParaRPr lang="en-US" sz="2400" dirty="0"/>
+          </a:p>
+          <a:p>
+            <a:r>
+              <a:rPr lang="en-US" sz="2400" dirty="0">
                 <a:hlinkClick r:id="rId4"/>
               </a:rPr>
               <a:t>SAP Analytics Cloud Help Documentation</a:t>
             </a:r>
-            <a:endParaRPr lang="en-US" sz="2800" dirty="0"/>
-          </a:p>
-          <a:p>
-            <a:r>
-              <a:rPr lang="en-US" sz="2800" dirty="0">
+            <a:endParaRPr lang="en-US" sz="2400" dirty="0"/>
+          </a:p>
+          <a:p>
+            <a:r>
+              <a:rPr lang="en-US" sz="2400" dirty="0">
                 <a:hlinkClick r:id="rId5"/>
               </a:rPr>
               <a:t>SAC Webinars</a:t>
             </a:r>
-            <a:endParaRPr lang="en-US" sz="2800" dirty="0"/>
-          </a:p>
-          <a:p>
-            <a:r>
-              <a:rPr lang="en-US" sz="2800" dirty="0">
+            <a:endParaRPr lang="en-US" sz="2400" dirty="0"/>
+          </a:p>
+          <a:p>
+            <a:r>
+              <a:rPr lang="en-US" sz="2400" dirty="0">
                 <a:hlinkClick r:id="rId6"/>
               </a:rPr>
               <a:t>Help Library</a:t>
             </a:r>
-            <a:endParaRPr lang="en-US" sz="2800" dirty="0"/>
-          </a:p>
-          <a:p>
-            <a:r>
-              <a:rPr lang="en-US" sz="2800" dirty="0">
+            <a:endParaRPr lang="en-US" sz="2400" dirty="0"/>
+          </a:p>
+          <a:p>
+            <a:r>
+              <a:rPr lang="en-US" sz="2400" dirty="0">
                 <a:hlinkClick r:id="rId7"/>
               </a:rPr>
               <a:t>Free learning videos</a:t>
             </a:r>
-            <a:endParaRPr lang="en-US" sz="2800" dirty="0"/>
-          </a:p>
-          <a:p>
-            <a:r>
-              <a:rPr lang="en-US" sz="2800" dirty="0">
+            <a:endParaRPr lang="en-US" sz="2400" dirty="0"/>
+          </a:p>
+          <a:p>
+            <a:r>
+              <a:rPr lang="en-US" sz="2400" dirty="0">
                 <a:hlinkClick r:id="rId7"/>
               </a:rPr>
               <a:t>What’s new with SAP SAC</a:t>
             </a:r>
-            <a:endParaRPr lang="en-US" sz="2800" dirty="0"/>
-          </a:p>
-          <a:p>
-            <a:r>
-              <a:rPr lang="en-US" sz="2800" dirty="0">
+            <a:endParaRPr lang="en-US" sz="2400" dirty="0"/>
+          </a:p>
+          <a:p>
+            <a:r>
+              <a:rPr lang="en-US" sz="2400" dirty="0">
                 <a:hlinkClick r:id="rId8"/>
               </a:rPr>
               <a:t>SAC YouTube Playlist</a:t>
             </a:r>
-            <a:endParaRPr lang="en-US" sz="2800" dirty="0"/>
-          </a:p>
-          <a:p>
-            <a:r>
-              <a:rPr lang="en-US" sz="2800" dirty="0">
+            <a:endParaRPr lang="en-US" sz="2400" dirty="0"/>
+          </a:p>
+          <a:p>
+            <a:r>
+              <a:rPr lang="en-US" sz="2400" dirty="0">
                 <a:hlinkClick r:id="rId9"/>
               </a:rPr>
               <a:t>SAC Admin guide for Live connection</a:t>
             </a:r>
-            <a:endParaRPr lang="en-US" sz="2800" dirty="0"/>
-          </a:p>
-          <a:p>
-            <a:r>
-              <a:rPr lang="en-US" sz="2800" dirty="0">
+            <a:endParaRPr lang="en-US" sz="2400" dirty="0"/>
+          </a:p>
+          <a:p>
+            <a:r>
+              <a:rPr lang="en-US" sz="2400" dirty="0">
                 <a:hlinkClick r:id="rId10"/>
               </a:rPr>
               <a:t>https://www.sapanalytics.cloud/plans/ </a:t>
             </a:r>
-            <a:endParaRPr lang="en-US" sz="2800" dirty="0"/>
-          </a:p>
-          <a:p>
-            <a:r>
-              <a:rPr lang="en-US" sz="2800" dirty="0">
+            <a:endParaRPr lang="en-US" sz="2400" dirty="0"/>
+          </a:p>
+          <a:p>
+            <a:r>
+              <a:rPr lang="en-US" sz="2400" dirty="0">
                 <a:hlinkClick r:id="rId11"/>
               </a:rPr>
               <a:t>Register for your SAP SAC Server</a:t>
             </a:r>
-            <a:endParaRPr lang="en-US" sz="2800" dirty="0"/>
-          </a:p>
-          <a:p>
-            <a:r>
-              <a:rPr lang="en-US" sz="2000" dirty="0">
+            <a:endParaRPr lang="en-US" sz="2400" dirty="0"/>
+          </a:p>
+          <a:p>
+            <a:r>
+              <a:rPr lang="en-US" sz="1800" dirty="0">
                 <a:hlinkClick r:id="rId12"/>
               </a:rPr>
               <a:t>https://blogs.sap.com/2019/06/24/webinar-summary-sap-bi-roadmap-update-with-saps-patrick-sims/</a:t>
             </a:r>
-            <a:endParaRPr lang="en-US" sz="2000" dirty="0"/>
-          </a:p>
-          <a:p>
-            <a:endParaRPr lang="en-US" sz="2800" dirty="0"/>
-          </a:p>
-          <a:p>
-            <a:endParaRPr lang="en-US" sz="2800" dirty="0"/>
+            <a:endParaRPr lang="en-US" sz="1800" dirty="0"/>
+          </a:p>
+          <a:p>
+            <a:endParaRPr lang="en-US" sz="2400" dirty="0"/>
+          </a:p>
+          <a:p>
+            <a:endParaRPr lang="en-US" sz="2400" dirty="0"/>
           </a:p>
         </p:txBody>
       </p:sp>

--- a/day 1/SAC_Training Day 1.pptx
+++ b/day 1/SAC_Training Day 1.pptx
@@ -171,6 +171,2478 @@
 </inkml:ink>
 </file>
 
+<file path=ppt/ink/ink10.xml><?xml version="1.0" encoding="utf-8"?>
+<inkml:ink xmlns:inkml="http://www.w3.org/2003/InkML">
+  <inkml:definitions>
+    <inkml:context xml:id="ctx0">
+      <inkml:inkSource xml:id="inkSrc0">
+        <inkml:traceFormat>
+          <inkml:channel name="X" type="integer" max="1920" units="cm"/>
+          <inkml:channel name="Y" type="integer" max="1080" units="cm"/>
+          <inkml:channel name="T" type="integer" max="2.14748E9" units="dev"/>
+        </inkml:traceFormat>
+        <inkml:channelProperties>
+          <inkml:channelProperty channel="X" name="resolution" value="55.81395" units="1/cm"/>
+          <inkml:channelProperty channel="Y" name="resolution" value="55.6701" units="1/cm"/>
+          <inkml:channelProperty channel="T" name="resolution" value="1" units="1/dev"/>
+        </inkml:channelProperties>
+      </inkml:inkSource>
+      <inkml:timestamp xml:id="ts0" timeString="2020-12-09T06:15:59.549"/>
+    </inkml:context>
+    <inkml:brush xml:id="br0">
+      <inkml:brushProperty name="width" value="0.05" units="cm"/>
+      <inkml:brushProperty name="height" value="0.05" units="cm"/>
+      <inkml:brushProperty name="fitToCurve" value="1"/>
+    </inkml:brush>
+  </inkml:definitions>
+  <inkml:trace contextRef="#ctx0" brushRef="#br0">78 51 0,'0'26'109,"0"0"-93,26 0 0,-26 0-16,0 0 15,26 0-15,-26 0 0,0 0 16,0 26-16,26-26 15,-26-1-15,0 27 0,0-26 16,0 26-16,0-26 16,0 0-16,0 26 0,0-26 15,0 25-15,0-25 0,0 26 16,0 0-16,0-26 16,0 26-16,0 0 0,0-26 15,0 25-15,0-25 16,0 26-16,0-26 0,0 0 15,0 0-15,0 26 0,0-26 16,0 0-16,26-1 16,-26 1-16,0 0 0,0 0 15,0 0-15,0 0 16,0 0-16,0 0 16,0 0-16,0 0 0,0 0 15,0 0-15,-26 0 16,26-1-16,0 1 15,0 0-15,0 0 16,-26 0-16,26 0 16,0 0-16,0 0 15,-26 0 1,26 0 0,0 0 15,0 0 0,26-26-15,0 0 46,0 0-46,0-26-1,-1 26-15,1 0 16,0 0-16,0 0 0,0 0 16,0-26-16,0 26 15,0 0-15,0 0 16,0 0-16,0 0 16,0 0-16,-1 0 0,27 0 15,-26 0-15,0-26 0,26 26 16,-26 0-16,26 0 15,0 0-15,-27 0 0,27 0 16,-26 0-16,0 0 0,26 0 16,-26 0-16,26 0 15,-26 0-15,26 0 0,-27 0 16,27 0-16,-26 0 16,0 0-16,26 0 0,-26 0 15,26 0-15,-26 0 16,25 0-16,-25 0 0,26 0 15,-26 0-15,26 0 0,-26 0 16,26 0-16,-26 0 16,25 0-16,-25 0 0,26 0 15,-26 0-15,0 0 16,0 0-16,0 0 0,0 0 16,26 0-16,-26 0 0,-1 0 15,1 0-15,0 0 16,0 0-16,0 0 0,26 0 15,-26 0-15,0 0 16,0 0-16,0 0 0,0 0 16,0 0-16,-1 0 0,1 0 15,-26-26 1,26 26-16,0 0 0,0 0 16,0 0-1,0 0-15,-26-26 16,26 26-16,0 0 15,0 0-15,0 0 16,0 0 0,-1 0 31,-25-26 46,0 0-77,0 0 15,26 0-31,-26 0 16,26 0-16,-26 1 15,26-1-15,-26 0 16,0 0-16,0 0 0,26 0 16,-26 0-16,0 0 15,0 0-15,26 0 0,-26 0 16,0 0-16,0-25 16,0 25-16,0 0 0,0-26 15,26 26-15,-26 0 0,0-26 16,0 26-16,0 0 15,0 0-15,26 1 0,-26-1 16,0 0-16,0 0 16,0 0-16,0 0 15,0 0-15,0 0 16,0 0 0,0 0-16,26 0 15,-26 0-15,0 1 0,0-1 16,0 0-1,0 0-15,0 0 16,0 0 0,0 0-1,0 0 1,0 0-16,0 0 16,0 0-1,0 0 1,0 1-16,0-1 31,0 0-15,0 0-1,0 0 1,0 0 0,0 0-16,0 0 31,0 0-31,0 0 47,0 0-16,0 0 16,0 0 0,0 1 0,-26 25-1,0 0-14,0 0-17,0 0-15,0 0 16,0 0 0,0 0-16,0 0 15,1 0-15,-1 0 0,0 0 16,0 0-16,0 25 15,-26-25-15,26 0 0,0 0 16,0 0-16,0 0 0,-25 0 16,25 0-16,0 0 15,0 0-15,0 0 0,0 0 16,0 0-16,0 0 16,0 0-16,0 0 0,0 0 15,0 0-15,0 0 0,1 0 16,-1 0-16,0 0 15,0 0-15,0 0 16,0 0-16,0 0 16,0 0-16,0 26 15,0-26-15,0 0 16,0 0-16,1 0 16,-1 0-16,0 0 15,0 0-15,0 0 16,0 0-16,0 0 0,0 0 15,0 0-15,0 0 0,0 0 16,0 0 0,-25 0-16,25 0 0,0 0 15,0 0-15,0 0 16,0 0-16,0 0 0,0 0 16,0 0-16,0 0 0,0 0 15,1 0-15,-1 0 16,0 0-16,0 0 15,0 0-15,0 0 16,0 0 0,0 0-16,0 0 15,0 0-15,0 0 16,0 0-16,0 0 16,1 0-1,-1 0-15,0 0 0,0 0 16,0 0-16,0 0 15,0 0-15,0 0 16,0 0-16,0 0 16,0 0-16,0 0 15,1 0 1,-1 0-16,0 0 16,0 0-1,0 0 1,0 0-1,0 0 1,0 0 0,0 0 15,0 0 0,0 0-15,0 0 62,26 26-62,-25-26-1,-1 0 1,0 0 15,26 26 16,0 0 0,-26-26-32,0 0 142,26 26-142,0 0 126,-26 0-94,26 0-32,0 0 1,26-26 15,0 0 1,0 0-32,-52 0 46,0 0-30,0 0-16,0 0 16,0 0-1,0 0-15,26 26 16</inkml:trace>
+</inkml:ink>
+</file>
+
+<file path=ppt/ink/ink11.xml><?xml version="1.0" encoding="utf-8"?>
+<inkml:ink xmlns:inkml="http://www.w3.org/2003/InkML">
+  <inkml:definitions>
+    <inkml:context xml:id="ctx0">
+      <inkml:inkSource xml:id="inkSrc0">
+        <inkml:traceFormat>
+          <inkml:channel name="X" type="integer" max="1920" units="cm"/>
+          <inkml:channel name="Y" type="integer" max="1080" units="cm"/>
+          <inkml:channel name="T" type="integer" max="2.14748E9" units="dev"/>
+        </inkml:traceFormat>
+        <inkml:channelProperties>
+          <inkml:channelProperty channel="X" name="resolution" value="55.81395" units="1/cm"/>
+          <inkml:channelProperty channel="Y" name="resolution" value="55.6701" units="1/cm"/>
+          <inkml:channelProperty channel="T" name="resolution" value="1" units="1/dev"/>
+        </inkml:channelProperties>
+      </inkml:inkSource>
+      <inkml:timestamp xml:id="ts0" timeString="2020-12-09T06:16:03.291"/>
+    </inkml:context>
+    <inkml:brush xml:id="br0">
+      <inkml:brushProperty name="width" value="0.05" units="cm"/>
+      <inkml:brushProperty name="height" value="0.05" units="cm"/>
+      <inkml:brushProperty name="fitToCurve" value="1"/>
+    </inkml:brush>
+  </inkml:definitions>
+  <inkml:trace contextRef="#ctx0" brushRef="#br0">28 156 0,'0'-26'47,"0"52"109,0-1-140,0 1-1,0 0 1,0 0-16,0 0 16,0 0-16,0 0 15,0 0-15,0 0 0,0 0 16,0 0 0,0 0-16,0-1 15,0 1 1,0 0-1,0 0-15,0 0 16,0 0 0,0 0-1,0 0 1,25-26 0,-25 26 15,0 0 0,26-26 0,0 0 110,0 0-110,0 0-15,0 0-1,0 0-15,0-26 16,0 26 0,0 0-1,0 0-15,0 0 16,-1 0 0,1-26-16,0 26 15,0 0-15,0 0 16,0 0-1,0 0 1,0 0-16,0 0 31,0 0-31,0 0 16,0 0 0,0 0-1,-1 0 16,1 0 1,0-26 15,-26 0-16,0 0-16,0 0 17,0 0-17,0 0 1,26 0 0,-26 1-1,0-1 1,0 0-16,0 0 15,0 0 1,26 26-16,-26-26 16,0 0-1,0 0 1,0 0 0,0 0-1,0 0 1,0 0 31,0 1-16,0-1-15,0 0 15,0 0 94,-26 26-63,26-26-46,-26 26 0,0 0-1,0 0-15,1 0 16,-1 0-1,0 0-15,0 0 16,0 0-16,0 0 16,0 26-16,0-26 15,0 0-15,0 0 0,0 0 16,0 0-16,0 0 16,1 0-16,-1 0 15,0 0 1,26 26-16,-26-26 0,0 0 15,0 0-15,0 0 16,0 0 0,0 0-1,0 0 1,0 0 15,0 0 0,1 0-15,-1 0 15,26 26 63,26-26-63</inkml:trace>
+  <inkml:trace contextRef="#ctx0" brushRef="#br0" timeOffset="2634">1272 156 0,'26'0'0,"-26"-26"16,0 0 31,0 52-1,0 0-30,0-1 0,0 1-1,0 0 1,0 0-16,-26 0 16,26 0-1,0 0-15,0 0 16,0 0-1,0 0-15,0 0 16,0 0 0,0-1-1,0 1 1,0 0 0,0 0-1,0 0 1,0 0 15,26-26 47,-1 0-62,1 0 15,0 0 0,0 0-15,0 0 0,0 0-1,0 0 1,0 0-1,0 0 1,0 0 0,0 0-16,0 0 15,-1 0 1,1 0 0,0 0-1,0 0 1,0 0-16,0 0 15,0 0 1,0 0 0,0 0-16,0 0 15,0 0 1,0 0-16,0 0 16,-1 0-1,1 0 1,0 0 15,0-26 0,0 26 1,0-26 14,-26 0 48,-26 0-63,26 0-15,0 1 0,0-1-1,0 0 1,0 0 0,0 0-16,0 0 15,0 0-15,0 0 16,0 0-1,0 0-15,0 0 16,0 0 0,0 1-16,0-1 15,26 26 1,-26-26 0,0 0 30,0 0-14,0 0-1,0 0 16,-26 26 15,0 0-46,0 0 0,0 0-1,0 0 1,1 0-16,-1 0 15,0 0 1,0 26-16,0-26 0,0 0 16,0 0-1,0 0-15,0 0 0,0 0 16,0 0-16,0 26 0,0-26 16,1 0-16,-1 0 15,0 0-15,0 0 16,0 0-1,0 0 1,0 0 15,0 0-15,0 0 0,0 0-1,0 0 1,0 0 15,52 0 47</inkml:trace>
+  <inkml:trace contextRef="#ctx0" brushRef="#br0" timeOffset="4878">53 985 0,'26'0'32,"-26"-26"-17,26 26 32,0 0-31,0 0-1,0 0 1,0 0-16,0 0 16,0 0-16,0 0 0,0 0 15,25 0-15,-25 0 16,0-26-16,0 26 0,0 0 15,0 0-15,0 0 16,0 0-16,0 0 16,0 0-1,0 0 17,0 0-32,0 0 15,-1 0 1,1 0-1,0 0 1,-26 26 0,26-26-1,-26 26 79,0 0-63,0 0-15,0 0 0,0 0-16,0-1 15,0 1-15,0 0 16,0 0-1,0 0-15,0 0 16,0 0 0,0 0-1,0 0 1,0 0 0,0 0-1,0 0 16,0 0 1,-26-26 46,0 0-63,26 25 1,-26-25-16,1 0 16,-1 0-16,0 0 15,0 0-15,0 0 16,0 0-16,0 0 0,0 0 16,0 0-16,0 0 0,0 0 15,0 0 1,0 0-16,1 0 0,-1 0 15,0 0-15,0 0 16,0 0-16,0 0 0,0 0 16,0 26-16,0-26 15,0 0 1,0 0 0,0 0-1,1 0 1,-1 0 46,26-26-15,0 1-16,0-1-15,0 0-16,0 0 16,26 0-1,-26 0-15,0 0 16,0 0-16,25 26 16,-25-26-16,0 0 0,0 0 15,0 0 1,0 0-1,0 1-15,26 25 16,-26-26-16,0 0 16,0 0-16,-26 0 15,26 0 1,-25 0 0,50 26 77,1 0-77</inkml:trace>
+  <inkml:trace contextRef="#ctx0" brushRef="#br0" timeOffset="6971">1194 985 0,'26'0'0,"-26"-26"31,26 26-15,0 0 47,-26 26-32,0 0-16,0 0 17,0 0-32,-26-26 0,26 26 15,0-1-15,0 1 16,0 0 0,0 0-16,0 0 0,0 0 15,0 0 1,0 0-16,0 0 15,0 0 1,0 0 0,0 0-1,0 0 1,0-1 0,26-25-1,-26 26 16,0 0 1,26-26 15,-1 0-47,1 0 31,0-26-31,0 26 15,0 0 1,0 0-16,0 0 16,0 0-16,0 0 15,26 0 17,-26 0-32,-1 0 15,1 0-15,0 0 0,0 0 16,0 0-16,0 0 0,0 0 15,0 0 1,0 0-16,0 0 0,0 0 16,0 0-1,0 0 1,-1 0 78,-25-26-94,26 26 31,-26-25 0,0-1-15,0 0-1,0 0 1,0 0 0,0 0-16,0 0 15,0 0-15,26 0 16,-26 0-16,0 0 16,26 26-16,-26-26 0,0 0 15,26 26-15,-26-25 0,0-1 16,26 0-1,-26 0-15,0 0 16,0 0 0,-26 26-1,26-26-15,0 0 32,-26 26-17,0-26 16,0 26-15,0 0 0,26-26-1,-25 26 1,-1 0 0,0 0-1,0 0 1,0 0-16,0 0 15,0 0 1,0 0-16,0 0 16,0 0-16,0 0 15,0 0-15,0 0 16,1 26-16,-1-26 0,0 0 16,0 0-16,0 0 15,0 0-15,0 0 16,0 0-16,0 0 15,0 26 1,0-26-16,0 0 16,1 0-1,25 26-15,-26-26 0,0 0 16,0 0-16,0 0 31,26 26-31,-26-26 31,26 26 1,26-26 30,-26 26-15</inkml:trace>
+</inkml:ink>
+</file>
+
+<file path=ppt/ink/ink12.xml><?xml version="1.0" encoding="utf-8"?>
+<inkml:ink xmlns:inkml="http://www.w3.org/2003/InkML">
+  <inkml:definitions>
+    <inkml:context xml:id="ctx0">
+      <inkml:inkSource xml:id="inkSrc0">
+        <inkml:traceFormat>
+          <inkml:channel name="X" type="integer" max="1920" units="cm"/>
+          <inkml:channel name="Y" type="integer" max="1080" units="cm"/>
+          <inkml:channel name="T" type="integer" max="2.14748E9" units="dev"/>
+        </inkml:traceFormat>
+        <inkml:channelProperties>
+          <inkml:channelProperty channel="X" name="resolution" value="55.81395" units="1/cm"/>
+          <inkml:channelProperty channel="Y" name="resolution" value="55.6701" units="1/cm"/>
+          <inkml:channelProperty channel="T" name="resolution" value="1" units="1/dev"/>
+        </inkml:channelProperties>
+      </inkml:inkSource>
+      <inkml:timestamp xml:id="ts0" timeString="2020-12-09T06:16:19.569"/>
+    </inkml:context>
+    <inkml:brush xml:id="br0">
+      <inkml:brushProperty name="width" value="0.05" units="cm"/>
+      <inkml:brushProperty name="height" value="0.05" units="cm"/>
+      <inkml:brushProperty name="fitToCurve" value="1"/>
+    </inkml:brush>
+  </inkml:definitions>
+  <inkml:trace contextRef="#ctx0" brushRef="#br0">81 58 0,'-26'0'15,"26"-26"-15,-26 26 16,26-26-1,0 52 1,0 0 0,0 0-1,0 0 1,0 0-16,-26 0 16,26 0-16,0 0 0,0 0 15</inkml:trace>
+  <inkml:trace contextRef="#ctx0" brushRef="#br0" timeOffset="780">1196 84 0,'0'-26'0,"0"0"15,26 26-15,0-26 16,-1 26 0,1 0-1,0 0-15,0 0 16,0 26-1,-26 0-15,-26 0 16,26 0-16,-26-26 16,0 26-16,0 0 0,1 0 15,-1-26-15,26 26 16,51-26 0,-25 0-1,52 0-15,0 0 16,-26 0-16,51 0 0,-25 0 15</inkml:trace>
+  <inkml:trace contextRef="#ctx0" brushRef="#br0" timeOffset="1753">29 965 0,'0'-26'15,"0"0"32,26 26-47,0 0 16,0 0-16,0 0 16,0 0-16,0 0 0,0 0 15,0 26-15,0-26 16,0 26-16,-26 0 15,0 0 1,-26 0 0,0-26-16,26 26 15,-26-26-15,0 26 16,52-26 31,0 0-32,-26 26-15,26-26 16,0 0-16,-26 26 0,26-26 16,-26 26-1,0 0-15,-26-26 16,0 0-16,0 26 0,0-26 16,0 0-16,-26 0 15,26 0-15</inkml:trace>
+  <inkml:trace contextRef="#ctx0" brushRef="#br0" timeOffset="2371">1040 913 0,'0'-25'15,"0"-1"1,0 52 15,0-1-15,26-25-16,-26 26 15,26-26-15,-26 26 16,26-26-16,0 26 0,0-26 16,0 0-16,0 0 15,0 0-15,-1 0 16,27-26-16,-26 26 0,0-26 15,0 0-15,0 1 16,0-1-16,0 26 0,-26-26 16,26 0-16,-52 52 31,26 0-31,-26 0 0,0 25 16,0 27-16,0-26 15</inkml:trace>
+</inkml:ink>
+</file>
+
+<file path=ppt/ink/ink13.xml><?xml version="1.0" encoding="utf-8"?>
+<inkml:ink xmlns:inkml="http://www.w3.org/2003/InkML">
+  <inkml:definitions>
+    <inkml:context xml:id="ctx0">
+      <inkml:inkSource xml:id="inkSrc0">
+        <inkml:traceFormat>
+          <inkml:channel name="X" type="integer" max="1920" units="cm"/>
+          <inkml:channel name="Y" type="integer" max="1080" units="cm"/>
+          <inkml:channel name="T" type="integer" max="2.14748E9" units="dev"/>
+        </inkml:traceFormat>
+        <inkml:channelProperties>
+          <inkml:channelProperty channel="X" name="resolution" value="55.81395" units="1/cm"/>
+          <inkml:channelProperty channel="Y" name="resolution" value="55.6701" units="1/cm"/>
+          <inkml:channelProperty channel="T" name="resolution" value="1" units="1/dev"/>
+        </inkml:channelProperties>
+      </inkml:inkSource>
+      <inkml:timestamp xml:id="ts0" timeString="2020-12-09T06:16:29.792"/>
+    </inkml:context>
+    <inkml:brush xml:id="br0">
+      <inkml:brushProperty name="width" value="0.05" units="cm"/>
+      <inkml:brushProperty name="height" value="0.05" units="cm"/>
+      <inkml:brushProperty name="fitToCurve" value="1"/>
+    </inkml:brush>
+  </inkml:definitions>
+  <inkml:trace contextRef="#ctx0" brushRef="#br0">51 130 0,'0'-26'0,"0"52"63,0 0-47,26 26-1,-26-26-15,0-1 0,0 27 16,0 0-16,0 26 15,0-26-15,0 0 0,26-1 16,-26 27-16,0-52 0,26 26 16,-26-26-16,0 26 15,26-26-15,-26 0 16</inkml:trace>
+  <inkml:trace contextRef="#ctx0" brushRef="#br0" timeOffset="529">103 78 0,'-26'0'16,"0"26"15,26 0-31,-26 0 16,26 0-1,-25-26-15,25 26 16,0 0-16,0-1 31,0-50-15,25 25-1,-25-26 1,26 0-16,-26 0 16,26 0-16,0 0 15,0 26 1,0 0 0,0 26-1,0 0-15</inkml:trace>
+  <inkml:trace contextRef="#ctx0" brushRef="#br0" timeOffset="1278">1451 104 0,'0'26'47,"0"0"-32,0 0 1,0 0-16,26 25 0,-26-25 16,0 26-16,0 0 15,26 0-15,-26 0 0,0-26 16,0 25-16,0-25 0,0 26 16,0-26-16,0 0 15</inkml:trace>
+  <inkml:trace contextRef="#ctx0" brushRef="#br0" timeOffset="1789">1373 0 0,'-26'26'31,"26"0"-15,0 0-16,-26 0 15,26 0-15,-26 0 16,26 0-16,0 0 0,0 0 16,-25-26-16,25 25 0,0-50 46,25-1-30,-25 0-16,26 26 16,-26-26-16,26 0 0,-26 0 15,26 0-15,0 0 16,0 26-16,0 0 16,0 26-16,0 0 15,-26 0-15,26 0 0,0 26 16</inkml:trace>
+</inkml:ink>
+</file>
+
+<file path=ppt/ink/ink14.xml><?xml version="1.0" encoding="utf-8"?>
+<inkml:ink xmlns:inkml="http://www.w3.org/2003/InkML">
+  <inkml:definitions>
+    <inkml:context xml:id="ctx0">
+      <inkml:inkSource xml:id="inkSrc0">
+        <inkml:traceFormat>
+          <inkml:channel name="X" type="integer" max="1920" units="cm"/>
+          <inkml:channel name="Y" type="integer" max="1080" units="cm"/>
+          <inkml:channel name="T" type="integer" max="2.14748E9" units="dev"/>
+        </inkml:traceFormat>
+        <inkml:channelProperties>
+          <inkml:channelProperty channel="X" name="resolution" value="55.81395" units="1/cm"/>
+          <inkml:channelProperty channel="Y" name="resolution" value="55.6701" units="1/cm"/>
+          <inkml:channelProperty channel="T" name="resolution" value="1" units="1/dev"/>
+        </inkml:channelProperties>
+      </inkml:inkSource>
+      <inkml:timestamp xml:id="ts0" timeString="2020-12-09T06:16:32.421"/>
+    </inkml:context>
+    <inkml:brush xml:id="br0">
+      <inkml:brushProperty name="width" value="0.05" units="cm"/>
+      <inkml:brushProperty name="height" value="0.05" units="cm"/>
+      <inkml:brushProperty name="fitToCurve" value="1"/>
+    </inkml:brush>
+  </inkml:definitions>
+  <inkml:trace contextRef="#ctx0" brushRef="#br0">362 23 0,'0'-26'0,"0"52"47,0 0-32,0 0 1,0 26-16,-26-26 0,26 26 16,0 0-16,0-1 0,0-25 15,0 26-15,0 0 16,0-26-16,0 0 0</inkml:trace>
+  <inkml:trace contextRef="#ctx0" brushRef="#br0" timeOffset="281">0 490 0,'25'0'31,"1"0"-31,0 0 16,0 0 0,0 0-16,0 26 15,-26 0-15,26 0 16,-26 0 0,26-1-16,-26 1 15,26-26-15</inkml:trace>
+  <inkml:trace contextRef="#ctx0" brushRef="#br0" timeOffset="438">388 542 0,'26'0'15,"0"-26"-15,0 26 16,-52 0 15,0 0-15,0 26-16,0-26 15,0 26-15,1-26 0</inkml:trace>
+</inkml:ink>
+</file>
+
+<file path=ppt/ink/ink15.xml><?xml version="1.0" encoding="utf-8"?>
+<inkml:ink xmlns:inkml="http://www.w3.org/2003/InkML">
+  <inkml:definitions>
+    <inkml:context xml:id="ctx0">
+      <inkml:inkSource xml:id="inkSrc0">
+        <inkml:traceFormat>
+          <inkml:channel name="X" type="integer" max="1920" units="cm"/>
+          <inkml:channel name="Y" type="integer" max="1080" units="cm"/>
+          <inkml:channel name="T" type="integer" max="2.14748E9" units="dev"/>
+        </inkml:traceFormat>
+        <inkml:channelProperties>
+          <inkml:channelProperty channel="X" name="resolution" value="55.81395" units="1/cm"/>
+          <inkml:channelProperty channel="Y" name="resolution" value="55.6701" units="1/cm"/>
+          <inkml:channelProperty channel="T" name="resolution" value="1" units="1/dev"/>
+        </inkml:channelProperties>
+      </inkml:inkSource>
+      <inkml:timestamp xml:id="ts0" timeString="2020-12-09T06:16:33.519"/>
+    </inkml:context>
+    <inkml:brush xml:id="br0">
+      <inkml:brushProperty name="width" value="0.05" units="cm"/>
+      <inkml:brushProperty name="height" value="0.05" units="cm"/>
+      <inkml:brushProperty name="fitToCurve" value="1"/>
+    </inkml:brush>
+  </inkml:definitions>
+  <inkml:trace contextRef="#ctx0" brushRef="#br0">207 51 0,'0'-25'0,"0"-1"31,0 52 1,0-1-17,0 1-15,0 26 16,0-26-16,0 26 15,26-26-15,-26 26 0,0 0 16,26-27-16,-26 27 0,0-26 16,0 0-16,0 0 15</inkml:trace>
+  <inkml:trace contextRef="#ctx0" brushRef="#br0" timeOffset="240">26 518 0,'0'-26'16,"-26"26"-16,52 26 31,0 0-16,-1 0-15,1 0 16,0-26 0,-26 26-16</inkml:trace>
+  <inkml:trace contextRef="#ctx0" brushRef="#br0" timeOffset="396">389 518 0,'0'-26'0,"25"26"15,-25 26 17,-25 0-17,-1-26-15,0 26 16,0 26-16</inkml:trace>
+</inkml:ink>
+</file>
+
+<file path=ppt/ink/ink16.xml><?xml version="1.0" encoding="utf-8"?>
+<inkml:ink xmlns:inkml="http://www.w3.org/2003/InkML">
+  <inkml:definitions>
+    <inkml:context xml:id="ctx0">
+      <inkml:inkSource xml:id="inkSrc0">
+        <inkml:traceFormat>
+          <inkml:channel name="X" type="integer" max="1920" units="cm"/>
+          <inkml:channel name="Y" type="integer" max="1080" units="cm"/>
+          <inkml:channel name="T" type="integer" max="2.14748E9" units="dev"/>
+        </inkml:traceFormat>
+        <inkml:channelProperties>
+          <inkml:channelProperty channel="X" name="resolution" value="55.81395" units="1/cm"/>
+          <inkml:channelProperty channel="Y" name="resolution" value="55.6701" units="1/cm"/>
+          <inkml:channelProperty channel="T" name="resolution" value="1" units="1/dev"/>
+        </inkml:channelProperties>
+      </inkml:inkSource>
+      <inkml:timestamp xml:id="ts0" timeString="2020-12-09T06:16:44.346"/>
+    </inkml:context>
+    <inkml:brush xml:id="br0">
+      <inkml:brushProperty name="width" value="0.05" units="cm"/>
+      <inkml:brushProperty name="height" value="0.05" units="cm"/>
+      <inkml:brushProperty name="fitToCurve" value="1"/>
+    </inkml:brush>
+  </inkml:definitions>
+  <inkml:trace contextRef="#ctx0" brushRef="#br0">0 285 0,'0'-26'0,"0"0"16,0 0-1,0 0 1,0 52 78,26 0-79,-26 0 1,0 0-16,0 0 16,0 0-16,26 0 0,-26 0 15,0 0-15,0 0 0,0-1 16,0 1-16,26 26 16,-26-26-16,0 0 0,0 0 15,0 0-15,0 0 0,0 0 16</inkml:trace>
+  <inkml:trace contextRef="#ctx0" brushRef="#br0" timeOffset="516">26 466 0,'26'0'31,"0"0"-31,0 0 16,0-25-16,0 25 15,0-26-15,-1 26 16,1-26-16,0 26 15,-26-26 1,0 0 0,0 0-16,-26 0 31,26 0-31,0 0 16,-26 26-1,26-26-15,0 52 47,0 0-31,26 0-16,-26 0 15,0 0-15,26 0 0,-26 0 16,26 0-16,-26 0 0,0-1 16,26 1-16,-26 0 15,0 0-15,0 0 0,26-26 16,-26 26-16,0 0 15,0 0-15</inkml:trace>
+  <inkml:trace contextRef="#ctx0" brushRef="#br0" timeOffset="847">518 130 0,'0'25'62,"26"1"-46,-26 0-16,0 0 15,0 0-15,0 26 0,0-26 16,0 26-16,26-26 16,-26 25-16,0-25 0,0 0 15,0 26-15,0-26 16,0 0-16,0 0 0,0 0 16,0 0-16,-26-26 0,26 26 15</inkml:trace>
+  <inkml:trace contextRef="#ctx0" brushRef="#br0" timeOffset="1513">726 363 0,'0'-26'16,"-26"26"-16,0 0 15,26 26 32,26-26-47,-26 26 16,26 0-16,-26 0 16,26-1-16,-26 1 15,0 0-15,0 0 0,26-26 16,-26 26-16,0 0 0,26 0 15,-1-26 32,-25-26-47,26 0 16,-26 0-16,0 0 0,26 0 16,-26 0-16,26 1 15,-26-1-15,0 0 31,26 26-15,-26 26-16,0 0 31,26-26-31,-26 25 0,26-25 16,-26 26-16,0 0 0,26-26 16,-26 26-16,26-26 15,0 0 1,0 0-1,-26-26 1,26 0-16,-26 0 16,0 1-16,0-1 15,-26 0-15,0 0 32,0 0-32,0 26 15,52 0 16</inkml:trace>
+  <inkml:trace contextRef="#ctx0" brushRef="#br0" timeOffset="2016">1477 181 0,'-25'0'0,"-1"0"16,0 0 0,0 0-16,0 0 31,52 0 16,0 0-32,0 0-15,0-26 16,25 26-16,-25 0 16,26 0-16,-26 0 15,0 0-15,26-25 0,-26 25 16,0 0-16,0 0 16,-52 0 30</inkml:trace>
+  <inkml:trace contextRef="#ctx0" brushRef="#br0" timeOffset="2408">1555 26 0,'-26'0'16,"26"-26"-16,-26 26 16,52 0 31,0 0-47,0 0 15,0 0 1,0 0-16,26 26 0,-26-26 15,0 26-15,0-26 0,-1 0 16,1 26-16,0 0 16,0-26-1,-26 26 1,-26-26 0,0 0-16,26 25 15,-26-25-15,1 26 16,-1-26-16,0 26 0,0-26 15,0 26-15,0 0 0,0 0 16,0 0-16,26 0 16</inkml:trace>
+</inkml:ink>
+</file>
+
+<file path=ppt/ink/ink17.xml><?xml version="1.0" encoding="utf-8"?>
+<inkml:ink xmlns:inkml="http://www.w3.org/2003/InkML">
+  <inkml:definitions>
+    <inkml:context xml:id="ctx0">
+      <inkml:inkSource xml:id="inkSrc0">
+        <inkml:traceFormat>
+          <inkml:channel name="X" type="integer" max="1920" units="cm"/>
+          <inkml:channel name="Y" type="integer" max="1080" units="cm"/>
+          <inkml:channel name="T" type="integer" max="2.14748E9" units="dev"/>
+        </inkml:traceFormat>
+        <inkml:channelProperties>
+          <inkml:channelProperty channel="X" name="resolution" value="55.81395" units="1/cm"/>
+          <inkml:channelProperty channel="Y" name="resolution" value="55.6701" units="1/cm"/>
+          <inkml:channelProperty channel="T" name="resolution" value="1" units="1/dev"/>
+        </inkml:channelProperties>
+      </inkml:inkSource>
+      <inkml:timestamp xml:id="ts0" timeString="2020-12-09T06:16:59.771"/>
+    </inkml:context>
+    <inkml:brush xml:id="br0">
+      <inkml:brushProperty name="width" value="0.05" units="cm"/>
+      <inkml:brushProperty name="height" value="0.05" units="cm"/>
+      <inkml:brushProperty name="fitToCurve" value="1"/>
+    </inkml:brush>
+  </inkml:definitions>
+  <inkml:trace contextRef="#ctx0" brushRef="#br0">1166 0 0,'0'-26'16,"0"52"109,-26-26-125,26 26 15,-26-26-15,0 26 16,1 0 0,-1-26-16,26 26 15,-26-26-15,26 25 0,-26-25 16,26 26-16,-26-26 16,0 26-16,0 0 15,0-26 1,26 26-16,-26 0 15,0 0-15,0 0 16,26 0 0,-26-26-16,26 26 15,-25-26-15,25 26 16,0 0-16,-26-26 16,26 25-1,-26-25-15,0 26 16,0 0-1,26 0 1,-26-26-16,26 26 31,-26-26-31,26-26 94,0 0-47,26 0-16,-26 0 0,26 26-15,-26-25-16,0-1 31,26 0-31,-26 0 16,0 0 0,26 0-16,-26 0 15,0 0 1,0 0-1,0 0 17,0 0-17,-26 26 126,0 26-110,26 0-15,-26-26-1,26 26 1,-26-26-16,26 26 16,-26-26-16,26 26 15,0 0 1,-26-26-16,26 26 16,-26 0-16,26 0 15,-26-26 1,0 26-16,1-1 15,-1-25 1,26 26-16,-26-26 0,26 26 16,-26-26-16,26 26 0,-26 0 15,26 0 1,-26 0-16,0 0 16,26 0-1,-26-26-15,26 26 0,-26-26 16,26 26-16,-26 0 0,0-1 15,0 1 1,1 0 0,25 0-16,-26-26 15,26 26-15,-26 0 16,0 0 0,26 0-1,-26 0 1,26 0-1,-26-26 1,26 26 0,26-52 124,0 26-124,0 0 0,0 0-1,-26-26 1,26 26-16,-1 0 15,-25-26-15,26 26 16,0-26 0,0 26-16,-26-26 15,26 26-15,0-26 16,0 0 0,0 26 15,-26-26-31,26 26 15,-26-26-15,26 26 16,0-26 0,0 26 15,-26-25-31,25 25 31,-25-26-31,0 0 31,26 26-15,0 0 15,-26 26 79,0 0-79,26-1 0,-26 1 16,0 0-31,0 0 31,26-26 46,-26-26-61,26 26-17,-26-26 1,26 26-1,-26-26-15,26 26 16,-26-25 0,26 25-16,-26-26 0,26 26 15,-26-26-15,0 0 0,26 26 16,-26-26-16,26 0 16,-26 0-16,25 0 15,-25 0-15,26 26 16,-26-26-16,26 0 15,-26 0-15,26 26 16,-26-25 0,0-1-1,26 26-15,-26-26 16,26 0 0,0 0-1,0 0 1,0 0 15,-26 0-15,26 26-1,-26-26-15,26 26 32,-26-26-32,26 26 15,-26-26 1,25 26 15,-25-26-15,26 26 15,-26-25 0,26 25-15,0 0 15,-26-26 16,26 26 62,-26-26-109,26 26 32,-26-26 14,26 26-30,0 0 78</inkml:trace>
+</inkml:ink>
+</file>
+
+<file path=ppt/ink/ink18.xml><?xml version="1.0" encoding="utf-8"?>
+<inkml:ink xmlns:inkml="http://www.w3.org/2003/InkML">
+  <inkml:definitions>
+    <inkml:context xml:id="ctx0">
+      <inkml:inkSource xml:id="inkSrc0">
+        <inkml:traceFormat>
+          <inkml:channel name="X" type="integer" max="1920" units="cm"/>
+          <inkml:channel name="Y" type="integer" max="1080" units="cm"/>
+          <inkml:channel name="T" type="integer" max="2.14748E9" units="dev"/>
+        </inkml:traceFormat>
+        <inkml:channelProperties>
+          <inkml:channelProperty channel="X" name="resolution" value="55.81395" units="1/cm"/>
+          <inkml:channelProperty channel="Y" name="resolution" value="55.6701" units="1/cm"/>
+          <inkml:channelProperty channel="T" name="resolution" value="1" units="1/dev"/>
+        </inkml:channelProperties>
+      </inkml:inkSource>
+      <inkml:timestamp xml:id="ts0" timeString="2020-12-09T06:12:19.480"/>
+    </inkml:context>
+    <inkml:brush xml:id="br0">
+      <inkml:brushProperty name="width" value="0.05" units="cm"/>
+      <inkml:brushProperty name="height" value="0.05" units="cm"/>
+      <inkml:brushProperty name="fitToCurve" value="1"/>
+    </inkml:brush>
+  </inkml:definitions>
+  <inkml:trace contextRef="#ctx0" brushRef="#br0">231 1841 0,'26'0'16,"-26"-26"15,0 0 0,-26 26-31,26 26 110,0 0-95,0 0-15,0 0 16,0 0-16,0 0 16,0 25-16,0-25 15,0 0-15,0 26 0,0-26 16,0 26-16,0-26 16,0 26-16,0-26 0,0 25 15,0 1-15,0 0 0,0-26 16,0 26-16,0 0 15,0-1-15,0 1 0,0-26 16,0 26-16,26 0 16,-26-26-16,0 26 0,0-1 15,0-25-15,0 26 16,0-26-16,0 0 0,0 26 16,0-26-16,-26 0 0,26 0 15,0 25-15,0-25 0,-26 0 16,26 0-16,0 0 15,0 0-15,0 0 16,0 0-16,0 0 16,0 0-1,0 0 1,26-26 0,-26 26 15,26-26 31,0 0-30,-1 0-17,1 0-15,0 0 16,26 0-16,-26 0 0,26 0 15,0 0-15,0 0 16,-1 26-16,1-26 0,26 0 16,0 0-16,-26 0 0,51 0 15,-25 0-15,0 0 16,25 0-16,-25 0 0,26 0 16,0-26-16,-27 26 15,27 0-15,0 0 0,-27-26 16,27 26-16,0 0 0,-1 0 15,1 0-15,0 0 16,-1-26-16,1 26 0,0 0 16,-26 0-16,25 0 15,-25 0-15,26 0 0,-27 0 16,-25-26-16,26 26 0,-26 0 16,26 0-16,-27 0 15,27 0-15,-26 0 0,26 0 16,-26 0-16,25-26 15,1 26-15,-26 0 0,0 0 16,0 0-16,-1 0 0,1 0 16,-26 0-16,26 0 15,-26 0-15,0 0 0,0 0 16,0 0 0,0 0-1,0 0 16,-26-26-31,0 0 47,25 26-47,-25-26 32,0 0-17,0 0 1,26 0-1,-26 0-15,0 1 0,0-1 16,0 0-16,-26 0 16,26-26-16,0 0 0,-25 0 15,25 0-15,-26 1 16,26-27-16,0 26 0,-26-26 16,26 26-16,-26-25 0,26 25 15,-26-26-15,26 26 16,-26-25-16,26 25 0,-26-26 15,26 26-15,0-26 0,0 26 16,0 1-16,0-1 16,0 0-16,0 26 0,0 0 15,0 0-15,0 0 16,0 0-16,0 0 16,-26 26-16,26-25 0,0-1 15,-26 26 1,26-26-16,0 0 15,0 0 17,0 0-17,-26 26 1,0 0 46,0 0-30,1-26-17,-1 26-15,0 0 16,0 0-16,-26 0 0,26 0 16,-26 0-16,0 0 15,1 0-15,-1 0 0,0 0 16,-26 0-16,26 0 15,-25 26-15,-1-26 0,0 0 16,0 0-16,-25 0 0,25 0 16,0 0-16,0 0 15,1 0-15,-1 0 0,-26 0 16,26 0-16,1 0 0,-1 0 16,0 26-16,0-26 15,1 0-15,25 0 0,-26 0 16,26 0-16,-26 0 15,27 0-15,-1 0 0,-26 0 16,26 26-16,0-26 16,-25 0-16,25 0 0,-26 0 15,26 0-15,-26 0 0,27 0 16,-27 26-16,26-26 16,0 0-16,-26 0 0,27 0 15,-1 0-15,0 26 0,0-26 16,0 0-16,0 0 15,0 26-15,27-26 0,-27 0 16,0 0-16,0 0 16,26 25-16,-26-25 0,26 0 15,0 0-15,1 0 0,-1 0 16,0 0-16,0 0 16,0 0-16,0 0 15,0 26 1,0-26 15,0 26-31,0-26 16,0 0-1,26 26 1,0 0 15,0 0-15,0 0-16,0 0 15,0 0-15,0 0 16,0 0-16,0 0 16,0-1-16,0 1 15,0 0-15,0 0 16,0 0-16,0 0 0,0 0 16,0 0-16,0 0 15,26 0-15,-26 0 0,0 0 16,0 0-16,26-26 15</inkml:trace>
+  <inkml:trace contextRef="#ctx0" brushRef="#br0" timeOffset="684">1267 2437 0,'0'-26'15,"0"0"1,-25 0 0,-1 0-1,0 26 1,26-26-16,-26 26 0,0 0 15,0 0-15,0 26 0,0 0 16,-26 0-16,26 0 16,-25 0-16,-1 26 0,26 0 15,0-26-15,0 25 16,0 1-16,26-26 0,0 26 16,0-26-16,0 26 0,26-26 15,0 0-15,0 0 16,0-1-16,0 1 0,25-26 15,1 0-15,0 26 16,-26-26-16,26 0 0,-26 0 16,26 0-16,-26-26 0,-1 26 15,1-26 1</inkml:trace>
+  <inkml:trace contextRef="#ctx0" brushRef="#br0" timeOffset="1333">1630 2463 0,'-26'0'16,"26"26"15,0 0-15,0 0-1,0 0-15,0 0 0,26-1 16,-26 1-16,0 26 16,0-26-16,0 0 0,0 0 15,0 0-15,0 0 0,0 0 16,0 0-16,0 0 15,0-52 1,0 0 0,0 0-1,-26-26-15,26 26 0,0-26 16,0 0-16,-26 1 16,26-1-16,0-26 0,0 26 15,0 0-15,26 26 16,-26-25-16,26 25 0,0 0 15,0 26-15,0 0 0,0 0 16,0 26-16,0-26 16,0 26-16,0-1 0,0 1 15,-1-26-15,1 26 0,-26 0 16,26 0 0,-26 0-16,0 0 15,-26 0-15,0 0 16,1-26-16,25 26 15,-26-26-15,0 26 0,0-26 16,0 0-16,0 26 16,0-26-16,0 0 0,0 0 15</inkml:trace>
+  <inkml:trace contextRef="#ctx0" brushRef="#br0" timeOffset="2010">2226 2333 0,'-25'0'0,"25"-26"0,-26 26 31,26-25-31,0 50 47,0 1-31,0 0-16,0 26 15,0-26-15,26 0 16,-26 0-16,0 26 0,25-26 16,-25 25-16,26-25 15,-26 0-15,26 26 0,0-26 16,0 0-16,-26 0 0,26 0 16,0-26-16,0 26 15,0 0-15,0-26 0,0 26 16,0-26-1,-1 0-15,1 0 16,0-26-16,0 26 0,-26-26 16,26 26-16,0-26 15,-26 0-15,26 0 0,0-26 16,-26 26-16,0-26 16,26 1-16,-26 25 0,0-26 15,0 0-15,0 0 0,0 26 16,0 0-16,0 0 15,0 0-15,0 1 0,0-1 32,-26 26-17</inkml:trace>
+  <inkml:trace contextRef="#ctx0" brushRef="#br0" timeOffset="3427">3367 1737 0,'-26'0'0,"26"26"63,0 0-47,0 0-16,0 0 0,0 0 15,0 0-15,0 26 0,26-27 16,-26 27-16,0-26 15,0 26-15,0-26 0,0 0 16,0 0-16,26 0 16,-26 0-16,0 0 15</inkml:trace>
+  <inkml:trace contextRef="#ctx0" brushRef="#br0" timeOffset="3739">3159 1996 0,'26'0'47,"0"0"-16,0-26-31,0 26 0,0 0 16,0 0-16,0-25 0,0 25 15,0 0-15,0 0 16,0 0-16,0 0 0,-1 0 16,-25-26-16,26 26 15</inkml:trace>
+  <inkml:trace contextRef="#ctx0" brushRef="#br0" timeOffset="4062">3496 1815 0,'-25'0'0,"-1"0"31,0 26-15,0 0 0,0-26-16,26 26 15,-26 0-15,0-26 0,0 26 16,0-1-16,0 1 15,0 0-15,0 0 16</inkml:trace>
+  <inkml:trace contextRef="#ctx0" brushRef="#br0" timeOffset="4314">3211 1919 0,'0'-26'16,"26"26"0,0 26 15,0 0-15,0-1-16,-26 1 15,26-26-15,0 26 16,0 0-16,0 0 0,0-26 15,0 26-15,-1 0 16,1-26-16,0 26 0,0 0 16,0-26-16,0 26 15</inkml:trace>
+  <inkml:trace contextRef="#ctx0" brushRef="#br0" timeOffset="8463">8965 1634 0,'0'-26'0,"0"52"94,0-1-78,-26 1-16,26 0 15,0 0-15,0 26 0,0-26 16,0 26-16,0 0 16,0 25-16,0-25 0,0 0 15,0 0-15,0 26 0,0-26 16,0-1-16,0 1 15,0 0-15,0 26 0,0-26 16,0-1-16,0 1 16,-26 0-16,26 0 0,0 0 15,0-26-15,0 26 16,0-1-16,-26-25 0,26 26 16,0-26-16,0 0 0,0 0 15,0 0 1,0 0-16,0 0 15,0 0 1,26-26 0,-26 25 77,26-25-30,-26 26-63,0 0 31,0 0 0,0 0-15,0 0 0,26 0-1,-26 0 1,0 0 15,26-26 47,0 0-15,0 0-48,0 0 1,0 0 0,0 0-16,0 0 0,25 0 15,1 0-15,0 0 0,0 0 16,26 0-16,-1 0 16,1 0-16,26 0 0,26 0 15,-27-26-15,27 26 0,-1 0 16,1 0-16,25 0 15,-25 0-15,0 0 16,-27 0-16,27 0 0,0 0 16,-27 0-16,1 0 0,0 0 15,-1 0-15,1 0 16,-26 0-16,-1 0 0,-25 0 16,26 0-16,-26 0 0,0 0 15,-26 0-15,25 0 16,-25 0-16,26 0 0,-26 0 15,0 0-15,0 0 0,26 0 16,-26 0-16,0 0 16,0 0-16,-1 0 15,1 0 1,0 0 62,-26-26-31,26 26-47,-26-26 47,0 0-32,26 0 1,-26 0 0,0 0-16,0 0 15,26 1-15,-26-27 16,0 26-16,0-26 0,0 26 16,0-26-16,0 0 15,-26 1-15,26-1 0,0 0 16,0 0-16,0 0 15,0 0-15,26 1 0,-26-1 16,0 0-16,0 0 0,0 0 16,0-26-16,0 27 15,0-1-15,-26 0 0,26-26 16,0 26-16,-26 0 16,26 1-16,0-1 0,0 26 15,-26-26-15,26 26 0,0 0 16,0 0-16,0 0 15,0 0-15,0 1 16,0-1-16,0 0 16,0 0-1,0 0-15,0 0 16,-26 0 0,26 0-16,0 0 15,0 0 1,0 0-1,-26 26 64,1 0-48,-1 0-31,0 0 15,0 0-15,0 0 0,-26 0 16,0 0-16,-26 0 16,27 0-16,-53 0 0,26 0 15,-26 0-15,1 0 16,-1 0-16,0 0 0,1 0 16,-1 0-16,0 0 0,27 0 15,-27 0-15,26 0 16,26 0-16,-25 0 0,25 0 15,-26 0-15,26 0 16,26 0-16,-26 0 0,1 0 16,-1 0-16,0 0 0,0 0 15,0 0-15,0 0 16,1 0-16,-1 0 0,-26 0 16,26 0-16,26 0 15,-26 0-15,1 0 0,25 0 16,0 0-16,-26 0 0,26 0 15,0 0-15,-26 0 16,26 26-16,0-26 0,0 0 16,1 0-16,-1 0 15,0 26-15,0-26 0,0 0 16,0 0-16,0 0 16,0 0-1,0 26 16,0-26-15,0 0-16,0 0 16,26 26-1,-25-26-15,25 26 16,-26-26 0,26 26-1,0 0 1,0 0-1,0 0-15,26-26 16,-26 26-16,0-1 16,0 1-16,0 0 15,0 0 1,-26 0 0,26 0-1,-26-26-15,26 26 16,0 0-1,-26-26-15,26 26 16,0 0 0,0 0-16,0 0 15,-26-26 1,26 25-16,0 1 16,0 0-16,-26-26 15</inkml:trace>
+  <inkml:trace contextRef="#ctx0" brushRef="#br0" timeOffset="9153">9432 2230 0,'0'-26'0,"0"0"31,0 52 1,0 0-32,0 0 15,0 0-15,0-1 0,0 27 16,0 0-16,0 0 16,26-26-16,-26 26 0,0 0 15,0-1-15,0-25 0,0 26 16,26-26-16,-26 0 15,0 0-15,0 0 0,0 0 16,-26 0-16,0-26 16</inkml:trace>
+  <inkml:trace contextRef="#ctx0" brushRef="#br0" timeOffset="9668">9458 2437 0,'0'-52'0,"0"26"16,0 0-16,0-25 0,0 25 15,0 0-15,0-26 16,0 26-16,0 0 0,26 26 16,-1-26-16,1 26 0,0-26 15,0 26-15,0 0 16,26 0-16,-26 0 0,0 0 15,26 0-15,-26 26 16,0-26-16,-1 26 0,1 0 16,0 0-16,-26 0 0,0 26 15,0-26-15,-26-1 16,0 27-16,1-26 0,-1 0 16,0 0-16,0 0 15,-26 0-15,26 0 0,0-26 16,0 0-16,0 26 0,0-26 15,0 0 1,26-26 0,26 26-1,0 0 1,-26 26-16,26-26 0,0 26 16,0 0-1,0-1-15,0 1 0,0 0 16,0 0-16,0 0 15,0 0-15,-1 0 0,1 0 16,0 0-16,0-26 0,-26 26 16,26-26-16</inkml:trace>
+  <inkml:trace contextRef="#ctx0" brushRef="#br0" timeOffset="10299">10183 2411 0,'0'-26'0,"0"52"46,0 0-46,0 0 16,0 0-16,0 0 16,0 0-16,0 0 0,0 0 15,0 25-15,0-25 0,0 0 16,0 0-16,0 0 16,0 0-16,0 0 15,0-52 32,0 0-31,0 0-16,0 0 0,0-26 15,0 26-15,0-25 16,26-1-16,-26 0 0,26-26 16,-26 26-16,26 26 0,0-25 15,0 25-15,0 0 16,-26 0-16,26 0 0,0 26 15,0 0 1,-26 26 0,26-26-16,-26 26 0,25 0 15,1 0-15,-26 0 16,26-1-16,-26 27 0,0-26 16,26 26-16,-26 0 15,26-26-15,-26 26 0,26-1 16,-26-25-16,0 0 0,0 0 15,26 0-15,-26 0 16,0 0-16,0 0 16,0 0-1,-26-26-15</inkml:trace>
+  <inkml:trace contextRef="#ctx0" brushRef="#br0" timeOffset="10558">10209 2618 0,'0'-25'15,"26"25"17,0-26-17,0 26-15,0 0 0,0 0 16,0 0-16,0 0 15,0 0-15,25-26 16,-25 26-16,0 0 0,0 0 16,0 0-16</inkml:trace>
+  <inkml:trace contextRef="#ctx0" brushRef="#br0" timeOffset="10929">10857 2333 0,'0'-26'15,"0"1"-15,0-1 32,26 26-32,-26 26 15,0-1 1,0 1 0,0 0-16,0 0 0,0 26 15,0-26-15,26 0 16,-26 26-16,0-26 0,0 25 15,0-25-15,0 26 16,0-26-16,0 0 0,0 0 16,0 0-16,0 0 15</inkml:trace>
+  <inkml:trace contextRef="#ctx0" brushRef="#br0" timeOffset="11211">10909 2256 0,'0'-26'16,"-26"26"-16,26 26 31,26-26-31,-26 26 16,26-26-16,0 25 15,0 1-15,0 0 0,0 26 16,0-26-16,25 0 0,-25 26 16,0-26-16,0 26 15,0-27-15,0 1 0,0 0 16,-26 0-16,0 0 16,0 0-16</inkml:trace>
+  <inkml:trace contextRef="#ctx0" brushRef="#br0" timeOffset="11522">11402 2230 0,'0'-26'0,"0"0"31,0 52 0,0 0-15,-26 0-16,26 0 15,-26 25-15,26-25 0,-26 0 16,26 26-16,-26-26 16,26 26-16,-26-26 0,0 0 15,26 0-15,-26-1 16,26 1-16,-26 0 0,26 0 15,-26-26-15</inkml:trace>
+  <inkml:trace contextRef="#ctx0" brushRef="#br0" timeOffset="11908">11427 2256 0,'0'-26'16,"0"0"-1,26 26 17,0 0-17,0 0-15,-26 26 0,26-26 16,-26 26-16,26 0 15,-26-1-15,26 1 0,-26 26 16,0-26-16,0 26 0,26-26 16,-26 0-16,0 26 15,0-26-15,0-1 0,0 1 16,0 0-16,0 26 0,0-26 16,0 0-1,0 0-15,0 0 16,0 0-1,-26-26 17</inkml:trace>
+  <inkml:trace contextRef="#ctx0" brushRef="#br0" timeOffset="22528">9198 1530 0,'0'-26'16,"0"52"78,-25-26-94,-1 0 15,26 26 1,-26-26 0,0 26-1,0-26-15,26 26 16,-26-26-1,0 26-15,0-26 16,26 25 0,-26-25-16,26 26 0,-26-26 15,26 26-15,-26 0 0,0-26 16,26 26 0,0 0-16,-25-26 15,25 26 1,0 0-1,-26-26 17</inkml:trace>
+  <inkml:trace contextRef="#ctx0" brushRef="#br0" timeOffset="23560">9043 1893 0,'0'-26'16,"0"0"-1,26 26-15,-26-26 16,0 0-16,26 0 16,-26 0-16,0 0 15,26 0 1,-26 0 0,0 52-1,0 0 1,0 0-1,0 0-15,-26 0 16,26 0 0</inkml:trace>
+  <inkml:trace contextRef="#ctx0" brushRef="#br0" timeOffset="24098">9147 1841 0,'0'26'0,"0"0"16,-26-26 0,26 26-16,0 0 15,-26-26-15,26 25 16,0 1 0,0 0-16,-26-26 15,26 26-15,0 0 16,-26 0-16,26 0 15,0 0 1,0 0 15,0-52 47,0 0-62,0 0 15,-26 26-15,26-26 0</inkml:trace>
+  <inkml:trace contextRef="#ctx0" brushRef="#br0" timeOffset="24473">9095 1737 0,'0'26'47,"-26"-26"-47,26 26 16,-26 0-1,26 0-15,0 0 0,-26 0 16,26 26-16,-26-27 0,26 1 16,0 0-16,-26 0 15,26 0-15</inkml:trace>
+  <inkml:trace contextRef="#ctx0" brushRef="#br0" timeOffset="25133">9043 1737 0,'0'26'15,"0"0"1,-26 0-16,26 0 15,0 0-15,-26 0 0,26 0 16,0 0-16,0-1 16,0 1-16,0 0 0,0 0 15,26-52 17,-26 0-17,0 0 1,26 1-16,-26-1 0,0 0 15,26 0-15,-26 0 0,0-26 16,0 26-16,0 0 16,0 0-16,0 0 0,0 0 15,-26 26 1,0 26 0,26 0-1,0 0-15,-26-26 16,26 26-16,0 0 0,-26 0 15,26 0 1,26-52 31,-26 0-47,26 26 0,0-26 16,-26 0-16,26 0 15,0 0-15,-26 0 0,26 1 16,-26-1-16,-26 26 31,0 0-31,26 26 16,-26-26-16,0 25 0,0-25 15,26 26-15,-26-26 16,0 26-16,26 0 0,-26-26 16,26 26-1,0 0 1</inkml:trace>
+  <inkml:trace contextRef="#ctx0" brushRef="#br0" timeOffset="51982">4326 2256 0,'0'26'94,"26"-26"-79,0 0 110,0 0-94,-1 0-31,1 0 16,0 0 0,0 0-16,0 0 0,0 0 15,0 0 1,0 0-16,0 0 0,0 0 16,0 0-16,0 0 0,0 0 15,25 0-15,-25 0 16,0-26-16,0 26 0,0 0 15,0 0-15,0 0 16,26 0-16,-26 0 0,0 0 16,-1 0-16,1 0 0,0 0 15,26 0-15,-26 0 16,0 0-16,0 0 0,0 0 16,0-26-16,0 26 15,25 0-15,-25 0 0,0 0 16,0 0-16,0 0 0,0 0 15,26 0-15,-26 0 16,0 0-16,0 0 0,0 0 16,-1 0-16,1 0 15,26 0-15,-26 0 0,0 0 16,0 0-16,26 0 0,-26 0 16,0 0-16,0 0 15,25 0-15,-25 0 0,0 0 16,0 0-16,26 0 15,-26 0-15,0 0 0,0 0 16,0 0-16,26 0 16,-27 0-16,1 0 15,26 0-15,0 26 0,-26-26 16,26 0-16,0 0 16,-1 0-16,1 0 0,0 0 15,0 0-15,-26 0 0,26 0 16,0 0-16,-1 0 15,-25 0-15,26 0 0,-26 0 16,26 0-16,-26 0 0,26 0 16,-26 0-16,0 0 15,25 0-15,-25 0 0,0 0 16,26 0-16,-26 0 16,26 0-16,-26 0 0,26 0 15,-27 0-15,27 0 0,-26 0 16,0 0-16,26 0 15,-26 0-15,0 0 0,0 0 16,0 0-16,0 0 16,25 0-16,-25 0 0,0 0 15,0 0-15,0 0 0,0 0 16,26 0-16,-26 0 16,0 0-16,25 0 0,-25 0 15,26 0-15,-26 0 16,0 0-16,0 0 0,0 0 15,26 0-15,-26 0 0,0 0 16,0 0 0,-1 0-16,1 0 15,0 0 1,0 0-16,0 0 16,0 0-16,0 0 15,0 0 1,0 0-16,0 0 31,0 0 16</inkml:trace>
+  <inkml:trace contextRef="#ctx0" brushRef="#br0" timeOffset="52565">8551 2022 0,'25'0'47,"1"0"-16,-26 26-15,26-26-16,0 26 15,0-26-15,0 26 0,0-26 16,0 26-16,0 0 16,0-26-16,0 26 0,0 0 15,-1-26-15,1 26 0,0-26 16,-26 26-1,26-26-15,-26 26 16,0-1 47,-26-25-63,0 26 15,26 0-15,-26-26 16,1 26-16,-27 0 0,26-26 15,0 26-15,0 0 0,0 0 16,0-26-16,0 26 16,0 0-16,0-26 15,26 26-15,-26-26 16,26 26-16</inkml:trace>
+  <inkml:trace contextRef="#ctx0" brushRef="#br0" timeOffset="54685">12568 2048 0,'26'0'93,"0"0"-77,0 0 0,0 0-1,-1 0-15,1 0 0,0 0 16,0 0-16,26 0 16,-26 0-16,26 0 0,-26 0 15,26 26-15,-1-26 16,1 0-16,-26 0 0,26 0 15,0 0-15,0 0 0,-26 26 16,25-26-16,1 0 16,0 0-16,-26 0 0,26 0 15,0 0-15,0 0 16,-27 0-16,27 0 0,0 0 16,-26 26-16,26-26 0,0 0 15,-26 0-15,25 0 16,1 0-16,-26 0 0,26 0 15,0 0-15,-26 0 0,26 0 16,-1 0-16,-25 0 16,26 0-16,-26 0 0,26 0 15,-26 0-15,0 0 16,0 0-16,0 0 0,25 0 16,-25 0-16,0 0 15,0 0-15,26 0 0,-26 0 16,26 0-16,-26 0 0,26 0 15,-1 26-15,1-26 16,-26 0-16,26 0 0,0 0 16,-26 0-16,26 0 15,-1 0-15,-25 0 0,26 26 16,-26-26-16,0 0 0,26 0 16,-26 0-16,26 0 15,-26 0-15,25 0 0,-25 0 16,26 0-16,-26 26 0,26-26 15,-26 0-15,26 0 16,-26 0-16,25 0 0,-25 0 16,0 0-16,0 0 15,0 0-15,0 0 0,26 26 16,-26-26-16,0 0 0,0 0 16,0 0-16,-1 0 15,1 0-15,26 0 0,-26 0 16,0 0-16,26 0 15,-26 26-15,26-26 0,-26 0 16,-1 0-16,1 0 0,0 0 16,26 0-16,-26 0 15,0 0-15,0 0 0,0 26 16,0-26-16,0 0 16,0 0-16,25 0 0,-25 0 15,0 0-15,0 0 0,0 0 16,0 0-16,0 0 15,0 0-15,0 0 0,0 0 16,25 0-16,-25 0 16,0 0-16,0 0 0,0 0 15,0 0-15,0 0 0,26 0 16,-26 0-16,0 0 16,0 0-16,0 0 0,-1 0 15,1 0 1,0 0-16,0 0 15,0 0-15,0 0 16,0 0 0,0 0-16,0 0 15,0 0-15,0 0 16,0 0 0,-1 0-16</inkml:trace>
+  <inkml:trace contextRef="#ctx0" brushRef="#br0" timeOffset="55315">17622 2100 0,'0'-26'16,"0"0"31,26 26-16,-26 26-15,26-26-16,0 26 15,0 0 1,0-26-16,-26 26 15,25-26-15,1 26 0,0 0 16,0-26-16,-26 26 16,26-26-16,-26 26 15,26-26-15,-26 26 16,26-26 0,-26 25-16,0 1 15,0 0 1,0 0-1,-26-26-15,0 26 16,26 0 0,-26-26-16,26 26 15,-26-26-15,0 26 0,0-26 16,26 26 0,-25-26-16,-1 26 15,0-26-15,0 0 16,26 26-1,0-52 48</inkml:trace>
+  <inkml:trace contextRef="#ctx0" brushRef="#br0" timeOffset="57169">17674 2878 0,'-26'-26'94,"0"26"-79,0 0 1,0 0-16,0-26 16,0 26-16,0 0 0,0 0 15,1 0-15,-1 0 0,0 0 16,-26-26-16,26 26 16,0 0-16,-26 0 0,26 0 15,0 0-15,0 0 16,-25 0-16,25 0 0,0 0 15,-26 0-15,26 0 0,-26 0 16,26 0-16,-26 0 16,1 0-16,25 0 0,-26 0 15,0 0-15,0-26 16,26 26-16,-26 0 0,1 0 16,25 0-16,-26 0 0,26 0 15,0 0-15,0 0 16,0 0-16,0 0 0,0 0 15,0 0-15,0 0 16,1 0-16,-27 0 0,26 0 16,-26 0-16,26 0 0,-26 0 15,26 0-15,-26-26 16,26 26-16,-25 0 0,25 0 16,0 0-16,-26 0 15,26 0-15,0 0 0,0 0 16,-26 0-16,26 0 0,1 0 15,-27 0-15,0 0 16,26 0-16,-26 0 0,0-26 16,0 26-16,1 0 15,-1 0-15,0 0 0,0 0 16,0 0-16,0 0 16,27 0-16,-27 0 0,26 0 15,-26 0-15,26 0 0,-26 0 16,26 0-16,0 0 0,0 0 15,0 0-15,-25 0 16,25 0-16,0 0 0,0 0 16,0 0-1,0 0-15,0 0 0,0 0 16,0 0-16,0 0 16,0 0-16,-25 0 0,25 0 15,0 0-15,0 0 0,0 0 16,0 0-16,-26 0 15,26 0-15,0 0 0,-25 0 16,25 0-16,0 0 0,-26 0 16,26 0-16,0 0 15,0 0-15,0 0 0,0 0 16,0 0 0,0 0-16,1 0 0,-1 0 15,0-26-15,0 26 16,0 0-16,0 0 15,0 0-15,0 0 16,0 0-16,0 0 16,0 0-1,0 0-15,0 0 16,1 0 0,-1 0-16,0 0 15,0 0 1,0-26-16,0 26 0,0 0 15,0 0-15,0 0 16,0 0-16,0 0 16,0 0-1,1 0 17,-1 0-1,0 0 16,0 0 0,0 0-16,0 0 0,26 26-31,-26-26 16,0 0-1,0 0 79,26-26-63</inkml:trace>
+  <inkml:trace contextRef="#ctx0" brushRef="#br0" timeOffset="57811">13086 2463 0,'-26'0'47,"0"0"-32,26 26-15,-26-26 16,1 26 0,-1 0-16,0-26 15,0 26-15,0-26 16,0 26-16,0-26 16,0 0-16,26 25 0,-26-25 15,0 0-15,0 0 16,26 26-1,-26-26-15,26 26 32,0 0-1,0 0-15,26-26-1,-26 26 1,26-26-16,-26 26 15,26-26-15,-26 26 16,26 0-16,-26 0 16,26-26-16,0 26 15,-26 0 1,26-26 0,0 0 15,0 0 0,-26 25 0,-26-25-15</inkml:trace>
+  <inkml:trace contextRef="#ctx0" brushRef="#br0" timeOffset="59530">8810 2852 0,'0'26'31,"-26"-26"16,0 0-32,0 0 1,0 0-16,0 0 16,0 0-16,0 0 15,-26 26-15,1-26 0,-1 0 16,0 0-16,0 0 0,0 0 16,0 25-16,1-25 15,-27 0-15,26 0 0,0 0 16,0 0-16,0 0 15,1 0-15,-1 0 0,0 0 16,0 26-16,26-26 0,-26 0 16,1 0-16,-1 26 15,0-26-15,0 0 0,0 0 16,0 0-16,1 0 16,-1 26-16,-26-26 0,26 0 15,-26 0-15,26 0 0,-25 0 16,-1 0-16,26 0 15,-26 0-15,1 0 0,25 0 16,-26 0-16,0 26 16,26-26-16,1 0 0,-1 0 15,0 0-15,26 0 0,-26 0 16,26 0-16,-26 0 16,27 0-16,-27 0 0,26 0 15,0 0-15,-26 0 0,26 0 16,0 0-16,-26 0 15,0 0-15,1 26 0,25-26 16,-26 0-16,0 0 16,0 0-16,0 0 0,1 0 15,25 26-15,-26-26 0,0 0 16,26 0-16,-26 0 16,26 0-16,0 0 0,0 0 15,1 0-15,-1 0 16,-26 0-16,26 0 0,0 0 15,0 0-15,0 0 0,0 0 16,-26 0-16,26 0 16,1 0-16,-1 0 0,0 0 15,0 0-15,0 0 16,0 0-16,0 0 0,0 0 16,0 0-16,0 0 0,0 0 15,0 0 1,0 0-16,1 0 15,-1 0 1,0 0 0,0 0-16,0 0 15,52 0 79</inkml:trace>
+  <inkml:trace contextRef="#ctx0" brushRef="#br0" timeOffset="60149">4766 2852 0,'26'0'0,"0"0"31,-26 26-15,-26-26 0,26 26-1,-26-26-15,1 25 16,-1 1 0,0-26-16,0 26 0,0-26 15,0 26-15,0-26 0,0 26 16,0-26-16,0 26 15,0-26-15,0 26 0,0-26 16,26 26 0,-25-26-16,25 26 47,25-26-16,1 26-16,0-26-15,0 26 16,26-26-16,-26 0 16,0 26-16,0-26 0,0 25 15,0-25-15,-26 26 16,26-26-16,0 26 16,-26 0-16,25-26 15,-25 26 1,26-26 15</inkml:trace>
+  <inkml:trace contextRef="#ctx0" brushRef="#br0" timeOffset="63658">3004 78 0,'0'26'125,"0"0"-94,0 0-15,0 0 15,0 0-31,0 0 31,0 0 1,0 0-17,26-26 32,-26 26-31,26-26-1,0 0 17,0 0-32,0-26 15,-1 26-15,1 0 16,0 0-1,0 0-15,0 0 16,0 0-16,0 0 16,0 0-1,0 0 1,0 0 31,-26-26-16,0 0 16,0 0-16,26 26-31,-26-26 16,0 0-1,0 0 1,0 0 0,0 0-16,0 1 15,0-1 1,-26 26 93,26-26-93,-26 26 0,0 0-1,0 0 1,0 0-1,0 0-15,0 26 16,0-26-16,0 0 16,0 0-1,1 0-15,-1 0 16,0 0 0,26 26-1,-26-26 1,0 0 46,0 0-30,26 25-17,26-25 48</inkml:trace>
+  <inkml:trace contextRef="#ctx0" brushRef="#br0" timeOffset="65830">3082 467 0,'26'0'63,"-26"26"-17,0 0-30,0 0 0,0 0-1,0 0 1,0 0 0,0 0-1,-26-26-15,26 26 0,0-1 31,26-25-15,0 0 31,-1 0-31,-25-25-1,26 25-15,0 0 16,0 0-16,0 0 15,0 0-15,0 0 16,0 0-16,0 0 16,0 0-16,0 0 0,0-26 15,0 26-15,-1 0 16,1 0-16,0 0 16,0 0-1,0 0 1,0 0-1,0 0 1,0 0 0,-26-26 171,0 0-171,0 0-16,0 0 15,0 0 1,0 0 0,26 0-1,-26 0 1,0 0 31,-26 26 47,0 0-63,0 0-16,0 0-15,0 0 16,26 26-16,-26-26 0,0 0 16,0 0-1,1 0-15,-1 0 16,0 0 0,0 0-1,26-26 1,-26 26-16,0 0 15,0 0 17,0 0-17,0 0 1,26 26 0,-26-26-1,0 0 110,26 26-109,0 0 31,-26-26 109</inkml:trace>
+  <inkml:trace contextRef="#ctx0" brushRef="#br0" timeOffset="67535">3030 934 0,'26'0'16,"-26"-26"-1,0 52 48,0 0-47,0 0-1,0 0 1,0-1-16,0 1 15,0 0 1,26-26-16,-26 26 16,0 0-1,0 0 17,26-26 61,0 0-77,-1 0 0,1 0-1,0 0-15,0 0 0,-26-26 16,26 26-16,0 0 15,0 0-15,0 0 0,26 0 16,-26-26-16,0 26 16,25 0-16,-25 0 0,26 0 15,-26 0-15,0 0 0,0 0 16,26 0-16,-26 0 16,0 0-16,0 0 0,-1 0 15,1 0 1,0 0-16,0 0 15,0 0 1,0 0 0,0 0-1,-26-26 48,0 0-32,0 0 0,-26 1-15,26-1-16,0 0 16,0 0-1,0 0 1,0 0-1,0 0 17,0 0-1,0 0 0,-26 26 16,0 0-31,0 0-1,0 0-15,0 0 16,1 0 0,-1 0-16,0 26 0,0-26 15,0 0-15,0 0 0,-26 0 16,26 0-16,0 0 15,0 0-15,-25 0 0,25 0 16,0 0-16,0 0 0,0 26 16,0-26-1,0 0-15,0 0 16,0 0 0,0 0-16,0 0 15,0 0-15,0 0 16,1 0-16,-1 0 15,0 0 1,26 26 78,26-26-63,-26 26-15</inkml:trace>
+  <inkml:trace contextRef="#ctx0" brushRef="#br0" timeOffset="69580">3056 1271 0,'26'0'16,"0"0"46,-26 26-46,0 0-1,0-1-15,0 1 16,0 0 0,0 0-16,0 0 15,0 0 1,0 0 15,26-26 16,-1 0-16,-25-26-15,26 26-16,0 0 0,0 0 16,0 0-16,0 0 15,0 0-15,0 0 16,0 0-16,0 0 0,26 0 15,-26 0-15,-1 0 16,27-26-16,-26 26 0,0 0 16,26 0-16,-26 0 0,0 0 15,0 0-15,26 0 16,-27 0-16,1 0 0,0 0 16,0 0-1,0 0-15,0 0 16,0 0-16,0 0 15,0 0 1,26 0-16,-26 0 0,-1 0 16,1 0-1,0 0-15,0 0 32,0 0-1,0 0-16,-26 26-15,26-26 16,-26-26 62,-26 0-62,26 0-1,0 0 1,0 0 0,0 1-1,0-1-15,0 0 16,26 26 0,-26-26-1,26 26 16,-26-26 1,-26 26-32,0 0 31,0 0 0,0 0-15,0 0-1,0 26 1,0-26 0,1 0-16,-1 0 0,0 0 15,0 0-15,-26 0 16,26 0-16,-26 0 0,26 0 16,-26 0-16,27 0 0,-27 0 15,26 0-15,0 0 16,0 0-16,0 0 0,0 0 15,0 0-15,0 0 16,0 0 0,0 0-16,1 0 15,-1 0 1,0 0-16,0 0 16,0 0-1,0 0-15,0 0 16,26-26-1,-26 26 1,0 0 15,0 0-15,26 26 0,-26-26-1,0 0 16,0 26 1,26 0 30,-25-26-46</inkml:trace>
+  <inkml:trace contextRef="#ctx0" brushRef="#br0" timeOffset="70774">3056 441 0,'0'26'31,"0"0"16,26-26-47,-26 26 16,26-26-1,0 0 1,-1 0 0,1 0-1,0 0 16,-52 0 32,0 0-32,52 0 16,0 0-47,0 0 16,0 0-1,0 0 1,-52 0 46,0 0-46,0 0 0</inkml:trace>
+  <inkml:trace contextRef="#ctx0" brushRef="#br0" timeOffset="120440">21743 1789 0,'0'-26'63,"0"52"15,0 0-31,26-26-32,-26 26-15,0 0 16,26 0-16,-26 0 16,0 0-16,0-1 15,0 1-15,0 0 16,0 0-16,26-26 15,-26 26-15,0 0 0,0 0 16,0 0-16,0 0 16,0 0-1,0 0 1,0 0-16,0 0 16,0-1-1,0 1 1,0 0-1,0 0 1,0 0 15,0 0 16,0 0 141,0 0-157,-26-26 0,26 26-31,0 0 31,-26-26-15,26 26-16,-26-26 16,26 26-1,-26-1 1,0 1 0,0 0-1,0-26 1,26 26-16,-26-26 15,26 26 1,-26-26-16,26 26 16,-25-26-1,25 26 1,-26-26-16,0 0 31,26 26-31,-26-26 31,26 26-31,0 0 32,-26-26-17,26 26 17,0 0 77,0-1-78,-26-25-31,26 26 16,-26-26-1,26 26 1,0 0 15,0 0 16,26-26 0,0 0-31,0 0-1,0 0 1,0 0-16,0 0 16,-1 0-16,1 0 15,0 0-15,0 0 16,0 0-16,0 0 0,0 0 15,0 26-15,0-26 16,0 0-16,0 0 0,0 0 16,-1 0-16,27 0 0,-26 0 15,0 26-15,0-26 16,0 0-16,0 0 16,0 0-16,0 0 15,0 0-15,0 0 16,-1 0-16,1 0 15,0 0 1,0 0 0,0 0-1,0 0 1,0 0 15,-26-26 0,0 0 1,0 0-1,0 0 0,-26 26-31,26-26 16,0 0-1,-26 1-15,26-1 16,0 0 0,0 0-16,-26 0 15,26 0 1,-26 0 0,26 0-1,0 0 16,-26 0 1,26 0-1,-26 26-15,26-26-1,-25 26 1,25-25 15,-26 25-15,26-26 15,-26 26-31,26-26 94,0 0-47,-26 26-32,26-26 1,0 0-1,0 0 1,0 0 15,0 0-15,26 0 0,-26 0-1,0 0 1,0 1-1,26 25-15,-26-26 16,0 0 0,26 26-1,-26-26-15,0 0 32,0 0-1,25 26-16,-25-26 1,0 0 0,26 0 15,-26 0-15,26 26 15,-26-26-31,26 26 15,-26-26 1,26 26 0,-26-26-16,26 26 15,0-25 1,0 25 0,-26-26-16,26 26 15,-26-26 1,26 26-1,-26-26-15,0 0 32,26 26-32,-26-26 31,0 0 16,0 0 31,0 0-47,0 0 0,0 0 1,-26 26-17,0-26 17,0 26-17,0 0 16,0 0-31,0 0 16,0 0 0,0 0-16,0 0 15,0 0 1,1 0-16,-1 0 16,0 0-1,0 0-15,0 0 16,0 0-16,0 0 15,0 0-15,0 0 16,0 0 0,0 0-16,0 0 15,1 0-15,-1 0 32,0 0-17,0 0 1,0 0-1,0 0 32,0 0 0,26 26-16,0 0 1,0 0-32,-26 0 15,26 0 1,0 0-16,0 0 16,0 0-16,0 0 15,0 0 1,26-26 31,-26 26-47,26-26 31</inkml:trace>
+  <inkml:trace contextRef="#ctx0" brushRef="#br0" timeOffset="121473">21950 1789 0,'0'26'31,"0"0"16,0 0-16,-26 0-15,26 0-16,0 0 15,-26-1 1,26 1-16,0 0 16,-25-26-16,25 26 0,0 0 15,0 0 1,-26 0-1,26 0-15,0 0 16,0 0 0,0 0-16,0 0 15,0 0 1,0-1-16,-26-25 16,26 26-16,0 0 15,0 0 1,0 0-1,-26 0 1,26 0 0,0 0-1,-26 0 1,26 0 0,0 0-1,0 0 1,0-1-1,0 1 1,0 0-16,0 0 16,0 0-1,-26-26 1,26 26-16,0 0 16,0 0-1,0 0 1,0 0 15</inkml:trace>
+  <inkml:trace contextRef="#ctx0" brushRef="#br0" timeOffset="123040">21380 3137 0,'-26'0'16,"0"26"0,0-26-16,0 0 15,1 0-15,-1 0 0,0 0 16,0 0-16,0 0 16,0 26-16,0-26 0,0 0 15,0 0-15,0 0 16,0 0-16,0 0 0,0 0 15,1 0-15,-1 0 16,0 0-16,0 0 16,0 0-16,0 0 15,0 0-15,0 0 16,0 0-16,0 0 16,-26 0-16,27 0 0,-1 0 15,-26 0-15,26 0 16,0 0-16,-26 0 0,26 0 15,0 0-15,-26 0 16,27 0-16,-1 0 0,-26 0 16,26 0-16,-26 0 0,26 0 15,0 0-15,-26 0 16,26 0-16,-25 0 0,25 0 16,0 0-16,-26 0 15,26 0-15,-26 0 0,26 0 16,-26 0-16,26 0 0,-25 0 15,25 0-15,-26 0 16,0 0-16,0 0 0,26 0 16,-26-26-16,1 26 15,-1 0-15,0 0 0,26 0 16,-26 0-16,0 0 0,26 0 16,-25 0-16,25 0 15,0 0-15,-26 0 0,26 0 16,0 0-16,-26 0 15,26 0-15,0 0 0,1 0 16,-1 0-16,0 0 0,-26 0 16,26 0-16,0 0 15,0 0-15,-26 0 0,0 0 16,26 0-16,1 0 0,-27 0 16,26 0-16,-26 0 15,26 0-15,0 0 0,0 0 16,-26 0-16,26 0 15,1 0-15,-1 0 0,0 0 16,0 0-16,-26 0 16,26 0-16,0 0 0,-26 0 15</inkml:trace>
+  <inkml:trace contextRef="#ctx0" brushRef="#br0" timeOffset="123699">15212 3033 0,'-26'0'0,"0"0"0,-26 0 16,26 0-16,0 0 0,0 0 16,0 0-16,0 0 15,0 0-15,0 0 0,1 0 16,-1 0-16,-26 0 0,26 0 16,0 0-16,0 0 15,0 0-15,0 0 0,-26 26 16,26-26-16,0 0 15,1 0-15,-1 0 0,0 0 16,0 0-16,0 0 16,0 0-16,0 0 15,-26 0-15,26 0 0,0 0 16,0 0-16,1 0 16,-1 0-16</inkml:trace>
+  <inkml:trace contextRef="#ctx0" brushRef="#br0" timeOffset="124214">12801 3085 0,'-26'0'0,"0"0"0,0 0 15,0 0 1,26 26-16,-25-26 0,-1 0 16,0 0-1,0 0-15,0 0 0,0 0 16,26 26-16,-26-26 0,0 0 31</inkml:trace>
+  <inkml:trace contextRef="#ctx0" brushRef="#br0" timeOffset="124714">12620 3007 0,'-26'0'15,"26"-26"-15,-26 26 16,26 26 31,-26-26-32,0 26-15,0 0 16,0-26-16,26 26 16,-26 0-16,0-26 15,0 26-15,1 0 16,-1-26 0,26 26-16,26-26 31,-1 0-16,1 0-15,-26 26 16,26-26-16,-26 25 16,26-25-16,-26 26 15,26-26-15,0 0 16,-26 26-16,26 0 16,0-26-16,0 26 15</inkml:trace>
+  <inkml:trace contextRef="#ctx0" brushRef="#br0" timeOffset="126801">14434 597 0,'26'0'156,"0"0"-140,0 0-1,0 0-15,0 0 16,-1 0-16,27 0 15,-26 0-15,26 0 0,0 0 16,0 0-16,26 26 0,-27-26 16,27 0-16,-26 0 15,26 0-15,-26 0 0,-1 26 16,1-26-16,0 0 16,-26 0-16,0 0 0,0 0 15,0 0-15,0 0 0,0 0 16,-52 0 46,0 0-62</inkml:trace>
+  <inkml:trace contextRef="#ctx0" brushRef="#br0" timeOffset="129674">14512 649 0,'0'26'63,"0"-1"-32,0 1-15,0 0-1,26 0 1,-26 0 0,0 0-1,26 0-15,-26 0 16,25-26-16,-25 26 0,0 0 16,26-26-1,-26 26-15,26 0 16,0-26-1,-26 26-15,26-1 16,-26 1-16,26-26 16,-26 26-1,26-26-15,0 26 16,0-26 0,0 0-1,0 0 1,0 0-1,0 0 1,-52 0 31,26 26-47,-26 0 31,26 0 0,0 0 1,0 0-17,0 0 1,0 0 0,0 0-1,0-1 1,-26-25-16,26 26 15,0 0 1,0 0 0,0 0-1,0 0 1,0 0 0,0 0-1,0 0 1,0 0-16,-26 0 15,26 0 1,0-1 0,0 1 62,0 0-47,0 0 0,26-26 1,0 26-1,0-26-16,0 0 1,-1 0-16,1 0 16,0 0-1,0 0-15,0 0 16,0 0 0,0 0-16,0 0 15,-26-26 16,26 26-31,-26-26 32,0 0-17,0 0 17,26 26-32,-26-25 15,0-1 1,0 0-1,0 0-15,26 0 16,-26 0 0,0 0-16,0 0 15,0 0 1,0 0 0,0 0-16,0 0 15,0 1 1,0-1-1,0 0 1,0 0 15,26 26-15,-26-26 0,0 0 15,0 0 31,25 26-15,1 0-31,0 0 15,0 0-31,0 0 16,0 0-1,0 0 1,0 0-16,0 0 16,-26-26-1,26 26-15,0 0 16,0 0-1,-26-26 1,25 26-16,1-26 31,0 26 1,-26-26-32,26 26 15,-26-26 1,26 1 15,0-1 0,0 0-15,0 0 15,-26 0-15,0 0-1,26 26-15,-26-26 16,0 0 0,0 0-1,26 26 1,-26-26 0,0 0 15,0 0 16,0 0 15,-26 26-15,0 0 0,0 0-31,0 0-16,0 0 15,0 0-15,0 0 16,0 0-16,0 0 15,1 0-15,-1 0 16,0 0-16,0 0 16,0 0-1,0 0 1,0 0 0,0 0-1</inkml:trace>
+  <inkml:trace contextRef="#ctx0" brushRef="#br0" timeOffset="293252">10961 1478 0,'0'-26'0,"-26"26"62,52 0-15,0 0-47,0 0 16,0 0-16,0 0 15,0 0-15,-1 0 0,1 0 16,0 0-16,26 0 16,-26-26-16,0 26 0,0 0 15,0 0 1</inkml:trace>
+  <inkml:trace contextRef="#ctx0" brushRef="#br0" timeOffset="293686">11505 1478 0,'0'-26'16,"-26"26"-16,52-26 47,0 26-32,0 0 1,0 0-16,0 0 15,0 0 1,0 0-16,0 0 16,0 0-1,-1 0 1</inkml:trace>
+  <inkml:trace contextRef="#ctx0" brushRef="#br0" timeOffset="294213">11065 1634 0,'0'-26'31,"26"26"-16,-1 0 17,1 0-32,0 0 15,0 0-15,26 0 32,-26 0-32,0 0 15</inkml:trace>
+  <inkml:trace contextRef="#ctx0" brushRef="#br0" timeOffset="294597">11505 1582 0,'26'0'47,"0"0"-32,0 0-15,0 0 16,0 0-16,0 0 16,0 0-16,0 0 15,-1 0-15,1 0 16,0 0-16</inkml:trace>
+  <inkml:trace contextRef="#ctx0" brushRef="#br0" timeOffset="295161">11091 1737 0,'25'0'32,"1"0"-17,0 0 1,0 0-16,0 0 0,0 0 15,0 0 1,0 0-16</inkml:trace>
+  <inkml:trace contextRef="#ctx0" brushRef="#br0" timeOffset="295486">11583 1789 0,'0'-26'16,"26"26"15,0 0-15,0 0-16,0-26 16,0 26-16,-1 0 15,27 0-15,-26 0 0,0 26 16,0-26-16</inkml:trace>
+</inkml:ink>
+</file>
+
+<file path=ppt/ink/ink19.xml><?xml version="1.0" encoding="utf-8"?>
+<inkml:ink xmlns:inkml="http://www.w3.org/2003/InkML">
+  <inkml:definitions>
+    <inkml:context xml:id="ctx0">
+      <inkml:inkSource xml:id="inkSrc0">
+        <inkml:traceFormat>
+          <inkml:channel name="X" type="integer" max="1920" units="cm"/>
+          <inkml:channel name="Y" type="integer" max="1080" units="cm"/>
+          <inkml:channel name="T" type="integer" max="2.14748E9" units="dev"/>
+        </inkml:traceFormat>
+        <inkml:channelProperties>
+          <inkml:channelProperty channel="X" name="resolution" value="55.81395" units="1/cm"/>
+          <inkml:channelProperty channel="Y" name="resolution" value="55.6701" units="1/cm"/>
+          <inkml:channelProperty channel="T" name="resolution" value="1" units="1/dev"/>
+        </inkml:channelProperties>
+      </inkml:inkSource>
+      <inkml:timestamp xml:id="ts0" timeString="2020-12-09T06:17:21.459"/>
+    </inkml:context>
+    <inkml:brush xml:id="br0">
+      <inkml:brushProperty name="width" value="0.05" units="cm"/>
+      <inkml:brushProperty name="height" value="0.05" units="cm"/>
+      <inkml:brushProperty name="fitToCurve" value="1"/>
+    </inkml:brush>
+  </inkml:definitions>
+  <inkml:trace contextRef="#ctx0" brushRef="#br0">337 130 0,'25'0'0,"1"0"15,0 0-15,0 0 16,0 0 0,0 0-16,0-26 15,-52 26 32,0 0-31,0 0-16,0 0 0,0 26 15,0-26-15,1 0 0,-1 26 16,0-26-16,0 0 16,0 26-16,0-26 0,0 0 15,0 0-15,0 0 16,0 0-16,0 0 16,0 0-16,0 0 15,1 0 1,50-26 15,1 26-15,0 0-1,0 0 1,0 0-16,0 0 16,0 0-1,0 0-15,0 0 0,0 0 16,0 0-16,0 0 15,0 0-15,-1 0 16,-25-26-16,26 26 0,0 0 16,-52 0 15,0-26-15,1 26-1,-1 0-15,0 0 16,0 0-16,0 0 15,0 26-15,0-26 0,0 0 16,0 0-16,0 0 16,0 0-16,0 0 15,52 0 17,0 0-17,0-26 1,0 26-16,0 0 0,26 0 15,-26-26-15,0 26 0,26 0 16,-27-26-16,1 26 16,0 0-16,0 0 15,-52 0 17,0 0-32,0 0 0,1 0 15,-1 0-15,0 0 0,0 26 16,0-26-16,-26 0 15,26 0-15,0 0 0,0 0 16,0 0 0,0 0-16,0 0 0,52 0 47,0 0-47,0-26 15,0 26-15,26 0 16,-26 0-16,0 0 0,0 0 15,0-26-15,0 26 0,0 0 16,-1 0-16,1 0 16,-52 0-1,1 0 1,-1 0-16,0 0 16,0 0-16,0 0 0,0 0 15,0 0 1,0 0-16,0 26 15,0-26 1,52 0 15,0 0-31,0 0 16,0 0-16,0 0 16,0 0-1,0 0-15,-52 0 47,0 0-47,0 0 16,0 0-16,0 0 15,0 26-15,0-26 0,0 0 16,0 0-16,26-26 31,26 26-15,0 0-16,-26-26 15,26 26-15,0 0 0,0 0 16,0-26-16,0 26 31,-52 0 1,0 0-32,0 26 15,0-26-15,0 0 16</inkml:trace>
+</inkml:ink>
+</file>
+
+<file path=ppt/ink/ink2.xml><?xml version="1.0" encoding="utf-8"?>
+<inkml:ink xmlns:inkml="http://www.w3.org/2003/InkML">
+  <inkml:definitions>
+    <inkml:context xml:id="ctx0">
+      <inkml:inkSource xml:id="inkSrc0">
+        <inkml:traceFormat>
+          <inkml:channel name="X" type="integer" max="1920" units="cm"/>
+          <inkml:channel name="Y" type="integer" max="1080" units="cm"/>
+          <inkml:channel name="T" type="integer" max="2.14748E9" units="dev"/>
+        </inkml:traceFormat>
+        <inkml:channelProperties>
+          <inkml:channelProperty channel="X" name="resolution" value="55.81395" units="1/cm"/>
+          <inkml:channelProperty channel="Y" name="resolution" value="55.6701" units="1/cm"/>
+          <inkml:channelProperty channel="T" name="resolution" value="1" units="1/dev"/>
+        </inkml:channelProperties>
+      </inkml:inkSource>
+      <inkml:timestamp xml:id="ts0" timeString="2020-12-09T06:12:36.321"/>
+    </inkml:context>
+    <inkml:brush xml:id="br0">
+      <inkml:brushProperty name="width" value="0.05" units="cm"/>
+      <inkml:brushProperty name="height" value="0.05" units="cm"/>
+      <inkml:brushProperty name="fitToCurve" value="1"/>
+    </inkml:brush>
+  </inkml:definitions>
+  <inkml:trace contextRef="#ctx0" brushRef="#br0">83 234 0,'-26'0'16,"26"26"31,0 0-47,26 0 15,-26 0-15,0 0 16,0 26-16,26 0 0,-26 25 16,0 1-16,0 0 15,0 0-15,0-1 0,0 1 16,0 0-16,0 0 0,0 0 16,0-27-16,-26 27 15,26-26-15,0 0 0,0 26 16,0-27-16,0 1 0,-26 26 15,26-26-15,0 0 16,0-1-16,0 1 0,-26 0 16,26 0-16,0 0 15,0 0-15,0-1 0,-26 1 16,26-26-16,0 0 16,0 0-16,0 0 0,0 0 15,0 0-15,0 0 16,0 0-1,0 0-15,0 0 16,0-1-16,0 1 16,0 0-16,0 0 0,0 0 15,0 0-15,26-26 47,0-26-47,-26 0 16,26 26-1,0-26-15,0 26 16,0 0 0,0 0-16,0 0 0,0 0 15,-1 0-15,1 0 16,0 0-16,26 0 0,0 0 16,0 0-16,0 0 0,-1 0 15,27 0-15,-26 0 16,26 0-16,0 0 0,-1 0 15,1 26-15,26-26 0,-1 0 16,-25 0-16,52 26 16,-27-26-16,1 0 0,0 26 15,-1-26-15,27 0 16,-26 26-16,-1-26 0,1 26 16,0-26-16,-1 0 0,1 26 15,-26-26-15,26 0 16,-27 0-16,1 0 0,0 0 15,0 0-15,-1 0 16,27 0-16,-26 0 0,0 0 16,-27 0-16,27 0 0,0 0 15,0 0-15,-27 0 16,27 0-16,0 0 0,-26 0 16,26 0-16,-1 0 15,-25 0-15,26 0 0,-26 0 16,0 0-16,-1 0 0,1 0 15,0 0-15,0 0 16,0 0-16,-26 0 0,26 0 16,-1 0-16,1 26 15,0-26-15,-26 0 0,26 0 16,-26 0-16,26 0 0,-27 0 16,1 0-16,0 0 15,0 0-15,0 0 16,-26-26-1,0 0 17,-26 26-17,26-26-15,0 0 16,0 0 0,0 0-16,-26 0 15,26 0-15,0 0 0,0 1 16,0-1-16,-26 0 15,26-26-15,0 0 0,0 26 16,0-26-16,0 0 0,-26 1 16,26-27-16,0 26 15,0 0-15,0-26 0,0 27 16,0-27-16,0 26 16,0-26-16,0 0 0,-25 27 15,25-27-15,0 0 0,0 26 16,0-25-16,0 25 15,0-26-15,0 26 0,-26-26 16,26 26-16,0 1 16,0-27-16,-26 26 0,26 0 15,0 0-15,-26 1 0,26 25 16,0-26-16,-26 0 16,26 26-16,0-26 0,0 26 15,0 0-15,0 0 16,0 1-16,0-1 0,0 0 15,0 0-15,26 0 16,-26 0 0,0 0 15,0 0 0,-26 26 16,0 0-31,0 0-16,0 0 15,-26 0-15,26 0 16,-25 0-16,-27 0 0,0 0 16,0-26-16,0 26 15,-25 0-15,25 0 0,-26 0 16,1 0-16,25 0 0,-26 0 15,27 0-15,25 0 16,-26 0-16,0 0 0,26 0 16,1 0-16,-27 0 15,26 0-15,-26 26 0,26-26 16,-25 0-16,-1 0 0,0 0 16,0 0-16,1 0 15,-27 0-15,0 0 0,26 0 16,-25 0-16,-1 0 15,0 0-15,1 0 0,25 0 16,0 0-16,0 0 0,1 26 16,25-26-16,0 0 15,0 0-15,0 0 0,1 0 16,25 26-16,-26-26 16,26 0-16,-26 0 0,0 0 15,0 26-15,26-26 0,-25 0 16,-1 0-16,0 0 15,26 0-15,-26 0 0,26 0 16,0 0-16,0 0 0,1 0 16,-1 0-16,0 0 15,0 0-15,0 0 0,0 0 16,0 0 0,0 0-16,0 0 0,0 0 15,0 0-15,0 0 16,0 0-1,1 0 17,-1 0-1,0 0-31,0 0 16,0 0-16,0 0 15,0 0-15,0 26 16,0-26-16,0 0 15,0 0-15,0 0 16,1 0 0,25 26-16,0 0 31,0 0 0,-26-26 0,0 25-15,0-25 0,0 0-1,0 0 1,26 26 0,-26-26-16,26 26 31,0 0-16,0 0 1,-26-26-16,26 26 0,0 0 16,0 0-1,0 0-15,-26-26 0,26 26 16,0 0-16,-26 0 16,26-1-1</inkml:trace>
+  <inkml:trace contextRef="#ctx0" brushRef="#br0" timeOffset="522">887 882 0,'0'-26'16,"0"1"-16,0-1 16,0 0-16,0 0 15,0 52 1,0 0-1,0 0-15,25-1 0,-25 27 16,26 26-16,-26 0 16,0-26-16,26 51 0,-26-25 15,0 0-15,0 0 16,26-1-16,-26-25 0,0 0 16,0 0-16,0-26 0,26 26 15,-26-26 1</inkml:trace>
+  <inkml:trace contextRef="#ctx0" brushRef="#br0" timeOffset="996">990 1297 0,'0'-26'0,"-26"26"0,26-26 16,0 0-1,26 26-15,0 0 16,0 0-16,0 0 16,0 0-16,0 0 15,26 0-15,-1 0 0,-25 0 16,26 0-16,0 0 0,0 0 16,-26 0-16,0-26 15,0 26-15,-26-25 0,26 25 16,-26-26-16,0 0 15,-26 26-15,26-52 0,-26 26 16,26 0-16,-26 0 0,26 0 16,-26 0-16,26 0 15,0 0-15,0 52 32,0 0-32,0 0 15,0 0-15,0 26 0,0 0 16,0-26-16,0 26 15,0-1-15,0 1 0,26-26 16,-26 26-16,0 0 16,0 0-16,26-1 0,-26-25 15,0 26-15,0-26 0,0 0 16,0 26-16,0-26 16,0 0-16,0 0 15</inkml:trace>
+  <inkml:trace contextRef="#ctx0" brushRef="#br0" timeOffset="1319">2027 986 0,'0'-26'16,"26"26"0,-26 26-1,0 0 1,0 0-16,0 0 0,0 0 16,0 26-16,26-1 0,-26-25 15,0 26-15,0 0 16,0 0-16,0-26 0,0 26 15,0-26-15,0-1 16,0 1-16,0 0 0,0 0 16,0 0-16</inkml:trace>
+  <inkml:trace contextRef="#ctx0" brushRef="#br0" timeOffset="1745">1871 1090 0,'-26'-26'0,"26"0"0,-25 0 16,25 0-1,0 0-15,0 0 16,25 26-16,1-26 0,26 0 15,-26 26-15,0 0 16,26-26-16,0 26 0,0 0 16,-1 26-16,1 0 15,0 0-15,-26 0 0,26 0 16,0 26-16,-26 0 16,0-26-16,-1 26 0,-25-1 15,26 1-15,-26 0 0,0-26 16,-26 26-16,1-26 15,-1 0-15,0 0 0,0-1 16,-26 1-16,26 0 0,-26 0 16,26-26-16,-26 26 15,27-26-15,-27 26 0,26-26 16,0 0-16,0 0 16,0 0-16,0 0 0</inkml:trace>
+  <inkml:trace contextRef="#ctx0" brushRef="#br0" timeOffset="2112">2856 1064 0,'26'-26'0,"-26"0"15,26 26-15,-26-26 16,0 52 0,0 0-1,0 0 1,0 0-16,26 0 0,-26 0 15,0 25-15,0 1 16,0-26-16,26 26 0,-26-26 16,26 26-16,-26-26 0,0 0 15,0 0-15,0-1 16,0 1-16</inkml:trace>
+  <inkml:trace contextRef="#ctx0" brushRef="#br0" timeOffset="2623">2701 1064 0,'-26'-26'0,"26"0"16,0-26-1,0 26-15,0 0 0,0 0 16,0 0-16,26 1 0,-26-1 16,26 0-16,0 0 15,0 0-15,25 26 0,-25 0 16,26 0-16,-26 0 16,26 0-16,0 26 0,0 0 15,-1 0-15,1 0 0,0 25 16,0-25-16,0 26 15,0 0-15,-26 0 0,-1-26 16,1 26-16,-26-1 0,0 1 16,0-26-16,0 26 15,0-26-15,-26 26 0,1-26 16,-1 0-16,0 25 16,-26-25-16,0 0 0,0 0 15,0 0-15,0-26 16,1 26-16,-1-26 0,26 26 15,-26-26-15,26 26 0,0-26 16,0 0-16,0 0 16,0 0-16,26-26 31</inkml:trace>
+</inkml:ink>
+</file>
+
+<file path=ppt/ink/ink20.xml><?xml version="1.0" encoding="utf-8"?>
+<inkml:ink xmlns:inkml="http://www.w3.org/2003/InkML">
+  <inkml:definitions>
+    <inkml:context xml:id="ctx0">
+      <inkml:inkSource xml:id="inkSrc0">
+        <inkml:traceFormat>
+          <inkml:channel name="X" type="integer" max="1920" units="cm"/>
+          <inkml:channel name="Y" type="integer" max="1080" units="cm"/>
+          <inkml:channel name="T" type="integer" max="2.14748E9" units="dev"/>
+        </inkml:traceFormat>
+        <inkml:channelProperties>
+          <inkml:channelProperty channel="X" name="resolution" value="55.81395" units="1/cm"/>
+          <inkml:channelProperty channel="Y" name="resolution" value="55.6701" units="1/cm"/>
+          <inkml:channelProperty channel="T" name="resolution" value="1" units="1/dev"/>
+        </inkml:channelProperties>
+      </inkml:inkSource>
+      <inkml:timestamp xml:id="ts0" timeString="2020-12-09T06:17:36.453"/>
+    </inkml:context>
+    <inkml:brush xml:id="br0">
+      <inkml:brushProperty name="width" value="0.05" units="cm"/>
+      <inkml:brushProperty name="height" value="0.05" units="cm"/>
+      <inkml:brushProperty name="fitToCurve" value="1"/>
+    </inkml:brush>
+  </inkml:definitions>
+  <inkml:trace contextRef="#ctx0" brushRef="#br0">235 0 0,'0'26'0,"26"-26"31,-52 0 48,26-26-79,-26 26 0,0 0 15,0 0 1,1 0-16,-1 0 15,0 0 1,26 26-16,-26-26 0,26 26 16,-26-1-16,0 1 15,26 0 1,26 0-16,0-26 16,0 26-1,0-26-15,0 0 0,-1 0 16,1 26-16,26-26 0,-26 0 15,0 0-15,0 0 16,-26 26-16,26-26 0,0 26 16,-26 0-1,0 0-15,-26 0 16,26 0-16,-26-26 16,0 25-16,0 1 15,0-26-15,0 0 16,0 0-1,0 0-15,1 0 0,-1-26 16,0 26 0,0-25-1,0 25 1</inkml:trace>
+  <inkml:trace contextRef="#ctx0" brushRef="#br0" timeOffset="492">779 77 0,'0'-25'15,"0"50"48,0 1-48,0 0 1,-25-26-16,25 26 0,-26 0 16,0 0-16,26 0 0,-26 26 15,0-26-15,26 0 16,-26 0-16,0-26 0,26 25 15,-26 1-15,0 0 16,26 0-16,-26 0 0,26 0 16,-26-26-16,26 26 0,0 0 15,0 0 1,26-26 0,0 0-1</inkml:trace>
+  <inkml:trace contextRef="#ctx0" brushRef="#br0" timeOffset="1266">961 363 0,'0'-26'15,"-26"26"1,26-26 15,0 52 16,0 0-47,-26-26 16,26 25-16,0 1 15,0 0-15,0 0 16,0 0-16,0 0 16,0 0-16,0 0 0,0 0 15,0 0-15,26-26 16,-26 26-16,26-26 16,-26 26-16,26-26 15,-26-26 1,26 26-16,-26-26 15,26 0-15,-26 0 16,26 0-16,-26 0 16,25 26-16,-25-26 0,0 0 15,26 26-15,-26 26 47,0 0-31,26-26-16,-26 26 0,0 0 15,26-26-15,-26 26 16,26-26 0,-26 26-16,26-26 0,0 26 15,0-26 1,0 0-16,0 0 16,-26-26-16,26 26 15,0-26 1,-26 0-16,0 0 15,26 26-15,-26-26 16,0 0-16,0 0 0,-26 0 16,0 0-16,0 0 15,0 26 1,0-25-16,0 25 16,0 0-1,0 0 1</inkml:trace>
+</inkml:ink>
+</file>
+
+<file path=ppt/ink/ink21.xml><?xml version="1.0" encoding="utf-8"?>
+<inkml:ink xmlns:inkml="http://www.w3.org/2003/InkML">
+  <inkml:definitions>
+    <inkml:context xml:id="ctx0">
+      <inkml:inkSource xml:id="inkSrc0">
+        <inkml:traceFormat>
+          <inkml:channel name="X" type="integer" max="1920" units="cm"/>
+          <inkml:channel name="Y" type="integer" max="1080" units="cm"/>
+          <inkml:channel name="T" type="integer" max="2.14748E9" units="dev"/>
+        </inkml:traceFormat>
+        <inkml:channelProperties>
+          <inkml:channelProperty channel="X" name="resolution" value="55.81395" units="1/cm"/>
+          <inkml:channelProperty channel="Y" name="resolution" value="55.6701" units="1/cm"/>
+          <inkml:channelProperty channel="T" name="resolution" value="1" units="1/dev"/>
+        </inkml:channelProperties>
+      </inkml:inkSource>
+      <inkml:timestamp xml:id="ts0" timeString="2020-12-09T06:17:46.585"/>
+    </inkml:context>
+    <inkml:brush xml:id="br0">
+      <inkml:brushProperty name="width" value="0.05" units="cm"/>
+      <inkml:brushProperty name="height" value="0.05" units="cm"/>
+      <inkml:brushProperty name="fitToCurve" value="1"/>
+    </inkml:brush>
+  </inkml:definitions>
+  <inkml:trace contextRef="#ctx0" brushRef="#br0">10 130 0,'-26'0'46,"52"-26"33,0 26-48,-26-26-31,26 26 15,0 0 1,0 0-16,0 0 16,0 0-16,-1 0 15,1 0 1,0 26 0,-26 0-1,0 0 1,0 0-1,-26-1 1,0 1-16,1 0 16,-1 0-1,0-26 1,26 26 0,26-26 30,-26 26-46,26-26 0,-1 0 16,1 0-16,-26 26 16,26-26-16,0 0 15,-26 26-15,26-26 16,-26 26-16,0 0 16,0 0-1,0 0-15,-26-26 16,26 25-16,-26-25 15,0 0-15,0 0 16,1 0-16,-1 0 16,0 0-16,0-25 15,0 25-15,0-26 16,0 26 0,26-26-1,26 26 1</inkml:trace>
+  <inkml:trace contextRef="#ctx0" brushRef="#br0" timeOffset="516">477 207 0,'0'-25'16,"0"-1"15,0 0-15,25 26-16,1 0 15,0 0-15,0 0 16,0 0-16,0 0 15,0 0 1,-26 26-16,0 0 0,0-1 16,0 1-16,0 0 15,-26 26-15,0-26 16,26 0-16,-26 0 0,0 0 16,26 0-16,-26 0 0,0-26 15,1 26-15,-1-1 16,0-25-1,26 26-15,26-26 47,0 0-47,-1 0 0,1 0 16,0 0-16,26 0 0,-26 26 16,0-26-16,0 0 15,26 0-15,-26 0 0,0 0 16,-1 0-1</inkml:trace>
+  <inkml:trace contextRef="#ctx0" brushRef="#br0" timeOffset="802">943 389 0,'0'-26'32,"26"26"-1,-26-26-31,26 26 16,0 0-16,0 0 15,0 0-15,26 0 0,-27 0 16,1 26-16,0-26 15,0 0-15</inkml:trace>
+  <inkml:trace contextRef="#ctx0" brushRef="#br0" timeOffset="1368">1539 78 0,'0'-26'31,"-26"52"16,0 0-47,26 0 15,-26 0-15,1 0 16,-1-1-16,26 1 0,-26 0 16,0 26-16,26-26 15,-26 26-15,26-26 0,0 0 16,0 26-16,0-27 0,0 1 15,26 0 1,-26 0-16,26-26 0,0 26 16,0-26-1,-1 0-15,1 0 0,0 0 16,0-26 0,-26 0-1,0 0-15,-26 26 16,26-26-16,-26 1 15,0 25-15,1-26 16,-1 26-16,0 0 16,0 0-1,26 26-15,-26-26 16,26 25 0,26 1-16,0-26 15,0 26-15</inkml:trace>
+  <inkml:trace contextRef="#ctx0" brushRef="#br0" timeOffset="1901">1876 156 0,'0'-26'15,"0"0"-15,-26 26 32,26 26-1,-26 0-15,26 0-16,0-1 0,0 1 15,0 0-15,0 0 16,0 0-16,26 26 0,-26-26 15,26 0-15,-26 0 16,26 0 0,0-26-1,-26-26 1,0 0-16,26 0 16,-26 0-16,0 0 0,0 0 15,0 0-15,26 0 16,-26 0-16,0 0 0,26 1 15,-26-1-15,26 26 16,-26 26 0,0-1-16,0 1 15,0 0-15,0 26 16,0-26-16,0 26 0,0-26 16,-26 0-16,26 26 15,0-27-15,0 1 0,0 0 16,0 0-16,0 0 15</inkml:trace>
+  <inkml:trace contextRef="#ctx0" brushRef="#br0" timeOffset="2502">2395 52 0,'-26'0'16,"0"0"-16,0 0 15,26 26 1,0 0 0,0 0-16,0 0 15,-26 0-15,26-1 0,0 1 16,0 0-16,0 0 15,-26 0-15,26 26 0,0-26 16,0 0-16,0 0 16,0 0-16,-26 0 0,26-1 15,0 1-15,0 0 32,0-52 14,0 0-30,26 1 0,-26-1-16,26 0 0,0 0 15,-26 0-15,26 26 0,-26-26 16,26 26-16,-26-26 16,26 26-16,-1 26 15,-25 0 1,26 0-16,-26 0 15,0 0-15,0 0 16,0-1-16,0 1 16,-26-26-16,26 26 15,-25-26-15,25 26 16,-26-26-16,0 0 0,0 0 16,0 0-16,0 0 15,0-26 1</inkml:trace>
+  <inkml:trace contextRef="#ctx0" brushRef="#br0" timeOffset="2815">2706 363 0,'25'0'16,"1"0"0,0 0-1,-26 26 1,0 0-16,0 0 16,0 0-1,0 0-15,0-1 16,0 1-1,0 0-15,0 0 16,0-52 15</inkml:trace>
+  <inkml:trace contextRef="#ctx0" brushRef="#br0" timeOffset="3120">2939 0 0,'0'26'94,"26"-26"-79</inkml:trace>
+  <inkml:trace contextRef="#ctx0" brushRef="#br0" timeOffset="3565">3198 52 0,'0'26'94,"0"0"-94,0 0 15,0 0-15,0 25 16,0-25-16,0 26 0,0 0 16,-26-26-16,26 26 15,0-26-15,-26 26 0,26-27 16,0 1-16,-26 0 0,26 0 16,0 0-16,26 0 15,-26 0-15,26-26 16,0 0-16,0 0 0,0 26 15,0-26-15,0 0 16,0 0-16,-1-26 0,1 26 16,0-26-16,0 26 15,-26-26-15</inkml:trace>
+  <inkml:trace contextRef="#ctx0" brushRef="#br0" timeOffset="3797">3068 337 0,'-26'26'16,"52"-26"0,0 0-1,0 0-15,0 0 16,0-26-16,0 26 15,26 0-15,-26 0 0,0-26 16,0 26-16,-1 0 16,1 0-16</inkml:trace>
+</inkml:ink>
+</file>
+
+<file path=ppt/ink/ink22.xml><?xml version="1.0" encoding="utf-8"?>
+<inkml:ink xmlns:inkml="http://www.w3.org/2003/InkML">
+  <inkml:definitions>
+    <inkml:context xml:id="ctx0">
+      <inkml:inkSource xml:id="inkSrc0">
+        <inkml:traceFormat>
+          <inkml:channel name="X" type="integer" max="1920" units="cm"/>
+          <inkml:channel name="Y" type="integer" max="1080" units="cm"/>
+          <inkml:channel name="T" type="integer" max="2.14748E9" units="dev"/>
+        </inkml:traceFormat>
+        <inkml:channelProperties>
+          <inkml:channelProperty channel="X" name="resolution" value="55.81395" units="1/cm"/>
+          <inkml:channelProperty channel="Y" name="resolution" value="55.6701" units="1/cm"/>
+          <inkml:channelProperty channel="T" name="resolution" value="1" units="1/dev"/>
+        </inkml:channelProperties>
+      </inkml:inkSource>
+      <inkml:timestamp xml:id="ts0" timeString="2020-12-09T06:18:06.435"/>
+    </inkml:context>
+    <inkml:brush xml:id="br0">
+      <inkml:brushProperty name="width" value="0.05" units="cm"/>
+      <inkml:brushProperty name="height" value="0.05" units="cm"/>
+      <inkml:brushProperty name="fitToCurve" value="1"/>
+    </inkml:brush>
+  </inkml:definitions>
+  <inkml:trace contextRef="#ctx0" brushRef="#br0">417 53 0,'-26'0'16,"0"0"-1,26-26 1,-26 26-16,0 0 15,0 0 1,0-26 0,0 26-16,0 0 15,0 0-15,1 26 16,-1-26-16,0 26 0,0-26 16,26 26-16,-26 0 15,0 0-15,26 0 0,-26 26 16,26-26-16,0 0 15,0 0-15,0-1 0,0 27 16,0-26-16,26 0 0,-26 0 16,26 0-16,0-26 15,26 26-15,-26 0 0,-1-26 16,27 0-16,0 0 0,-26 0 16,26 0-16</inkml:trace>
+  <inkml:trace contextRef="#ctx0" brushRef="#br0" timeOffset="510">624 287 0,'0'25'31,"-26"-25"32,26 26-63,-26 0 16,26 0-1,0 0-15,-26 0 16,26 0-16,0 0 15,26 0-15,0 0 16,0 0 0,0-26-16,0 0 15,0 0-15,0 0 16,0 0-16,-26-26 16,26 26-16,-26-26 0,0 0 15,0 0 1,0 0-16,0 0 0,-26 0 15,26 0-15,-26 26 16,0-26-16,0 0 0,0 26 16,0 0-16,0 0 15,26 26 1,0 0 0,26-26-1</inkml:trace>
+  <inkml:trace contextRef="#ctx0" brushRef="#br0" timeOffset="1278">961 338 0,'0'-26'31,"0"52"16,0 0-32,0 0 1,0 0-16,0 0 0,26 0 16,-26 0-16,0 0 15,26 0-15,-26 0 16,0 0-1,0-1 1,0-50 15,0-1-15,0 0 0,0 0-16,26 0 0,-26 0 15,0 0-15,26 0 0,0 0 16,-26 0-16,26 26 15,-26-26-15,25 26 0,1 0 16,-26 26 0,26-26-1,-26 26-15,0 0 0,0 0 16,0 0 0,0 0-16,26-26 0,-26 26 15,0 0 1,0 0-16,0-52 47,26 26-32,-26-26-15,26 0 16,-26 0-16,26 26 16,-26-26-16,26 0 0,0 0 15,0 0 1,0 0-16,-26 52 31,26 0-31,-26 0 0,0 0 16,0 0-16,-26 0 15,26 0-15,0 0 16,0 0-16,0 0 0,0-1 16,26-25 15</inkml:trace>
+  <inkml:trace contextRef="#ctx0" brushRef="#br0" timeOffset="1926">1531 287 0,'0'-26'16,"0"0"-16,0 0 15,26 26-15,-26-26 16,0 52 31,0 0-47,0 0 16,0 25-16,0-25 15,0 0-15,0 26 0,0-26 16,0 26-16,26-26 15,-26 0-15,0 26 0,0-27 16,0 1-16,0 0 0,0 0 16,0 0-16,0 0 15,0 0-15,0 0 0,0 0 16,0 0 0,0-52 15,0 0-16,0 0-15,0 0 16,0 0-16,0 0 16,0 0-16,0-26 0,0 27 15,0-27-15,0 26 0,26 0 16,-26-26-16,26 26 16,-26 0-16,26 26 0,-26-26 15,26 26-15,0 0 16,0 0-16,-1 26 15,1-26 1,-26 26-16,26-26 16,-26 26-16,0 0 15,0 0-15,0 0 16,0 0-16,-26-26 16,0 26-16,1 0 15,-1-26 1</inkml:trace>
+  <inkml:trace contextRef="#ctx0" brushRef="#br0" timeOffset="2345">1946 338 0,'0'-26'15,"26"52"48,0 0-47,-26 0-16,26-26 15,-26 26-15,26 0 0,-26 0 16,25 0-1,-25 0-15,-25-26 32,-1 0-17,26-26 1,0 0 0,0 0-16,26 0 15,-26 0-15,25 0 16,1 0-16,0 0 15,-26 1-15,26-1 0,0 26 16,0 0-16,-26-26 0,26 26 16,-26 26-1</inkml:trace>
+  <inkml:trace contextRef="#ctx0" brushRef="#br0" timeOffset="3563">2335 390 0,'26'0'15,"0"0"95,-1 0-95,1 0 1,0 0 0,0 0-16,0-26 31,-26 0-16,-26 26 1,26-26-16,-26 26 16,26-25-16,-26 25 0,26-26 15,-26 26-15,1 0 16,-1 0 0,0 26-1,26-1-15,-26 1 16,26 0-16,0 0 15,0 0-15,0 0 16,0 0-16,0 0 0,26 0 16,0 0-16,0-26 15,-1 26-15,1 0 16,0-26-16,0 0 16,0 0-16,0 0 15,26-26-15,-26 26 0,0-26 16,0 26-16,0-26 0,-1 0 15,1 0-15,0 0 16,0 0-16,0 0 0,-26 0 16,26 0-16,-26 0 15,0 1-15,0-1 16,-26 0 0,0 26-16,0 0 15,26 26-15,-26-26 16,26 26-16,-26-26 15,26 25-15,0 1 0,0 0 16,26 0-16,-26 0 16,26-26-16,0 26 15,0-26-15,0 26 0,0-26 16,0 26-16,0-26 16,0 0-16,0 26 15,0-26-15,-26 26 16,-26-26-1,0 0-15,0 26 16,0-26-16,0 0 16,0 0-16,0 0 0,0 0 15,0 0-15,0 0 0,26-26 32,26 26-17,0 0-15,0-26 16,26 26-16,-26-26 0,0 26 15,26 0-15,-26-26 0,-1 0 16,27 26-16,-26-26 16,0 0-16,0 0 0,0 26 15,-26-26-15,26 0 16,-26 1-16,26-1 0,-26 0 16,0 0-1,-26 26 1,0 0-16,0 26 15,0-26-15,0 26 16,0-26-16,26 26 16,-26-1-16,26 1 15,26 0-15,0-26 16,0 26-16,0 0 0,0 0 16,26-26-16,-26 26 15,0 0-15,0-26 0,-1 26 16,1-26-16,-26 26 0,-26-26 15,1 26 1,-27-26-16,0 0 0</inkml:trace>
+</inkml:ink>
+</file>
+
+<file path=ppt/ink/ink23.xml><?xml version="1.0" encoding="utf-8"?>
+<inkml:ink xmlns:inkml="http://www.w3.org/2003/InkML">
+  <inkml:definitions>
+    <inkml:context xml:id="ctx0">
+      <inkml:inkSource xml:id="inkSrc0">
+        <inkml:traceFormat>
+          <inkml:channel name="X" type="integer" max="1920" units="cm"/>
+          <inkml:channel name="Y" type="integer" max="1080" units="cm"/>
+          <inkml:channel name="T" type="integer" max="2.14748E9" units="dev"/>
+        </inkml:traceFormat>
+        <inkml:channelProperties>
+          <inkml:channelProperty channel="X" name="resolution" value="55.81395" units="1/cm"/>
+          <inkml:channelProperty channel="Y" name="resolution" value="55.6701" units="1/cm"/>
+          <inkml:channelProperty channel="T" name="resolution" value="1" units="1/dev"/>
+        </inkml:channelProperties>
+      </inkml:inkSource>
+      <inkml:timestamp xml:id="ts0" timeString="2020-12-09T06:18:21.754"/>
+    </inkml:context>
+    <inkml:brush xml:id="br0">
+      <inkml:brushProperty name="width" value="0.05" units="cm"/>
+      <inkml:brushProperty name="height" value="0.05" units="cm"/>
+      <inkml:brushProperty name="fitToCurve" value="1"/>
+    </inkml:brush>
+  </inkml:definitions>
+  <inkml:trace contextRef="#ctx0" brushRef="#br0">52 166 0,'-26'0'31,"26"26"-31,0 0 78,0 0-78,26-26 16,-26 26-16,0 0 16,0 0-16,26 0 0,-26 0 15,0-1-15,26 1 0,-26 0 16,0 0-16,0 0 16,26 0-16,-26 0 0,0 0 15,0 0 1,25-26-16,-50 0 47</inkml:trace>
+  <inkml:trace contextRef="#ctx0" brushRef="#br0" timeOffset="479">26 270 0,'-26'-26'16,"26"0"-1,0 0-15,0 0 0,0 0 16,0 0-16,26 0 15,-26 0-15,26 26 16,0-25-16,0 25 0,0-26 16,-1 26-16,27 0 0,-26 0 15,26 0-15,-26 0 16,0 0-16,0 0 0,26 26 16,-26-26-16,-1 25 15,-25 1-15,26-26 0,0 26 16,-26 0-16,0 0 15,0 0-15,0 0 0,-26 0 16,0 0-16,1-26 0,-1 26 16,0-26-16,-26 26 15,26-26-15,0 0 0,0 0 16,0 0-16,0 0 0,0 0 16,0 0-1,52-26 1,0 26-1</inkml:trace>
+  <inkml:trace contextRef="#ctx0" brushRef="#br0" timeOffset="1079">855 425 0,'0'-26'32,"0"1"-17,0-1 1,0 0-1,-26 26-15,0 0 16,0 0 0,1 0-16,-1 26 0,0 0 15,0-26-15,26 25 16,-26 1-16,26 0 0,0 0 16,0 0-16,0 0 15,26-26-15,-26 26 16,26-26-16,0 26 0,0-26 15,-1 26-15,1-26 16,0 0-16,0 0 16,0 0-16,-26-26 15,26 0 1,-26 0-16,0 0 16,0 0-16,0 0 15,26 26-15,-26-26 0,0 0 16,0 52 15,0 0-15,0 0-1,26 0-15,-26 0 0,0 0 16,26 0-16,0-26 0,-26 26 16,26 0-16,0-26 15,-26 26-15</inkml:trace>
+  <inkml:trace contextRef="#ctx0" brushRef="#br0" timeOffset="1607">1114 399 0,'26'0'16,"0"0"-1,-26-25-15,26 25 16,0 0 0,0 0-1,0 25 16,-26 1-31,0 0 16,26 0-16,-26 0 16,0 0-16,0 0 15,0 0-15,0 0 16,-26 0 0,0-26-1,26-26 1,0 0-1,0 0-15,0 0 16,26 0 0,-26 0-16,26 0 0,0 0 15,-26 0-15,26 26 16,0-25-16,0 25 0,-1-26 16,1 26-1,-26 26-15,0-1 16,26-25-16,-26 26 15</inkml:trace>
+  <inkml:trace contextRef="#ctx0" brushRef="#br0" timeOffset="1973">1607 192 0,'0'-26'0,"26"0"16,-26 0 0,26 26-16,-26-26 15,26 26 1,-26 26-16,0 0 15,0 0-15,0 0 16,0 0-16,0 0 0,0 26 16,0-26-16,0 26 15,0-27-15,26 1 0,-26 0 16,0 26-16,0-26 16,25 0-16,-25 0 15,0 0-15,26-26 16,-26-26-1</inkml:trace>
+  <inkml:trace contextRef="#ctx0" brushRef="#br0" timeOffset="2500">1607 348 0,'0'-26'0,"-26"26"15,52 0 17,0 0-17,0 0-15,0 0 16,0 0-16,-1 0 16,1 0-16,0 0 0,0 0 15,0 0-15,0 0 16,0 0-16,0 0 31,-26 26 110,0 0-126,26-1-15,-26 1 16,0 0-16,0 0 16,26 0-16,-26 0 15,0 0-15,26 0 16,-26 0-16,0 0 15,26-26 1,-26-26 0</inkml:trace>
+  <inkml:trace contextRef="#ctx0" brushRef="#br0" timeOffset="2693">2022 166 0,'0'-26'0,"-26"26"16,52 0 46</inkml:trace>
+  <inkml:trace contextRef="#ctx0" brushRef="#br0" timeOffset="3323">2307 244 0,'0'-26'0,"-26"0"16,26 0-1,0 0 1,26 26 15,-26 26-31,0 0 16,26-26-16,-26 26 0,0 26 15,26-26-15,-26 0 16,0 0-16,0 25 0,0-25 16,25 0-16,-25 26 15,0-26-15,0 0 0,0 0 16,0 0-16,0 0 16,26-26-1</inkml:trace>
+  <inkml:trace contextRef="#ctx0" brushRef="#br0" timeOffset="3754">2203 425 0,'-26'0'0,"26"-26"31,26 26-15,0 0-1,-26-25-15,26 25 0,0 0 16,0 0-16,0 0 16,0 0-16,25 0 0,-25 0 15,0 0-15,0 0 0,26 0 16,-26 0-16,0 0 16,0 0-16,-26-26 0,26 26 15,0 0 1,-26 26 46,-26-26-62,26 25 16,0 1 0,0 0-1,0 0-15,0 0 16,0 0-16,0 0 0,0 0 15,0 0-15,0 0 16</inkml:trace>
+  <inkml:trace contextRef="#ctx0" brushRef="#br0" timeOffset="3943">2721 140 0,'-26'-26'16,"26"0"-16,-25 26 15,50 26 32</inkml:trace>
+  <inkml:trace contextRef="#ctx0" brushRef="#br0" timeOffset="5500">2981 348 0,'0'26'0,"0"-1"78,0 1-78,-26-26 16,26 26-16,0 0 16,0 0-16,0 0 0,0 0 15,0 0-15,26-26 16,-26 26-16,25-26 15,-25 26-15,26-26 0,0 0 16,0 0-16,0 0 16,0-26-1,-26 0-15,0 0 16,0 0-16,0 0 16,0 0-16,-26-26 0,26 26 15,-26 1-15,0-1 0,26 0 16,-26 0-16,0 0 15,1 26-15,-1 0 16,26 26 0,-26 0-16,26 0 15,0 0-15,0-1 0,0 1 16,26 0 0,-26 0-16,26-26 15,-1 0 1,1 0-16,0-26 15,0 0 1,0 26 0,-26-26-16,26 1 15,0-1-15,0 0 16,0 26 0,0 26-1,-26 0 1,0-1-1,0 1 1,0 0-16,0 0 16,0 0-16,26-26 15,-26 26-15,26-26 16,-1 0 15,-25-26-15,26 0-16,0 0 15,0 0 1,0 0-16,0 26 16,-26-25-16,26 25 15,0 0 1,-26 25-16,0 1 16,26 0-1,-26 0-15,0 0 16,26-26-16,-26 26 15,26-26-15,-26 26 0,26-26 16,0 0-16,-1 0 16,1 0-16,0 0 15,0-26-15,0 0 16,0 26-16,-26-26 16,0 0-16,26 0 15,-26 0-15,0 1 0,0-1 16,0 0-16,-26 0 15,0 26-15,26-26 0,-26 26 16,0 0-16,0 0 16,0 26-16,1-26 15,25 26-15,-26-26 0,26 26 16,0 0-16,0-1 16,0 1-1,26-26-15,-1 26 16,1-26-1,0 26 1,0-26 0,0 0-1,0 0 17,-26 26-1,0 0-31,0 0 15,0 0-15,0 0 0,0 0 16,0 0-16,26 0 16,-26-1-16,0 1 0,26 0 15,-26 0-15,26 0 16,-26 0-16,26 0 0,-26 0 16,26 0-16,-26 0 0,0 0 15,0 0-15,0-1 16,-26-25-1,0-25 1,0 25-16,26-26 16,-26 0-16,0 26 0,26-26 15,-26 0-15,26 0 16,0 0-16,0 0 0,26-26 16,-26 26-16,26 0 15,0-25-15,0 25 0,0 0 16,0 0-16,0 26 0,-1-26 15,1 26-15,0 0 16,0 0-16</inkml:trace>
+</inkml:ink>
+</file>
+
+<file path=ppt/ink/ink24.xml><?xml version="1.0" encoding="utf-8"?>
+<inkml:ink xmlns:inkml="http://www.w3.org/2003/InkML">
+  <inkml:definitions>
+    <inkml:context xml:id="ctx0">
+      <inkml:inkSource xml:id="inkSrc0">
+        <inkml:traceFormat>
+          <inkml:channel name="X" type="integer" max="1920" units="cm"/>
+          <inkml:channel name="Y" type="integer" max="1080" units="cm"/>
+          <inkml:channel name="T" type="integer" max="2.14748E9" units="dev"/>
+        </inkml:traceFormat>
+        <inkml:channelProperties>
+          <inkml:channelProperty channel="X" name="resolution" value="55.81395" units="1/cm"/>
+          <inkml:channelProperty channel="Y" name="resolution" value="55.6701" units="1/cm"/>
+          <inkml:channelProperty channel="T" name="resolution" value="1" units="1/dev"/>
+        </inkml:channelProperties>
+      </inkml:inkSource>
+      <inkml:timestamp xml:id="ts0" timeString="2020-12-09T06:18:50.069"/>
+    </inkml:context>
+    <inkml:brush xml:id="br0">
+      <inkml:brushProperty name="width" value="0.05" units="cm"/>
+      <inkml:brushProperty name="height" value="0.05" units="cm"/>
+      <inkml:brushProperty name="fitToCurve" value="1"/>
+    </inkml:brush>
+  </inkml:definitions>
+  <inkml:trace contextRef="#ctx0" brushRef="#br0">78 234 0,'-26'-26'16,"0"26"-16,0-26 31,26 52 31,0 0-46,0 0 0,0 0-16,26 0 15,-26 0-15,26 0 0,-26 0 16,0 26-16,26-26 0,-26-1 16,0 1-16,0 0 15,26 0-15,-26 0 0,0 0 16,0-52 15,0 0-15,0 0-1,-26 0-15,26-25 0,0 25 16,-26-26-16,26 26 16,0-26-16,-26 0 0,26 0 15,0 26-15,0-25 0,0 25 16,26 0-16,-26 0 15,26 0-15,0 26 16,0-26-16,0 26 0,0 0 16,0 0-16,0 26 15,0-26-15,-1 26 0,1-26 16,0 26-16,0 0 16,0 0-16,-26-1 0,26 1 15,-26 0-15,0 0 0,-26 0 16,0-26-16,0 26 15,0 0-15,0-26 0,1 26 16,-1-26-16,0 0 16,0 26-16,0-26 15,52 0 17,0 0-17,0 0 1,0 0-16,-1 26 0,-25 0 15,26-26-15,0 26 16,0 0-16,-26-1 0,26 1 16,0-26-16,-26 26 0,26-26 15,-26 26-15,26-26 16,0 0-16,0 0 16,-26-26-1</inkml:trace>
+  <inkml:trace contextRef="#ctx0" brushRef="#br0" timeOffset="300">648 208 0,'0'-26'15,"26"0"-15,-26 1 16,26-1-16,-26 0 16,0 52 15,0 0-16,0-1 1,0 1-16,0 0 16,-26 0-16,26 0 15,0 26-15,0-26 0,0 0 16,0 0-16,0 26 0,0-26 16,0-1-16,0 1 15,0 0-15,0 0 16,26 0-1,0-52 1</inkml:trace>
+  <inkml:trace contextRef="#ctx0" brushRef="#br0" timeOffset="905">830 416 0,'0'-26'0,"26"0"16,-26 0-16,26 26 15,-26-26-15,26 26 0,-26 26 47,0 0-31,0 0-16,0 0 15,0 0-15,0 0 0,0-1 16,0 1-16,0 0 16,25 0-16,1-26 15,-26 26-15,26-26 16,0 0-1,-26-26-15,26 0 16,0 0 0,-26 0-1,26 26-15,-26-25 0,0-1 16,26 26 0,-26-26-16,26 52 31,-26 0-16,26-1 1,-26 1 0,26-26-16,0 0 15,-1 26 1,1-26-16,0 0 16,-26-26-16,26 26 15,-26-26-15,0 1 16,0-1-16,0 0 15,-26 0 1,26 0-16,-26 0 0,0 0 16,1 0-1,-1 26 1,26 26 15,26-26-15</inkml:trace>
+  <inkml:trace contextRef="#ctx0" brushRef="#br0" timeOffset="1722">1789 208 0,'0'-26'15,"-26"26"-15,26-26 16,0 1 0,0 50-1,0 1 1,26 0-16,0-26 0,-26 26 15,26 0-15,-1 0 16,1 0-16,0 0 0,0 0 16,0 0-16,0-26 0,-26 26 15,26-26-15,0 0 16,0 0 0,-26-26-1,0 0-15,26 0 16,-26 0-16,0 0 0,0 0 15,0 0-15,26 0 16,-26-26-16,0 27 16,0-1-1,-26 26-15,26 26 16</inkml:trace>
+  <inkml:trace contextRef="#ctx0" brushRef="#br0" timeOffset="2005">2411 53 0,'26'0'0,"-26"26"47,0 0-47,-26-26 15,26 26-15,0-1 0,0 27 16,-26-26-16,26 0 0,0 0 16,0 0-16,0 0 15,0 26-15,0-26 0,0 0 16,0 0-16,0-1 16,0 1-16,0 0 0,0 0 15</inkml:trace>
+  <inkml:trace contextRef="#ctx0" brushRef="#br0" timeOffset="2454">2929 338 0,'0'-26'15,"0"0"1,0 0 0,0 0-16,-26 0 31,0 26-31,0 0 16,0 0-16,1 26 15,-1 0 1,26 0-16,0 0 15,0 0-15,26 0 16,-26 0-16,25 0 16,1-26-16,0 26 0,0 0 15,0-26-15,0 25 16,0 1-16,0-26 0,0 26 16,-26 0-1,0 0-15,-26-26 16,0 0-16,0 26 0,0-26 15,0 0-15,0 0 16,0 0-16,0 0 0,1 0 16,25-26-1,0 0-15</inkml:trace>
+</inkml:ink>
+</file>
+
+<file path=ppt/ink/ink25.xml><?xml version="1.0" encoding="utf-8"?>
+<inkml:ink xmlns:inkml="http://www.w3.org/2003/InkML">
+  <inkml:definitions>
+    <inkml:context xml:id="ctx0">
+      <inkml:inkSource xml:id="inkSrc0">
+        <inkml:traceFormat>
+          <inkml:channel name="X" type="integer" max="1920" units="cm"/>
+          <inkml:channel name="Y" type="integer" max="1080" units="cm"/>
+          <inkml:channel name="T" type="integer" max="2.14748E9" units="dev"/>
+        </inkml:traceFormat>
+        <inkml:channelProperties>
+          <inkml:channelProperty channel="X" name="resolution" value="55.81395" units="1/cm"/>
+          <inkml:channelProperty channel="Y" name="resolution" value="55.6701" units="1/cm"/>
+          <inkml:channelProperty channel="T" name="resolution" value="1" units="1/dev"/>
+        </inkml:channelProperties>
+      </inkml:inkSource>
+      <inkml:timestamp xml:id="ts0" timeString="2020-12-09T06:18:53.399"/>
+    </inkml:context>
+    <inkml:brush xml:id="br0">
+      <inkml:brushProperty name="width" value="0.05" units="cm"/>
+      <inkml:brushProperty name="height" value="0.05" units="cm"/>
+      <inkml:brushProperty name="fitToCurve" value="1"/>
+    </inkml:brush>
+  </inkml:definitions>
+  <inkml:trace contextRef="#ctx0" brushRef="#br0">207 188 0,'0'-26'15,"0"0"-15,0 0 16,0 1-16,0-1 16,-26 0-16,0 26 15,0 0 1,0 0-1,26 26-15,-25 0 0,-1-26 16,26 25-16,-26 27 16,26-26-16,-26 0 0,26 0 15,0 26-15,0-26 0,0 0 16,0 0-16,26 0 16,-26 0-16,26-1 0,0 1 15,-1 0-15,27-26 16,-26 26-16,26-26 0,-26 0 15,26 0-15,0 0 0,-26 0 16,25 0-16,-25-26 16,0 26-16,0-26 0,0 0 15,0 26-15,-26-25 16,26-1-16,-26 0 0,26 26 16,-26-26-16,0 0 0,0 0 15,-26 0 1,0 26-1,0 0 1,26 26-16,-26-26 16,26 26-16,0 0 15,0 0 1,0 0-16,0 0 16,26-1-16,0-25 0,-26 26 15,26-26-15,0 26 16,0-26-16,0 0 0,0 0 15,-1 0-15,1-26 16,0 26-16,-26-26 16,0 1-16,0-1 15,0 0-15,0 0 0,-26 0 16,0 0-16,1 0 16,-1 26-1,0-26-15,0 26 0,0 26 16,26 0-1,0 0-15,0 0 16,26-26-16,-26 26 16,26-26-16,0 0 15,0 0-15</inkml:trace>
+  <inkml:trace contextRef="#ctx0" brushRef="#br0" timeOffset="263">907 188 0,'0'-26'0,"0"0"16,0 0-16,-26 1 16,26-1-16,0 0 0,-26 26 15,26-26-15,0 52 16,0 0 0,26 0-16,-26-1 15,26 27-15,-26-26 0,26 26 16,0-26-16,-26 26 15,26-26-15,0 0 0,-26 26 16,26-27-16,-26 1 16,25-26-16,-25 26 0,0 0 15</inkml:trace>
+</inkml:ink>
+</file>
+
+<file path=ppt/ink/ink26.xml><?xml version="1.0" encoding="utf-8"?>
+<inkml:ink xmlns:inkml="http://www.w3.org/2003/InkML">
+  <inkml:definitions>
+    <inkml:context xml:id="ctx0">
+      <inkml:inkSource xml:id="inkSrc0">
+        <inkml:traceFormat>
+          <inkml:channel name="X" type="integer" max="1920" units="cm"/>
+          <inkml:channel name="Y" type="integer" max="1080" units="cm"/>
+          <inkml:channel name="T" type="integer" max="2.14748E9" units="dev"/>
+        </inkml:traceFormat>
+        <inkml:channelProperties>
+          <inkml:channelProperty channel="X" name="resolution" value="55.81395" units="1/cm"/>
+          <inkml:channelProperty channel="Y" name="resolution" value="55.6701" units="1/cm"/>
+          <inkml:channelProperty channel="T" name="resolution" value="1" units="1/dev"/>
+        </inkml:channelProperties>
+      </inkml:inkSource>
+      <inkml:timestamp xml:id="ts0" timeString="2020-12-09T06:19:29.968"/>
+    </inkml:context>
+    <inkml:brush xml:id="br0">
+      <inkml:brushProperty name="width" value="0.05" units="cm"/>
+      <inkml:brushProperty name="height" value="0.05" units="cm"/>
+      <inkml:brushProperty name="fitToCurve" value="1"/>
+    </inkml:brush>
+  </inkml:definitions>
+  <inkml:trace contextRef="#ctx0" brushRef="#br0">0 311 0,'0'-26'0,"26"26"16,-26 26 218,0 0-218,0-1-16,0 27 15,0-26-15,26 0 16,-26 26-16,0-26 0,0 26 16,0-26-16,0 26 15,26-1-15,-26 1 0,0-26 16,0 26-16,0 0 0,26-26 15,-26 26-15,0-27 16,0 1-16,26 0 0,-26 0 16,0 0-1,26 0-15,0-26 94,0 0-78,-26-26-1,26 26-15,0 0 0,-1 0 16,1-26-16,0 26 16,26 0-16,-26 0 0,26-26 15,0 26-15,0 0 0,25-26 16,-25 26-16,26 0 15,0 0-15,-26-26 0,25 26 16,1 0-16,0 0 16,-26 0-16,25-25 0,-25 25 15,26 0-15,-26 0 0,0 0 16,-1 0-16,1 0 16,0 0-16,0 0 0,0 0 15,-26 0-15,26 0 16,-26-26-16,-1 26 0,1 0 15,0 0-15,0 0 16,-26-26 15,0 0 32,26 26-48,-26-26 1,0 0-16,0 0 16,0 0-16,0 0 15,0 0-15,0 0 16,0 0-16,0 1 0,0-27 16,0 26-16,0-26 15,0 26-15,0-26 0,0 0 16,0 26-16,0-25 0,0 25 15,0 0-15,0-26 16,-26 26-16,26 0 16,0 0-16,-26 0 15,26 0 1,-26 26-16,26-26 16,0 0-1,-26 26 1,26-25-1,-25 25 1,25-26 47,-26 26-63,0 0 31,0 0-31,0 0 15,0 26-15,-26-26 16,26 0-16,-26 25 0,0-25 16,1 0-16,-27 26 15,26-26-15,-26 0 0,1 26 16,-1-26-16,26 0 16,-26 26-16,26-26 0,1 0 15,-1 0-15,0 0 0,26 0 16,-26 0-16,26 0 15,0 26-15,0-26 0,0 0 16,1 0-16,25 26 16,-26-26-16,-26 0 0,26 26 15,0-26-15,0 0 0,0 26 16,0-26-16,0 0 16,0 0-16,0 26 0,0-26 15,1 0-15,-1 0 16,0 26-16,0-26 15,0 0 48,0 0-32,26 26 47,-26 0-62,26-1 0,-26 1-1,26 0-15,0 0 16</inkml:trace>
+  <inkml:trace contextRef="#ctx0" brushRef="#br0" timeOffset="917">597 466 0,'0'-26'0,"25"0"15,-25 52 48,0 0-47,26-26-16,-26 26 0,0 0 15,0 0-15,26 0 0,-26 0 16,0 0-16,0 0 15,0 0-15,26-1 0,-26 1 16,0 0 0,-26-26 15,26-26-15,0 0-16,-26 1 15,26-1-15,0 0 16,-26 0-16,26-26 0,0 0 15,0 26-15,0-26 0,0 26 16,0 0-16,26 1 16,-26-1-16,26 0 0,0 26 15,0 0-15,0 0 16,0 0-16,0 26 16,0 0-16,0-1 15,-26 1-15,0 0 16,0 0-16,-26 0 15,0-26-15,0 26 16,0 0-16,-26 0 0,26-26 16,-26 0-16</inkml:trace>
+</inkml:ink>
+</file>
+
+<file path=ppt/ink/ink27.xml><?xml version="1.0" encoding="utf-8"?>
+<inkml:ink xmlns:inkml="http://www.w3.org/2003/InkML">
+  <inkml:definitions>
+    <inkml:context xml:id="ctx0">
+      <inkml:inkSource xml:id="inkSrc0">
+        <inkml:traceFormat>
+          <inkml:channel name="X" type="integer" max="1920" units="cm"/>
+          <inkml:channel name="Y" type="integer" max="1080" units="cm"/>
+          <inkml:channel name="T" type="integer" max="2.14748E9" units="dev"/>
+        </inkml:traceFormat>
+        <inkml:channelProperties>
+          <inkml:channelProperty channel="X" name="resolution" value="55.81395" units="1/cm"/>
+          <inkml:channelProperty channel="Y" name="resolution" value="55.6701" units="1/cm"/>
+          <inkml:channelProperty channel="T" name="resolution" value="1" units="1/dev"/>
+        </inkml:channelProperties>
+      </inkml:inkSource>
+      <inkml:timestamp xml:id="ts0" timeString="2020-12-09T06:19:31.527"/>
+    </inkml:context>
+    <inkml:brush xml:id="br0">
+      <inkml:brushProperty name="width" value="0.05" units="cm"/>
+      <inkml:brushProperty name="height" value="0.05" units="cm"/>
+      <inkml:brushProperty name="fitToCurve" value="1"/>
+    </inkml:brush>
+  </inkml:definitions>
+  <inkml:trace contextRef="#ctx0" brushRef="#br0">1038 959 0,'0'-26'0,"0"0"0,-26 26 15,26-26-15,0 0 0,26 26 32,-26 26-17,26 0-15,-1 52 16,-25-27 0,0 1-16,26 26 0,-26-26 15,0 26-15,26-1 16,-26-25-16,0 26 0,26 0 15,-26-27-15,0 1 0,26-26 16,-26 26-16,0-26 16,0 0-16,0 0 0,26-26 15</inkml:trace>
+  <inkml:trace contextRef="#ctx0" brushRef="#br0" timeOffset="1175">1038 959 0,'-26'0'0,"26"-26"0,26 26 47,0-26-47,-1 26 0,27 0 16,0-26-16,0 26 15,26-26-15,25 26 0,1-26 16,0 0-16,25 0 0,1 26 16,25-26-16,1 26 15,-1-26-15,1 26 0,0-26 16,25 26-16,-26-26 15,-25 26-15,0 0 0,-1-25 16,-51 25-16,26 0 0,-53 0 16,1 0-16,0-26 15,-26 26-15,0 0 0,-26 26 47,0-1-31,0 1-1,0 0-15,26-26 0,-26 26 16,0 0-16,26 26 16,-26-26-16,26 26 0,-26-26 15,0 26-15,26-27 0,-26 27 16,26 0-16,-26 0 16,26 0-16,-1 0 0,-25-1 15,26 1-15,0 0 0,0 0 16,0 0-16,-26 0 15,26-26-15,0 25 0,-26-25 16,26 0-16,-26 0 16,0 0-16,0 0 0,0 0 15,-26 0-15,0 0 16,0-26 0,-26 0-16,26 0 15,0 0-15,-25 0 16,-1 0-16,0 0 0,0 0 15,-26 0-15,1 0 0,-1-26 16,-26 26-16,0 0 16,-25 0-16,25 0 0,-51 0 15,25 0-15,1 0 16,-1 26-16,0-26 0,27 0 16,-1 26-16,0-26 0,27 0 15,-1 26-15,26-26 16,0 0-16,0 0 0,26 25 15,0-25-15,1 0 16,-1 0-16,0-25 16,0 25 15,0 0-31,0 0 16,0-26-16,0 26 15,0 0-15,0 0 0,0 0 16,0 0-16,1 0 0,-1 0 15,0 0-15,0-26 16,26 0 15,26 26-15,0-26 0,-26 0-1,0 0-15,0 0 16,0 0-16,0 0 15,0 0-15,0 0 16,-26 1-16,26-1 0,0 0 16,-26 0-1,0 0-15,0 26 16,0 0-16,0 0 16,0 0-16,0 0 15,0 26-15</inkml:trace>
+  <inkml:trace contextRef="#ctx0" brushRef="#br0" timeOffset="1770">1686 1270 0,'0'-26'16,"0"0"0,0 0-16,-26 26 15,26 26 1,0 0-1,0 0-15,0 0 16,0-1-16,0 1 16,-26 0-16,26 0 0,0 0 15,0 0 1,0 0-16,0 0 0,0 0 16,0-52 15,0 0-31,26 0 15,-26-26-15,0 26 16,26 0-16,-26-25 16,0-1-16,0 26 0,0-26 15,26 26-15,-26-26 16,25 26-16,-25 0 0,26 26 16,0 0-16,-26 26 15,26-26-15,0 26 16,-26 0-16,26 0 0,0 0 15,-26 26-15,26-26 16,-26 0-16,26 0 0,-26-1 16,26 1-16,-26 0 15,0 0-15,0 0 0,0 0 16</inkml:trace>
+  <inkml:trace contextRef="#ctx0" brushRef="#br0" timeOffset="1986">1737 1347 0,'-25'0'16,"-1"0"-16,26-26 15,26 1 17,-1 25-32,1-26 15,0 26-15,0 0 0,0-26 16,0 26-16,0-26 15,0 26-15,0 0 0,0 0 16,0-26-16,0 26 16,-1 0-16</inkml:trace>
+  <inkml:trace contextRef="#ctx0" brushRef="#br0" timeOffset="3168">2826 2695 0,'0'-26'0,"26"26"0,0-26 16,0 26-16,-26-26 15,26 26-15,-52 0 32,0 0-32,0 0 0,0 0 15,0 0-15,0 0 0,-26 0 16,26 0-16,-25 0 16,25 26-16,-26-26 0,26 0 15,-26 0-15,0 26 0,0-26 16,1 0-16,-1 0 15,26 26-15,-26-26 0,26 26 16,0-26 0,26 26-16,0 0 15,26 0 1,-26 0-16,26-26 16,0 26-16,26-26 0,-26 26 15,25-1-15,1-25 16,26 0-16,-26 26 0,26-26 15,-26 0-15,25 0 0,1-26 16,-26 26-16,26 0 16,-1-25-16,-25-1 0,0 26 15,0-26-15,0 0 16,-26 26-16,25-26 0,-51 0 16,26 26-16,-26-26 0,0 0 15,-26 0 1,1 0-16,-27 26 15,26 0-15,-26-26 16,0 26-16,0 0 0,0 0 16,1 0-16,-1 0 0,0 26 15,26-26-15,-26 0 16,26 0-16,0 26 0,0-26 16,1 0-1</inkml:trace>
+  <inkml:trace contextRef="#ctx0" brushRef="#br0" timeOffset="4039">2359 2851 0,'0'-26'0,"-25"26"16,25 26 0,0 0-1,-26-1-15,26 1 16,0 0-16,0 0 0,0 26 16,26-26-16,-26 26 15,0-26-15,25 26 0,-25-27 16,26 27-16,-26 0 15,26-26-15,-26 26 0,0-26 16,0 0-16,0 26 0,26-26 16,-26-1-16,0 1 15,0 0-15,0 0 16,26-26 31,0 0-32,-26-26-15,26 26 16,0 0-16,0 0 16,0-26-16,0 26 0,26 0 15,-27 0-15,27-26 0,0 26 16,0 0-16,0 0 16,0-25-16,-1 25 0,1 0 15,0 0-15,0-26 16,-26 26-16,0 0 0,0 0 15,0 0-15,0 0 16,-26-26 0,-26 26-1,26-26 1,0 0 0,0 0-1,0 0 1,0 0-1,-26 0 1,26 0-16,0 0 16,0-26-16,0 27 0,0-1 15,0-26-15,26 0 16,-26 26-16,0-26 0,0 26 16,26-26-16,-26 27 15,0-1-15,0 0 16,-26 26 31,0 26-32,26 0 1,0-1-16,0 1 16,0 0-1</inkml:trace>
+  <inkml:trace contextRef="#ctx0" brushRef="#br0" timeOffset="4649">2515 1969 0,'26'0'63,"-26"26"-47,26-26-16,-26 26 15,0 0-15,26 0 16,-26 0-16,0 26 0,26-26 15,-26 26-15,26-26 16,-26 25-16,26-25 0,-26 0 16,25 0-16,-25 0 15,26 0-15,-26 0 0,0 0 16,0 0-16</inkml:trace>
+  <inkml:trace contextRef="#ctx0" brushRef="#br0" timeOffset="4974">2515 2436 0,'26'0'32,"0"0"-17,0 0-15,0 0 16,0 0-16,0 0 16,-26 26-16,25-26 15,1 26-15,-26 0 0,26-26 16,-26 26-16,26 0 15,0-1 1,-26-50 0</inkml:trace>
+  <inkml:trace contextRef="#ctx0" brushRef="#br0" timeOffset="5137">2904 2358 0,'0'-26'15,"-26"52"32,26 0-47,-26-26 16,26 26-16,-26 0 0,26 0 15,-26 0-15,0 0 16</inkml:trace>
+  <inkml:trace contextRef="#ctx0" brushRef="#br0" timeOffset="5677">2437 1995 0,'0'-26'16,"0"0"15,0 52 16,-26-26-31,26 26-1,-26 0-15,26 0 16,-26-26 0,26-26 30,0 0-46,26 26 16,-26-26-16,26 0 0,-26 1 16,26 25-16,0-26 15,0 0-15,0 26 16,0 26 0,0-26-16,-26 26 0,26-1 15,0 1-15,0-26 0</inkml:trace>
+  <inkml:trace contextRef="#ctx0" brushRef="#br0" timeOffset="6624">2023 0 0,'-26'0'16,"26"26"-16,-26-1 15,26 1-15,0 0 16,-26-26-16,26 26 0,-26 0 16,26 0-16,0 0 15,0 0-15,-26 0 16,52-52 46,-26 0-62,26 26 16,-26-26-16,26 0 16,-26 0-16,26 26 0,-26-26 15,26 0-15,-1 0 16,1 26 0,0 0-1,-26 26-15,0 0 0,26-26 16,-26 26-16,26 0 15,-26 0-15,0 0 16,26-26-16,-26 26 16</inkml:trace>
+  <inkml:trace contextRef="#ctx0" brushRef="#br0" timeOffset="6924">2100 155 0,'-26'-26'0,"26"0"0,-26 26 15,26-26-15,-25 26 0,25-26 16,0 52 15,0 0-15,25-26-16,-25 26 0,0 0 16,26 26-16,0-26 0,-26 0 15,26 0-15,-26 26 16,26-27-16,-26 1 0,0 0 15,0 0-15,0 0 16,0 0-16,0 0 0,0 0 16,0 0-16,0 0 15,0 0 1,0 0 0</inkml:trace>
+  <inkml:trace contextRef="#ctx0" brushRef="#br0" timeOffset="7344">2100 570 0,'-26'0'16,"26"26"62,26-26-63,0 26 1,0-26-16,0 0 16,0 0-16,0 0 0,0 0 15,0 0-15,0 0 16,0 0-1,-1-26-15,-25 0 32,0 0-17,0 0 1,-25 26-16,25-26 16,-26 26-1,0 26 1,26 0-16,-26 0 15,26 0-15,-26 0 0,0 25 16,26-25-16</inkml:trace>
+  <inkml:trace contextRef="#ctx0" brushRef="#br0" timeOffset="8996">3966 2954 0,'0'-26'0,"0"0"32,0 1-17,-25 25-15,25-26 0,-26 26 16,0 0 0,0 0-16,0 0 0,0 26 15,0-26-15,0 25 16,0 1-16,26 0 0,-26 0 15,26 26-15,-26-26 0,26 0 16,26 0 0,0 0-16,0 0 15,0-26-15,0 0 16,0 0-16,0 0 0,0 0 16,0-26-16,0 26 0,-1-26 15,1 0-15,-26 0 16,26 0-16,-26-26 0,0 26 15,0-26-15,0 1 16,0 25-16,0-26 0,0 26 16,0 0-16,0 0 0,0 52 47,0 0-47,26 0 15,-26 26-15,26-26 0,-26 0 16,0 25-16,26-25 0,-26 0 15,26 0-15,-26 0 16,0 0-16,26 0 0,0-26 16</inkml:trace>
+  <inkml:trace contextRef="#ctx0" brushRef="#br0" timeOffset="9686">4277 2851 0,'0'-26'16,"0"0"-1,0 52 17,0 0-17,0 0-15,0-1 0,26 1 16,-26 0-16,0 0 15,0 0-15,0 0 0,26 0 16,-26 0 0,0-52-1,0 0 1,-26 0-16,26 0 16,0 0-16,-26 0 0,26 0 15,0-25-15,-25 25 16,25-26-16,0 26 0,0 0 15,0 0-15,0 0 0,0 0 16,25 26-16,-25-26 16,26 26-16,0 0 0,0 0 15,0 0-15,0 26 0,0-26 16,0 26-16,0-26 16,0 26-16,0-26 0,-26 26 15,26-26-15,-26 26 16,-26 0-1,0-26-15,0 26 16,0-26 0,26 26-1,0 0 17,26-26-32,0 26 15,0-26-15,0 25 16,-1-25-16,1 26 0,0-26 15,0 26-15,-26 0 16,26 0-16,-26 0 0,0 0 16,0 0-16,-26-26 15,0 26-15,0-26 16,0 0-16,1 0 0,-1 0 16,0 0-16,0 0 15,0-26-15,0 26 0,0 0 16,0-26-16</inkml:trace>
+  <inkml:trace contextRef="#ctx0" brushRef="#br0" timeOffset="22825">2463 3110 0,'-26'0'15,"26"26"48,-26-26-16,0 0-32,0 0 1,1 0 0,-1 0-16,0 0 0,0 0 15,0 0-15,0 26 16,0-26-16,0 0 0,0 0 15,-26 26-15,26-26 16,-25 0-16,25 0 0,-26 0 16,0 0-16,-26 0 0,26 0 15,1 0-15,-1-26 16,0 26-16,0-26 0,0 26 16,26-26-16,-25 26 15,25-26-15,0 26 0,0-26 16,0 0-16,0 0 0,26 0 15,-26 0-15,0 0 16,26 0-16,-26-25 0,26 25 16,-26-26-16,26 26 15,-26-26-15,26 26 0,0-26 16,0 1-16,-26 25 0,26-26 16,0 0-16,0 26 15,26-26-15,-26 0 0,0 26 16,26-25-16,-26-1 15,0 26-15,26 0 0,-26-26 16,26 26-16,-26 0 0,26 0 16,-26 0-16,26 0 15,-26 1-15,26 25 0,-26-26 16,26 0-16,0 0 16,-26 0 15,26 26 16,-26 26 15</inkml:trace>
+  <inkml:trace contextRef="#ctx0" brushRef="#br0" timeOffset="23581">960 1892 0,'0'-26'31,"26"26"-15,-26-26-1,26 26 1,0 0 0,-26-26-16,26 26 15,-1-26-15,1 0 16,0 26-16,0-26 0,0 0 15,0 26 1,0 0-16,0-26 16,0 26-1,0 0 32,-26 26-16,26-26-15,-26 26 0,0 0 15,26-26-31,-26 26 16,26 0-1,-26 0-15,25-26 16,-25 26-1,26 0-15,-26 0 16,0-1 0,26 1-1,-26 0-15,26 0 16</inkml:trace>
+  <inkml:trace contextRef="#ctx0" brushRef="#br0" timeOffset="25063">53 1555 0,'0'-26'32,"0"0"-1,-26 26-31,26-26 16,0 0-1,0 0 1,0 0-16,0 0 15,0 0 1,0 0-16,0 1 16,0-1-16,0 0 0,0 0 15,0-26-15,0 26 16,0 0-16,0 0 16,26 0-16,-26 0 15,26 26-15,-26-26 16,26 26-16,0 0 0,-1-25 15,1 25 1,0 0-16,0 0 0,0 0 16,0 0-16,0 0 15,-26 25-15,26-25 0,0 0 16,0 26-16,0 0 16,0-26-16,-26 26 15,25 0-15,1-26 0,-26 26 16,26 0-16,-26 0 15,26 0-15,-26 0 16,26 0-16,-26 0 0,0-1 16,0 1-1,0 0 1,26-26 0</inkml:trace>
+  <inkml:trace contextRef="#ctx0" brushRef="#br0" timeOffset="25393">390 1399 0,'0'-26'16,"26"26"31,-26 26-16,26-26-31,-1 0 15,1 26-15,0-26 16,0 26-16,0-26 16,0 0-16,0 26 15,0-26 1</inkml:trace>
+  <inkml:trace contextRef="#ctx0" brushRef="#br0" timeOffset="25833">753 1270 0,'25'0'16,"-50"0"46,25 26-46,-26-26 0,26 25-16,-26 1 15,0 0-15,26 0 16,-26 0-1,26 0-15,0 0 16,-26-26 0,26 26-1,0 0 1,-26-26 0,52 0 30</inkml:trace>
+  <inkml:trace contextRef="#ctx0" brushRef="#br0" timeOffset="26845">234 1892 0,'0'-26'0,"26"26"16,-52 0 62,0 0-47,0 0-15,0 0 0,1 0-16,-1 0 15,0 0 1,26-26-16,-26 26 15,0-26 1,26 0 31,-26 26-31,26 26-1,0 0 16,26-26-15,-26 26 0,0 0 15,0 0-15,0-1-1,26-25-15,-26 26 16,0 0-1,0 0 1,0 0 0,0 0 15,0 0-15,0 0 15</inkml:trace>
+  <inkml:trace contextRef="#ctx0" brushRef="#br0" timeOffset="27548">79 1866 0,'0'26'78,"0"0"-47,26-26-31,-26 25 16,0 1-1,26-26-15,-26 26 0,25 0 16,1-26-1,-26 26-15,26-26 0,0 26 16,0-26-16,-26 26 0,26-26 16,0 0-16,-26 26 15,26-26-15,0 0 0,0 0 16,0 0 0,0 0-16,-1 0 15,1 0-15,0 0 0,0 0 16,0-26-16,0 26 15,0 0-15,-26-26 16,26 26-16,0 0 16,-26-26-16,0 0 15,0 0 1,0 0-16,0 0 16,0 1-16,0-1 15,0 0-15,0 0 16,0 0-1</inkml:trace>
+</inkml:ink>
+</file>
+
+<file path=ppt/ink/ink28.xml><?xml version="1.0" encoding="utf-8"?>
+<inkml:ink xmlns:inkml="http://www.w3.org/2003/InkML">
+  <inkml:definitions>
+    <inkml:context xml:id="ctx0">
+      <inkml:inkSource xml:id="inkSrc0">
+        <inkml:traceFormat>
+          <inkml:channel name="X" type="integer" max="1920" units="cm"/>
+          <inkml:channel name="Y" type="integer" max="1080" units="cm"/>
+          <inkml:channel name="T" type="integer" max="2.14748E9" units="dev"/>
+        </inkml:traceFormat>
+        <inkml:channelProperties>
+          <inkml:channelProperty channel="X" name="resolution" value="55.81395" units="1/cm"/>
+          <inkml:channelProperty channel="Y" name="resolution" value="55.6701" units="1/cm"/>
+          <inkml:channelProperty channel="T" name="resolution" value="1" units="1/dev"/>
+        </inkml:channelProperties>
+      </inkml:inkSource>
+      <inkml:timestamp xml:id="ts0" timeString="2020-12-09T06:20:09.703"/>
+    </inkml:context>
+    <inkml:brush xml:id="br0">
+      <inkml:brushProperty name="width" value="0.05" units="cm"/>
+      <inkml:brushProperty name="height" value="0.05" units="cm"/>
+      <inkml:brushProperty name="fitToCurve" value="1"/>
+    </inkml:brush>
+  </inkml:definitions>
+  <inkml:trace contextRef="#ctx0" brushRef="#br0">674 2183 0,'-26'0'0,"0"0"16,52 0 46,0 0-62,0 0 16,0 0-16,0 0 0,0 0 16,0-26-16,0 26 15,-1 0-15,1 0 0,0-26 16,0 26-16,0 0 0,0 0 16,0 0-1</inkml:trace>
+  <inkml:trace contextRef="#ctx0" brushRef="#br0" timeOffset="240">622 2287 0,'0'25'15,"-26"-25"-15,52 0 31,0-25-31,0 25 16,0 0-16,0-26 16,26 26-16,-26 0 0,25-26 15,-25 26-15,26 0 0,-26-26 16,0 26-16,0 0 16</inkml:trace>
+  <inkml:trace contextRef="#ctx0" brushRef="#br0" timeOffset="798">0 2546 0,'0'-26'16,"0"0"0,0 52 15,0 0-15,0 0-16,26 0 0,-26-1 15,26 1-15,-26 0 0,0 0 16,26 0-16,-26 0 15,26-26-15,-26 26 0,0 0 16</inkml:trace>
+  <inkml:trace contextRef="#ctx0" brushRef="#br0" timeOffset="1188">78 2727 0,'0'-26'31,"0"0"-15,26 26-1,0-26-15,0 26 16,0 0-16,-1-26 16,1 26-16,0 0 0,-26-25 15,26 25-15,0 0 16,-26-26-16,0 0 15,0 0 1,0 52 47,0 0-63,0 0 15,0-1 1,0 1-16,0 0 0,26 0 15,-26 0 1,26 0-16,-26 0 16,26-26-16</inkml:trace>
+  <inkml:trace contextRef="#ctx0" brushRef="#br0" timeOffset="1704">519 2572 0,'25'0'15,"-25"26"32,0-1-31,0 1-16,0 0 15,0 0 1,-25 0 0,25-52 31,25 26-32,-25-26-15,0 0 16,26 0-16,-26 1 15,26-1-15,-26 0 16,0 0-16,26 26 0,-26-26 16,0 0-1,26 26-15,0 0 32,-26 26-32,26 0 15,-26 0-15,26-26 0,-26 26 16,26 0-16,0-1 15,-26 1-15,26-26 16,-26 26-16,0 0 16,0 0-1</inkml:trace>
+  <inkml:trace contextRef="#ctx0" brushRef="#br0" timeOffset="1932">596 2649 0,'-26'0'16,"52"0"15,0-26-15,0 26-16,0-25 15,0 25-15,0 0 16,0 0-16,0-26 0,0 26 15,0 0 1,-1 0-16,-25-26 16,26 26-16</inkml:trace>
+  <inkml:trace contextRef="#ctx0" brushRef="#br0" timeOffset="2207">1011 2494 0,'0'-26'0,"0"0"31,0 52 1,0 0-17,0 0-15,0 0 16,0 0-1,0 0-15,0-1 16,0 1-16,26-26 0,-26 26 16</inkml:trace>
+  <inkml:trace contextRef="#ctx0" brushRef="#br0" timeOffset="2442">1037 2520 0,'0'-26'32,"26"26"-17,0 0 1,0 0 0,0 0-16,-1 26 15,1-26-15,0 26 16,0-26-16,0 0 15,-26 26-15,26-26 0,0 0 16,-26 26-16,26-26 16</inkml:trace>
+  <inkml:trace contextRef="#ctx0" brushRef="#br0" timeOffset="2676">1322 2520 0,'0'-26'16,"0"0"-16,0 0 15,0 0-15,0 0 32,0 52-17,0 0 1,0 0 0,0 0-16,0 0 15,26-26-15,-26 26 16,0 0-16,0 0 15,26-26 1,-26 25-16</inkml:trace>
+  <inkml:trace contextRef="#ctx0" brushRef="#br0" timeOffset="3167">1555 2364 0,'0'-26'16,"0"52"31,-26-26-47,26 26 0,0 0 31,-26 0-31,26 0 0,0 0 16,0 0-16,0 0 15,0 0 1,0-52 15,0 0-15,26 26-16,-26-26 16,0 0-16,26 26 15,-26-26-15,0 0 0,0 0 16,26 0-16,-26 0 15,26 0-15,-26 1 16,26 25-16,0 0 16,-26 25-1,26 1-15,-26 0 16,26 0-16,-26 0 16,26-26-16,-26 26 0,26 0 15,-26 0-15,0 0 16,26-26-16,-26 26 0,25-26 15</inkml:trace>
+  <inkml:trace contextRef="#ctx0" brushRef="#br0" timeOffset="3335">1555 2494 0,'-26'0'15,"26"-26"-15,-26 26 16,0 0-16,52 0 15,0-26 1,0 26-16,0 0 16,0 0-16,0-26 0,26 26 15,-26 0-15,0 0 16,0 0-16</inkml:trace>
+  <inkml:trace contextRef="#ctx0" brushRef="#br0" timeOffset="11675">259 32 0,'-26'0'78,"26"26"16,26-26-32,-26 25-31,26-25 282,0 0-298,-26-25 1,26 25-16,0 0 31,-26-26-31,26 26 16,0 0 0,0 0-16,0-26 0,0 26 15,0 0-15,-1 0 16,1 0-16,0 0 15,0 0-15,0 0 0,0 0 16,0 0-16,0 0 16,0 0-16,0 0 0,0 26 15,0-26-15,-1 0 0,1 26 16,0-26-16,0 0 16,0 25-16,26-25 0,-26 0 15,0 0-15,0 26 16,0 0-16,0-26 15,-26 26-15,25-26 0,1 26 16,0-26-16,-26 26 16,26 0-16,0-26 0,-26 26 15,26 0-15,0 0 0,0 0 16,0 0 0,-26-1-16,26-25 0,0 26 15,-26 0-15,26-26 16,-26 26-16,25 0 0,1 0 15,-26 0 1,0 0-16,26-26 0,-26 26 16,0 0-16,26 0 0,-26 0 15,0-1-15,0 1 16,26 0-16,-26 0 16,0 0-16,0 0 0,26 0 15,-26 0 1,0 0-16,0 0 15,0 0 1,0 0-16,0 0 16,0-1-1,0 1-15,-26 0 16,26 0-16,0 0 0,-26 0 16,26 0-1,0 0-15,-26-26 16,26 26-16,0 0 15,-26-26 1,26 26-16,0 0 31,-26-26-31,26 25 16,-25 1-16,-1 0 31,26 0 0,-26-26-31,0 26 16,26-52 93,0 0-77</inkml:trace>
+  <inkml:trace contextRef="#ctx0" brushRef="#br0" timeOffset="12490">1322 1250 0,'0'-26'31,"-26"26"-31,26-26 31,0 52 79,0 0-95,0 0-15,0 0 16,26-26-16,-26 26 0,0-1 15,0 1 1,26-26-16,-26 26 16,0 0-1,0 0 1,0 0 15,0 0 79,26-26-95,0 0 16,0 0-15,-26-26-16,26 26 16,-1 0-16,1-26 15,0 26-15,0 0 16,0-26-16,0 26 16,0 0-16,0 0 15,-26-26-15,26 26 16,0 0-16,0 0 15,-26 26 64,-26-26-79</inkml:trace>
+  <inkml:trace contextRef="#ctx0" brushRef="#br0" timeOffset="14579">2281 1431 0,'-26'0'0,"0"0"47,0-26-16,0 26 0,26-26-31,-26 26 16,26-26-16,0 1 31,0-1-15,0 0-1,26 0-15,-26 0 0,26 0 16,-26 0-16,0 0 15,26 26-15,-26-26 16,26 0-16,0 26 0,-26-26 16,26 26-16,-26-26 15,26 26-15,-26-25 0,26 25 16,0 0-16,0 0 16,-1 0-1,1 0-15,0 0 16,0 25-1,0-25-15,0 26 16,0 0-16,0 0 16,0 0-1,-26 0-15,26-26 16,-26 26 0,26 0-16,-26 0 15,26-26 1,-26 26-16,0 0 15,25-26 1,-25 26 0,0-52-1</inkml:trace>
+  <inkml:trace contextRef="#ctx0" brushRef="#br0" timeOffset="15112">2592 1353 0,'26'0'109,"0"26"-93,0-26 0,-26 26-16,26-26 0,-26 26 15,26-26 1,-1 26-16,1-26 15,0 0 1,-26-26 0,26 26-16,-26-26 15,26 26 1,-26-26-16,0 0 0,0 1 16,26 25-1,-26-26-15,0 0 16,0 0-1,0 52 32,0 0-31,0 0 0</inkml:trace>
+  <inkml:trace contextRef="#ctx0" brushRef="#br0" timeOffset="15911">2488 1587 0,'-26'0'31,"0"0"1,26-26-17,-25 26 1,25-26-16,-26 26 15,0 0 1,0 0 15,26 26 16,-26 0-31,26 0-16,0 0 15,-26-1-15,26 1 16,0 0 0,26-26 93,-26 26-93,26 0-1,-26 0 1,26 0 15,-26 0-15,26-26-1,-26-26 1</inkml:trace>
+  <inkml:trace contextRef="#ctx0" brushRef="#br0" timeOffset="16523">2436 1613 0,'26'-26'0,"-26"52"63,0 0-48,0-1 1,0 1 0,0 0-16,26 0 15,-26 0 1,26 0-16,-26 0 16,26-26-16,0 26 15,0-26-15,0 26 16,0-26-16,0 0 15,0 26-15,0-26 0,-1 0 16,1 0 0,0 0-16,0 0 15,0 0 1,-26-26 0,26 26-16,-26-26 15,0 0 1,0 0-16,0 0 15,0 0-15,0 0 16,0 0-16,0 0 16,0 52 62,26-26-63</inkml:trace>
+</inkml:ink>
+</file>
+
+<file path=ppt/ink/ink29.xml><?xml version="1.0" encoding="utf-8"?>
+<inkml:ink xmlns:inkml="http://www.w3.org/2003/InkML">
+  <inkml:definitions>
+    <inkml:context xml:id="ctx0">
+      <inkml:inkSource xml:id="inkSrc0">
+        <inkml:traceFormat>
+          <inkml:channel name="X" type="integer" max="1920" units="cm"/>
+          <inkml:channel name="Y" type="integer" max="1080" units="cm"/>
+          <inkml:channel name="T" type="integer" max="2.14748E9" units="dev"/>
+        </inkml:traceFormat>
+        <inkml:channelProperties>
+          <inkml:channelProperty channel="X" name="resolution" value="55.81395" units="1/cm"/>
+          <inkml:channelProperty channel="Y" name="resolution" value="55.6701" units="1/cm"/>
+          <inkml:channelProperty channel="T" name="resolution" value="1" units="1/dev"/>
+        </inkml:channelProperties>
+      </inkml:inkSource>
+      <inkml:timestamp xml:id="ts0" timeString="2020-12-09T06:20:55.847"/>
+    </inkml:context>
+    <inkml:brush xml:id="br0">
+      <inkml:brushProperty name="width" value="0.05" units="cm"/>
+      <inkml:brushProperty name="height" value="0.05" units="cm"/>
+      <inkml:brushProperty name="fitToCurve" value="1"/>
+    </inkml:brush>
+  </inkml:definitions>
+  <inkml:trace contextRef="#ctx0" brushRef="#br0">78 106 0,'0'26'0,"-26"-26"0,0 0 47,0 0 15,52 0 1,0 0-47,0 0-16,0 0 0,0 0 15,0-26-15,-1 26 0,1 0 16,0-26-16,0 26 15,0 0-15,0-26 16,0 26 0</inkml:trace>
+  <inkml:trace contextRef="#ctx0" brushRef="#br0" timeOffset="683">259 28 0,'26'0'109,"-26"-26"-93,26 26-16,0 0 15,0 0 1,0 0-16,0 0 16,0 0-1,0 0 1,-26 26-16,25-26 15,-50 0 48,-1 0-32,26 26-15,-26-26-1,26 26-15,0 0 16,-26-26-16,26 26 16,0 0-1,0 0 17,-26-26-32</inkml:trace>
+</inkml:ink>
+</file>
+
+<file path=ppt/ink/ink3.xml><?xml version="1.0" encoding="utf-8"?>
+<inkml:ink xmlns:inkml="http://www.w3.org/2003/InkML">
+  <inkml:definitions>
+    <inkml:context xml:id="ctx0">
+      <inkml:inkSource xml:id="inkSrc0">
+        <inkml:traceFormat>
+          <inkml:channel name="X" type="integer" max="1920" units="cm"/>
+          <inkml:channel name="Y" type="integer" max="1080" units="cm"/>
+          <inkml:channel name="T" type="integer" max="2.14748E9" units="dev"/>
+        </inkml:traceFormat>
+        <inkml:channelProperties>
+          <inkml:channelProperty channel="X" name="resolution" value="55.81395" units="1/cm"/>
+          <inkml:channelProperty channel="Y" name="resolution" value="55.6701" units="1/cm"/>
+          <inkml:channelProperty channel="T" name="resolution" value="1" units="1/dev"/>
+        </inkml:channelProperties>
+      </inkml:inkSource>
+      <inkml:timestamp xml:id="ts0" timeString="2020-12-09T06:12:50.018"/>
+    </inkml:context>
+    <inkml:brush xml:id="br0">
+      <inkml:brushProperty name="width" value="0.05" units="cm"/>
+      <inkml:brushProperty name="height" value="0.05" units="cm"/>
+      <inkml:brushProperty name="fitToCurve" value="1"/>
+    </inkml:brush>
+  </inkml:definitions>
+  <inkml:trace contextRef="#ctx0" brushRef="#br0">575 33 0,'0'-26'46,"-26"26"-30,0 0 15,0 0-15,0 0 0,0 0-16,0 0 15,0 0 1,0 0-16,0 0 0,0 0 15,0 0 1,1 0-16,-1 26 0,0-26 16,0 0-16,0 26 15,0-26-15,0 26 16,0-26 0,26 26-16,-26-26 15,26 26 1,-26-26-16,26 26 31,26-26-31,0 26 16,0-26-16,0 0 15,0 26-15,0-26 16,0 26-16,26-26 0,-1 0 16,-25 26-16,26-26 15,0 0-15,0 0 0,-26 0 16,26 0-16,-1 0 0,1 0 15,0 0-15,0 0 16,-26 0-16,26 0 0,0 0 16,-27-26-16,1 26 15,26 0-15,-26 0 0,-26-26 16,26 26-16,0 0 0,-26-26 16,0 0-1,0 0-15,-26 0 16,0 26-16,26-26 15,-26 26-15,0-26 0,0 26 16,-25 0-16,25-26 0,-26 26 16,26 0-16,-26 0 15,26 0-15,-26 0 0,26 0 16,-26-26-16,27 26 16,-1 0-16,0 0 0,0 0 15,0 0-15,0 0 0,0 0 16,0 0-1,0 0-15,26 26 0,-26-26 16,0 0 0</inkml:trace>
+  <inkml:trace contextRef="#ctx0" brushRef="#br0" timeOffset="751">134 111 0,'0'26'16,"0"0"0,0 0-1,0 0 1,-26 0-16,26 0 16,-26 0-16,26-1 15,0 1-15,-26 0 16,26 0-16,0 0 0,0 0 15,0 0-15,-26 0 16,26 0-16,0 0 0,0 0 16,0 0-16,0 0 15,-26-26-15,26 25 16,0 1 0,26-26-1,0 0 1,0 0 15,-26-26-15,26 26-16,0 0 15,0 0 1,0 0 0,0 0-16,0 0 15,0 0-15,25 0 0,-25 0 16,26 0-16,0 0 15,0 0-15,-26 0 0,26 0 16,-1 0-16,1 0 0,0 0 16,-26 0-16,26 0 15,-26 0-15,0 0 0,0 0 16,0 0-16,-1 0 0,1 0 16,0 0-1,-52 0 16,0 0-15,26-25 0</inkml:trace>
+  <inkml:trace contextRef="#ctx0" brushRef="#br0" timeOffset="1369">1041 293 0,'0'-26'15,"0"0"1,0 52 78,0 0-79,0-1 1,-26 1-16,26 0 15,0 0-15,0 0 16,0 0-16,0 0 0,0 0 16,0 0-16,0 0 15,0 0 1,0 0 15,0 0 16,0-1 0,26-25-16,-26-25-15,-26 25 31</inkml:trace>
+</inkml:ink>
+</file>
+
+<file path=ppt/ink/ink30.xml><?xml version="1.0" encoding="utf-8"?>
+<inkml:ink xmlns:inkml="http://www.w3.org/2003/InkML">
+  <inkml:definitions>
+    <inkml:context xml:id="ctx0">
+      <inkml:inkSource xml:id="inkSrc0">
+        <inkml:traceFormat>
+          <inkml:channel name="X" type="integer" max="1920" units="cm"/>
+          <inkml:channel name="Y" type="integer" max="1080" units="cm"/>
+          <inkml:channel name="T" type="integer" max="2.14748E9" units="dev"/>
+        </inkml:traceFormat>
+        <inkml:channelProperties>
+          <inkml:channelProperty channel="X" name="resolution" value="55.81395" units="1/cm"/>
+          <inkml:channelProperty channel="Y" name="resolution" value="55.6701" units="1/cm"/>
+          <inkml:channelProperty channel="T" name="resolution" value="1" units="1/dev"/>
+        </inkml:channelProperties>
+      </inkml:inkSource>
+      <inkml:timestamp xml:id="ts0" timeString="2020-12-09T06:21:07.464"/>
+    </inkml:context>
+    <inkml:brush xml:id="br0">
+      <inkml:brushProperty name="width" value="0.05" units="cm"/>
+      <inkml:brushProperty name="height" value="0.05" units="cm"/>
+      <inkml:brushProperty name="fitToCurve" value="1"/>
+    </inkml:brush>
+  </inkml:definitions>
+  <inkml:trace contextRef="#ctx0" brushRef="#br0">0 157 0,'26'-26'15,"-26"52"79,26-26-63,0 0-15,0 0-16,0-26 16,0 26-16,25 0 0,-25-26 15,26 26-15,26-26 16,-26 26-16,0 0 0,25-26 16,-25 26-16,0-26 0,0 26 15,0 0-15,-26 0 16,0 0-16,-1-26 0,1 26 15,0 0-15,0 0 32,-52 0 46</inkml:trace>
+  <inkml:trace contextRef="#ctx0" brushRef="#br0" timeOffset="946">467 182 0,'-26'0'31,"52"0"16,-26-25 16,0-1-16,0 52-16,26-1-15,-26 1-1,0 0-15,0 0 16,25 0-16,-25 0 15,0 0-15,26 0 16,-26 0-16,0 0 16,0 0-1,0 0-15</inkml:trace>
+  <inkml:trace contextRef="#ctx0" brushRef="#br0" timeOffset="1235">363 442 0,'0'26'15,"26"-26"17,-26 25-32,26-25 15,0 26 1,0-26 0,-26 26-16</inkml:trace>
+  <inkml:trace contextRef="#ctx0" brushRef="#br0" timeOffset="1379">544 442 0,'26'0'15,"0"0"1,-26 26 0,-26-26-1,26 25-15,-26 1 16,0 0-16,1 0 0</inkml:trace>
+</inkml:ink>
+</file>
+
+<file path=ppt/ink/ink31.xml><?xml version="1.0" encoding="utf-8"?>
+<inkml:ink xmlns:inkml="http://www.w3.org/2003/InkML">
+  <inkml:definitions>
+    <inkml:context xml:id="ctx0">
+      <inkml:inkSource xml:id="inkSrc0">
+        <inkml:traceFormat>
+          <inkml:channel name="X" type="integer" max="1920" units="cm"/>
+          <inkml:channel name="Y" type="integer" max="1080" units="cm"/>
+          <inkml:channel name="T" type="integer" max="2.14748E9" units="dev"/>
+        </inkml:traceFormat>
+        <inkml:channelProperties>
+          <inkml:channelProperty channel="X" name="resolution" value="55.81395" units="1/cm"/>
+          <inkml:channelProperty channel="Y" name="resolution" value="55.6701" units="1/cm"/>
+          <inkml:channelProperty channel="T" name="resolution" value="1" units="1/dev"/>
+        </inkml:channelProperties>
+      </inkml:inkSource>
+      <inkml:timestamp xml:id="ts0" timeString="2020-12-09T06:23:04.095"/>
+    </inkml:context>
+    <inkml:brush xml:id="br0">
+      <inkml:brushProperty name="width" value="0.05" units="cm"/>
+      <inkml:brushProperty name="height" value="0.05" units="cm"/>
+      <inkml:brushProperty name="fitToCurve" value="1"/>
+    </inkml:brush>
+  </inkml:definitions>
+  <inkml:trace contextRef="#ctx0" brushRef="#br0">155 26 0,'-26'26'0,"0"0"16,0-26 0,0 26-16,0 0 0,1 0 15,25 0-15,0 0 16,0 0 0,0-1-16,0 1 15,0 0-15,0 0 0,0 0 16,0 0-1,0 0-15,0 0 0,0 0 16,0 0-16,0 0 16,0 0-1,0-52 17,0 0-17,0 0-15,25 0 16,-25 0-16,0 0 0,0-26 15,0 0-15,0 1 0,0 25 16,0-26-16,0 0 16,0 26-16,26 0 0,-26 0 15,26 0 1,0 26-16,0 26 16,0-26-16,0 26 15,-26 0-15,26 0 16,0-26-16,-26 26 0,26 0 15,-26 0-15,0 0 16,26 0-16,-26-1 0,0 1 16,-26 0-16,26 0 15,-26-26-15,26 26 16,-26-26-16,-26 26 0,26-26 16,0 26-16,0-26 15,0 0-15,0 0 16,52 0 15,0 0-31,0 0 16,0 26-16,0-26 15,0 26-15,26-26 0,-26 26 16,0-26-16,0 26 16,-1 0-1,1-26-15,-26 25 0,26-25 16,0 0-1</inkml:trace>
+  <inkml:trace contextRef="#ctx0" brushRef="#br0" timeOffset="265">596 389 0,'-26'0'15,"0"0"1,26-26-16,26 26 16,0 0-1,0-26-15,0 26 16,-1-26-16,1 26 16,0 0-16,0-26 0,0 26 15,-26-26-15,26 26 0,-52 0 31,0 0-31</inkml:trace>
+  <inkml:trace contextRef="#ctx0" brushRef="#br0" timeOffset="479">596 182 0,'-26'-26'0,"26"0"0,0 0 31,0 52-16,0 0-15,26 0 16,-26 0-16,0 0 16,0-1-16,26 1 0,-26 0 15,0 0-15,0 0 16,0 0-16,0 0 0,26 0 16,-26 0-1</inkml:trace>
+  <inkml:trace contextRef="#ctx0" brushRef="#br0" timeOffset="1116">1036 182 0,'-26'0'0,"26"-26"15,-26 26 1,1 0-16,25 26 31,0 0-15,0 0-16,0-1 16,25 1-16,-25 0 15,0 0-15,0 0 0,26 0 16,-26 0-1,0 0-15,0 0 16,26-26-16,-26-26 31,26 26-15,-26-26-16,0 0 16,0 0-16,0 0 0,26 0 15,-26 0-15,0 0 0,26 26 16,-26-25-16,26 25 15,-26 25 1,26 1 0,-26 0-16,0 0 15,26-26-15,-26 26 0,26 0 16,0-26 0,0 0-1,-1-26 1,1 0-1,-26 0-15,26 26 0,-26-26 16,0-25-16,0 25 16,0 0-16,0 0 0,0 0 15,0 0-15,0 0 0,0 0 16,-26 0 0,0 26-16,1 26 15,-1 0 1,0 0-16</inkml:trace>
+</inkml:ink>
+</file>
+
+<file path=ppt/ink/ink32.xml><?xml version="1.0" encoding="utf-8"?>
+<inkml:ink xmlns:inkml="http://www.w3.org/2003/InkML">
+  <inkml:definitions>
+    <inkml:context xml:id="ctx0">
+      <inkml:inkSource xml:id="inkSrc0">
+        <inkml:traceFormat>
+          <inkml:channel name="X" type="integer" max="1920" units="cm"/>
+          <inkml:channel name="Y" type="integer" max="1080" units="cm"/>
+          <inkml:channel name="T" type="integer" max="2.14748E9" units="dev"/>
+        </inkml:traceFormat>
+        <inkml:channelProperties>
+          <inkml:channelProperty channel="X" name="resolution" value="55.81395" units="1/cm"/>
+          <inkml:channelProperty channel="Y" name="resolution" value="55.6701" units="1/cm"/>
+          <inkml:channelProperty channel="T" name="resolution" value="1" units="1/dev"/>
+        </inkml:channelProperties>
+      </inkml:inkSource>
+      <inkml:timestamp xml:id="ts0" timeString="2020-12-09T06:23:08.469"/>
+    </inkml:context>
+    <inkml:brush xml:id="br0">
+      <inkml:brushProperty name="width" value="0.05" units="cm"/>
+      <inkml:brushProperty name="height" value="0.05" units="cm"/>
+      <inkml:brushProperty name="fitToCurve" value="1"/>
+    </inkml:brush>
+  </inkml:definitions>
+  <inkml:trace contextRef="#ctx0" brushRef="#br0">1555 207 0,'0'-26'0,"26"26"0,-26-26 16,0 0-1,0 52 1,0 0-1,0 0 1,-26 26-16,26-26 0,-25 25 16,-1 27-16,0-26 0,0 26 15,26 0-15,-26-27 16,0 27-16,26-26 0,-26 26 16,26-26-16,0-1 15,0-25-15,0 26 0,0-26 16,0 0-16</inkml:trace>
+  <inkml:trace contextRef="#ctx0" brushRef="#br0" timeOffset="335">1115 933 0,'0'-26'16,"26"52"15,-26 0-15,0-1-1,26 1-15,-26 26 0,26-26 16,-26 26-16,26-26 16,-1 0-16,1 0 0,-26 26 15,26-52-15,0 25 0,26-25 16,-26 0-16,0 0 15,26 0-15,-26-25 0,25-1 16,-25 0-16,26 0 0,-26 0 16,0 0-16,0 0 15,0 0-15,-26 0 0,26 26 16,-26-26-16</inkml:trace>
+  <inkml:trace contextRef="#ctx0" brushRef="#br0" timeOffset="733">1089 2047 0,'-26'-26'15,"0"26"-15,0-26 16,0 26 0,0 0-1,26 26-15,0 0 16,-26 0-16,26 0 0,0 26 15,0-26-15,0 26 16,0-27-16,0 27 0,0-26 16,26 0-16,0 0 0,0 0 15,0-26-15,0 26 16,0-26-16,26 0 0,0 0 16,-26-26-16,25 0 15,-25 26-15,0-26 0</inkml:trace>
+  <inkml:trace contextRef="#ctx0" brushRef="#br0" timeOffset="900">933 2254 0,'-25'0'16,"-1"26"-16,52-26 31,-1 0-31,27-26 16,-26 26-16,0-25 0,26 25 15,-26-26-15,26 26 16,-26-26-16</inkml:trace>
+  <inkml:trace contextRef="#ctx0" brushRef="#br0" timeOffset="1212">1685 1892 0,'0'-26'16,"-26"0"-1,0 26 1,0 26 0,0 0-1,26 0 1,-26-1-16,26 1 15,-25 26-15,25-26 0,0 0 16,0 0-16,0 0 16,25 0-16,-25 0 0,26-26 15,0 26-15,0-26 0,26 0 16,-26 0-16,26 0 16,-26 0-16</inkml:trace>
+  <inkml:trace contextRef="#ctx0" brushRef="#br0" timeOffset="1488">2281 1762 0,'26'0'16,"-26"-26"-16,-26 26 16,0 0-16,0 0 15,0 0 1,1 26-16,-1-26 0,0 26 15,0-26-15,0 26 16,0 0-16,26 0 16,0 0-16,0 0 0,26-26 15,-26 25-15,26 1 16,0 0-16,0-26 0,0 0 16,-1 26-16,27-26 15,-26 0-15,26-26 0,-26 26 16</inkml:trace>
+  <inkml:trace contextRef="#ctx0" brushRef="#br0" timeOffset="2299">2514 570 0,'-25'0'16,"25"-26"-16,0 0 16,0 0-16,25 26 15,1 0 1,0 0-16,26 26 16,-26-26-16,26 52 15,26-26-15,-27 26 0,27-27 16,-26 27-16,26 0 0,0 26 15,-1-26-15,1 0 16,-26-1-16,26-25 0,-26 26 16,-27-26-16,27 0 15</inkml:trace>
+  <inkml:trace contextRef="#ctx0" brushRef="#br0" timeOffset="2652">3344 1451 0,'26'0'16,"0"-26"-1,0 0-15,0 26 16,-1-26-16,1 26 0,0 0 16,26 0-16,-26 0 15,26 0-15,-26 0 0,26 0 16,-26 0-16,25 0 15,-25 0-15,0 0 0,0 0 16,0-26-16,-26 0 16,0 0-16,0 1 15,0-27-15,-26 26 16,26 0-16,-26 0 16,26 0-16,0 0 0,-26 26 15,26-26-15,26 26 16,0 26-1,0-26-15,0 26 16</inkml:trace>
+  <inkml:trace contextRef="#ctx0" brushRef="#br0" timeOffset="3396">4121 1943 0,'-26'0'16,"26"-25"-1,0-1 1,26 26-1,0 0 1,0 26-16,0-26 16,0 25-16,-26 1 0,26-26 15,0 26-15,-26 0 16,0 0-16,0 0 31,-26-26-31,0 0 16,0-26-16,0 0 15,0 0-15,0 0 16,0 0-16,1-25 0,25-1 16,-26 26-16,26-26 0,0 0 15,0 0-15,0 0 16,26 27-16,-1-1 0,1 0 16,26 26-16,-26 0 15,26 0-15,0 26 0,0-26 16,-26 26-16,-1-1 15,1 1-15,0 0 0,-26 0 16,0 0-16,0 0 0,-26 0 16,26 0-16,-26-26 15,1 26-15,-1-26 0,26 26 16,-26-26-16,0 0 0,52 0 31,0 0-15,0 0-16,-1 0 15,1 0-15,0 0 0,26 0 16,-26 0-16,0 0 16,0 26-16,0 0 0,-26 0 15,0-1-15,0 1 16,0 0-16,0 0 16,-26-26-16,0 26 0,0 0 15,0-26-15,0 0 16,0 26-16,-26-26 0,27 0 15,25-26-15,-26 0 0</inkml:trace>
+  <inkml:trace contextRef="#ctx0" brushRef="#br0" timeOffset="3930">4692 1632 0,'-26'-26'0,"0"1"15,0-1-15,52 52 32,-26-1-32,26 1 15,0 0-15,0 0 16,-1 0-16,1 0 0,0 0 16,0 0-16,0 0 0,0 0 15,-26 0-15,26-26 16,0 0-1,-26-26 1,0 0 0,0 0-16,0 0 0,0 0 15,-26 0-15,26 0 16,0 0-16,26 26 16,0 26-1,0 0-15,0 0 16,0 0-16,25 0 0,-25 0 15,0 0-15,26 0 16,-26-26-16,0 26 0,0-26 16,0 0-16,0-26 15,-26 0-15,26 0 0,-26 0 16,0 0-16,0 0 0,0-26 16,0 0-16,-26 26 15,26-25-15,-26 25 0,0 0 16,0-26-16,-26 52 15,26-26-15,0 0 0,0 26 16,0 0-16,0 0 16,1 26-16,25 0 15</inkml:trace>
+  <inkml:trace contextRef="#ctx0" brushRef="#br0" timeOffset="4458">5236 1114 0,'-26'-26'0,"-52"26"0,26 0 16,-25 0-16,25 0 16,-26 0-16,0 26 0,1 26 15,-1 0-15,0 0 0,0 25 16,0-25-16,1 26 15,-1 0-15,26-1 0,-26 1 16,27 0-16,25 0 16,-26-1-16,26-25 0,26 26 15,0-26-15,26 0 0,0 0 16,26-1-16,-1 1 16,27-26-16,-26 26 0,52-26 15,-27-26-15,27 26 16,0-26-16,-1 26 0,1-26 15,26 0-15,-27-26 0,1 0 16,0 0-16,-1 0 16,-25-26-16,0 26 0,0-26 15,-27-25-15,1 25 16,-26-26-16,0 0 0,-26 1 16,0-1-16,0-26 0,0 0 15,-26 1-15,0 25 16,0 0-16,0 1 0,1-1 15,-1 26-15,-26 26 16,26 0-16,-26 0 0,0 26 16,-26 0-16,1 0 0,-1 0 15,-26 26-15,1 0 16,-1 0-16,0 0 0,1 0 16</inkml:trace>
+  <inkml:trace contextRef="#ctx0" brushRef="#br0" timeOffset="5364">2074 1399 0,'0'-26'15,"-26"26"-15,0 0 16,0 0-16,0 0 16,0 0-16,-26 0 0,1 26 15,-1-26-15,0 26 16,0-26-16,-26 26 0,1 0 15,-1 0-15,-26 26 0,26-26 16,-25 25-16,25 1 16,-26 0-16,1 0 0,25 0 15,0 26-15,26-27 16,0 27-16,1 0 0,25 0 16,26-1-16,0 1 0,0 0 15,26 0-15,-1-27 16,1 27-16,26-26 0,0 0 15,26 0-15,0-26 16,-1 0-16,27-1 0,0 1 16,-1-26-16,1 0 0,26-26 15,-1 1-15,1-1 16,-1 0-16,1-26 0,0 0 16,-27 0-16,27-26 15,-26 27-15,-27-27 0,1 0 16,0 0-16,-26 1 0,-26 25 15,-26-26-15,0 0 16,-26 1-16,0-27 0,-26 52 16,0-26-16,0 0 15,-26 27-15,1 25 0,25-26 16,-26 52-16,0 0 0,1 0 16,-27 0-16,26 26 15,0-26-15,1 26 0,25-26 16</inkml:trace>
+  <inkml:trace contextRef="#ctx0" brushRef="#br0" timeOffset="5947">260 466 0,'25'0'16,"1"-26"-1,26 26-15,26-26 16,0 0-16,25 0 0,27 0 16,26 1-16,-1-27 0,52 26 15,-25 0-15,25 0 16,0-26-16,1 26 0,-27 26 15,1-26-15,-27 0 16,1 26-16,-27-26 0,-51 26 16,0 0-16,0 0 0,-53-25 15,-50 25 1</inkml:trace>
+  <inkml:trace contextRef="#ctx0" brushRef="#br0" timeOffset="6284">78 466 0,'-52'26'16,"26"0"-16,52-26 15,26 0 1,0 0-16,52 0 0,-1-26 16,27 26-16,25-26 15,1 0-15,51 0 0,-25 0 16,25-26-16,0 27 16,1-27-16,-1 26 0,-25-26 15,-27 26-15,-25 0 0,-27 0 16,1 0-16,-52 26 15,0-26-15,-26 26 0,-52 26 32</inkml:trace>
+  <inkml:trace contextRef="#ctx0" brushRef="#br0" timeOffset="7915">3162 2021 0,'26'0'15,"-26"-26"1,26 26 0,0 0-16,0-26 15,0 26-15,0 0 16,26-26-16,0 26 0,-26-25 16,25 25-16,1 0 0,-26 0 15,0 0-15,0-26 16,0 26-16,0 0 15,-52 0 17</inkml:trace>
+  <inkml:trace contextRef="#ctx0" brushRef="#br0" timeOffset="8216">3318 1684 0,'-26'0'15,"26"-26"-15,26 26 47,-26 26-47,26 0 16,0 0-16,0 0 0,0 0 15,0 26-15,-1-26 16,1 26-16,-26-1 0,26 1 16,0-26-16,-26 26 15,26-26-15,-26 26 0,26-26 16,-26 0-16,0-1 16,26 1-16</inkml:trace>
+  <inkml:trace contextRef="#ctx0" brushRef="#br0" timeOffset="9422">2463 2721 0,'-26'-26'15,"26"0"1,26 26 15,-26 26-31,26-26 16,-26 26-16,25 0 15,-25 0-15,26 0 0,0 26 16,0-27-16,0 53 16,0-26-16,0 0 15,0-26-15,0 26 0,0-26 16,-26 0-16,26-1 0,0 1 16,-26 0-16,25 0 15,1 0-15,0-26 16,0 0-1,0 0-15,26 0 16,-26-26-16,26 26 16,0-26-16,25 26 0,1-26 15,-26 0-15,52 26 0,-27-25 16,27-1-16,0 0 16,-1 0-16,1 0 0,0 0 15,25 0-15,-25 0 0,26 0 16,-27 0-16,27 0 15,-26 0-15,-27 26 0,27-26 16,-26 1-16,-26 25 16,-1 0-16,-25-26 0,0 26 15,0-26-15,-26 0 32,0 0-17,-26 0 1,0 0-1,0 0-15,0 0 16,26 0-16,-25 0 16,-1 0-16,0 1 0,26-1 15,-26 0-15,0 0 0,26 0 16,-26 0-16,26 0 16,-26 26-16,26-26 0,0 52 62,0 0-46</inkml:trace>
+  <inkml:trace contextRef="#ctx0" brushRef="#br0" timeOffset="9842">4225 2902 0,'0'-26'16,"26"26"0,0 26-1,0-26-15,-26 26 16,26 0-16,0 0 16,0 0-16,-1 0 0,-25 26 15,26 0-15,0-26 0,0 25 16,0 1-16,-26 0 15,26-26-15,-26 26 0,26-26 16,-26 0-16,26 0 16,-26 0-16,0-1 0,0 1 15,0 0 1,0-52 0</inkml:trace>
+  <inkml:trace contextRef="#ctx0" brushRef="#br0" timeOffset="10094">4355 3576 0,'26'0'46,"-1"0"-46,1 0 16,0 0-16,0 0 16,0 0-16,0 0 0,0 26 15,0-26 1,0 0-16,0 0 16</inkml:trace>
+  <inkml:trace contextRef="#ctx0" brushRef="#br0" timeOffset="10358">4899 3421 0,'0'-26'16,"-26"26"30,26 26-46,-26-26 16,26 26-16,-26 0 0,26 0 16,-26-26-16,26 25 15,-26 1-15,26 0 0,-26 0 16,26 0-16,-25 0 0,25 0 16,-26 0-16,0-26 15,26 26-15,-26-26 0</inkml:trace>
+</inkml:ink>
+</file>
+
+<file path=ppt/ink/ink33.xml><?xml version="1.0" encoding="utf-8"?>
+<inkml:ink xmlns:inkml="http://www.w3.org/2003/InkML">
+  <inkml:definitions>
+    <inkml:context xml:id="ctx0">
+      <inkml:inkSource xml:id="inkSrc0">
+        <inkml:traceFormat>
+          <inkml:channel name="X" type="integer" max="1920" units="cm"/>
+          <inkml:channel name="Y" type="integer" max="1080" units="cm"/>
+          <inkml:channel name="T" type="integer" max="2.14748E9" units="dev"/>
+        </inkml:traceFormat>
+        <inkml:channelProperties>
+          <inkml:channelProperty channel="X" name="resolution" value="55.81395" units="1/cm"/>
+          <inkml:channelProperty channel="Y" name="resolution" value="55.6701" units="1/cm"/>
+          <inkml:channelProperty channel="T" name="resolution" value="1" units="1/dev"/>
+        </inkml:channelProperties>
+      </inkml:inkSource>
+      <inkml:timestamp xml:id="ts0" timeString="2020-12-09T06:23:24.599"/>
+    </inkml:context>
+    <inkml:brush xml:id="br0">
+      <inkml:brushProperty name="width" value="0.05" units="cm"/>
+      <inkml:brushProperty name="height" value="0.05" units="cm"/>
+      <inkml:brushProperty name="fitToCurve" value="1"/>
+    </inkml:brush>
+  </inkml:definitions>
+  <inkml:trace contextRef="#ctx0" brushRef="#br0">78 806 0,'-26'0'78,"26"26"-78,-26 0 16,26 0-16,0 0 15,-26 0-15,26 0 0,0 26 16,0-26-16,26 0 16,-26 0-16,26-1 0,0 1 15,0-26-15,0 26 16,0-26-16,0 0 0,26 0 16,-26-26-16,0 26 0,-1-26 15,-25 1-15,26 25 16,-26-26-16,0 0 0,0 0 15,0 0-15,0 0 0,-26 0 16,1 0-16,-1 0 16,0 26-16,0-26 15,-26 26-15,26 0 16,0 0-16,0 0 0,0 26 16,0-26-16,26 26 15,26-26 1</inkml:trace>
+  <inkml:trace contextRef="#ctx0" brushRef="#br0" timeOffset="570">493 755 0,'0'25'63,"0"1"-48,0 0-15,0 0 16,0 0-16,26 26 15,-26-26-15,0 0 0,26 26 16,-26-26-16,0 25 16,26-25-16,-26 0 0,0 0 15,26 0-15,-1-26 32,-25-26-17,26 26-15,0-26 16,0 0-16,0 26 0,0-26 15,0 26-15,0-25 0,0 25 16,0 0 0,0 0-16,0 0 15</inkml:trace>
+  <inkml:trace contextRef="#ctx0" brushRef="#br0" timeOffset="1013">804 832 0,'-26'0'0,"26"-26"0,0 0 31,26 26-16,0-25 1,0 25-16,0 0 16,0-26-16,-1 26 15,1 0-15,0-26 16,0 26-16,-26 26 31,-26-26-31,0 0 16,0 26-16,1-26 31,25 25 0,0 1-31,0 0 16,25-26-16,-25 26 0,26 0 16,-26 0-16,26 0 15,-26 0-15,0 0 0,26-26 16,-26 26-16,0 0 15,0 0-15</inkml:trace>
+  <inkml:trace contextRef="#ctx0" brushRef="#br0" timeOffset="1967">1219 755 0,'0'-26'16,"0"52"15,0-1-15,0 1-16,0 0 16,0 0-16,25 0 15,-25 0-15,0 0 0,26 0 16,-26 0-1,0 0-15,26-26 16,-26 26-16,0-52 31,-26 0-15,26 0 0,0 0-16,0 0 15,0 0 1,0 0 15,0 0 78,-26 26-77,26-26-32,0 0 47,0 1-1,0-1 33,0 0-64,0 0 1,0 0-1,0 0-15,0 0 16,26 0 0,0 0-1,0 26-15,0 0 16,0 0-16,0 0 16,0 26-1,-26 0-15,0 0 16,0 0-16,0 0 15,0 0-15,0 0 16,0 0-16,-26-1 16,0 1-16,0-26 15,0 0-15,0 0 16,0 0-16,0 0 16,1 0-16</inkml:trace>
+  <inkml:trace contextRef="#ctx0" brushRef="#br0" timeOffset="2549">2385 495 0,'0'-26'16,"-26"26"-1,0 0 1,0 0 0,26 26-16,-26-26 0,26 26 15,-26 0-15,26 0 16,-26 0-16,26 0 16,0 0-16,0 0 15,26 0-15,-26 0 0,26-26 16,0 26-16,0-26 0,0 25 15,26-25-15,-26 0 16,0 0-16,25-25 0,-25 25 16,0-26-16,0 0 15,0 0-15,-26 0 16,0 0-16,-26 0 0,26 0 16,-26 0-16,0 26 15,0-26-15,1 0 0,-1 26 16,0-26-16,0 26 15,0 0-15,0 0 16,26 26-16,-26-26 0,26 26 16</inkml:trace>
+  <inkml:trace contextRef="#ctx0" brushRef="#br0" timeOffset="2921">2670 366 0,'0'-26'16,"26"26"0,-26 26-1,26 0 1,-26 0-1,0 25-15,0-25 16,26 0-16,-26 0 16,0 0-16,0 26 0,26-26 15,-26 0-15,26 0 16,0-26 0,-1-26-1,1 26 1,0-26-16,0 26 15,0-26-15,0 26 16,0 0-16,-26-26 16,26 26-16</inkml:trace>
+  <inkml:trace contextRef="#ctx0" brushRef="#br0" timeOffset="3372">3085 392 0,'0'-26'0,"0"0"16,26 52 31,-26 0-32,0 0-15,26-26 16,-26 26-16,0-1 0,0 1 15,0 0 1,0 0 0,0-52 15,0 0-31,0 0 16,0 1-16,0-27 15,0 26-15,0 0 0,0-26 16,0 26-16,0 0 15,0 0-15,0 0 0,25 26 16,1 26 0,0 0-1,-26 0-15,26 0 0,-26 0 16,26-26-16,-26 26 16,26 0-16,0 0 0,-26 0 15,26-26-15,-26 26 0,26-26 16,-26 25-1</inkml:trace>
+  <inkml:trace contextRef="#ctx0" brushRef="#br0" timeOffset="3559">3162 469 0,'-25'0'16,"-1"-25"-16,52-1 31,-1 26-16,1-26-15,26 26 16,-26-26-16,0 0 16,0 26-16,0-26 0,0 26 15,0-26-15,0 0 16</inkml:trace>
+  <inkml:trace contextRef="#ctx0" brushRef="#br0" timeOffset="4032">3396 210 0,'0'-26'0,"26"0"32,0 26-1,-26 26-31,25 0 16,-25 0-16,26 0 15,-26 0-15,0 0 16,0 0-16,0 0 15,0 0-15,0 0 16,0-52 31,0 0-31,0 0-16,0 0 15,0 0-15,0-26 16,-26 26-16,26-26 0,0 27 15,0-1-15,0-26 16,26 26-16,0 0 16,0 26-1,0 0-15,0 26 16,-26 0-16,26-26 16,-26 26-16,0 0 15,-26 0-15,26-1 16,-26-25-16,0 26 15,0-26-15,0 0 16,0 0-16,1-26 16</inkml:trace>
+</inkml:ink>
+</file>
+
+<file path=ppt/ink/ink34.xml><?xml version="1.0" encoding="utf-8"?>
+<inkml:ink xmlns:inkml="http://www.w3.org/2003/InkML">
+  <inkml:definitions>
+    <inkml:context xml:id="ctx0">
+      <inkml:inkSource xml:id="inkSrc0">
+        <inkml:traceFormat>
+          <inkml:channel name="X" type="integer" max="1920" units="cm"/>
+          <inkml:channel name="Y" type="integer" max="1080" units="cm"/>
+          <inkml:channel name="T" type="integer" max="2.14748E9" units="dev"/>
+        </inkml:traceFormat>
+        <inkml:channelProperties>
+          <inkml:channelProperty channel="X" name="resolution" value="55.81395" units="1/cm"/>
+          <inkml:channelProperty channel="Y" name="resolution" value="55.6701" units="1/cm"/>
+          <inkml:channelProperty channel="T" name="resolution" value="1" units="1/dev"/>
+        </inkml:channelProperties>
+      </inkml:inkSource>
+      <inkml:timestamp xml:id="ts0" timeString="2020-12-09T06:23:30.583"/>
+    </inkml:context>
+    <inkml:brush xml:id="br0">
+      <inkml:brushProperty name="width" value="0.05" units="cm"/>
+      <inkml:brushProperty name="height" value="0.05" units="cm"/>
+      <inkml:brushProperty name="fitToCurve" value="1"/>
+    </inkml:brush>
+  </inkml:definitions>
+  <inkml:trace contextRef="#ctx0" brushRef="#br0">0 1773 0,'0'-26'47,"26"26"-47,0-26 0,0 26 16,0-26-16,0 0 0,0 0 16,-1 26-16,1-26 15,0 26-15,0-26 0</inkml:trace>
+  <inkml:trace contextRef="#ctx0" brushRef="#br0" timeOffset="205">233 1928 0,'0'26'0,"0"0"15,0 0 16,26-26-15,-26-26-16,26 26 16,0-26-16,0 26 0,0-26 15,0 0-15,0 26 16</inkml:trace>
+  <inkml:trace contextRef="#ctx0" brushRef="#br0" timeOffset="498">778 1410 0,'0'-26'15,"-26"26"1,26-26-16,0 52 31,26-26-31,-26 26 16,26 0-16,-1 0 0,1 0 15,0 25-15,0-25 16,0 0-16,0 26 0,0-26 16,0 26-16,0-26 0,-26 0 15,26 0-15,-26 0 16</inkml:trace>
+  <inkml:trace contextRef="#ctx0" brushRef="#br0" timeOffset="877">881 1669 0,'0'-26'16,"0"0"-1,26 0-15,0 26 16,0-26-16,26 0 15,-26 26-15,0-26 16,0 26-16,0 0 0,-1-25 16,1-1-16,0 26 0,-26-26 15,26 26-15,-26-26 16,-26 0-16,0 0 16,0 0-1,1 26-15,-1-26 0,0 0 16,0 0-16,26 0 15,26 52 1,0 0 0,-26 0-16,51 0 15,-25 0-15,0 0 0,0 26 16,26-26-16,-26 0 16,0-1-16,0 1 0,0 0 15,0 0-15,0-26 0,-26 26 16</inkml:trace>
+  <inkml:trace contextRef="#ctx0" brushRef="#br0" timeOffset="1319">1555 1384 0,'26'-26'15,"-26"0"1,0 52 15,26-26-31,-26 26 16,26-26-16,-26 26 0,26-26 15,0 0-15,0 26 0,0-26 16,-1 0-16,1 26 16,26-26-16,-26 0 0,0 0 15,0-26-15,0 0 16,-26 0-16,0 0 15,0 0-15,0 0 16,-26 0 0,26 0-16,-26 26 15,26 26 1,0 0-16,26 0 16,-26 0-16,26 26 15,-26-26-15,26 26 0,0-1 16,-26 1-16,26 0 0,0 0 15,0-26-15,-1 26 16,1-26-16,-26 0 0,26-1 16,0 1-16</inkml:trace>
+  <inkml:trace contextRef="#ctx0" brushRef="#br0" timeOffset="1824">1970 1047 0,'0'-26'0,"-26"26"16,0-26-16,26 0 16,-26 26-16,52 26 15,0-26 1,0 26-16,0 26 0,0-26 15,0 26-15,25-26 16,-25 25-16,0 1 0,26-26 16,-26 26-16,0-26 15,-26 0-15,26 0 0,-26 0 16,26 0-16,-52-26 31,0-26-31,0 26 16,26-26-16,-26-26 15,26 26-15,0 0 0,-26-26 16,26 26-16,0 0 16,26 0-16,0 1 0,0-1 15,0 0-15,0 26 0,0 0 16,0 0-16,0 26 16,-1-26-16,1 0 0,0 26 15,-26-1-15,26-25 0,-26 26 16,0 0-16,-26 0 15,0 0-15,0 0 16,1-26-16,-1 26 16,0-26-16,-26 26 0,26-26 15,0 0-15</inkml:trace>
+  <inkml:trace contextRef="#ctx0" brushRef="#br0" timeOffset="2388">2488 995 0,'0'-26'15,"26"26"32,0 0-31,0 26-16,0-26 0,0 26 15,0-26-15,26 26 16,-27-26-16,1 26 0,-26 0 16,26-26-16,0 26 0,-26 0 15,-26-26 1,0 0 0,0 0-16,1-26 15,25 0-15,-26 0 16,26 0-16,0 0 0,0-26 15,0 26-15,0 0 16,26 0-16,-26 1 0,25-1 16,1 0-16,0 26 15,0 0-15,0 0 0,26 0 16,-52 26-16,26-26 0,0 26 16,0-1-16,0 1 15,-26 0 1,26-26-1,-1 0 32,-25 26-47,26-26 0,-26 26 16,26 0-16,-26 0 16,26-26-16,-26 26 15</inkml:trace>
+  <inkml:trace contextRef="#ctx0" brushRef="#br0" timeOffset="2556">2825 606 0,'-26'0'0,"26"26"31,26-26-15,-26 26-16</inkml:trace>
+  <inkml:trace contextRef="#ctx0" brushRef="#br0" timeOffset="3191">3499 866 0,'0'-26'0,"0"0"15,0 0-15,0 0 16,0 0-16,-26 26 15,26-26-15,-26 26 16,0 0-16,0 0 0,0 0 16,1 0-16,-1 0 0,0 26 15,26 0-15,-26-26 16,0 26-16,26 0 0,0 0 16,0 0-16,0-1 15,26 1-15,-26 0 0,26 0 16,0-26-16,0 26 0,-1-26 15,27 26-15,-26-26 16,0 0-16,26 0 0,-26-26 16,0 26-16,0-26 0,0 0 15,-26 0-15,0 0 16,0 1-16,0-1 0,0 0 16,-26-26-16,0 26 15,0 0-15,0-26 0,0 26 16,0 0-16,-26-25 0,26 25 15,0 0-15,26 0 16,-25 26-16,50 0 16,1 26-1,0 0-15,0 0 16,0-1-16,0 1 16,0 0-16,0 26 0,0-26 15,0 0-15,0 0 0,0 0 16,-1 0-16,1 0 15,0 0-15,0 25 0,-26-25 16,26 0-16,0 0 16,-26 0-16,26-26 15</inkml:trace>
+  <inkml:trace contextRef="#ctx0" brushRef="#br0" timeOffset="4075">4173 347 0,'0'-26'16,"0"0"0,0 52 15,26-26-31,0 26 15,0 0-15,0 26 0,-1-26 16,1 26-16,0-26 16,0 25-16,0 1 0,0-26 15,0 0-15,0 26 16</inkml:trace>
+  <inkml:trace contextRef="#ctx0" brushRef="#br0" timeOffset="4440">4043 658 0,'-26'0'0,"0"-26"16,26 0-16,-25 26 0,25-26 15,0 1-15,0-27 16,0 26-16,25 0 0,1-26 15,0 26-15,0 0 16,0 0-16,26 0 0,0 26 16,0 0-16,-1 0 0,1 0 15,0 0-15,0 26 16,0 0-16,-26 26 0,26-26 16,-26 0-16,-1 26 15,-25-26-15,0 25 0,0-25 16,-25 26-16,-1-26 0,0 0 15,0 0-15,0 0 16,-26 0-16,26 0 0,0-26 16,0 26-16,0-26 15</inkml:trace>
+  <inkml:trace contextRef="#ctx0" brushRef="#br0" timeOffset="5126">4769 243 0,'-26'0'0,"0"0"16,26 26-1,0 0 1,0 0-16,26 0 15,0 0-15,-26 26 0,26-26 16,0 0-16,0 0 16,0 0-16,0 0 0,0-1 15,-1-25 1,-50-25 0,25-1-1,-26 0-15,26 0 0,-26 0 16,0-26-16,0 0 15,0 26-15,0-26 0,0 1 16,26 25-16,-26-26 16,26 26-16,0 0 0,0 0 15,26 0-15,26 0 16,-26 26-16,0 0 16,26 0-16,-26 0 0,25 0 15,-25 0-15,26 26 16,-26-26-16,-26 26 0,26 0 15,-26 0-15,0 0 0,-26 0 16,0 26-16,0-27 16,0 1-16,0 0 0,0 0 15,1-26-15,25 26 16,-26-26-16,52 0 16,-1 0-1,1 0 1,0 0-16,26 0 0,-26 0 15,0 0-15,0 0 16,0 0-16,0 26 0,0 0 16,0-26-16,-26 26 0,0 0 15,0 0 1,0 0-16,-26-26 0,0 26 16,0-26-16,-26 26 15,26-26-15,0 0 0,-26 0 16</inkml:trace>
+  <inkml:trace contextRef="#ctx0" brushRef="#br0" timeOffset="5297">5806 192 0,'26'0'15,"0"0"1</inkml:trace>
+</inkml:ink>
+</file>
+
+<file path=ppt/ink/ink35.xml><?xml version="1.0" encoding="utf-8"?>
+<inkml:ink xmlns:inkml="http://www.w3.org/2003/InkML">
+  <inkml:definitions>
+    <inkml:context xml:id="ctx0">
+      <inkml:inkSource xml:id="inkSrc0">
+        <inkml:traceFormat>
+          <inkml:channel name="X" type="integer" max="1920" units="cm"/>
+          <inkml:channel name="Y" type="integer" max="1080" units="cm"/>
+          <inkml:channel name="T" type="integer" max="2.14748E9" units="dev"/>
+        </inkml:traceFormat>
+        <inkml:channelProperties>
+          <inkml:channelProperty channel="X" name="resolution" value="55.81395" units="1/cm"/>
+          <inkml:channelProperty channel="Y" name="resolution" value="55.6701" units="1/cm"/>
+          <inkml:channelProperty channel="T" name="resolution" value="1" units="1/dev"/>
+        </inkml:channelProperties>
+      </inkml:inkSource>
+      <inkml:timestamp xml:id="ts0" timeString="2020-12-09T06:24:53.897"/>
+    </inkml:context>
+    <inkml:brush xml:id="br0">
+      <inkml:brushProperty name="width" value="0.05" units="cm"/>
+      <inkml:brushProperty name="height" value="0.05" units="cm"/>
+      <inkml:brushProperty name="color" value="#ED1C24"/>
+      <inkml:brushProperty name="fitToCurve" value="1"/>
+    </inkml:brush>
+  </inkml:definitions>
+  <inkml:trace contextRef="#ctx0" brushRef="#br0">207 0 0,'26'0'0,"-26"26"0,26 0 16,0 0-16,-26 0 0,26 0 15,-26 25-15,0 1 16,26-26-16,-26 26 0,0 0 16,26 0-16,-26 0 15,0-1-15,0 1 0,26 0 16,-26 26-16,26-26 0,-26-1 15,0 27-15,0-26 16,25 0-16,-25 26 0,0-27 16,0 27-16,26-26 15,-26 26-15,0 0 0,0-1 16,0-25-16,0 26 0,0 0 16,0-1-16,0 1 15,0 0-15,0 0 0,0-1 16,0 27-16,0-26 15,0 0-15,0-1 0,0 1 16,26 0-16,-26-26 0,26 26 16,-26-1-16,26-25 15,-26 26-15,0 0 0,0-27 16,0 27-16,0-26 16,0 26-16,0 0 0,0-27 15,-26 27-15,26-26 0,0 0 16,-26 26-16,26-27 15,0 1-15,0 0 0,0 0 16,0 0-16,0 0 16,0-1-16,0-25 0,0 26 15,0-26-15,26 26 0,-26-26 16,0 0-16,0 26 16,0-26-16,26-1 0,-26 1 15,0 0-15,0 0 16,0 0-16,-26-26 47,0-26-32</inkml:trace>
+  <inkml:trace contextRef="#ctx0" brushRef="#br0" timeOffset="310">0 4251 0,'0'26'16,"26"-26"-16,0 0 15,0 0-15,0 0 16,25 25-16,-25-25 0,26 0 16,0 26-16,0 0 0,-26-26 15,26 26-15,-27 0 16,1-26-16,0 26 0,0 0 16,0 0-1,0 0-15</inkml:trace>
+  <inkml:trace contextRef="#ctx0" brushRef="#br0" timeOffset="634">1011 4095 0,'26'0'15,"-26"-26"1,-26 26 15,26 26-31,0 0 16,-26 0-16,0 0 16,26 26-16,-26-26 0,0 0 15,0 25-15,0-25 0,-26 26 16,26-26-16,0 0 15,1 0-15,-1 0 0,0 0 16,0 0-16,26 0 16,-26-26-16</inkml:trace>
+</inkml:ink>
+</file>
+
+<file path=ppt/ink/ink36.xml><?xml version="1.0" encoding="utf-8"?>
+<inkml:ink xmlns:inkml="http://www.w3.org/2003/InkML">
+  <inkml:definitions>
+    <inkml:context xml:id="ctx0">
+      <inkml:inkSource xml:id="inkSrc0">
+        <inkml:traceFormat>
+          <inkml:channel name="X" type="integer" max="1920" units="cm"/>
+          <inkml:channel name="Y" type="integer" max="1080" units="cm"/>
+          <inkml:channel name="T" type="integer" max="2.14748E9" units="dev"/>
+        </inkml:traceFormat>
+        <inkml:channelProperties>
+          <inkml:channelProperty channel="X" name="resolution" value="55.81395" units="1/cm"/>
+          <inkml:channelProperty channel="Y" name="resolution" value="55.6701" units="1/cm"/>
+          <inkml:channelProperty channel="T" name="resolution" value="1" units="1/dev"/>
+        </inkml:channelProperties>
+      </inkml:inkSource>
+      <inkml:timestamp xml:id="ts0" timeString="2020-12-09T06:24:56.449"/>
+    </inkml:context>
+    <inkml:brush xml:id="br0">
+      <inkml:brushProperty name="width" value="0.05" units="cm"/>
+      <inkml:brushProperty name="height" value="0.05" units="cm"/>
+      <inkml:brushProperty name="color" value="#ED1C24"/>
+      <inkml:brushProperty name="fitToCurve" value="1"/>
+    </inkml:brush>
+  </inkml:definitions>
+  <inkml:trace contextRef="#ctx0" brushRef="#br0">11145 0 0,'0'-26'16,"0"52"15,0 0-15,-26-1-16,0 1 16,26 0-16,-26 0 0,-25 26 15,25 0-15,-26 0 16,26 0-16,-26-1 0,0 27 15,-25-26-15,25 0 0,-26 26 16,0-27-16,26 27 16,-25-26-16,-1 26 0,0-26 15,0 25-15,1-25 0,25 26 16,-26 0-16,0-1 16,0 1-16,1-26 0,-1 26 15,0 0-15,-25-1 16,25 1-16,0 0 0,0 0 15,1-1-15,-1-25 0,0 26 16,26 0-16,-26-26 16,1 25-16,-1-25 0,0 26 15,26-26-15,-25 0 16,-1 25-16,26-25 0,-26 0 16,0 0-16,1 0 0,25-26 15,-26 25-15,0 1 16,27-26-16,-27 26 0,26 0 15,-26 0-15,26-26 16,1 25-16,-27 1 0,26 0 16,0 0-16,0 0 0,0-26 15,1 26-15,-1-1 16,0 1-16,0 0 0,0-26 16,0 26-16,1 0 15,-1-1-15,26-25 0,-26 26 16,26-26-16,-26 0 0,26 26 15,0-26-15,0 0 16,1 0-16,-1 0 0,0-1 16,0 1-16,26 0 0,-26-26 15,0 26-15,26 0 16,-26 0-16,0 0 0,0 0 16,0 0-1,0 0-15,0 0 16,1 0-16,-1-26 15,0 25-15,26 1 0,-26-26 16,26 26-16,-26 0 0,0 0 16,26 0-1,0 0 1,-26-26-16,26-26 31</inkml:trace>
+  <inkml:trace contextRef="#ctx0" brushRef="#br0" timeOffset="425">6299 3991 0,'0'-26'15,"0"52"17,-26 0-17,0 0-15,26 26 16,-26-26-16,0 0 16,0 25-16,0-25 0,0 26 15,0-26-15,-26 26 16,52 0-16,-26-26 0,0 25 15,1-25-15,25 26 16,-26-26-16,26 0 0,0 26 16,0-26-16,0 0 15,26 0-15,-1 0 16,1-26-16,0 0 16,0 0-16,26 0 0,-26 0 15,26 0-15,0-26 16,0 0-16,25 26 0,-25-26 15,0 26-15,0-26 16,0 0-16,-1 26 0</inkml:trace>
+  <inkml:trace contextRef="#ctx0" brushRef="#br0" timeOffset="1660">10264 51 0,'-26'0'0,"-26"26"0,26 0 16,-25 26-16,-1-26 16,0 0-16,0 0 0,0 0 15,0 26-15,0-26 16,1-1-16,-27 27 0,26-26 16,-26 0-16,1 26 0,25-26 15,-26 0-15,26 26 16,0-26-16,0 25 0,-25-25 15,25 26-15,0-26 16,0 26-16,0 0 0,1-26 16,-1 26-16,0-1 0,-26-25 15,26 26-15,0 0 16,1-26-16,-1 26 0,0 0 16,0-1-16,0-25 15,0 26-15,1 0 0,-27 0 16,26 0-16,-26-1 0,0 1 15,1 0-15,-27 0 16,26 0-16,-25 0 0,25-1 16,-26 1-16,26 0 15,-25-26-15,25 26 0,-26 0 16,27 0-16,-1-26 0,-26 25 16,26 1-16,1 0 15,-1-26-15,0 26 0,0 0 16,1-1-16,-27-25 15,26 26-15,0-26 0,1 26 16,-1 0-16,0-26 0,0 26 16,1-1-16,-1-25 15,0 26-15,26 0 0,-25-26 16,-1 26-16,26 0 0,0-1 16,-26 1-16,27 0 15,-27 0-15,26-26 0,-26 26 16,26 0-16,-25-1 15,25-25-15,0 26 0,0-26 16,0 0-16,0 26 16,26-26-16,1-26 0,-1 26 15,0 0-15,26-1 16,-26-25-16,26-25 62,26 25-62</inkml:trace>
+  <inkml:trace contextRef="#ctx0" brushRef="#br0" timeOffset="2123">4303 3162 0,'-26'0'15,"26"26"1,0-1 0,0 1-1,0 0-15,0 0 0,0 26 16,0-26-16,0 26 0,0 0 15,0 0-15,0-27 16,-26 27-16,26 0 0,0 0 16,0 0-16,0 0 0,26-26 15,-26 25-15,26-25 16,-26 26-16,26-26 0,-26 0 16,26-26-16,0 26 0,-1 0 15,1-26-15,26 0 16,-26 0-16,26 0 0,0-26 15,0 26-15,-1-26 16,1 0-16,26 26 0,-26-26 16,0 26-16,0-26 15,-26 26-15,25-26 0,-25 26 16,0 0-16,0 0 16,-26 26-1,-26-26-15</inkml:trace>
+  <inkml:trace contextRef="#ctx0" brushRef="#br0" timeOffset="6822">545 1036 0,'-26'-26'47,"0"26"-16,0-25-15,0 25-1,0 0 1,0 0-16,0 0 0,0 0 16,0-26-16,-25 26 15,25 0-15,-26 0 0,26 0 16,0 26-16,0-26 15,0 25-15,0-25 0,0 0 16,26 26-16,-26 0 16,26 0-1,26-26-15,-26 26 16,26 0 0,-26 0-16,26 0 15,0 0-15,-26 0 16,0 0-16,0 0 15,0-1-15,0 1 16,0 0-16,0 0 16,0 0-16,0 0 0,0 0 15,0 0-15,26 0 0,-26 0 16,26-26-16,-26 26 16,26-26-16,0 26 0,0-26 15,0 0-15,-1 0 16,1 0-16,26 0 0,-26 0 15,0-26-15,26 26 0,-26-26 16,0 26-16,0-26 16,-26 0-16,26 0 0,-26 0 15</inkml:trace>
+  <inkml:trace contextRef="#ctx0" brushRef="#br0" timeOffset="7098">104 1296 0,'-26'0'0,"26"-26"31,26 26 1,0-26-17,0 26-15,0 0 0,0-26 16,0 26-16,25 0 0,-25-26 15,0 26-15,0 0 16,0-26-16,0 26 0,0 0 16</inkml:trace>
+  <inkml:trace contextRef="#ctx0" brushRef="#br0" timeOffset="7603">804 1010 0,'-26'0'0,"0"0"16,26-25-1,26 25 17,0 0-32,0-26 0,26 26 15,-27 0-15,27-26 0,-26 26 16,26 0-16,-26 0 16,0-26-16,0 26 0,-52 0 31,0 26-16,0-26-15,0 0 0,-26 26 16,26-26-16,0 0 16,1 0-16,-1 26 15,0-26 1,26 25 15,26-25-15,-26 26-16,0 0 0,26 26 15,-26-26-15,0 26 0,0-26 16,25 26-16,-25-1 16,0 1-16,0-26 0,0 26 15,0 0-15,0-26 0,0 0 16,0 0-16,0 0 16</inkml:trace>
+  <inkml:trace contextRef="#ctx0" brushRef="#br0" timeOffset="8045">1193 1062 0,'0'-26'0,"0"0"16,26 26-1,-1 0 17,-25 26-32,26 0 15,-26 0 1,0 26-16,0-26 16,0 0-16,0 0 15,0 26-15,0-26 0,0-1 16,-26 1-16,26 0 15,0 0-15,0 0 0,-25 0 16,25 0 0,25-26-1,-25-26-15,26 26 16,0 0-16,0-26 16,0 26-16,0 0 0,0-26 15,26 26-15,-26 0 0,0-26 16,0 26-16,-1 0 15,1 0-15,0 0 16</inkml:trace>
+  <inkml:trace contextRef="#ctx0" brushRef="#br0" timeOffset="8401">1918 1192 0,'0'-26'15,"-26"26"-15,52 0 47,0 0-31,0 0-16,0-26 0,0 26 16,0 0-16,0 0 15,0 0-15,0 0 16</inkml:trace>
+  <inkml:trace contextRef="#ctx0" brushRef="#br0" timeOffset="8965">2722 855 0,'0'-26'0,"0"0"16,-26 26-16,0-26 16,0 26-1,0 0-15,0 0 0,0 0 16,0 0-16,0 0 15,26 26-15,-25 0 0,-1 0 16,0 0-16,26 0 0,0 0 16,0 0-16,0 0 15,0-1-15,26 1 16,-26 0-16,26-26 16,-1 0-16,1 26 0,0-26 15,0 0-15,0 0 0,0 0 16,0 0-1,-26-26-15,26 26 0,-26-26 16,-26 26 0,0 0-16,0 0 0,0 0 15,0 0-15,0 0 0,0 0 16,1 0-16,-1 26 16,0 0-16,0 0 15,26 0-15,0 0 0,0 26 16,26-26-16,0 0 15,0 0-15,-1-1 16,27-25-16,0 0 16,-26 26-16,26-26 0,0 0 15,-26 0-15,25-26 0,-25 26 16</inkml:trace>
+  <inkml:trace contextRef="#ctx0" brushRef="#br0" timeOffset="9209">2877 1036 0,'0'-26'0,"-26"26"0,26-25 15,0-1-15,26 26 32,-26 26-17,26-26-15,-26 25 16,26 1-16,-26 0 0,0 0 15,26 0-15,0 0 16,-26 0-16,26 0 0,-26 0 16,0 0-16,26-26 0</inkml:trace>
+  <inkml:trace contextRef="#ctx0" brushRef="#br0" timeOffset="9407">3059 985 0,'0'-26'0,"-26"26"16,26-26-16,-26 26 16,26 26-16,-26-26 15,26 26-15,-26-1 0,26 1 16,-26 0-16,26 26 0,0-26 16,-26 0-16,26 0 15,0 0-15,0 0 0,0 0 16,0 0-16,0-1 15</inkml:trace>
+  <inkml:trace contextRef="#ctx0" brushRef="#br0" timeOffset="9636">3292 803 0,'0'-26'0,"-26"26"32,26 26-32,0 0 15,0 0-15,0 0 0,0 0 16,0 0-16,0 0 16,0 25-16,0-25 0,0 0 15,0 0-15,0 26 0,26-26 16</inkml:trace>
+  <inkml:trace contextRef="#ctx0" brushRef="#br0" timeOffset="10038">3344 1140 0,'-26'-26'15,"0"26"-15,26-26 16,-26 26-16,26-26 15,26 0 1,0 26-16,0-26 16,0 1-16,0 25 0,0 0 15,-1-26-15,27 26 16,-26 0-16,0 0 0,0 26 16,0-26-16,-26 25 0,26 1 15,-26 0-15,0 0 16,0 0-16,0 0 0,-26 0 15,0 0 1,0-26-16,0 0 0,0 0 16,0 0-16,26-26 15,0 0-15,0 0 16,0 0-16,0 0 16,26-26-16,0 27 15,0 25-15,0-26 0,0 0 16,0 26-16,0-26 0,0 26 15,0 0-15</inkml:trace>
+  <inkml:trace contextRef="#ctx0" brushRef="#br0" timeOffset="10518">3992 1010 0,'0'-25'31,"26"25"-31,-26-26 0,0 0 16,0 0-1,-26 26 1,0 0-16,0 0 16,-26 0-16,26 26 15,0 0-15,0-26 0,0 26 16,26-1-16,-25 1 15,25 26-15,-26-26 0,26 0 16,26 0-16,-26 0 16,25-26-16,1 26 15,0-26-15,0 0 0,0 0 16,-26-26-16,26 26 16,0-26-16,0 26 0,0-26 15,0 0-15,-26 0 16,26 0-16,-26 0 15,0 0-15,0 1 0,0-1 16,26 52 15,-26-1-31,25 1 16,-25 0-16,26-26 16,-26 26-16,0 0 0,26 0 15,-26 0-15,26-26 16</inkml:trace>
+  <inkml:trace contextRef="#ctx0" brushRef="#br0" timeOffset="10998">4406 1010 0,'26'0'0,"-26"-25"0,26-1 31,-26 0-31,0 0 15,-26 26 1,0 0-16,1 0 16,-1 26-16,0-26 15,26 26-15,-26 0 16,0-1-16,26 1 0,0 0 16,0 0-16,26 0 15,-26 0-15,26-26 0,0 26 16,0-26-16,25 26 0,-25-26 15,0 0-15,26 0 16,-26-26-16,0 26 0,0-26 16,0 26-16,0-26 0,-26 0 15,0 0-15,0 0 16,0 0-16,0 1 0,-26-1 16,26-26-16,0 26 15,-26-26-15,26 26 0,0-26 16,0 26-16,26 26 15,0 26 1,-26 0-16,0 0 16,26 26-16,-26-26 15,0 26-15,25 0 0,-25-27 16,0 27-16,26-26 16,-26 0-16,0 0 0,0 0 15,0 0-15</inkml:trace>
+  <inkml:trace contextRef="#ctx0" brushRef="#br0" timeOffset="11323">4692 1036 0,'0'-26'15,"-26"26"1,52 0 15,-1 0-15,1-25-16,0-1 15,0 26-15,0 0 16,0-26-16,0 26 16,0-26-16,0 26 0,0 0 15,0 0 1,-26 26 15,0 0-15,0 0-16,0-1 0,0 1 15,0 0-15,26 0 0,-26 0 16,0 0-16,0 0 16,26-26-1</inkml:trace>
+  <inkml:trace contextRef="#ctx0" brushRef="#br0" timeOffset="11474">4977 725 0,'-26'-26'16,"26"0"-16,-26 26 16,26 26-1,0 0 1</inkml:trace>
+  <inkml:trace contextRef="#ctx0" brushRef="#br0" timeOffset="12270">5314 829 0,'-26'0'0,"0"0"16,0 0-1,0 0 1,26 26-16,-26 0 0,26 0 15,-26 0 1,26 0-16,0 0 0,0-1 16,0 1-16,26 0 15,-26 0-15,26 0 0,0-26 16,0 26-16,0-26 0,0 0 16,25 0-16,-25 0 15,0 0-15,0 0 0,0-26 16,-26 0-16,0 0 15,0 0-15,-26 0 16,26-25-16,-26 25 16,0 0-16,0 0 0,1 0 15,-1 26-15,0-26 0,0 26 16,26 26 0,0 0-1,0 0-15,0 0 16,0 0-16,26-26 15,-26 26-15,26-26 0,0 0 16,-1 0 0,1 0-16,0 0 15,0-26-15,0 26 0,-26-26 16,26 26-16,0-26 16,0 26-16,-26-26 0,26 26 15,-26-26-15,26 26 16,-26-26-16,26 26 0,0 0 15,-26 26 1,25-26 0,-25 26-16,0 0 15,26 0 1,-26 0-16,0 0 31,26-26-15,-26-26-1,0 0 1,26 26-16,-26-26 0,26 0 16,0 26-16,-26-26 0,26 26 15,0-26-15,0 26 16,0 26-16,0-26 16,-26 26-16,26 0 15,-1 0-15,-25 0 0,26 25 16,-26-25-16</inkml:trace>
+  <inkml:trace contextRef="#ctx0" brushRef="#br0" timeOffset="12984">208 2332 0,'-26'0'0,"0"0"15,52-26 16,0 26-31,0-26 16,25 1-16,1 25 0,0-26 16,0 0-16,26 0 0,-26 26 15,-1-26-15,1 26 16,-26 0-16,0 0 0,0 0 16</inkml:trace>
+  <inkml:trace contextRef="#ctx0" brushRef="#br0" timeOffset="13212">389 2255 0,'0'25'16,"-26"-25"0,26 26-1,0 0-15,0 0 0,0 0 16,0 0-16,26 0 15,-26 26-15,26-26 0,-26 26 16,0-27-16,26 27 0,-26-26 16,26 26-16,-26-26 15,26 0-15,-26 0 16</inkml:trace>
+  <inkml:trace contextRef="#ctx0" brushRef="#br0" timeOffset="13566">674 2514 0,'0'-26'0,"0"0"15,-26 0-15,26 0 16,26 26 0,0 0-1,0 0-15,0 26 0,0 0 16,-26 0-16,26 0 15,0 0-15,-26 0 0,0-1 16,0 1-16,0 0 16,0 0-16,0 0 0,0 0 15,0-52 1,0 0 0,-26 0-16,26 0 15,0 0-15,0 1 16,0-27-16,0 26 0,26-26 15,0 26-15,-26 0 0,26 0 16,-1 0-16,1 26 16,0 0-16,0 0 0</inkml:trace>
+  <inkml:trace contextRef="#ctx0" brushRef="#br0" timeOffset="14022">1244 2410 0,'0'-26'16,"0"0"-1,-25 26 1,-1-26-16,0 26 16,0 0-1,0 26-15,0 0 16,0 0-16,0 0 15,26 0-15,0 0 16,0 0-16,0 0 0,26 0 16,0-1-1,0-25-15,0 0 0,0 26 16,0-26-16,0 0 16,-1-26-16,1 26 15,-26-25-15,26 25 0,-26-26 16,26 0-16,-26 0 15,0 0-15,0 0 0,0 0 16,0 0-16,26 0 0,-26 0 16,0 0-1,26 52 1,-26 0-16,0 0 0,26 0 16,-26 0-16,26-26 15,-26 26-15,26 0 0,-26 0 16,26-26-16</inkml:trace>
+  <inkml:trace contextRef="#ctx0" brushRef="#br0" timeOffset="14682">1530 2306 0,'0'-26'0,"0"1"15,0-1-15,25 26 31,1 26-15,-26-1-16,26 1 16,-26 0-16,26 0 0,-26 0 15,0 0-15,26 0 0,-26 0 16,0 0-16,0 0 16,0-52-1,0 0 1,26 0-16,-26 0 15,0 0-15,26 0 0,-26 0 16,26 0-16,-26 0 16,26 1-16,-26-1 0,26 26 15,0 0 1,-26 26-16,26-26 16,-26 25-16,0 1 0,0 0 15,0 0-15,25 0 16,1 0-1,0-26 1,0-26-16,0 26 0,-26-26 16,26 0-16,0 26 0,0-26 15,0 0-15,0 1 16,-26-1-16,26 0 0,-26 0 16,0 0-16,0 0 15,0 0-15,0 0 16,-26 26-16,0 26 15,26 0 1,0 0-16,0 0 16,0 0-16,26 0 15,-26 0-15,26-26 0,0 25 16,-1-25-16,1 26 0,0-26 16,0 0-16,-26 26 15,26-26-15,-26 26 0,-26 0 16,0-26-1,0 26-15,0-26 16,1 0-16,-1 0 0,0 0 16</inkml:trace>
+  <inkml:trace contextRef="#ctx0" brushRef="#br0" timeOffset="14977">2411 1892 0,'0'-26'16,"0"0"-16,0 0 16,0 0-16,0 0 15,0 52 17,0 26-32,0-26 15,0 26-15,0 25 16,26-25-16,0 26 0,-26 0 15,26-1-15,-1-25 0,1 26 16,0-26-16,-26 0 16,26 0-16,-26-27 0,0 1 15,0 0-15,-26-26 0,0 0 16,0 0-16,1 0 16</inkml:trace>
+  <inkml:trace contextRef="#ctx0" brushRef="#br0" timeOffset="15660">2307 2436 0,'0'-26'15,"0"-26"-15,0 26 0,26 0 16,0 26-16,0-26 16,0 26-16,26-25 0,-26 25 15,25-26-15,-25 26 16,26 0-16,0-26 0,-26 26 16,0-26-16,0 26 0,0 0 15,0-26-15,-1 0 16,-25 0-1,-25 26-15,-1-26 16,0 26 0,0 0-16,0 26 0,0 0 15,0 0 1,26 0-16,0 0 16,0 0-16,26 0 0,-26-1 15,26-25-15,0 26 16,0-26-16,0 26 0,0-26 15,-1 0-15,1 0 16,0 0-16,-26-26 16,0 0-1,-26 1 1,26-1-16,-26 26 0,26-26 16,0 0-16,0 0 15,0 0-15,26 0 16,0 26-1,0 0-15,0 0 16,0 0-16,0 0 0,0 0 16,0 0-16,0 26 15,0-26-15,0 26 0,-1 0 16,-25 0-16,26-26 16,-26 26-16,-26 0 15,1-26-15,-1 0 16,0 0-16,0 0 15,0-26-15,0 26 16,26-26-16,0 0 0,0 0 16,0 0-16,26 0 15,0-26-15,0 26 0,0 0 16,0 0-16,-1 26 16,1-26-16,0 26 0,0 0 15,-26 26-15,0 0 16,0 0-16,0 0 15</inkml:trace>
+  <inkml:trace contextRef="#ctx0" brushRef="#br0" timeOffset="16290">3370 2047 0,'-26'0'0,"26"-26"31,26 26-15,0 0 0,0 0-1,-1 26-15,-25 0 16,26 0-16,-26 0 0,26 0 15,-26 0 1,26 0-16,-26 0 0,0 0 16,-26-26 15,26-26-31,0 0 16,-26 26-16,26-26 0,0 0 15,0 0-15,0-26 16,26 26-16,-26 0 0,26 0 15,-26 0-15,26 0 16,-26 1-16,26 25 0,0 0 16,0 0-16,-26 25 15,0 1-15,26 0 16,-26 0-16,0 0 0,0 0 16,26 0-1,-26 0-15,0-52 31,0 0-15,26 26-16,-26-26 0,26 0 16,-26 0-16,26 26 15,-1-26-15,1 0 0,0 26 16,0 0 0,-26 26-16,26 0 0,-26 0 15,0 0-15,26 0 16,-26 26-16,0-26 15,0 0-15</inkml:trace>
+  <inkml:trace contextRef="#ctx0" brushRef="#br0" timeOffset="16926">4199 1969 0,'26'0'0,"-26"-26"0,0 1 15,0-1-15,-26 26 16,0-26 0,0 26-16,0 0 0,0 0 15,1 0-15,-1 26 0,0-26 16,26 26-16,-26-1 16,26 1-16,0 0 0,0 0 15,0 0-15,26 0 16,-26 0-16,0 0 0,26 0 15,0-26-15,-26 26 0,25-26 16,1 0 0,0 0-16,0 0 15,-26-26-15,26 26 16,-26-26-16,26 0 0,-26 0 16,0 0-16,0 0 0,0 0 15,0 0 1,26 26-16,-26 26 31,26-26-31,-26 26 16,26 0-16,0 0 0,0 0 15,0-26 1,-1 26-16,1-26 16,0 0-16,0-26 15,0 0-15,-26 0 16,26 0-16,-26-26 15,0 26-15,0 1 16,0-27-16,-26 0 0,26 26 16,-26-26-16,26 26 15,-26 0-15,26 0 0,0 52 16,0 0 0,0 0-16,26 26 15,0 0-15,-26 0 0,26-26 16,0 25-16,0-25 15,-26 26-15,26-26 0,0 0 16</inkml:trace>
+  <inkml:trace contextRef="#ctx0" brushRef="#br0" timeOffset="17232">4484 1969 0,'0'-26'15,"26"26"16,0-25-31,0 25 16,0 0-16,0 0 16,0-26-16,0 26 0,25-26 15,-25 26-15,0 0 0,0-26 16,0 26 0,-26-26-16,0 0 15,0 52 16,0 0-15,0 0 0,0 0-16,0 25 0,26-25 15,-26 0-15,0 0 0,26 0 16,0 0 0</inkml:trace>
+  <inkml:trace contextRef="#ctx0" brushRef="#br0" timeOffset="17406">4821 1529 0,'0'-26'0,"-26"52"31,26 0-15,0 0-16,0 0 15</inkml:trace>
+  <inkml:trace contextRef="#ctx0" brushRef="#br0" timeOffset="18206">5106 1788 0,'-26'0'16,"0"0"-16,1-26 16,-1 26-1,26 26 1,0 0-16,-26 0 16,26 26-16,0-26 15,0-1-15,0 1 0,26 0 16,-26 0-16,26 0 15,-1 0-15,1-26 0,0 26 16,0-26-16,0 0 0,26 0 16,-26 0-16,0-26 15,0 0-15,-26 0 16,0 0-16,0-26 0,0 27 16,-26-1-16,0-26 15,0 26-15,0 0 0,0-26 16,0 52-16,0-26 15,0 26-15,26 26 32,0 0-32,0 0 0,26 0 15,-26 0-15,26 0 0,-26 0 16,26-26-16,-26 26 16,26-26-16,0 0 0,0 0 15,-26-26-15,26 26 16,-26-26-16,26 26 15,-26-26-15,26 26 0,-26-26 16,26 0 0,-1 26 15,-25 26-31,0 0 16,26-26-16,0 0 31,0 0-31,0-26 15,0 26 1,-26-26 0,26 26-16,-26-26 0,0 0 15,26 26-15,-26-26 16,0 0-16,26 26 0,-26-26 16,26 26-1,-26 26 1,26 0-16,-26 0 0,26 0 15,-1 0-15,-25 26 16,26-26-16,-26 0 0,26-26 16,0 26-16,-26-1 0,26-25 15</inkml:trace>
+  <inkml:trace contextRef="#ctx0" brushRef="#br0" timeOffset="18902">1737 3162 0,'-26'-26'0,"26"0"0,0 0 16,0 0 0,0 0-16,0 0 0,0 0 15,0 0-15,0 0 16,26 26-16,0 26 31,-26 0-31,0 0 0,26 26 16,-26 0-16,0-26 0,0 26 15,0-1-15,26 1 0,-26-26 16,0 26-16,26-26 16,-26 0-16,0 0 0,25-26 15,-25 26-15,26-26 16,0 0-16,0 0 16,0 0-16,0-26 0,26 26 15,-26-26-15,0 26 16,26-26-16,-27 0 0,1 26 15</inkml:trace>
+  <inkml:trace contextRef="#ctx0" brushRef="#br0" timeOffset="19717">2385 3136 0,'0'-26'0,"0"0"15,0 0 1,-26 26-1,0 0 1,0 26-16,0 0 16,26 0-16,-26-26 15,26 26-15,0 0 0,0-1 16,0 27-16,0-26 0,26-26 16,-26 26-16,26 0 15,0 0-15,0-26 0,0 0 16,0 0-16,0 0 15,0 0-15,0-26 0,-1 0 16,-25 0-16,0 0 16,-25 0-1,25 0-15,-26 26 0,26-25 16,-26 25-16,0-26 16,0 0-1,52 0 1,0 26-1,0-26-15,25 26 0,-25 0 16,26-26-16,-26 26 16,26 0-16,-26 0 0,26-26 15,-26 26-15,0 0 0,-1 0 16,1 0 0,-26-26 15,-26 26-16,1 0-15,-1 26 16,0-26-16,0 26 16,0 0-16,0 0 15,26 0-15,-26 0 0,26 0 16,0-1-16,0 1 16,26-26-16,0 26 15,0-26 1,0 26-16,0-26 0,25 0 15,-51-26-15,26 26 0,0-26 16,0 0-16,-26 1 16,0-1-16,0 0 15,0 0-15,0 0 16,0 0-16,0 0 0,0 0 16,0 0-1,0 52 1,0 0-16,0 0 15,0 0 1,0 0-16,26 0 0,-26 0 16,26 0-16,0-1 15,-26 1-15,26-26 16,0 26-16</inkml:trace>
+  <inkml:trace contextRef="#ctx0" brushRef="#br0" timeOffset="20244">3473 3084 0,'26'-26'0,"0"0"16,0 0 0,-26 0-1,-26 26 1,0 0-16,0 0 0,0 0 15,1 0-15,-1 0 16,-26 26-16,26-26 0,0 0 16,-26 26-16,26-26 15,0 26-15,26 0 16,0 0-16,0 0 16,26 0-16,0 0 15,0-1-15,0-25 0,0 26 16,26-26-16,-26 0 15,0 0-15,25 0 0,-25-26 16,0 1-16,0-1 0,0 0 16,0 0-16,-26 0 15,26 0-15,-26 0 0,0-26 16,0 26-16,-26 0 16,26 0-16,-26 1 0,26-1 15,-26 26-15,26-26 16,-26 26-16,26 26 15,0 0 1,0-1-16,0 1 16,26 0-16,-26 0 0,26 0 15,0 0-15,-26 0 0,26-26 16,0 26-16,-26 0 16,26-26-16,0 26 0</inkml:trace>
+  <inkml:trace contextRef="#ctx0" brushRef="#br0" timeOffset="20442">3836 3058 0,'0'-26'16,"0"0"-16,0 0 15,26 0 1,-26 52 15,26 0-15,-26 0-16,26 0 15,-26 0-15,26 0 16,-26 0 0</inkml:trace>
+  <inkml:trace contextRef="#ctx0" brushRef="#br0" timeOffset="20587">3940 2877 0,'0'-26'0,"0"0"0,0 0 15,0 0 1,0 52 15,0 0-31,26-26 16</inkml:trace>
+  <inkml:trace contextRef="#ctx0" brushRef="#br0" timeOffset="21403">4095 2954 0,'26'0'31,"-26"-26"-15,0 0-1,26 26 17,0 0-17,-26 26-15,26-26 16,0 26-1,-26 0-15,26 0 16,-26 0 0,26-26-16,-26 26 15,26-26-15,0 0 32,-26 26-32,26-26 15,0 0-15,-1 0 16,1 0-1,0 0-15,0-26 0,0 26 16,0-26-16,0 26 16,-26-26-16,26 26 0,0-26 15,-26 0-15,26 0 0,-26 0 16,0 1-16,0-1 16,0 0-16,-26 26 15,0-26-15,0 26 16,0 0-16,0 0 15,0 0-15,0 26 0,0-26 16,26 26-16,-26-26 16,26 26-16,0-1 0,26 1 15,0 0 1,0-26-16,0 26 0,0-26 16,0 0-16,0 0 0,0 0 15,0 0 1,0 0-16,0 0 15,-26-26-15,25 26 16,1 0 0,-26 26-1,0 0-15,26 0 16,0 26-16,-26 0 0,52 0 16,-26 25-16,0-25 15,0 26-15,-26-26 0,26 26 16,-26-27-16,0-25 0,0 0 15,-26 0-15,26 0 16,-26-26-16,-26 0 0,26-26 16,0 0-16,0-26 15,0 26-15,0-25 0,26-1 16,0-78 0,0 78-16,26 0 0,0 1 15,0-1-15,26 26 0,-26 0 16,0 0-16,0 26 15,0 0-15</inkml:trace>
+</inkml:ink>
+</file>
+
+<file path=ppt/ink/ink37.xml><?xml version="1.0" encoding="utf-8"?>
+<inkml:ink xmlns:inkml="http://www.w3.org/2003/InkML">
+  <inkml:definitions>
+    <inkml:context xml:id="ctx0">
+      <inkml:inkSource xml:id="inkSrc0">
+        <inkml:traceFormat>
+          <inkml:channel name="X" type="integer" max="1920" units="cm"/>
+          <inkml:channel name="Y" type="integer" max="1080" units="cm"/>
+          <inkml:channel name="T" type="integer" max="2.14748E9" units="dev"/>
+        </inkml:traceFormat>
+        <inkml:channelProperties>
+          <inkml:channelProperty channel="X" name="resolution" value="55.81395" units="1/cm"/>
+          <inkml:channelProperty channel="Y" name="resolution" value="55.6701" units="1/cm"/>
+          <inkml:channelProperty channel="T" name="resolution" value="1" units="1/dev"/>
+        </inkml:channelProperties>
+      </inkml:inkSource>
+      <inkml:timestamp xml:id="ts0" timeString="2020-12-09T06:25:52.285"/>
+    </inkml:context>
+    <inkml:brush xml:id="br0">
+      <inkml:brushProperty name="width" value="0.05" units="cm"/>
+      <inkml:brushProperty name="height" value="0.05" units="cm"/>
+      <inkml:brushProperty name="color" value="#ED1C24"/>
+      <inkml:brushProperty name="fitToCurve" value="1"/>
+    </inkml:brush>
+  </inkml:definitions>
+  <inkml:trace contextRef="#ctx0" brushRef="#br0">28 155 0,'26'0'16,"0"0"15,-26-26 0,0 52-15,0 0 0,0 0-1,0 0-15,0 26 0,0-26 16,0 0-16,0 26 0,0-26 16,0-1-16,0 27 15,0-26-15,0 0 0,0 0 16,0 0-16,0 0 15,0 0-15,0 0 16,0-52 15,0 0-31,-26 0 16,26 0-16,0 0 16,-26-26-16,26 0 0,0 1 15,-26-1-15,26 0 0,0 26 16,0-26-16,26 26 15,0-26-15,0 27 0,0-1 16,0 0-16,0 26 16,0-26-16,0 26 0,0-26 15,-1 26-15,1 0 0,0 0 16,0 26-16,-26 0 16,0 0-16,0 25 15,-26-25-15,26 0 16,-26 0-16,0 26 0,-25-26 15,25 0-15,0 0 0,0 0 16,0 0-16,0 0 16,0-26-16,26 25 0,-26-25 15,52 0 17,0-25-17,26 25-15,-26-26 16,0 26-16,26 0 0,-27 0 15,1 0-15,26 0 16,-26 26-16,0-26 0,-26 25 16,26 1-16,0 0 0,-26 0 15,0 0 1,0 0-16,-26 0 0,26 0 16,-26-26-16,0 26 0,0 0 15,-26-26-15,26 26 16,-25-26-16,25 0 0,-26 0 15,26 0-15,0 0 16,0 0-16,0-26 0,0 26 16,26-26-16,0 0 15,0 0-15</inkml:trace>
+  <inkml:trace contextRef="#ctx0" brushRef="#br0" timeOffset="714">598 155 0,'0'-26'0,"26"26"0,-26 26 47,0 0-31,0 0-16,0 0 15,0 26-15,0-26 0,0 0 16,0 26-16,26-26 16,-26 25-16,0-25 0,0 26 15,0-26-15,26 0 16,-26 0-16,0 0 15,26-26 17,-26-26-32,0 0 15,26 0 1,-26-26-16,26 26 0,-26-26 16,0 27-16,26-27 0,-26 26 15,26 0-15,-26 0 16,26 26-16,0 0 15,-26 26-15,0 0 0,25 0 16,-25 0-16,26 0 16,-26-1-16,26 1 0,-26 0 15,26 0-15,-26 0 16,26-26-16,-26 26 0,26-26 16,-26 26-16,26-26 0,0 0 31,0-26-31,0 0 15,-26 0 1,0 0-16,26-26 16,-26 27-16,0-1 0,0-26 15,-26 26-15,26-26 16,-26 0-16,26 26 0,-26 0 16,26-25-16,-26 51 15,26-26-15,0 0 16,-26 26-16,26 26 15,0 0 1,-26-1-16</inkml:trace>
+</inkml:ink>
+</file>
+
+<file path=ppt/ink/ink38.xml><?xml version="1.0" encoding="utf-8"?>
+<inkml:ink xmlns:inkml="http://www.w3.org/2003/InkML">
+  <inkml:definitions>
+    <inkml:context xml:id="ctx0">
+      <inkml:inkSource xml:id="inkSrc0">
+        <inkml:traceFormat>
+          <inkml:channel name="X" type="integer" max="1920" units="cm"/>
+          <inkml:channel name="Y" type="integer" max="1080" units="cm"/>
+          <inkml:channel name="T" type="integer" max="2.14748E9" units="dev"/>
+        </inkml:traceFormat>
+        <inkml:channelProperties>
+          <inkml:channelProperty channel="X" name="resolution" value="55.81395" units="1/cm"/>
+          <inkml:channelProperty channel="Y" name="resolution" value="55.6701" units="1/cm"/>
+          <inkml:channelProperty channel="T" name="resolution" value="1" units="1/dev"/>
+        </inkml:channelProperties>
+      </inkml:inkSource>
+      <inkml:timestamp xml:id="ts0" timeString="2020-12-09T06:25:54.951"/>
+    </inkml:context>
+    <inkml:brush xml:id="br0">
+      <inkml:brushProperty name="width" value="0.05" units="cm"/>
+      <inkml:brushProperty name="height" value="0.05" units="cm"/>
+      <inkml:brushProperty name="color" value="#ED1C24"/>
+      <inkml:brushProperty name="fitToCurve" value="1"/>
+    </inkml:brush>
+  </inkml:definitions>
+  <inkml:trace contextRef="#ctx0" brushRef="#br0">207 29 0,'0'-26'31,"26"26"-15,0 0-1,0 0-15,0 26 0,26 0 16,0-26-16,25 26 15,1 0-15,0 26 0,25-26 16,27 25-16,0 1 16,-27 0-16,27 0 0,-1 0 15,-25 0-15,0-1 0,0 1 16,-27 26-16,27-26 16,-26 0-16,-1 25 0,1-25 15,-26 26-15,26 0 16,-26-1-16,25 1 0,-25 26 15,0-26-15,0-1 16,-26 1-16,26 0 0,-26 0 16,-26-1-16,25-25 0,1 0 15,-26 0-15,26 0 16,-26 0-16,26-26 0,-26 25 16,0-25-16,26 0 0,-26 0 15,26 0-15,-26 0 16,26 0-16,-26 0 0,26-26 15,-26 26-15,26 0 16,-52-52 47,0 0-48</inkml:trace>
+  <inkml:trace contextRef="#ctx0" brushRef="#br0" timeOffset="289">2358 2439 0,'0'-26'31,"26"26"-15,0 0-16,0 0 16,0 0-1,0 0-15,0 0 0,0 26 16,0-26-16,0 0 0,0 26 16,-1-26-16,1 26 15,0 0-15,0 0 16,0 0-1,0-26 1</inkml:trace>
+  <inkml:trace contextRef="#ctx0" brushRef="#br0" timeOffset="665">3006 2232 0,'0'-26'16,"0"0"0,0 52 31,0 0-32,-26-26 1,26 26-16,-25 0 0,25 0 15,-26 0-15,26 0 16,0 0-16,-26-1 16,26 1-16,0 0 0,-26-26 15,26 26-15,-26 0 16,0 0-16,0 0 16</inkml:trace>
+  <inkml:trace contextRef="#ctx0" brushRef="#br0" timeOffset="2285">2825 2958 0,'26'-26'0,"0"0"16,-26 0 0,26 26-1,-26-26 1,-26 26-1,0-26-15,0 26 16,0 0-16,-26 0 16,26 0-16,0 0 15,0 26-15,-25 0 0,25-26 16,0 26-16,-26 26 16,26-26-16,26 0 0,-26 0 15,0 25-15,26-25 16,0 0-16,0 0 0,26 0 15,0 0-15,0-26 0,0 26 16,26-26-16,-26 26 16,25 0-16,-25-26 0,26 26 15,-26-26-15,26 26 16,-26-26-16,0 25 0,0-25 16,0 26-16,-26 0 0,26-26 15,-26 26-15,0 0 16,0 0-16,-26 0 0,0-26 15,0 26-15,0 0 16,0 0-16,0-26 0,0 26 16,-26-26-16,26 0 15,0 0-15,0 0 0,1 0 16,-1-26-16,0 26 0,0-26 16,26 0-16,-26 0 15,26 0-15,0 0 16,0 0-16,0 0 15,26 26-15</inkml:trace>
+  <inkml:trace contextRef="#ctx0" brushRef="#br0" timeOffset="2807">3058 2906 0,'0'-26'15,"0"0"-15,26 0 0,-26 0 16,26 26 0,0 0-16,-26 26 15,0 0-15,0 0 16,26 0-16,-26 26 15,0-26-15,0 26 0,0-1 16,26 1-16,-26 0 0,26 0 16,-26 0-16,0 0 15,26-1-15,-26-25 0,26 0 16,-26 26-16,25-26 16,-25 0-16,0 0 15,26-26-15,-26-26 31,26 26-31,-26-26 16,26 0 0,-26 0-16,26 26 0,0-26 15,0 0-15,0 26 0,0 0 16,0-26-16,26 26 16,-27-26-16,1 26 0,26 0 15,-26 0-15,0 0 16,26-25-16,-26 25 15,0 0-15</inkml:trace>
+  <inkml:trace contextRef="#ctx0" brushRef="#br0" timeOffset="3276">3758 2880 0,'-26'-26'0,"0"0"0,0 0 15,0 26-15,0-26 16,26 0-16,26 26 16,0-25-1,0 25-15,0 0 0,26-26 16,0 26-16,0 0 0,-1-26 15,1 26-15,0-26 16,0 26-16,-26 0 0,0 0 16,0 0-16,-52 0 15,0 0 1,-26 0-16,26 0 16,0 26-16,0-26 15,0 0-15,0 0 0,0 26 16,26 0-1,0-1 1,0 1-16,26 0 0,-26 0 16,26 0-16,-26 26 15,26-26-15,-26 26 0,26-26 16,-26 25-16,26-25 16,-26 26-16,0-26 0,0 0 15,26 0-15,-26 0 0,0 0 16,0 0-16,0 0 15</inkml:trace>
+  <inkml:trace contextRef="#ctx0" brushRef="#br0" timeOffset="3575">4665 3113 0,'-26'0'0,"26"-26"16,-26 26-16,0 0 15,26-26-15,0 52 32,26-26-32,-26 26 15,26 0 1,-26 0-16,0 0 0,0 0 15,0 0-15,0 0 0,0 0 16,0 0-16,0 0 16,0-1-16,0 1 0,-26 0 15</inkml:trace>
+  <inkml:trace contextRef="#ctx0" brushRef="#br0" timeOffset="4363">5054 2699 0,'-26'0'15,"0"0"-15,26-26 16,0 52-1,26 0 1,-26-1-16,26 1 16,-26 0-16,26 26 15,0-26-15,-26 0 0,26 26 16,-26-26-16,0 0 0,26 0 16,-26-1-16,0 1 15,0 0-15,0-52 31,-26 0-31,26 1 16,-26-1-16,26 0 0,-26-26 16,0 26-16,26-26 15,-26 0-15,26 0 0,-26 1 16,26-1-16,0 0 0,0 26 16,26-26-16,0 26 15,0 26-15,0-26 0,26 26 16,-27 0-16,1 0 15,26 26-15,-26-26 0,0 26 16,0-26-16,0 26 16,-26 0-16,0 0 0,0 0 15,0 0-15,0 0 16,-26 0-16,0-26 16,26 26-16,-26-26 0,0 25 15,0-25-15,0 0 16,52 0-1,0 0 1,0 0 0,0 0-16,0 0 0,0 0 15,26 0-15,-26 0 0,26 0 16,-27 26-16,27 0 16,-26-26-16,0 26 15,0 0-15,-26 0 0,0 26 16,0-26-16,0 0 0,-26 0 15,-26-26-15,26 26 0,-25-26 16,25 25-16,-26-25 16,26 0-16,-26-25 0,26 25 15,26-26-15,-26 0 16,26 0-16,0 0 0,26 0 16,-26 0-16</inkml:trace>
+  <inkml:trace contextRef="#ctx0" brushRef="#br0" timeOffset="4794">5961 2595 0,'26'-26'16,"-26"0"-1,0 0-15,-26 26 16,0 0-1,0 0-15,0 26 16,0 0-16,0 0 16,1 26-16,-1-26 15,26 0-15,0 0 0,0 25 16,0-25-16,0 0 0,26 0 16,-1 0-16,27 0 15,-26 0-15,26 0 0,0-26 16,-26 26-16,26-26 0,-1 0 15,-25-26-15,0 0 16,0 0-16,0 0 0,-26 0 16,0 0-16,0-26 15,-26 1-15,26 25 0,-26-26 16,0 26-16,-25 0 16,25 0-16,0 0 0,-26 26 15,26 0-15,0 0 0,0 0 16,0 26-1,26 0-15,26-26 16</inkml:trace>
+  <inkml:trace contextRef="#ctx0" brushRef="#br0" timeOffset="5057">6557 2595 0,'0'-26'0,"-26"26"16,0-26-16,0 0 0,0 0 16,26 0-16,0 52 15,0 0 1,0 0 0,26 26-16,-26 0 0,26 0 15,0-1-15,0 1 16,0 0-16,0 0 0,-26 0 15,26-26-15,0 26 0,0-27 16,-26 1-16,0 0 16</inkml:trace>
+  <inkml:trace contextRef="#ctx0" brushRef="#br0" timeOffset="5358">6402 2517 0,'0'-52'0,"0"26"0,0-25 16,0 25-16,26 26 0,-1 0 15,1 0-15,26 0 16,0 26-16,-26-26 0,52 25 16,-26 27-16,-1-26 0,1 0 15,0 26-15,0-26 16,-26 0-16,0 26 0,0-26 15,-26 0-15,-26 25 16,0-25-16,0 0 0,-26 0 16,0 26-16,0-52 15,1 26-15,-1 0 0,0-26 16,0 0-16,26 0 0,0 0 16,0-26-16</inkml:trace>
+  <inkml:trace contextRef="#ctx0" brushRef="#br0" timeOffset="5839">7490 2336 0,'0'-26'0,"0"0"16,0 0-16,-26 0 15,0 0-15,0 26 16,26-26-16,-25 26 0,-1 0 16,0 0-16,0 0 15,0 0-15,0 26 0,0-26 16,0 26-16,0-26 16,26 26-16,-26 0 0,26 0 15,0 0-15,0 0 16,26 0-1,0-26-15,0 25 0,0 1 16,0-26-16,0 26 16,0-26-16,26 26 0,-27 0 15,1 0-15,26 0 0,-26 0 16,0 0-16,-26 0 16,26 0-16,-26 0 0,0 0 15,-26-1 1,26 1-16,-26-26 0,-26 0 15,26 26-15,0-26 0,1 0 16,-1 0-16,0 0 16,0 0-16,26-26 0,-26 26 15,26-26 1,26 26-16</inkml:trace>
+  <inkml:trace contextRef="#ctx0" brushRef="#br0" timeOffset="6115">8086 2673 0,'0'-26'16,"0"0"-16,26 26 15,0 0 1,-26 26 15,0 0-31,0 0 16,0 0-16,-26-1 0,26 1 16,-26 0-16,0 0 15</inkml:trace>
+  <inkml:trace contextRef="#ctx0" brushRef="#br0" timeOffset="6847">3732 4124 0,'0'-26'0,"0"0"16,0 0-16,0 0 0,0 1 16,26-1-16,0 26 15,-26 26 1,0 25-16,26-25 15,-26 26-15,26-26 16,-26 26-16,26 0 0,25 51 16,-25-77-1,-26 26-15,26-26 0,0 0 16,-26 0-16,26-26 0</inkml:trace>
+  <inkml:trace contextRef="#ctx0" brushRef="#br0" timeOffset="7242">3447 4331 0,'-26'-25'0,"0"-1"16,26 0-16,0 0 15,0 0-15,26 0 0,0 0 16,0 0-16,26 0 15,0 0-15,-1 26 0,1 0 16,26-26-16,0 26 16,-1 0-16,1 26 0,0-26 15,-26 26-15,0 0 0,0 0 16,-1 0-16,-51 26 16,26-26-16,-26 26 0,-26-27 15,0 27-15,1-26 0,-27 0 16,0 0-16,0 0 15,-26 0-15,26 0 0,1 0 16,-27-26-16,52 26 16,-26-26-16,26 0 0,0 0 15,0 0-15,0 0 0,0 0 16</inkml:trace>
+  <inkml:trace contextRef="#ctx0" brushRef="#br0" timeOffset="7601">4458 4046 0,'0'-26'16,"0"1"-16,0-1 16,26 26-1,0 0 1,0 26-16,-1-1 0,1 1 15,26 0-15,0 0 16,0 0-16,0 0 0,0 0 16,-1 0-16,1 0 15,-26 0-15,0 0 0,0 0 16</inkml:trace>
+  <inkml:trace contextRef="#ctx0" brushRef="#br0" timeOffset="7848">4872 3891 0,'0'-26'16,"-25"52"0,-1 0-1,26 0-15,-26 0 0,0 0 16,0-1-16,26 27 15,-26-26-15,0 0 0,0 26 16,26-26-16,-26 26 0,26 0 16,-26-27-16,26 1 15,-26 26-15,26-26 0,0 0 16</inkml:trace>
+  <inkml:trace contextRef="#ctx0" brushRef="#br0" timeOffset="8257">5546 3891 0,'26'-26'0,"-26"0"15,0 0 1,-26 0-16,0 26 0,1-26 16,-1 26-16,-26 0 0,26 0 15,0 26-15,0-26 16,0 26-16,26 0 0,-26-26 16,26 26-16,-26 0 0,26 26 15,0-26-15,0 0 16,0-1-16,0 1 0,0 0 15,26 0-15,-26 0 16,26 0-16,0 0 0,0-26 16,26 0-16,-26 0 0,26 0 15,-27 0-15,27 0 16,-26 0-16,0-26 0,0 26 16,0 0-16,0-26 15</inkml:trace>
+  <inkml:trace contextRef="#ctx0" brushRef="#br0" timeOffset="8718">6298 4046 0,'0'-26'0,"0"1"47,0 50-16,0 1-15,26 0-16,-26 0 0,0 0 15,0 0-15,0 26 0,0-26 16,0 0-16</inkml:trace>
+  <inkml:trace contextRef="#ctx0" brushRef="#br0" timeOffset="9347">6868 4020 0,'26'0'16,"0"0"-16,-26-25 0,26 25 16,0-26-16,0 26 15,0-26-15,0 26 16,0-26-16,-1 26 0</inkml:trace>
+  <inkml:trace contextRef="#ctx0" brushRef="#br0" timeOffset="9510">7464 3969 0,'0'-26'31</inkml:trace>
+  <inkml:trace contextRef="#ctx0" brushRef="#br0" timeOffset="9768">8294 3839 0,'52'0'0,"-27"0"0,1-26 16,0 26-1</inkml:trace>
+  <inkml:trace contextRef="#ctx0" brushRef="#br0" timeOffset="22419">0 5576 0,'0'-26'15,"26"26"79,-26 26-63,0-1-15,0 1-16,0 0 15,0 0-15,0 0 16,0 0-16,0 26 0,0-26 16,0 0-16,26 0 15,-26 25-15,0-25 0,0 0 16,0 26-16,0-26 0,0 0 16,0 0-16,0 0 15,0 0-15,26 0 0,-26 0 16,25-26 46,-25-26-62,26 26 16,0 0 0,0-26-16,0 26 15,0 0-15,0 0 0,26-26 16,-26 26-16,26 0 15,-26 0-15,25 0 0,-25 0 16,0 0-16,0 0 0,0 0 16,0 0-16,0 0 15,0 0-15,0 0 32,-26-26 14,0 0-14,0 0-17,0 0-15,0 0 16,26 0-16,-26 0 16,0 0-16,0 1 0,0-1 15,0 0-15,0 0 16,0 0-16,0 0 15,0 0-15,0 0 16,-26 26-16,26-26 16,0 0-16,0 0 15,0 0 1,0 1-16,0-1 16,-26 0-16,26 0 15,-26 26 1,26-26-16,-26 26 15,0 0 1,0 0-16,0 0 0,0 0 16,0 0-16,-25 26 0,25-26 15,-26 0-15,0 26 16,0-26-16,26 0 0,-26 26 16,26-26-16,0 0 15,1 26-15,-1-26 0,0 0 16,0 0-16,26 25 15</inkml:trace>
+  <inkml:trace contextRef="#ctx0" brushRef="#br0" timeOffset="23299">777 5809 0,'-26'0'32,"1"0"-17,25-26 17,25 26-17,1 0 1,0 0-16,0 0 0,0 0 15,26 0-15,-26 0 16,26 0-16,0 0 0,-27 0 16,1 0-16,0 0 0,0 0 15,0 0 1,-26 26 0,26 0-1,-26 0-15,0 0 16,0-1-16,0 1 0,0 0 15,0 0 1,0 0-16,0 0 0,0 0 16,0 0-16,0 0 15,26 0-15,-26 0 0,0 0 16,0-1-16,26 1 16,-26 0-1,26-26 48,0 0-63,26-26 15,-27 26-15,1 0 16,26 0-16,-26-26 16,26 26-16,-26 0 0,0-25 15,26 25-15,-26 0 0,0 0 16,-1 0-1</inkml:trace>
+  <inkml:trace contextRef="#ctx0" brushRef="#br0" timeOffset="23618">1814 5990 0,'-26'-26'16,"0"26"0,0 0-1,0 26 1,26 0 0,0 0-16,0 0 15,26 0-15,-26 0 16,26 26-16,-26-26 0,0-1 15,26 27-15,-26-26 0,26 0 16,-26 0-16,0 0 16,0 0-16,0 0 0,0 0 15,0 0-15,0 0 16,0-52 0,0 0-1</inkml:trace>
+  <inkml:trace contextRef="#ctx0" brushRef="#br0" timeOffset="24195">1814 6094 0,'0'-52'0,"0"26"0,0 0 15,0 0-15,-26 26 16,26-26-16,26 26 47,0 0-47,0-26 15,26 26-15,-26 0 16,26-25-16,-1 25 0,1 0 16,-26 0-16,26-26 15,0 26-15,0 0 0,-26 0 16,25 0-16,-25 0 0,0 0 16,0 0-16,0 26 15,0-26-15,-26 25 16,26 1-16,-26 0 15,0 0-15,26 0 16,-26 0-16,0 26 0,0-26 16,26 0-16,-26 26 15,0-27-15,26 1 0,-26 0 16,26 26-16,-26-26 16,0 0-16,25 0 0,-25 0 15,0 0 1,26-26-1,-52 0 1,1 0-16,-1 0 16,0 0-16,-26 0 15,0 0-15,26 0 0,-26 0 16,-25 0-16,25 0 16,0 0-16,0 0 0,0 0 15,0 26-15,26-26 16,-25 0-16,25 0 0,0 0 15,0 0 1,26 26 0,26-26-16,0 0 15</inkml:trace>
+  <inkml:trace contextRef="#ctx0" brushRef="#br0" timeOffset="24837">2307 6431 0,'0'26'47,"0"0"-31,25 0-1,-25 0-15,0-1 0,0 27 16,0-26-16,26 26 16,-26-26-16,0 26 0,0-26 15,0 26-15,0-27 0,0 1 16,0 0-16,0 0 15,0 0-15,0 0 32,26-26-17,-26-26-15,26 26 16,0 0 0,26-26-16,-26 26 0,26 0 15,-26-26-15,25 26 0,1 0 16,26 0-16,-26-26 15,0 26-15,0 0 0,-1 0 16,1-26-16,-26 26 0,0 0 16,0 0-16,0 0 15,-52 0 1</inkml:trace>
+  <inkml:trace contextRef="#ctx0" brushRef="#br0" timeOffset="25123">3110 6716 0,'-26'0'16,"0"0"15,26 26-15,0 0-1,0 0-15,26 0 0,-26 0 16,0-1-16,26 27 16,-26-26-16,26 0 0,-26 0 15,26 26-15,-26-26 16,26 0-16,-26 0 0,26 0 16,-26-1-16,26-25 15</inkml:trace>
+  <inkml:trace contextRef="#ctx0" brushRef="#br0" timeOffset="25717">3110 6768 0,'-26'-52'16,"26"26"-16,0 0 15,-26 0-15,26 0 16,0 0-16,26 26 31,0-26-31,0 26 16,0 0-16,26-25 0,0 25 15,-1 0-15,27-26 16,-26 26-16,0-26 0,26 26 16,-27 0-16,1 0 15,-26 0-15,26 0 0,-26 0 16,-26 26-1,0 0 1,0-1-16,0 1 16,0 0-16,0 0 15,26 0-15,-26 0 0,0 0 16,26 26-16,-26-26 16,26 0-16,-26 0 0,26-1 15,-26 27-15,25-26 0,-25 0 16,26 0-16,-26 0 15,26 0-15,-26 0 0,26 0 16,-26 0-16,0 0 0,26-26 16,-26 25-16,0 1 15,-26-26 1,0 0 0,-26 0-16,27 0 0,-27 0 15,0 0-15,-26 0 0,0 0 16,1 0-16,-1 0 15,0 0-15,0 0 0,27 0 16,-27 0-16,26 26 16,0-26-16,26 0 0,0 0 15,0 0-15,0 0 0</inkml:trace>
+  <inkml:trace contextRef="#ctx0" brushRef="#br0" timeOffset="26720">2514 6146 0,'26'0'16,"0"0"15,0-26-15,0 26 0,25 0-1,-25-26-15,26 26 0,-26 0 0,26 0 16,-26-26-16,26 26 15,-26 0-15,0 0 0,-1 0 16,1 0-16,-26-26 16,26 26-16,-26-26 47,0 0-32,0 0 1,0 0-1,-26 26-15,26-26 0,0 1 16,0-1-16,0 0 16,0 0-16,-26 0 0,26 0 15,0 0-15,0 0 16,0 0-16,0 0 0,0 0 16,0 0-16,0 1 15,-25-1 16,25 52 1</inkml:trace>
+  <inkml:trace contextRef="#ctx0" brushRef="#br0" timeOffset="27782">2592 5005 0,'0'26'47,"0"0"-31,0 0-16,0 0 15,0 0-15,0 26 0,0-26 16,0 26-16,0-27 16,26 1-16,-26 26 0,25-26 15,-25 26-15,26-26 0,-26 0 16,0 0-16,26-26 16,-26 26-16,0 0 15,26-26-15,-26-26 31,26 26-31,0-26 16,0 26 0,0 0-16,0-26 0,0 26 15,26 0-15,-26-26 0,25 26 16,1 0-16,0 0 16,0 0-16,0-26 0,0 26 15,-1 0-15,1 0 16,-26 0-16,26 0 15,-26 0-15,0 0 0,0 0 0,0 0 16,-52 0 31,26-26-31,-26 26-16,26-26 15,0 0 1,0 0-16,-26 26 15,26-26-15,0 0 16,0 1-16,-26-1 0,26 0 16,0 0-16,-26-26 0,26 26 15,-26 0-15,26-26 16,0 26-16,-26 0 0,26 0 16,0 1-16,0-1 15,-26 26 63,0 0-62,0 0 0,1 0-16,-1 0 15,0 0-15,-26 26 0,0-26 16,0 0-16,0 25 15,1-25-15,-27 0 0,26 26 16,0-26-16,26 0 0,-26 0 16,26 0-16,0 0 15,26 26-15,0 0 47,0 0-31,-25-26-1</inkml:trace>
+  <inkml:trace contextRef="#ctx0" brushRef="#br0" timeOffset="29167">2592 5394 0,'-26'0'47,"0"0"-32,0 0-15,0 0 0,0 26 16,0-26-16,0 0 15,0 0-15,-26 0 0,27 0 16,-27 26-16,0-26 16,26 0-16,-26 0 0,26 0 15,0 0-15,-26 0 0,27 0 16,-1 0 0,0 0-1,0 0 1,0 0-1,0 0 1,0 0-16,0 0 47,26-26-16,0 0-15,26 0-1,-26 0 1,0 0-16,0 0 16,0 1-16,0-1 0,0 0 15,0-26-15,0 26 16,0-26-16,-26 26 0,26-26 16,0 26-16,-26-25 15,26 25-15,0 0 0,-26 0 16,26 0-16,-26 26 15,0 0 1,26 26 0,0 0-1,0 0-15,0 0 47,0-52 0</inkml:trace>
+  <inkml:trace contextRef="#ctx0" brushRef="#br0" timeOffset="30350">1192 4357 0,'0'-26'0,"-26"1"15,26 50 32,0 1-31,0 0-16,0 0 15,0 0-15,0 26 0,0 0 16,0 0-16,0-1 16,26 1-16,-26 0 0,26 0 15,-26 0-15,26 0 16,-26-26-16,26 25 0,-26-25 16,26-26-16,-26 26 0,26-26 15,-26 26 1,26-52-1,-1 26 1,-25-26-16,26 26 0,26 0 16,-26-26-16,26 26 0,0 0 15,0-26-15,0 26 16,-1 0-16,1 0 0,0-25 16,0 25-16,0 0 0,0-26 15,-1 26-15,1 0 16,-26-26-16,0 26 0,0 0 15,0 0-15,-26-26 16,0 0 31,0 0-16,0 0-15,0 0-16,0 0 15,0 0-15,0 0 16,0 0-16,0 1 0,0-1 16,-26 0-16,26 0 15,0-26-15,0 26 0,-26 0 16,26 0-16,0 0 16,0 0-16,0 0 0,0 1 15,-26 25-15,26-26 31,-26 26 1,0 0 15,0 0-32,0-26-15,1 26 16,-27 0-16,0 0 0,26 0 15,-52 0-15,26 0 0,-25 0 16,-1 26-16,0-26 16,26 0-16,-26 0 0,1 26 15,-1-26-15,26 0 0,0 25 16,0-25-16,27 0 16,-1 0-16,0 26 0,52-26 31,0 0-16,-1 0-15,1 0 16,-26 26 0,-26-26 15,1 26-31</inkml:trace>
+  <inkml:trace contextRef="#ctx0" brushRef="#br0" timeOffset="31305">518 6120 0,'-26'0'16,"26"-26"-16,-26 26 15,26 26 16,0 0-15,0 0 0,26 0-1,-26-1-15,0 1 16,0 0-16,26 0 0,-26 0 16,0 26-16,0-26 15,26 0-15,-26 0 0,0 0 16,0 26-16,0-27 15,0 1-15,0 0 16,0 0 0</inkml:trace>
+  <inkml:trace contextRef="#ctx0" brushRef="#br0" timeOffset="31707">207 6716 0,'0'-26'16,"26"26"31,-26 26-47,0 0 16,0 0-16,26 0 0,-26 0 15,0 25-15,0-25 0,26 26 16,-26-26-16,0 26 15,0-26-15,26 0 0,-26 0 16,0 0-16,0 0 16,0-1-16,0-50 31</inkml:trace>
+  <inkml:trace contextRef="#ctx0" brushRef="#br0" timeOffset="32324">259 6846 0,'0'-26'16,"0"0"-16,26 26 31,-26-26-31,26 26 0,0-26 16,0 26-16,0-26 0,25 26 15,1-26-15,0 26 16,0 0-16,0-26 0,0 26 15,-1 0-15,1 0 16,-26 0-16,0 0 0,0 0 16,0 0-16,-26 26 47,0 0-32,26 0-15,-26 0 16,0 0-16,26 0 15,-26 0-15,0-1 16,26 1-16,-26 0 0,0 0 16,0 0-16,0 0 0,26-26 15,-26 26-15,0 0 16,0 0-16,26 0 0,-26 0 16,0 0-1,0-1 1,0 1-1,-26-26 1,0 0-16,0 0 16,0 26-16,0-26 15,0 0-15,-26 0 0,0 0 16,1 0-16,-1 0 16,0 0-16,0 0 0,0 26 15,0-26-15,1 0 16,25 0-16,0 0 0,0 0 15,0 0-15,52 0 32,0 0-17,0-26-15</inkml:trace>
+  <inkml:trace contextRef="#ctx0" brushRef="#br0" timeOffset="35953">4561 5601 0,'-25'0'16,"25"-25"-16,0-1 16,25 0 15,1 26-15,26 0-16,-26 0 15,0 0-15,0 26 16,26-26-16,-26 0 0,0 26 15,0-26-15,-1 25 0,-25 1 16,0 0-16,0 0 16,-25 0-16,-1 26 0,0-26 15,-26 26-15,0-26 16,0 25-16,26-25 0,0 26 16,0-26-16,26 0 0,0 0 15,0 0-15,26 0 16,26 0-16,-26-26 15,0 26-15,26-26 16,-26 0-16,26 0 0,-26 0 16,-1 0-16,1 0 0,0 0 15,0 0 1,-26-26 0,-26 26-1,0 0-15,0 26 16,1-26-16,25 26 0,-26-26 15,26 25-15,-26 1 16,26 0-16,0 0 16,26 0-16,-26 0 15,26 0-15,-1 26 0,1-26 16,0 0-16,-26 0 0,26 25 16,0-25-16,0 0 15,0 0-15,-26 0 0,0 0 16,0 0-16,-26 0 15,0 0-15,0 0 0,-26-26 16,1 26-16,25-26 16,-26 0-16,0 0 0,26 0 15,-26-26-15</inkml:trace>
+  <inkml:trace contextRef="#ctx0" brushRef="#br0" timeOffset="36704">5313 6120 0,'0'-26'0,"0"0"0,0 0 16,-26 0 0,26 0-1,0 52 17,26 0-32,-26 0 15,26 0-15,-26 0 16,26 0-16,-26 0 0,26 0 15,-26 25-15,0-25 0,26 0 16,-26 0-16,0 0 16,0 0-1,0-52 1,0 0-16,0 0 16,0 0-16,0 0 15,0 0-15,26-25 16,-26 25-16,26 0 0,-26 0 15,26 0-15,-1 0 16,1 26 0,0 26-16,-26 0 15,26 0 1,-26 0-16,0 0 16,26 0-16,-26-1 15,0-50 16,26 25-15,-26-26-16,0 0 16,26 0-16,-26 0 15,0 0-15,26 0 0,0 0 16,0 0 0,0 26-1,0 0-15,-26 26 0,25 0 16,1 0-16,-26 0 0,26 0 15,-26 0-15,26 0 16,0 0-16,-26-1 16,0 1-1,26-26-15</inkml:trace>
+  <inkml:trace contextRef="#ctx0" brushRef="#br0" timeOffset="37100">6117 6016 0,'25'-26'0,"-50"26"31,25 26-15,-26-26-16,26 26 0,-26-26 15,26 26-15,-26 0 0,26 0 16,26 0-1,-26 0-15,26-26 16,0 26-16,-1-1 16,1-25-16,0 26 15,0-26-15,0 0 16,0 0-16,0-26 0,0 1 16,-26-1-16,0 0 15,0 0-15,0 0 16,0 0-16,0 0 0,-26 0 15,0 26-15,26-26 16,-26 26-16,0 0 0,26-26 16,-26 26-16,0 0 0,0 26 15,26 0 1</inkml:trace>
+  <inkml:trace contextRef="#ctx0" brushRef="#br0" timeOffset="37670">6661 6016 0,'-26'0'0,"0"0"16,26-26-16,-26 26 15,0 0-15,0 0 16,0 0-1,26 26 17,-26 0-17,26 0-15,-26 0 16,26 0-16,0 0 16,0 0-16,26 0 15,-26-1-15,26-25 16,0 26-1,0-26-15,0 0 16,0 0-16,0 0 0,-26-26 16,26 26-16,0-25 15,-26-1-15,26 0 0,-26 0 16,26 0-16,-26 0 16,26-26-16,-26 0 0,0 26 15,0-25-15,0-1 0,0 0 16,0 0-16,0 26 15,-26 0-15,26 0 0,-26 26 16,26 26 0,0 0-16,0 0 15,0 26-15,0-26 0,26 26 16,-26-26-16,0 25 16,26-25-16,-1 26 0,-25-26 15,26 0-15,-26 0 16,26 0-16,0 0 15,-26 0-15,26 0 16</inkml:trace>
+  <inkml:trace contextRef="#ctx0" brushRef="#br0" timeOffset="38108">6972 6016 0,'26'-26'0,"-26"52"32,0 0-1,26-26-31,0 0 16,0 0-1,-1 0 1,1 0-1,-26-26-15,26 0 16,-26 0 0,-26 0-1,0 0 1,1 26-16,-1 0 16,0 0-16,0 26 15,0-26-15,26 26 0,-26 0 16,26 0-16,0 0 15,0 0-15,26 0 16,0 0-16,0 0 0,-26 0 16,52 0-16,-27-26 15,1 25-15,26-25 0,-26 0 16,0 0-16,26-25 0,-26-1 16,0 0-16</inkml:trace>
+  <inkml:trace contextRef="#ctx0" brushRef="#br0" timeOffset="38390">7257 5783 0,'0'-26'15,"0"0"-15,-26 26 16,26-26 0,26 26-1,-26 26 16,26-26-31,-26 26 16,26 0-16,-26 0 0,26 0 16,-26 0-16,26 0 15,-26 25-15,26-25 0,-26 0 16,0 0-16,0 26 16,0-26-16,0 0 15,0 0-15,25-26 0</inkml:trace>
+  <inkml:trace contextRef="#ctx0" brushRef="#br0" timeOffset="38690">7568 5938 0,'26'0'47,"0"26"0,-26 0-47,26 0 15,-26 0 1,26 0-16,-26 0 0,26 0 15,-1 0 1,-25 0-16,26-26 16</inkml:trace>
+  <inkml:trace contextRef="#ctx0" brushRef="#br0" timeOffset="38858">7672 5783 0,'-26'0'0</inkml:trace>
+  <inkml:trace contextRef="#ctx0" brushRef="#br0" timeOffset="39861">7853 5912 0,'-26'0'16,"0"0"-16,52 0 31,0 0-16,-26 26-15,26-26 0,0 26 16,-26 0-16,26-26 16,-26 26-16,26 0 15,-26 0-15,26 0 16,-26 0 0,26-26-1,0-26 16,-1 0-31,1 0 16,0 0 0,0 0-16,0 26 0,0-26 15,0 26-15,0 0 0,0 0 16,-26 26 0,0 0-1,26-26 1,-26 26-16,26-26 0,-26 26 15,26-26-15,25 26 0,-25-26 16,26 0-16,-26 0 16,26 0-16,0 0 0,0-26 15,-27 26-15,1-26 16,0 26-16,0-26 0,0 0 16,-26 0-16,0 0 15,-26 0-15,-26-25 16,26 25-16,1 26 15,-1-26-15,0 26 16,0 0-16,0 26 16,0 0-16,26 0 15,0-1-15,0 1 16,0 0-16,0 0 0,26-26 16,-26 26-16,26-26 0,-26 26 15,26-26-15,0 0 16,0 0-16,-1 0 15,-25-26-15,26 26 16,0-26-16,0 0 16,0 26-1,-26 26 1,26 0 0,-26 26-1,0-26-15,26 0 0,-26 26 16,26-1-16,0 1 0,0-26 15,0 26-15,0 0 16,-1 0-16,1-26 0,-26 26 16,26-27-16,-26 1 15,0 0-15,-26-52 32,-25 26-32,25-26 0,0 1 15,-26-27-15,26 26 0,0-26 16,0 0-16,0 0 15,26 0-15,0 26 0,26-25 16,-26 25-16,26 0 16,0 0-16,0 26 0,0-26 15,0 26-15,0 0 16,0 0-16</inkml:trace>
+</inkml:ink>
+</file>
+
+<file path=ppt/ink/ink39.xml><?xml version="1.0" encoding="utf-8"?>
+<inkml:ink xmlns:inkml="http://www.w3.org/2003/InkML">
+  <inkml:definitions>
+    <inkml:context xml:id="ctx0">
+      <inkml:inkSource xml:id="inkSrc0">
+        <inkml:traceFormat>
+          <inkml:channel name="X" type="integer" max="1920" units="cm"/>
+          <inkml:channel name="Y" type="integer" max="1080" units="cm"/>
+          <inkml:channel name="T" type="integer" max="2.14748E9" units="dev"/>
+        </inkml:traceFormat>
+        <inkml:channelProperties>
+          <inkml:channelProperty channel="X" name="resolution" value="55.81395" units="1/cm"/>
+          <inkml:channelProperty channel="Y" name="resolution" value="55.6701" units="1/cm"/>
+          <inkml:channelProperty channel="T" name="resolution" value="1" units="1/dev"/>
+        </inkml:channelProperties>
+      </inkml:inkSource>
+      <inkml:timestamp xml:id="ts0" timeString="2020-12-09T06:26:52.655"/>
+    </inkml:context>
+    <inkml:brush xml:id="br0">
+      <inkml:brushProperty name="width" value="0.05" units="cm"/>
+      <inkml:brushProperty name="height" value="0.05" units="cm"/>
+      <inkml:brushProperty name="color" value="#ED1C24"/>
+      <inkml:brushProperty name="fitToCurve" value="1"/>
+    </inkml:brush>
+  </inkml:definitions>
+  <inkml:trace contextRef="#ctx0" brushRef="#br0">0 207 0,'0'26'109,"0"0"-93,0 0-1,26-26 1,-26 26-16,0 0 16,26 0-16,-26 0 15,25-26-15,-25 25 16,26 1-16,0-26 31,0-26 0,0 1-31,-26-1 16,26 26-16,0-26 0,0 0 16,0-26-16,0 26 15,0 0-15,0 0 0,25 0 16,-25-26-16,0 27 15,26-1-15,-26 26 0,0-26 16,26 26-16,-26-26 0,0 26 16</inkml:trace>
+</inkml:ink>
+</file>
+
+<file path=ppt/ink/ink4.xml><?xml version="1.0" encoding="utf-8"?>
+<inkml:ink xmlns:inkml="http://www.w3.org/2003/InkML">
+  <inkml:definitions>
+    <inkml:context xml:id="ctx0">
+      <inkml:inkSource xml:id="inkSrc0">
+        <inkml:traceFormat>
+          <inkml:channel name="X" type="integer" max="1920" units="cm"/>
+          <inkml:channel name="Y" type="integer" max="1080" units="cm"/>
+          <inkml:channel name="T" type="integer" max="2.14748E9" units="dev"/>
+        </inkml:traceFormat>
+        <inkml:channelProperties>
+          <inkml:channelProperty channel="X" name="resolution" value="55.81395" units="1/cm"/>
+          <inkml:channelProperty channel="Y" name="resolution" value="55.6701" units="1/cm"/>
+          <inkml:channelProperty channel="T" name="resolution" value="1" units="1/dev"/>
+        </inkml:channelProperties>
+      </inkml:inkSource>
+      <inkml:timestamp xml:id="ts0" timeString="2020-12-09T06:12:53.407"/>
+    </inkml:context>
+    <inkml:brush xml:id="br0">
+      <inkml:brushProperty name="width" value="0.05" units="cm"/>
+      <inkml:brushProperty name="height" value="0.05" units="cm"/>
+      <inkml:brushProperty name="fitToCurve" value="1"/>
+    </inkml:brush>
+  </inkml:definitions>
+  <inkml:trace contextRef="#ctx0" brushRef="#br0">2496 0 0,'-26'0'16,"1"0"-16,25 26 15,-26-26-15,0 26 0,26 0 16,-26-26-16,0 26 16,0 26-16,26-26 0,-26 0 15,0 0-15,26 0 0,-26-1 16,26 27-16,0-26 16,-26 0-16,26 26 0,0-26 15,0 0-15,0 26 16,0-26-16,0-1 0,0 27 15,26-26-15,-26 0 0,0 0 16,26 0-16,-26 26 16,26-26-16,0 0 0,-26 0 15,26-1-15,-26 1 16,26 0-16,-26 0 0,26 26 16,0-26-16,-26 0 0,0 26 15,26 0-15,-26-27 16,0 27-16,0-26 0,0 26 15,0-26-15,0 0 16,-26 26-16,26-26 0,0 0 16,-26 0-16,0-1 0,26 1 15,-26 0-15,26 0 16,-26 0-16,26 0 0,-26-26 16,26 26-16,-26 0 15,0 0-15,0 0 16,0 0-16,26 0 31,26-1 0,0-25-31,0 0 16,0 0-16,0 26 16,0-26-1,0 26-15,0 0 0,0 0 16,-26 0-16,26 0 15,-1 0-15,1 26 0,0-26 16,-26 25-16,26 1 0,-26 0 16,26 0-16,-26 0 15,0 0-15,0-1 0,0 1 16,0 0-16,0 0 16,0 26-16,-26-26 0,0 25 15,26-25-15,-26 26 0,0 0 16,26-1-16,-25 1 15,-1 0-15,26-26 0,-26 26 16,26-27-16,-26 1 0,26 0 16,0 0-16,0 0 15,0-26-15,0 25 0,0-25 16,0 26-16,0-26 16,0 0-16,0 0 0,0 0 15,0 0-15,26 0 0,-26 0 16,26 0-16,0 0 15,-1-1-15,1-25 16,0 26-16,0-26 16,0 26-16,0-26 0,0 0 15,0 0-15,0 0 0</inkml:trace>
+  <inkml:trace contextRef="#ctx0" brushRef="#br0" timeOffset="762">449 1659 0,'-26'0'15,"26"26"32,26-26-47,-26 26 16,26 0-1,-26 26-15,26-26 16,0 0-16,0 25 0,-26-25 16,25 26-16,1 0 0,-26-26 15,26 0-15,-26 0 16,0 0-16,0 0 0</inkml:trace>
+  <inkml:trace contextRef="#ctx0" brushRef="#br0" timeOffset="1170">138 1970 0,'-26'-26'0,"0"0"16,0 26-16,0-26 0,0 0 15,26 1-15,0-1 16,0 0-16,26 26 0,0-26 15,0 0-15,0 0 16,26 26-16,-26-26 0,26 26 16,-1-26-16,1 26 0,0-26 15,0 26-15,-26 0 16,26 0-16,-26 0 0,-1 0 16,27 26-16,-52 0 15,26 0-15,0-26 0,-26 52 16,0-26-16,0 0 0,0 0 15,0 25-15,0-25 16,-26 0-16,26 0 0,-26 0 16,0 0-16,-25 0 15,25 0-15,0 0 0,0 0 16,0 0-16,0-26 0,0 25 16,0-25-16</inkml:trace>
+  <inkml:trace contextRef="#ctx0" brushRef="#br0" timeOffset="2011">760 1633 0,'0'-26'0,"26"26"63,0 0-47,-26 26-16,26 0 15,-26 0-15,26 0 16,-26 0-1,0 0-15,25-26 16,-25 26-16,26 0 16,-26 0-16,26-1 15,-26 1-15,26-26 0,-26 26 16,26-26-16,-26 26 16,-26-26 15,26-26-31,-26 26 15,0-26-15,26 0 16,-26 1-16,26-1 0,-25 0 16,25-26-16,-26 26 0,26-26 15,0 26-15,-26-26 16,26 26-16,0 1 0,26-1 16,0 0-1,-1 26-15,1-26 0,0 26 16,0 0-16,0 0 0,0 0 15,0 0-15,0 0 16,-26 26-16,0 0 16,0 0-1,0-1-15,-26 1 16,26 0-16,-26-26 16,26 26-16,-26-26 15,26 26-15,-26-26 0,26 26 16,26-26 15,0 0-15,0 0-16,0 0 15,0 26 1,0-26-16,0 0 0,-26 26 16,26-26-16,-1 26 15,-25 0-15,0 0 16,-25 0-1,-1-26-15,0 25 16,0 1-16,0-26 16,0 26-16,0-26 15,0 0-15,26-26 16</inkml:trace>
+  <inkml:trace contextRef="#ctx0" brushRef="#br0" timeOffset="2760">1252 1504 0,'0'-26'16,"-26"26"-16,26-26 16,-26 26-16,26 26 46,26 0-46,-26 0 16,0-1-16,26 1 16,-26 0-16,0 0 0,26 0 15,-26 0 1,0 0-16,0 0 16,0-52 30,0 0-46,0 0 16,-26 0-16,26 0 16,0 0-16,-26 0 0,26 1 15,0-27-15,0 26 16,0 0-16,0 0 0,0 0 16,0 0-16,26 26 15,0 0 1,0 26-1,0-26-15,0 26 16,0 0-16,0 0 16,-26 0-16,26 0 0,0 0 15,-26-1-15,26 1 16,-26 0-16,26 0 16,-26 0-16,0 0 15,0-52 1,0 0-1,0 0 1,0 0-16,0 0 0,0-25 16,0 25-16,-26-26 15,26 26-15,0 0 0,0 0 16,0 0-16,0 0 0,26 0 16,-1 0-1,1 26-15,-26 26 16,26-26-16,0 26 15,-26 0-15,26 0 0,-26 0 16,26 0-16,-26 0 0,26 0 16,-26 0-16,26 0 15,-26 0-15,0-1 16</inkml:trace>
+  <inkml:trace contextRef="#ctx0" brushRef="#br0" timeOffset="3276">1952 1115 0,'0'-26'16,"0"0"-16,0 0 16,-26 0-16,26 0 15,-26 26 1,0 0 15,26 26-15,-26-26-16,26 26 0,0 0 15,0 0-15,-25 0 0,25 0 16,0 0 0,0 0-16,25-1 0,-25 1 15,26-26 1,0 26-16,0-26 0,0 0 16,0 26-16,0-26 15,0 26 1,0-26-16,-26 26 15,26-26-15,-26 26 16,0 0-16,0 0 16,-26-26-16,26 26 0,-26 0 15,0-26-15,-26 26 16,26 0-16,0-26 0,-26 25 16,27-25-16</inkml:trace>
+</inkml:ink>
+</file>
+
+<file path=ppt/ink/ink40.xml><?xml version="1.0" encoding="utf-8"?>
+<inkml:ink xmlns:inkml="http://www.w3.org/2003/InkML">
+  <inkml:definitions>
+    <inkml:context xml:id="ctx0">
+      <inkml:inkSource xml:id="inkSrc0">
+        <inkml:traceFormat>
+          <inkml:channel name="X" type="integer" max="1920" units="cm"/>
+          <inkml:channel name="Y" type="integer" max="1080" units="cm"/>
+          <inkml:channel name="T" type="integer" max="2.14748E9" units="dev"/>
+        </inkml:traceFormat>
+        <inkml:channelProperties>
+          <inkml:channelProperty channel="X" name="resolution" value="55.81395" units="1/cm"/>
+          <inkml:channelProperty channel="Y" name="resolution" value="55.6701" units="1/cm"/>
+          <inkml:channelProperty channel="T" name="resolution" value="1" units="1/dev"/>
+        </inkml:channelProperties>
+      </inkml:inkSource>
+      <inkml:timestamp xml:id="ts0" timeString="2020-12-09T06:26:49.025"/>
+    </inkml:context>
+    <inkml:brush xml:id="br0">
+      <inkml:brushProperty name="width" value="0.05" units="cm"/>
+      <inkml:brushProperty name="height" value="0.05" units="cm"/>
+      <inkml:brushProperty name="color" value="#ED1C24"/>
+      <inkml:brushProperty name="fitToCurve" value="1"/>
+    </inkml:brush>
+  </inkml:definitions>
+  <inkml:trace contextRef="#ctx0" brushRef="#br0">12561 2022 0,'-26'0'62,"0"0"-31,0 0-15,0 0 0,0 0-1,1 0 1,-1 0 0,0 26-1,0-26-15,0 0 16,0 25-16,0-25 15,0 0-15,0 0 0,0 26 16,0-26-16,0 0 16,1 0-16,-1 26 0,0-26 15,0 0-15,0 0 16,0 26-16,0-26 16,0 0-16,0 26 0,-26-26 15,26 0-15,0 0 16,-25 0-16,-1 26 0,0-26 15,0 0-15,0 0 16,0 0-16,1 0 0,-1 26 16,26-26-16,-26 0 0,0 0 15,0 0-15,26 26 16,-25-26-16,-1 0 0,-26 0 16,26 0-16,-26 0 15,1 0-15,-1-26 0,0 26 16,0 0-16,27 0 0,-27 0 15,26 0-15,0 0 16,0 0-16,0 0 0,1 26 16,25-26-16,-26 0 15,0 0-15,0 26 0,-26-26 16,27 0-16,-27 0 0,0 0 16,0 0-16,1 0 15,-1 0-15,0 0 0,26 26 16,-26-26-16,27 0 15,-1 0-15,0 0 0,0 0 16,0 0-16,0 0 0,1 0 16,-1 0-16,-26 0 15,26 0-15,-26 0 0,27 0 16,-27 0-16,0 0 16,0 0-16,1 0 0,-1 0 15,26 0-15,-26 0 0,26 0 16,1 0-16,-1 0 15,26 0-15,-26 0 0,0 0 16,26 0-16,-26-26 0,1 26 16,-1 0-16,0 0 15,-26 0-15,26-26 0,-25 26 16,25 0-16,-26 0 16,0 0-16,0 0 0,27 0 15,-27 0-15,26 0 16,0 0-16,0 0 0,0 0 15,1 0-15,-27 0 0,26 0 16,0 0-16,0 0 16,-25 0-16,25 0 0,0 26 15,-26-26-15,26 0 0,-25 0 16,25 0-16,0 0 16,0 0-16,0 0 0,0 0 15,1 0-15,-1-26 16,0 26-16,0 0 0,0 0 15,0-26-15,1 26 0,-1 0 16,0-26-16,0 26 16,26 0-16,-26-26 0,0 26 15,1 0-15,-1-26 16,26 26-16,-26-26 0,0 26 16,26 0-16,-26-26 0,1 26 15,25-26-15,-26 26 16,26-25-16,-26 25 0,26-26 15,-26 26-15,26-26 16,-25 0-16,25 0 0,0 0 16,-26 26-16,26-26 0,0 0 15,-26 0-15,26 0 16,0 0-16,-25 26 0,25-26 16,0 0-16,-26 26 15,26-25-15,0-1 0,-26 26 16,26-26-16,0 26 0,0-26 15,1 26-15,-1-26 16,0 0-16,0 0 16,0 0-16,0 0 15,0 26-15,0-26 0,-26 0 16,26 0-16,0 1 0,1-1 16,-1 0-16,0 0 15,0 0-15,0 0 0,0 0 16,0 0-16,0 26 15,26-26-15,-26 0 0,0 0 16,0 26-16,26-26 0,-26 1 16,1-1-16,-1 0 15,0 26-15,26-26 0,-26 0 16,0 0-16,0 26 16,26-26-16,-26 0 0,0 26 15,26-26-15,-26 0 0,0 0 16,0 26-16,26-26 15,-26 1-15,0 25 0,1-26 16,-1 0-16,0 0 16,0 26-16,0-26 15,0 0-15,0 26 16,0-26-16,0 26 16,0-26-16,0 26 15,0-26-15,1 26 16,-1-26-16,0 26 15,0 0-15,0-26 0,0 26 16,0 0-16,0-26 16,0 26-16,0 0 0,26-26 15,-26 26-15,0 0 0,1 0 16,-1-25-16,0 25 16,0 0-16,0-26 15,0 26-15,0 0 16,-26-26-16,26 26 0,0 0 15,0-26-15,-25 26 0,25 0 16,-26 0-16,26-26 16,0 26-16,0 0 0,0 0 15,0-26-15,0 26 16,0 0-16,0 0 0,1 0 16,-1 0-16,0 0 0,0 0 15,26-26-15,-26 26 16,0 0-16,0 0 0,0 0 15,0 0-15,0 0 16,0 0-16,0 0 16,1 0-16,-1 0 15,0 0-15,0 0 16,0 0-16,0 0 0,0 0 16,0 0-1,0 0-15,0 0 0,0 0 16,0 0-16,1 0 15,-1 0-15,0 0 16,0 0-16,0 0 0,0 0 16,0-26-16,0 26 15,0 0-15,0 0 0,0 0 16,0 0-16,1 0 0,-1 0 16,0 0-16,0 0 15,0 0-15,0 0 16,0 0-16,0 0 15,0 0-15,0 26 16,0-26-16,0 0 16,0 0-16,1 0 15,-1 0-15,0 26 16,0-26 0,0 0 30,0 0-14,26-26-17</inkml:trace>
+  <inkml:trace contextRef="#ctx0" brushRef="#br0" timeOffset="779">431 0 0,'0'26'62,"-26"-26"-46,26 26-16,-26 0 15,0 0-15,1 0 16,-27-1-16,26 1 0,-26 0 16,26 0-16,0 0 0,0 0 15,0 0-15,0 0 16,0 0-16,1-26 16,25 26-1,-26-26-15,52 0 63,-1 26-32,-25 0 0,26-26-31,-26 25 0,26-25 16,0 26-16,0-26 15,-26 26-15,52 0 0,-26 0 16,0-26-16,0 26 0,26 0 16,-27-26-16,1 0 15,0 26-15,0-26 0,0 0 16,-26 26-16,26-26 16,0 0-16,-26 26 46,0 0 1,0 0-31</inkml:trace>
+  <inkml:trace contextRef="#ctx0" brushRef="#br0" timeOffset="16654">820 1659 0,'-26'-26'0,"0"26"16,0 0-16,0 0 0,0 0 15,1 0-15,-1 26 16,0 0-16,0 0 0,0-1 15,26 1-15,-26 0 16,26 0-16,-26 0 0,26 26 16,0-26-16,0 26 0,0-26 15,26 26-15,-26-27 16,26 27-16,-26-26 0,0 26 16,26-26-16,0 0 15,0 0-15,0-26 16,-1 0-16,27 0 0,-26 0 15,0-26-15,0 0 16,26 0-16,-26 0 0,0-26 16,-26 26-16,26-25 15,-26 25-15,0-26 0,0 26 16,0-26-16,0 26 0,-26 0 16,0 0-16,26 0 15,-26 26-15,0 0 0,0-26 16,0 26-16,0 0 15,0 0-15,0 0 0,0 0 16,1 0-16,-1 0 0,0 0 16,0 0-1,0 0 1</inkml:trace>
+  <inkml:trace contextRef="#ctx0" brushRef="#br0" timeOffset="17146">1079 1685 0,'0'-26'16,"0"52"31,0 0-31,0-1-16,0 1 15,0 0-15,0 0 16,0 0-16,0 26 0,0-26 15,0 0-15,0 26 0,0-26 16,0 0-16,26-1 16,-26 1-16,0 0 15,26-26 1,-26 26-16,26-26 16,0 0-1,0 0 1,0 0-16,0 0 0,0-26 15,-1 26-15,1 0 16,0-26-16,0 26 0,0 0 16,0-26-16,-26 1 31</inkml:trace>
+  <inkml:trace contextRef="#ctx0" brushRef="#br0" timeOffset="17751">1572 1685 0,'0'-26'15,"-26"26"-15,26 26 47,0 0-31,0-1-16,26-25 0,-26 26 16,0 26-16,0-26 15,0 0-15,0 0 0,0 0 16,0 0-16,0 0 15,0 0-15,0 0 16,0 0-16,0-52 31,0 0-15,0 0 0,0 0-16,0-26 0,0 26 15,0-26-15,26 26 16,-26-26-16,0 1 0,0 25 15,25 0-15,-25 0 0,26 0 16,-26 0-16,26 26 16,0 26-1,-26 0-15,26-26 16,-26 26-16,26 0 16,0 0-16,-26 0 0,26-1 15,0 1-15,-26 0 16,26 0-16,0-26 0,-26 26 15,26 0-15,-26 0 16,26 0-16,-26 0 16,25-26-16,-25 26 0</inkml:trace>
+  <inkml:trace contextRef="#ctx0" brushRef="#br0" timeOffset="17974">1598 1944 0,'-26'0'16,"26"-26"15,26 26-31,-26-26 16,25 26-16,1-26 15,0 0-15,0 26 16,0 0-16,0-26 0,0 26 15,0-26-15,0 26 16,0-26-16</inkml:trace>
+  <inkml:trace contextRef="#ctx0" brushRef="#br0" timeOffset="18528">2064 1633 0,'0'-26'0,"0"52"47,0 0-31,26 0-1,-26 0-15,26-1 16,-26 1-16,26 0 15,0 0-15,0 0 16,-26 0-16,26 0 0,-26 0 16,26-26-1,-26 26-15,0-52 32,0 0-32,-26 26 15,26-26-15,-26 0 0,26 0 16,0-26-16,-26 26 15,26-25-15,0 25 0,-26-26 16,26 26-16,0-26 16,0 26-16,0 0 0,26 0 15,-26 0-15,26 26 0,0 0 16,0-25-16,-1 25 16,1 0-16,0 25 0,0-25 15,0 26-15,0-26 16,0 26-16,0-26 0,0 26 15,-26 0-15,0 0 0,0 0 16,-26-26-16,0 26 16,0 0-16,-26-26 0,26 26 15,-26-26-15,1 0 16,-1 0-16,26 0 0,0 0 16</inkml:trace>
+</inkml:ink>
+</file>
+
+<file path=ppt/ink/ink41.xml><?xml version="1.0" encoding="utf-8"?>
+<inkml:ink xmlns:inkml="http://www.w3.org/2003/InkML">
+  <inkml:definitions>
+    <inkml:context xml:id="ctx0">
+      <inkml:inkSource xml:id="inkSrc0">
+        <inkml:traceFormat>
+          <inkml:channel name="X" type="integer" max="1920" units="cm"/>
+          <inkml:channel name="Y" type="integer" max="1080" units="cm"/>
+          <inkml:channel name="T" type="integer" max="2.14748E9" units="dev"/>
+        </inkml:traceFormat>
+        <inkml:channelProperties>
+          <inkml:channelProperty channel="X" name="resolution" value="55.81395" units="1/cm"/>
+          <inkml:channelProperty channel="Y" name="resolution" value="55.6701" units="1/cm"/>
+          <inkml:channelProperty channel="T" name="resolution" value="1" units="1/dev"/>
+        </inkml:channelProperties>
+      </inkml:inkSource>
+      <inkml:timestamp xml:id="ts0" timeString="2020-12-09T06:27:27.185"/>
+    </inkml:context>
+    <inkml:brush xml:id="br0">
+      <inkml:brushProperty name="width" value="0.05" units="cm"/>
+      <inkml:brushProperty name="height" value="0.05" units="cm"/>
+      <inkml:brushProperty name="color" value="#ED1C24"/>
+      <inkml:brushProperty name="fitToCurve" value="1"/>
+    </inkml:brush>
+  </inkml:definitions>
+  <inkml:trace contextRef="#ctx0" brushRef="#br0">29 181 0,'-26'0'32,"26"-26"-1,26 26 31,0 0-62,26 0 16,-26 0-16,25 0 16,1 0-16,0-25 15,26 25-15,-26 0 0,25-26 16,1 26-16,-26 0 0,26-26 15,-1 26-15,-25-26 16,26 26-16,-26-26 0,0 26 16,-26 0-16,0-26 15,-1 26-15,1 0 0</inkml:trace>
+</inkml:ink>
+</file>
+
+<file path=ppt/ink/ink42.xml><?xml version="1.0" encoding="utf-8"?>
+<inkml:ink xmlns:inkml="http://www.w3.org/2003/InkML">
+  <inkml:definitions>
+    <inkml:context xml:id="ctx0">
+      <inkml:inkSource xml:id="inkSrc0">
+        <inkml:traceFormat>
+          <inkml:channel name="X" type="integer" max="1920" units="cm"/>
+          <inkml:channel name="Y" type="integer" max="1080" units="cm"/>
+          <inkml:channel name="T" type="integer" max="2.14748E9" units="dev"/>
+        </inkml:traceFormat>
+        <inkml:channelProperties>
+          <inkml:channelProperty channel="X" name="resolution" value="55.81395" units="1/cm"/>
+          <inkml:channelProperty channel="Y" name="resolution" value="55.6701" units="1/cm"/>
+          <inkml:channelProperty channel="T" name="resolution" value="1" units="1/dev"/>
+        </inkml:channelProperties>
+      </inkml:inkSource>
+      <inkml:timestamp xml:id="ts0" timeString="2020-12-09T06:27:50.865"/>
+    </inkml:context>
+    <inkml:brush xml:id="br0">
+      <inkml:brushProperty name="width" value="0.05" units="cm"/>
+      <inkml:brushProperty name="height" value="0.05" units="cm"/>
+      <inkml:brushProperty name="color" value="#ED1C24"/>
+      <inkml:brushProperty name="fitToCurve" value="1"/>
+    </inkml:brush>
+  </inkml:definitions>
+  <inkml:trace contextRef="#ctx0" brushRef="#br0">78 311 0,'0'26'47,"0"0"-31,26 0 0,-26 0-16,0 26 0,26 0 15,-26-26-15,26 25 0,-26 27 16,26-26-16,0 26 15,0-26-15,0 25 0,-1 1 16,1 0-16,0 0 16,0-1-16,0 27 0,-26-26 15,26 0-15,0-1 0,-26 1 16,0 0-16,26-26 16,-26 25-16,26-25 0,-26 0 15,0 0-15,26-26 0,-26 26 16,26-52-16,-26 26 15,0 0-15</inkml:trace>
+  <inkml:trace contextRef="#ctx0" brushRef="#br0" timeOffset="397">52 1970 0,'-26'26'0,"0"-26"32,26 26-32,26-26 0,0 0 15,0 0-15,0-26 16,0 26-16,26-26 0,26 26 15,-27-26-15,53 0 16,0 0-16,-1 0 0,27 1 16,26-1-16,-1-26 0,1 26 15,-1-26-15,1 26 16,-1-26-16,-25 26 0,25 0 16,-51 1-16,0-1 15,-1 0-15,-51 0 0,0 26 16,0 0-16,-78 26 31,0-26-31,-26 26 16,26 0-16</inkml:trace>
+  <inkml:trace contextRef="#ctx0" brushRef="#br0" timeOffset="2322">648 1530 0,'0'-26'16,"26"26"15,-26 26 0,26-26-31,0 0 16,-26 25 15,26-25-15,-26-25 46,26-1-31,-26 0 1,26 0-17,-26 0 1,0 0-1,0 0 1,0 0-16,26 0 16,-26 0-16,26 0 15,0 0 1,0 26 0,-1-25 15,1 25-16,0 0 1,0-26 0,0 26-1,0 0 1,-26-26 15,26 26-31,-26-26 16,26 26-1,-26-26 1,26 26-16,-26-26 16,26 26-16,-26-26 0,26 0 15,-26 0 1,26 26 0,-26-26-16,0 0 15,25 26 1,-25-26-16,26 26 15,-26-26-15,26 26 16,-26-25 0,26 25-1,-26-26-15,26 26 16,-26-26 0,26 26-1,-26-26-15,0 0 31,0 0-31,0 0 16,0 0 15,0 0 1,26 26-17,0 0 16,0-26-15,0 26-16,0 0 16,0-26-1,-1 26 17,-25-26-32,0 1 15,0-1 1,0 0-1,0 0-15,0 0 16,26 26-16,-26-26 16,0 0-16,0 0 15,26 0-15,-26 0 16,26 0-16,0 0 16,-26 1 15,0-1-16,0 0 32,26 26-31,0 0 0</inkml:trace>
+  <inkml:trace contextRef="#ctx0" brushRef="#br0" timeOffset="4767">3033 0 0,'26'26'16,"0"0"-16,-26 0 0,26 26 15,-1 0-15,27 0 16,-26-1-16,0 27 0,26 0 15,-26 26-15,26-27 16,-26 27-16,26 0 0,-27-27 16,1 27-16,26-26 15,-26 0-15,-26-1 0,26 1 16,0-26-16,-26 26 0,26-26 16,-26-26-16,0 25 15,0-25-15,0 0 0,0 0 16,0 0-16,0-52 31,0 0-15,0 0-1,0 0 1,26 26-16,-26-26 16,26 26-1,-26-25-15,26 25 16,0 0-16,25 0 15,1-26-15,0 26 0,52-26 16,-1 0-16,1 0 0,52 0 16,-1 0-16,27 0 15,-1-26-15,0 26 0,1 0 16,-1-25-16,-25 25 16,-1 0-16,1 0 0,-53 0 15,1 26-15,-26-26 0,0 0 16,-27 26-16,1-26 15,-26 26-15,0 0 0,-26-26 16</inkml:trace>
+  <inkml:trace contextRef="#ctx0" brushRef="#br0" timeOffset="5284">4018 1089 0,'0'-26'16,"26"26"15,-26 26-15,26-26-16,-26 26 15,25 0-15,-25 0 0,0 0 16,26 25-16,-26-25 0,26 0 15,-26 26-15,0-26 16,26 0-16,-26 0 0,0 0 16</inkml:trace>
+  <inkml:trace contextRef="#ctx0" brushRef="#br0" timeOffset="5625">4070 1011 0,'0'-26'0,"-26"0"15,26 0-15,26 0 16,-1 26 0,1 0-16,0-25 0,26 25 15,-26 0 1,0-26-16,0 26 0,0 0 15,0 0-15,0 0 0,0 0 16,-1 26 0,-25-1-16,0 1 15,0 0-15,26 26 16,-26-26-16,0 0 16,26 26-16,-26-26 0,0 0 15,26 0-15,-26 0 16,26-1-16,-26 1 0,26 0 15,0 0-15</inkml:trace>
+  <inkml:trace contextRef="#ctx0" brushRef="#br0" timeOffset="5950">4562 648 0,'0'-26'0,"0"0"0,0 52 32,0 0-17,0 0-15,0 0 0,0 0 16,26 26-16,-26-26 0,26 26 15,-26-1-15,26 1 16,-26-26-16,26 26 0,0-26 16,-26 26-16,26-26 15,-26 0-15,25 0 0,-25 0 16,0-1-16,0 1 16</inkml:trace>
+  <inkml:trace contextRef="#ctx0" brushRef="#br0" timeOffset="6388">4510 648 0,'0'-52'0,"-26"27"16,26-27-16,0 26 0,0 0 15,0 0-15,26 26 0,-26-26 16,26 26-16,-26-26 15,26 26-15,0 0 0,0-26 16,0 26-16,26 0 0,-26-26 16,25 26-16,1 0 15,-26 0-15,26 0 0,-26 0 16,0 0-16,0 0 16,0 26-16,-26 0 15,0 0-15,26 0 16,-26 0-16,0 0 0,0 26 15,0-26-15,25 25 0,-25 1 16,26-26-16,-26 26 16,26-26-16,0 26 0,0-26 15,-26 25-15,26-25 0,0 26 16,-26-26-16,26 0 16,-26 26-16,26-26 0,-26 0 15,0 0-15,26 0 16,-26 25-16,26-25 15,-26 0-15,0 0 16,26 0-16</inkml:trace>
+  <inkml:trace contextRef="#ctx0" brushRef="#br0" timeOffset="6712">5521 622 0,'0'26'31,"0"0"-31,0 0 15,0 0-15,26 0 16,-26 0-16,26 0 0,-26 26 16,26-26-16,-26 25 15,26-25-15,-26 0 0,0 26 16,26-26-16,-26 0 0,0 0 16,0 0-1</inkml:trace>
+  <inkml:trace contextRef="#ctx0" brushRef="#br0" timeOffset="7096">5469 622 0,'-26'-26'0,"26"1"15,26-1 16,0 26-31,0 0 16,0-26-16,26 26 16,-26-26-16,0 26 0,25 0 15,-25-26-15,0 26 0,0 0 16,0 0-16,0 0 16,0 0-16,-26 26 0,0 0 15,0 0-15,26 0 0,-26-1 16,0 1-16,0 0 15,0 26-15,0-26 0,0 26 16,0-26-16,0 26 16,0-26-16,26-1 0,-26 27 15,26-26-15,-26 0 0,0 0 16,26 0-16,-26 0 16,0 0-16,26-26 0,-26 26 15</inkml:trace>
+  <inkml:trace contextRef="#ctx0" brushRef="#br0" timeOffset="7439">6091 441 0,'0'-26'31,"0"52"-15,0 0-1,0 0-15,26 0 16,-26 26-16,26-27 0,-26 27 16,26 0-16,-26-26 15,26 26-15,-26 0 0,26 0 16,-26-27-16,26 27 0,-26-26 15,0 0-15,0 0 16,0 0-16,-26-52 47,26 0-47,0 0 16</inkml:trace>
+  <inkml:trace contextRef="#ctx0" brushRef="#br0" timeOffset="7954">6143 519 0,'-26'-78'16,"26"26"-16,-26 0 0,26 26 16,0-25-16,0 25 15,-26 26-15,26-26 0,0 0 16,26 26 0,0 0-1,-26-26-15,26 26 0,0 0 16,0 0-16,0 0 15,26-26-15,-26 26 0,-1 0 16,27-26-16,-26 26 0,0 0 16,0 0-16,0 0 15,0 0-15,0 0 16,-26 26 0,0 0-16,0 0 15,0 0-15,0 0 16,0 0-1,0-1-15,0 27 0,26-26 16,-26 0-16,0 0 16,26 26-16,-26-26 0,26 26 15,-26-26-15,25 25 0,-25-25 16,0 0-16,26 0 16,-26 26-16,26-26 0,-26 0 15,0 0-15,26 0 16,-26 0-16,26-1 15,-26 1-15,0 0 16,-26 0 0,0 0-16,0-26 15,26 26-15,-26-26 16,1 26-16,-1-26 0,0 0 16,0 26-16,0-26 0,0 0 15</inkml:trace>
+</inkml:ink>
+</file>
+
+<file path=ppt/ink/ink43.xml><?xml version="1.0" encoding="utf-8"?>
+<inkml:ink xmlns:inkml="http://www.w3.org/2003/InkML">
+  <inkml:definitions>
+    <inkml:context xml:id="ctx0">
+      <inkml:inkSource xml:id="inkSrc0">
+        <inkml:traceFormat>
+          <inkml:channel name="X" type="integer" max="1920" units="cm"/>
+          <inkml:channel name="Y" type="integer" max="1080" units="cm"/>
+          <inkml:channel name="T" type="integer" max="2.14748E9" units="dev"/>
+        </inkml:traceFormat>
+        <inkml:channelProperties>
+          <inkml:channelProperty channel="X" name="resolution" value="55.81395" units="1/cm"/>
+          <inkml:channelProperty channel="Y" name="resolution" value="55.6701" units="1/cm"/>
+          <inkml:channelProperty channel="T" name="resolution" value="1" units="1/dev"/>
+        </inkml:channelProperties>
+      </inkml:inkSource>
+      <inkml:timestamp xml:id="ts0" timeString="2020-12-09T06:28:00.229"/>
+    </inkml:context>
+    <inkml:brush xml:id="br0">
+      <inkml:brushProperty name="width" value="0.05" units="cm"/>
+      <inkml:brushProperty name="height" value="0.05" units="cm"/>
+      <inkml:brushProperty name="color" value="#ED1C24"/>
+      <inkml:brushProperty name="fitToCurve" value="1"/>
+    </inkml:brush>
+  </inkml:definitions>
+  <inkml:trace contextRef="#ctx0" brushRef="#br0">182 448 0,'0'26'16,"25"25"-16,-25-25 0,26 26 15,0 0-15,0 26 0,26 0 16,-26-1-16,0 1 15,26 26-15,-26-1 0,0 1 16,-1-26-16,1 26 16,0-1-16,-26-25 0,26 0 15,-26-1-15,26-25 0,-26 0 16,0 0-16,26 0 16,-26-26-16,26 0 0,-26 0 15,0-1-15,0 1 16,26-26-1</inkml:trace>
+  <inkml:trace contextRef="#ctx0" brushRef="#br0" timeOffset="414">0 2288 0,'-26'0'0,"52"0"31,0-26-31,26 26 16,-26-26-16,26 26 0,25-26 15,1 0-15,0 0 16,26 0-16,25 0 0,1 1 16,51-1-16,1-26 15,-1 26-15,26-26 0,1 26 16,-1-26-16,26 0 0,-51 27 16,-1-27-16,1 26 15,-27 0-15,-25-26 0,-27 52 16,-25-26-16,0 0 15,-26 26-15,0-26 0,-26 26 16,-52 0 0,0 0-16,-26 26 15</inkml:trace>
+  <inkml:trace contextRef="#ctx0" brushRef="#br0" timeOffset="2376">389 1096 0,'26'-26'15,"0"26"1,-26-26 0,26 26-1,-26 26 17,26-26-17,-26 26-15,25-26 31,1 0 1,-26 26-17,26-26 1,0 0-16,0 0 16,0 0-1,0 0-15,0 0 16,0 0-1,0 0-15,0-26 16,0 0-16,0 26 16,-1-26-1,1 0-15,0 26 16,-26-26-16,26 26 0,-26-26 16,26 26-16,-26-26 15,26 26-15,0-26 16,0 26-1,0 0-15,0 0 16,0 0 0,0 0-16,-1 0 0,1 0 15,0-26-15,0 26 0,0 0 16,0 0-16,0 0 16,0 0-16,0 0 0,0 0 15,-26-26 1,26 26-16,0-26 15,-1 1 1,1-1 0,0 0-16,0 0 15,-26 0-15,26 26 16,0-26 0,0 26-16,-26-26 0,26 26 15,0 0-15,-26-26 16,26 26-16,0 0 0,-26-26 15,26 26-15,-1-26 0,1 0 16,0 26 0,-26-26-16,26 26 15,0 0 1,0 0-16,0 0 16,0 0-16,0 0 15,0 0 1,0 0-16,-26-25 0,26 25 15,0 0-15,-1-26 16,1 0 0,-26 0-1,26 26-15,-26-26 16,0 0-16,0 0 16,0 0-1,0 0-15,26 0 16,-26 0-16,0 0 15,26 26 1,-26-25 0,26 25-1,0-26-15,0 26 16,-26-26-16,26 26 0,0 0 16,0-26-1,0 26-15,-1 0 16,1 0-16,0 0 15,-26-26-15,26 26 0,0 0 16,0 0-16,0 0 16,0 0-1,0 0 32,0 0-31,-26-26-16,26 26 15,0 0 1,-1 0 0,1 0-1,0 0-15,0 0 16,0 0 0,0 0-1,0 0-15,0 0 16,0 0-1,0 0-15,-26-26 16,26 26-16,0 0 16,-1 0-1,1 0 1,-26-26-16,26 26 0,0 0 16,0 0 15,0 26-31,-26 0 15,26-26-15,-26 26 16,26-26-16,-26 26 16,26-26-16,0 26 15,0-26 1,0 0 0,0 0-1,-26-26 1,25 26-16</inkml:trace>
+</inkml:ink>
+</file>
+
+<file path=ppt/ink/ink44.xml><?xml version="1.0" encoding="utf-8"?>
+<inkml:ink xmlns:inkml="http://www.w3.org/2003/InkML">
+  <inkml:definitions>
+    <inkml:context xml:id="ctx0">
+      <inkml:inkSource xml:id="inkSrc0">
+        <inkml:traceFormat>
+          <inkml:channel name="X" type="integer" max="1920" units="cm"/>
+          <inkml:channel name="Y" type="integer" max="1080" units="cm"/>
+          <inkml:channel name="T" type="integer" max="2.14748E9" units="dev"/>
+        </inkml:traceFormat>
+        <inkml:channelProperties>
+          <inkml:channelProperty channel="X" name="resolution" value="55.81395" units="1/cm"/>
+          <inkml:channelProperty channel="Y" name="resolution" value="55.6701" units="1/cm"/>
+          <inkml:channelProperty channel="T" name="resolution" value="1" units="1/dev"/>
+        </inkml:channelProperties>
+      </inkml:inkSource>
+      <inkml:timestamp xml:id="ts0" timeString="2020-12-09T06:28:04.962"/>
+    </inkml:context>
+    <inkml:brush xml:id="br0">
+      <inkml:brushProperty name="width" value="0.05" units="cm"/>
+      <inkml:brushProperty name="height" value="0.05" units="cm"/>
+      <inkml:brushProperty name="color" value="#ED1C24"/>
+      <inkml:brushProperty name="fitToCurve" value="1"/>
+    </inkml:brush>
+  </inkml:definitions>
+  <inkml:trace contextRef="#ctx0" brushRef="#br0">941 622 0,'-26'0'15,"0"0"-15,0 0 16,26 26 0,-26-26-16,26 26 0,-26-26 15,26 26-15,-26 0 0,0 0 16,26 0-16,-26 0 16,26 25-16,-25-25 0,25 26 15,0-26-15,0 26 0,0 0 16,0-26-16,25 26 15,1-1-15,0-25 0,0 0 16,0 26-16,0-26 16,0 0-16,0-26 0,26 26 15,-26-26-15,0 26 16,25-26-16,-25 0 0,26 0 16,-26-26-16,26 26 0,-26-26 15,0 0-15,0 0 16,25 0-16,-25 0 0,0 0 15,-26 0-15,26-25 0,-26 25 16,0 0-16,0-26 16,0 26-16,0-26 0,-26 26 15,26-26-15,0 26 16,-26-25-16,26 25 0,-26 0 16,1 0-16,25 0 0,-26 0 15,0 26-15,0-26 16,-26 26-16,26 0 0,0 0 15,0-26-15,0 26 16,0 0-16,0 0 0,1 0 16,-1 0-16,0 0 15,0 0-15,26 26 16,-26-26-16,26 26 16,-26-26-1,26 26 1</inkml:trace>
+  <inkml:trace contextRef="#ctx0" brushRef="#br0" timeOffset="1320">1252 156 0,'-26'0'0,"0"0"0,0 0 15,26-26-15,-26 26 16,0 0-16,0 0 16,0 0-16,0 0 15,1 0-15,-1 0 0,0 0 16,0 26-16,0-26 15,0 26-15,0-26 0,-26 0 16,26 25-16,0-25 16,-25 26-16,25-26 0,0 26 15,-26 0-15,26 0 0,0 0 16,0 26 0,26-26-16,-26 0 0,0 26 15,26-27-15,-26 27 16,26-26-16,-26 26 0,26 0 15,0 0-15,-25-26 0,25 25 16,0 1-16,0-26 16,0 26-16,0-26 0,0 0 15,25 0-15,-25 26 16,0-26-16,26 0 0,-26-1 16,0 1-16,0 0 0,0 26 15,26-26-15,-26 0 16,0 0-16,26 0 0,-26 0 15,26 0-15,-26 0 16,26-1-16,0-25 0,0 26 16,0 0-16,0 0 0,0 0 15,0 0-15,-1-26 16,1 26-16,0 0 0,26-26 16,-26 26-16,0-26 15,0 26-15,0-26 0,26 26 16,-26-26-16,-1 0 0,27 0 15,-26 0-15,0 0 16,26 0-16,-26 0 0,26 0 16,-26 0-16,25-26 15,-25 26-15,26-26 0,0 26 16,-26-26-16,26 26 0,-26-26 16,26 0-16,-26 0 15,25 26-15,-25-26 0,0 0 16,0 0-16,0 0 15,0 26-15,0-25 0,0-1 16,0 0-16,0 0 0,-26-26 16,26 26-16,-26 0 15,25-26-15,-25 26 0,0-25 16,26 25-16,-26 0 0,0-26 16,0 26-16,0 0 15,0-26-15,0 26 0,0 0 16,0 0-16,-26 0 15,26-25-15,-25 25 0,-1 0 16,26-26-16,-26 26 0,0 0 16,0-26-16,26 26 15,-26 0-15,0-25 0,0 25 16,0 0-16,0 0 16,0 26-16,0-26 0,1 0 15,-1 0-15,0 26 16,-26-26-16,26 26 0,0-26 15,-26 0-15,26 26 0,0 0 16,0-26-16,-25 26 16,25 0-16,0-25 0,0 25 15,0 0-15,0 0 0,0 0 16,-26 0-16,26 0 16,0 0-16,0 0 0,1 0 15,-1 0-15,0 0 16,0 0-16,0 25 0,0-25 15,0 0-15,0 0 32</inkml:trace>
+  <inkml:trace contextRef="#ctx0" brushRef="#br0" timeOffset="1789">1278 1374 0,'26'0'0,"0"26"16,-1-26-16,1 26 15,0-26-15,0 26 0,0-26 16,0 25-16,26-25 16,-26 0-16,0 26 0,0-26 15,0 0-15,0 26 0,-1-26 16,1 0-16,0 0 15,-26-26 17</inkml:trace>
+  <inkml:trace contextRef="#ctx0" brushRef="#br0" timeOffset="2160">1433 1063 0,'26'0'62,"0"0"-46,0 0 0,0 0-16,26 0 0,0 0 15,-26 0-15,25 0 16,1-26-16,-26 26 0,26 0 16,-26-26-16,0 26 0,0 0 15,0 0-15,0-26 16,-52 26 15</inkml:trace>
+  <inkml:trace contextRef="#ctx0" brushRef="#br0" timeOffset="2659">1148 130 0,'-26'0'0,"26"-26"16,-26 26-1,0 26 1,0 0-16,26 0 16,-25-1-1,25 1-15,0 0 0,-26 0 16,26 26-16,0 0 16,0 0-16,26 0 0,-26-1 15,25 1-15,-25-26 0,26 26 16,-26 0-16,0-26 15,26 0-15,-26 0 0</inkml:trace>
+  <inkml:trace contextRef="#ctx0" brushRef="#br0" timeOffset="3223">889 1192 0,'-26'26'15,"0"0"1,0 0-16,0-26 16,26 26-16,-26 0 15,0 0-15,1 0 0,-1-26 16,26 26-16,-26 0 16,0 0-16,26-1 0</inkml:trace>
+  <inkml:trace contextRef="#ctx0" brushRef="#br0" timeOffset="4177">60 52 0,'0'-26'16,"-26"26"-16,26-26 0,-26 26 15,0 0 1,26 26 0,0 0-16,26 0 0,-26 26 15,26 25-15,-26 1 16,0 0-16,26 26 0,-26-1 16,25 1-16,-25 0 0,0-27 15,26 27-15,-26-26 16,26 26-16,-26-27 0,26-25 15,0 26-15,0 0 16,0-27-16,0 1 0,0 26 16,-26-26-16,26 0 0,-26 0 15,26-27-15,-26 27 16,26-26-16,-26 26 0,0-26 16,0 0-16,0 0 15,0 0-15,0 0 0,0 0 16,0-1-16,0 1 15,-26 0-15,26 0 16,0 0-16,26-26 47,0 0-47,-1 0 16,1 0-16,0 0 15,0 0-15,26-26 0,0 26 16,0-26-16,0 26 15,25-26-15,1 26 0,0-26 16,0 26-16,-1-25 0,1-1 16,26 26-16,-27 0 15,27-26-15,-26 26 0,26-26 16,-27 26-16,1 0 16,0-26-16,-26 26 0,0 0 15,-1 0-15,1-26 16,-26 26-16,0 0 0,0 0 15,-52 0 17,0 0-32</inkml:trace>
+</inkml:ink>
+</file>
+
+<file path=ppt/ink/ink45.xml><?xml version="1.0" encoding="utf-8"?>
+<inkml:ink xmlns:inkml="http://www.w3.org/2003/InkML">
+  <inkml:definitions>
+    <inkml:context xml:id="ctx0">
+      <inkml:inkSource xml:id="inkSrc0">
+        <inkml:traceFormat>
+          <inkml:channel name="X" type="integer" max="1920" units="cm"/>
+          <inkml:channel name="Y" type="integer" max="1080" units="cm"/>
+          <inkml:channel name="T" type="integer" max="2.14748E9" units="dev"/>
+        </inkml:traceFormat>
+        <inkml:channelProperties>
+          <inkml:channelProperty channel="X" name="resolution" value="55.81395" units="1/cm"/>
+          <inkml:channelProperty channel="Y" name="resolution" value="55.6701" units="1/cm"/>
+          <inkml:channelProperty channel="T" name="resolution" value="1" units="1/dev"/>
+        </inkml:channelProperties>
+      </inkml:inkSource>
+      <inkml:timestamp xml:id="ts0" timeString="2020-12-09T06:36:37.681"/>
+    </inkml:context>
+    <inkml:brush xml:id="br0">
+      <inkml:brushProperty name="width" value="0.05" units="cm"/>
+      <inkml:brushProperty name="height" value="0.05" units="cm"/>
+      <inkml:brushProperty name="fitToCurve" value="1"/>
+    </inkml:brush>
+  </inkml:definitions>
+  <inkml:trace contextRef="#ctx0" brushRef="#br0">625 132 0,'0'-26'15,"26"26"1,-26-26 15,0 1 16,-26 25-31,0 0-1,0 0-15,0 0 16,0 0 0,-25 0-16,25 25 0,0-25 15,-26 26-15,26-26 16,0 26-16,0 0 0,0-26 16,0 26-16,0 0 0,1 0 15,-1-26-15,0 26 16,0 0-16,0 0 0,0 0 15,26 0-15,-26-1 16,26 1-16,0 26 0,-26-26 16,26 26-16,0 0 0,0-26 15,0 26-15,0-26 16,0 25-16,0-25 0,26 26 16,-26-26-16,26 26 15,0-26-15,-26 0 0,26 0 16,0 0-16,0-1 0,0 1 15,-1 0-15,1 0 16,0-26-16,0 26 0,26-26 16,-26 26-16,26-26 15,0 0-15,-1 0 0,-25 0 16,26 0-16,0 0 0,0-26 16,-26 26-16,26-26 15,-26 0-15,0 26 0,25-26 16,-25 0-16,0 1 15,0-1-15,26 0 0,-26-26 16,0 26-16,0 0 0,0-26 16,0 26-16,-1 0 15,-25-25-15,26 25 0,-26 0 16,0 0-16,26-26 16,-26 26-16,0 0 0,0 0 15,0 0-15,0-26 0,-26 26 16,26 1-16,-26-1 15,26 0-15,-25 0 0,-1-26 16,0 26-16,26 0 0,-26 0 16,0 0-16,0 0 15,0 0-15,0 1 0,0 25 16,0-26-16,0 26 16,-25-26-16,25 26 0,0 0 15,-26 0-15,26 0 0,0 0 16,0 0-16,0 0 15,0 26-15,0-26 0,0 0 16,0 26-16,1-26 16,25 25-16,-26-25 0,26 26 15,-26-26-15,26 26 16,-26-26-16,26 26 0</inkml:trace>
+</inkml:ink>
+</file>
+
+<file path=ppt/ink/ink46.xml><?xml version="1.0" encoding="utf-8"?>
+<inkml:ink xmlns:inkml="http://www.w3.org/2003/InkML">
+  <inkml:definitions>
+    <inkml:context xml:id="ctx0">
+      <inkml:inkSource xml:id="inkSrc0">
+        <inkml:traceFormat>
+          <inkml:channel name="X" type="integer" max="1920" units="cm"/>
+          <inkml:channel name="Y" type="integer" max="1080" units="cm"/>
+          <inkml:channel name="T" type="integer" max="2.14748E9" units="dev"/>
+        </inkml:traceFormat>
+        <inkml:channelProperties>
+          <inkml:channelProperty channel="X" name="resolution" value="55.81395" units="1/cm"/>
+          <inkml:channelProperty channel="Y" name="resolution" value="55.6701" units="1/cm"/>
+          <inkml:channelProperty channel="T" name="resolution" value="1" units="1/dev"/>
+        </inkml:channelProperties>
+      </inkml:inkSource>
+      <inkml:timestamp xml:id="ts0" timeString="2020-12-09T06:36:38.449"/>
+    </inkml:context>
+    <inkml:brush xml:id="br0">
+      <inkml:brushProperty name="width" value="0.05" units="cm"/>
+      <inkml:brushProperty name="height" value="0.05" units="cm"/>
+      <inkml:brushProperty name="fitToCurve" value="1"/>
+    </inkml:brush>
+  </inkml:definitions>
+  <inkml:trace contextRef="#ctx0" brushRef="#br0">28 234 0,'-26'0'0,"26"-26"16,0 0 0,0 0-1,0 0 1,26 0 0,0 1-1,0-1 1,0 26-16,0 0 15,0 0-15,26 0 16,-26 0-16,-1 0 0,27 26 16,-26-26-16,26 25 15,-26 1-15,-26 0 0,26 26 16,-26-26-16,0 26 0,-26-26 16,26 26-16,-52-26 15,26 25-15,0-25 0,0 26 16,0-26-16,-25 0 15,25 0-15,0 0 0,26 0 16,-26 0-16,0-26 16,0 26-16,52-26 47,0 0-32,0 0-15,26 0 16,-26 0-16,25 0 0,1 0 15,0 0-15,0-26 0,0 26 16,0 0-16,-27 0 16,1 0-16,0 0 0,0 0 15,0 26-15,0-26 16</inkml:trace>
+  <inkml:trace contextRef="#ctx0" brushRef="#br0" timeOffset="528">1013 286 0,'0'-26'15,"0"0"1,0 0-16,0 0 16,-26 52 15,26 0-15,-26-26-16,26 26 15,-26 0-15,26 0 0,0 0 16,0 26-16,0-27 0,0 1 15,0 0-15,0 0 16,26 0-16,-26 0 0,26 0 16,0 0-16,0-26 15,0 26-15,0-26 0,0 0 16,0 0-16,0-26 0,0 0 16,-1 26-16,1-26 15,-26 0-15,26 0 0,-26 0 16,0 0-16,0 0 15,-26 1-15,26-1 0,-26 0 16,1 0-16,-1 26 0,0-26 16,0 0-16,0 26 15,26-26-15,-26 26 0,0 0 16,0 0 0,26 26-16,-26-26 15,26 26 1</inkml:trace>
+  <inkml:trace contextRef="#ctx0" brushRef="#br0" timeOffset="876">1480 156 0,'0'26'78,"0"0"-78,26 0 15,-26 0-15,25 0 16,-25 0-16,26 0 0,-26 0 16,0 0-16,26 25 0,-26-25 15,0 0-15,0 0 16,26 0-16,-26 0 16,0 0-16</inkml:trace>
+  <inkml:trace contextRef="#ctx0" brushRef="#br0" timeOffset="1524">1842 182 0,'-25'-26'15,"25"0"-15,-26 26 16,26-26-16,0 1 16,0-1-1,26 26-15,-26-26 0,25 26 16,1 0-16,0-26 0,26 26 16,-26 0-16,26 0 15,-26 0-15,0 26 0,0-26 16,0 26-16,-1-26 15,-25 26-15,26-1 0,-26 1 16,0 0-16,-26 0 0,1 26 16,-1-52-1,26 26-15,-26 0 0,0 0 16,0 0-16,0-26 16,26 26-16,-26-26 15,52 0 16,0 0-15,0 0-16,0 0 0,0 0 16,0 0-16,-1 0 15,27 0-15,-26 26 0,0-26 16,0 25-16,0-25 16,0 26-16,-26 0 15,26 0-15,-26 0 0,0 0 16,-26 0-16,0-26 15,26 26-15,-26 0 0,0 0 16,0-26-16,-26 26 16,26-26-16,1 0 0,-1 0 15,0 0-15,0 0 0,0 0 16,0 0-16,0 0 16,0 0-1,0-26 1</inkml:trace>
+  <inkml:trace contextRef="#ctx0" brushRef="#br0" timeOffset="1950">2853 338 0,'-26'0'0,"0"0"16,26 26 15,26-26-15,0 0-16,0 0 15,0 0-15,0 0 0,26 0 16,-26 0-16,26 0 0,-1 0 16,-25 0-16,26 0 15,-26 0-15,26 0 0,-26 0 16,0 0-1,-52 0 17,0 0-17</inkml:trace>
+</inkml:ink>
+</file>
+
+<file path=ppt/ink/ink47.xml><?xml version="1.0" encoding="utf-8"?>
+<inkml:ink xmlns:inkml="http://www.w3.org/2003/InkML">
+  <inkml:definitions>
+    <inkml:context xml:id="ctx0">
+      <inkml:inkSource xml:id="inkSrc0">
+        <inkml:traceFormat>
+          <inkml:channel name="X" type="integer" max="1920" units="cm"/>
+          <inkml:channel name="Y" type="integer" max="1080" units="cm"/>
+          <inkml:channel name="T" type="integer" max="2.14748E9" units="dev"/>
+        </inkml:traceFormat>
+        <inkml:channelProperties>
+          <inkml:channelProperty channel="X" name="resolution" value="55.81395" units="1/cm"/>
+          <inkml:channelProperty channel="Y" name="resolution" value="55.6701" units="1/cm"/>
+          <inkml:channelProperty channel="T" name="resolution" value="1" units="1/dev"/>
+        </inkml:channelProperties>
+      </inkml:inkSource>
+      <inkml:timestamp xml:id="ts0" timeString="2020-12-09T06:36:41.475"/>
+    </inkml:context>
+    <inkml:brush xml:id="br0">
+      <inkml:brushProperty name="width" value="0.05" units="cm"/>
+      <inkml:brushProperty name="height" value="0.05" units="cm"/>
+      <inkml:brushProperty name="fitToCurve" value="1"/>
+    </inkml:brush>
+  </inkml:definitions>
+  <inkml:trace contextRef="#ctx0" brushRef="#br0">0 0 0,'26'0'31,"-26"26"0,0 0-31,0 0 16,0 26-16,0-26 0,0 51 16,0-25-16,0 0 15,0 26-15,0 0 0,26-26 16,-26 25-16,0-25 0,0 0 16,0 0-16,0-26 15,0 0-15,26 0 0,-26-52 31</inkml:trace>
+</inkml:ink>
+</file>
+
+<file path=ppt/ink/ink48.xml><?xml version="1.0" encoding="utf-8"?>
+<inkml:ink xmlns:inkml="http://www.w3.org/2003/InkML">
+  <inkml:definitions>
+    <inkml:context xml:id="ctx0">
+      <inkml:inkSource xml:id="inkSrc0">
+        <inkml:traceFormat>
+          <inkml:channel name="X" type="integer" max="1920" units="cm"/>
+          <inkml:channel name="Y" type="integer" max="1080" units="cm"/>
+          <inkml:channel name="T" type="integer" max="2.14748E9" units="dev"/>
+        </inkml:traceFormat>
+        <inkml:channelProperties>
+          <inkml:channelProperty channel="X" name="resolution" value="55.81395" units="1/cm"/>
+          <inkml:channelProperty channel="Y" name="resolution" value="55.6701" units="1/cm"/>
+          <inkml:channelProperty channel="T" name="resolution" value="1" units="1/dev"/>
+        </inkml:channelProperties>
+      </inkml:inkSource>
+      <inkml:timestamp xml:id="ts0" timeString="2020-12-09T06:36:41.830"/>
+    </inkml:context>
+    <inkml:brush xml:id="br0">
+      <inkml:brushProperty name="width" value="0.05" units="cm"/>
+      <inkml:brushProperty name="height" value="0.05" units="cm"/>
+      <inkml:brushProperty name="fitToCurve" value="1"/>
+    </inkml:brush>
+  </inkml:definitions>
+  <inkml:trace contextRef="#ctx0" brushRef="#br0">57 394 0,'-26'-26'0,"26"-25"16,-26 25-16,26 0 15,0 0-15,0 0 0,0 0 16,0 0-16,0 0 15,0 0-15,26 0 0,0 0 16,0 26-16,0-26 0,26 26 16,-27-25-16,27 25 15,0 0-15,-26 0 0,26 25 16,-26 1-16,0 0 16,0 0-16,0 26 0,-26-26 15,0 26-15,0 0 0,0-26 16,-26 25-16,-26-25 15,26 0-15,-26 26 0,26-26 16,-26 0-16,0-26 16,27 26-16,-27-26 0,26 0 15,0 0-15,0 0 16,26-26 0,26 26 15</inkml:trace>
+</inkml:ink>
+</file>
+
+<file path=ppt/ink/ink49.xml><?xml version="1.0" encoding="utf-8"?>
+<inkml:ink xmlns:inkml="http://www.w3.org/2003/InkML">
+  <inkml:definitions>
+    <inkml:context xml:id="ctx0">
+      <inkml:inkSource xml:id="inkSrc0">
+        <inkml:traceFormat>
+          <inkml:channel name="X" type="integer" max="1920" units="cm"/>
+          <inkml:channel name="Y" type="integer" max="1080" units="cm"/>
+          <inkml:channel name="T" type="integer" max="2.14748E9" units="dev"/>
+        </inkml:traceFormat>
+        <inkml:channelProperties>
+          <inkml:channelProperty channel="X" name="resolution" value="55.81395" units="1/cm"/>
+          <inkml:channelProperty channel="Y" name="resolution" value="55.6701" units="1/cm"/>
+          <inkml:channelProperty channel="T" name="resolution" value="1" units="1/dev"/>
+        </inkml:channelProperties>
+      </inkml:inkSource>
+      <inkml:timestamp xml:id="ts0" timeString="2020-12-09T06:36:42.220"/>
+    </inkml:context>
+    <inkml:brush xml:id="br0">
+      <inkml:brushProperty name="width" value="0.05" units="cm"/>
+      <inkml:brushProperty name="height" value="0.05" units="cm"/>
+      <inkml:brushProperty name="fitToCurve" value="1"/>
+    </inkml:brush>
+  </inkml:definitions>
+  <inkml:trace contextRef="#ctx0" brushRef="#br0">0 156 0,'0'-26'0,"0"0"16,0 0-1,26 26 1,0 0 0,0 0-16,0 0 0,0 26 15,0 0-15,25 26 16,-25-26-16,0 25 0,0-25 16,0 26-16,-26 0 0,26-26 15,-26 0-15,0 0 16,0 0-16,-26 0 0,0-26 15,0 0-15,0 0 16,0-26-16,26 0 16,-25 0-16,25 0 0,0-26 15,0 0-15,0 0 16,25 1-16,1-1 0,0 0 16,0 26-16,0 0 15,0 0-15,26 0 0,-26 26 16,0 0-16,0 0 0</inkml:trace>
+</inkml:ink>
+</file>
+
+<file path=ppt/ink/ink5.xml><?xml version="1.0" encoding="utf-8"?>
+<inkml:ink xmlns:inkml="http://www.w3.org/2003/InkML">
+  <inkml:definitions>
+    <inkml:context xml:id="ctx0">
+      <inkml:inkSource xml:id="inkSrc0">
+        <inkml:traceFormat>
+          <inkml:channel name="X" type="integer" max="1920" units="cm"/>
+          <inkml:channel name="Y" type="integer" max="1080" units="cm"/>
+          <inkml:channel name="T" type="integer" max="2.14748E9" units="dev"/>
+        </inkml:traceFormat>
+        <inkml:channelProperties>
+          <inkml:channelProperty channel="X" name="resolution" value="55.81395" units="1/cm"/>
+          <inkml:channelProperty channel="Y" name="resolution" value="55.6701" units="1/cm"/>
+          <inkml:channelProperty channel="T" name="resolution" value="1" units="1/dev"/>
+        </inkml:channelProperties>
+      </inkml:inkSource>
+      <inkml:timestamp xml:id="ts0" timeString="2020-12-09T06:14:37.977"/>
+    </inkml:context>
+    <inkml:brush xml:id="br0">
+      <inkml:brushProperty name="width" value="0.05" units="cm"/>
+      <inkml:brushProperty name="height" value="0.05" units="cm"/>
+      <inkml:brushProperty name="fitToCurve" value="1"/>
+    </inkml:brush>
+  </inkml:definitions>
+  <inkml:trace contextRef="#ctx0" brushRef="#br0">518 52 0,'0'-26'16,"0"0"15,-26 26-15,26 26 77,0 0-77,0 0 0,0 0-16,0 0 15,0 0-15,0 26 16,0-26-16,0 26 0,0-27 16,0 27-16,0-26 0,0 26 15,26-26-15,-26 26 16,0 0-16,26-26 0,-26 25 15,26 1-15,-26 0 16,0 0-16,0-26 0,0 26 16,0 0-16,0-1 0,0-25 15,0 26-15,0 0 16,0-26-16,0 26 0,0-26 16,0 0-16,0 25 15,0-25-15,0 0 0,0 0 16,0 0-16,0 26 0,0-26 15,0 0-15,0 0 16,0 25-16,0-25 0,0 0 16,0 0-16,0 0 15,0 0-15,0 0 0,0 0 16,0 0-16,0 0 0,0 0 16,0 0-16,26 0 15,-26-1-15,0 1 0,0 0 16,0 0-16,0 0 15,0 0-15,0 0 0,0 0 16,0 0-16,0 0 16,0 0-1,0 0 1,0-52 31,-26 26-32</inkml:trace>
+  <inkml:trace contextRef="#ctx0" brushRef="#br0" timeOffset="761">52 1867 0,'-26'0'0,"0"0"16,52 0 46,0 0-46,0 0-16,0-26 16,0 26-16,25 0 15,-25 0-15,26 0 16,0 0-16,0 0 0,0 0 15,25 0-15,-25 0 16,26 0-16,-26 0 0,26 0 16,-1 0-16,-25 0 0,26 0 15,0 0-15,-1 0 16,1 0-16,0-26 0,0 26 16,25 0-16,-25 0 15,0 0-15,0-26 0,-1 26 16,1 0-16,0 0 0,-26 0 15,26 0-15,-1 0 16,-25 0-16,26 0 0,0 0 16,-1 0-16,1 0 15,26 0-15,-26 0 0,-27 0 16,27 0-16,0 0 0,-26 0 16,26 0-16,-27 0 15,1 0-15,0 0 0,-26 0 16,26 0-16,-26 0 15,26-26-15,-27 26 0,1 0 16,26 0-16,-26 0 0,0 0 16,0 0-16,0 0 15,0 0-15,0 0 0,0 0 16,0 0-16,-1 0 16,-50 0 30</inkml:trace>
+</inkml:ink>
+</file>
+
+<file path=ppt/ink/ink50.xml><?xml version="1.0" encoding="utf-8"?>
+<inkml:ink xmlns:inkml="http://www.w3.org/2003/InkML">
+  <inkml:definitions>
+    <inkml:context xml:id="ctx0">
+      <inkml:inkSource xml:id="inkSrc0">
+        <inkml:traceFormat>
+          <inkml:channel name="X" type="integer" max="1920" units="cm"/>
+          <inkml:channel name="Y" type="integer" max="1080" units="cm"/>
+          <inkml:channel name="T" type="integer" max="2.14748E9" units="dev"/>
+        </inkml:traceFormat>
+        <inkml:channelProperties>
+          <inkml:channelProperty channel="X" name="resolution" value="55.81395" units="1/cm"/>
+          <inkml:channelProperty channel="Y" name="resolution" value="55.6701" units="1/cm"/>
+          <inkml:channelProperty channel="T" name="resolution" value="1" units="1/dev"/>
+        </inkml:channelProperties>
+      </inkml:inkSource>
+      <inkml:timestamp xml:id="ts0" timeString="2020-12-09T06:36:42.699"/>
+    </inkml:context>
+    <inkml:brush xml:id="br0">
+      <inkml:brushProperty name="width" value="0.05" units="cm"/>
+      <inkml:brushProperty name="height" value="0.05" units="cm"/>
+      <inkml:brushProperty name="fitToCurve" value="1"/>
+    </inkml:brush>
+  </inkml:definitions>
+  <inkml:trace contextRef="#ctx0" brushRef="#br0">233 79 0,'26'0'15,"-26"-26"-15,0 0 16,-26 26 0,26-26-1,-26 26-15,0 0 0,0 0 16,26 26-16,-26 0 16,1 0-16,-1 0 0,0 0 15,0 0-15,26 26 0,-26-26 16,26 25-16,0-25 15,0 0-15,0 0 0,26 0 16,0 0-16,0 0 16,0-26-16,-1 0 0,1 0 15,26 0-15,-26 0 0,0-26 16,0 26-16,0-26 16,0 26-16,0-26 0,-26 0 15,0 0-15,0-25 0,0 25 16,-26 0-16,26-26 15,-26 26-15,0 0 0,0 0 16,26 0-16,-26 0 16,0 26-16,26 26 31,0 0-15,26 0-16,0-26 15,0 0-15</inkml:trace>
+</inkml:ink>
+</file>
+
+<file path=ppt/ink/ink51.xml><?xml version="1.0" encoding="utf-8"?>
+<inkml:ink xmlns:inkml="http://www.w3.org/2003/InkML">
+  <inkml:definitions>
+    <inkml:context xml:id="ctx0">
+      <inkml:inkSource xml:id="inkSrc0">
+        <inkml:traceFormat>
+          <inkml:channel name="X" type="integer" max="1920" units="cm"/>
+          <inkml:channel name="Y" type="integer" max="1080" units="cm"/>
+          <inkml:channel name="T" type="integer" max="2.14748E9" units="dev"/>
+        </inkml:traceFormat>
+        <inkml:channelProperties>
+          <inkml:channelProperty channel="X" name="resolution" value="55.81395" units="1/cm"/>
+          <inkml:channelProperty channel="Y" name="resolution" value="55.6701" units="1/cm"/>
+          <inkml:channelProperty channel="T" name="resolution" value="1" units="1/dev"/>
+        </inkml:channelProperties>
+      </inkml:inkSource>
+      <inkml:timestamp xml:id="ts0" timeString="2020-12-09T06:36:43.066"/>
+    </inkml:context>
+    <inkml:brush xml:id="br0">
+      <inkml:brushProperty name="width" value="0.05" units="cm"/>
+      <inkml:brushProperty name="height" value="0.05" units="cm"/>
+      <inkml:brushProperty name="fitToCurve" value="1"/>
+    </inkml:brush>
+  </inkml:definitions>
+  <inkml:trace contextRef="#ctx0" brushRef="#br0">311 26 0,'26'0'0,"-26"-26"15,0 52 16,0 0-15,0 0-16,0 26 16,26-26-16,-26 52 0,0-26 15,26 25-15,-26-25 16,0 26-16,26 0 0,-26-26 16,0-1-16,26 1 15,-26 0-15,0 0 0,0-26 16,-26 0-16,0 0 15,0-26-15,0 0 16,0-26-16,-26 0 0,26 0 16,-26 0-16,26 0 15,0-26-15,1 26 0,-1 0 16,0-25-16,0 25 0,26-26 16,0 26-16,-26 0 15</inkml:trace>
+</inkml:ink>
+</file>
+
+<file path=ppt/ink/ink52.xml><?xml version="1.0" encoding="utf-8"?>
+<inkml:ink xmlns:inkml="http://www.w3.org/2003/InkML">
+  <inkml:definitions>
+    <inkml:context xml:id="ctx0">
+      <inkml:inkSource xml:id="inkSrc0">
+        <inkml:traceFormat>
+          <inkml:channel name="X" type="integer" max="1920" units="cm"/>
+          <inkml:channel name="Y" type="integer" max="1080" units="cm"/>
+          <inkml:channel name="T" type="integer" max="2.14748E9" units="dev"/>
+        </inkml:traceFormat>
+        <inkml:channelProperties>
+          <inkml:channelProperty channel="X" name="resolution" value="55.81395" units="1/cm"/>
+          <inkml:channelProperty channel="Y" name="resolution" value="55.6701" units="1/cm"/>
+          <inkml:channelProperty channel="T" name="resolution" value="1" units="1/dev"/>
+        </inkml:channelProperties>
+      </inkml:inkSource>
+      <inkml:timestamp xml:id="ts0" timeString="2020-12-09T06:36:43.288"/>
+    </inkml:context>
+    <inkml:brush xml:id="br0">
+      <inkml:brushProperty name="width" value="0.05" units="cm"/>
+      <inkml:brushProperty name="height" value="0.05" units="cm"/>
+      <inkml:brushProperty name="fitToCurve" value="1"/>
+    </inkml:brush>
+  </inkml:definitions>
+  <inkml:trace contextRef="#ctx0" brushRef="#br0">53 26 0,'-26'0'0,"0"0"15,26-26 17,26 26-1</inkml:trace>
+</inkml:ink>
+</file>
+
+<file path=ppt/ink/ink53.xml><?xml version="1.0" encoding="utf-8"?>
+<inkml:ink xmlns:inkml="http://www.w3.org/2003/InkML">
+  <inkml:definitions>
+    <inkml:context xml:id="ctx0">
+      <inkml:inkSource xml:id="inkSrc0">
+        <inkml:traceFormat>
+          <inkml:channel name="X" type="integer" max="1920" units="cm"/>
+          <inkml:channel name="Y" type="integer" max="1080" units="cm"/>
+          <inkml:channel name="T" type="integer" max="2.14748E9" units="dev"/>
+        </inkml:traceFormat>
+        <inkml:channelProperties>
+          <inkml:channelProperty channel="X" name="resolution" value="55.81395" units="1/cm"/>
+          <inkml:channelProperty channel="Y" name="resolution" value="55.6701" units="1/cm"/>
+          <inkml:channelProperty channel="T" name="resolution" value="1" units="1/dev"/>
+        </inkml:channelProperties>
+      </inkml:inkSource>
+      <inkml:timestamp xml:id="ts0" timeString="2020-12-09T06:36:43.732"/>
+    </inkml:context>
+    <inkml:brush xml:id="br0">
+      <inkml:brushProperty name="width" value="0.05" units="cm"/>
+      <inkml:brushProperty name="height" value="0.05" units="cm"/>
+      <inkml:brushProperty name="fitToCurve" value="1"/>
+    </inkml:brush>
+  </inkml:definitions>
+  <inkml:trace contextRef="#ctx0" brushRef="#br0">78 155 0,'-26'0'0,"26"26"0,-26-26 15,26 26 1,26-26-1,0 26 1,0-26-16,0 0 16,25 0-16,-25-26 15,0 26-15,0 0 16,-26-26-16,26 0 0,0 26 16,-26-26-16,26 0 0,-26 0 15,0 0 1,-26 26-16,0-25 0,0 25 15,0 0-15,0-26 16,0 26-16,-25 0 0,25 26 16,0-26-16,0 25 0,0 1 15,26 0-15,-26 0 16,26 0-16,0 26 0,26-26 16,0 26-16,-26-26 15,26 0-15,0 25 0,25-25 16,-25-26-16,0 26 0,26-26 15,-26 0-15</inkml:trace>
+</inkml:ink>
+</file>
+
+<file path=ppt/ink/ink54.xml><?xml version="1.0" encoding="utf-8"?>
+<inkml:ink xmlns:inkml="http://www.w3.org/2003/InkML">
+  <inkml:definitions>
+    <inkml:context xml:id="ctx0">
+      <inkml:inkSource xml:id="inkSrc0">
+        <inkml:traceFormat>
+          <inkml:channel name="X" type="integer" max="1920" units="cm"/>
+          <inkml:channel name="Y" type="integer" max="1080" units="cm"/>
+          <inkml:channel name="T" type="integer" max="2.14748E9" units="dev"/>
+        </inkml:traceFormat>
+        <inkml:channelProperties>
+          <inkml:channelProperty channel="X" name="resolution" value="55.81395" units="1/cm"/>
+          <inkml:channelProperty channel="Y" name="resolution" value="55.6701" units="1/cm"/>
+          <inkml:channelProperty channel="T" name="resolution" value="1" units="1/dev"/>
+        </inkml:channelProperties>
+      </inkml:inkSource>
+      <inkml:timestamp xml:id="ts0" timeString="2020-12-09T06:36:44.068"/>
+    </inkml:context>
+    <inkml:brush xml:id="br0">
+      <inkml:brushProperty name="width" value="0.05" units="cm"/>
+      <inkml:brushProperty name="height" value="0.05" units="cm"/>
+      <inkml:brushProperty name="fitToCurve" value="1"/>
+    </inkml:brush>
+  </inkml:definitions>
+  <inkml:trace contextRef="#ctx0" brushRef="#br0">290 130 0,'0'-26'0,"0"0"16,0 0-16,-26 0 16,0 1-1,0 25-15,0 0 16,0 0 0,1 0-16,-1 0 0,0 25 15,26 1-15,-26-26 0,0 26 16,26 0-16,-26 26 15,26-26-15,0 0 0,0 26 16,0-26-16,26 0 0,-26 0 16,26-1-16,0 1 15,0 0-15,0-26 0,-1 26 16,1-26-16,0 26 16,0-26-16,0 0 0,0 0 15</inkml:trace>
+</inkml:ink>
+</file>
+
+<file path=ppt/ink/ink55.xml><?xml version="1.0" encoding="utf-8"?>
+<inkml:ink xmlns:inkml="http://www.w3.org/2003/InkML">
+  <inkml:definitions>
+    <inkml:context xml:id="ctx0">
+      <inkml:inkSource xml:id="inkSrc0">
+        <inkml:traceFormat>
+          <inkml:channel name="X" type="integer" max="1920" units="cm"/>
+          <inkml:channel name="Y" type="integer" max="1080" units="cm"/>
+          <inkml:channel name="T" type="integer" max="2.14748E9" units="dev"/>
+        </inkml:traceFormat>
+        <inkml:channelProperties>
+          <inkml:channelProperty channel="X" name="resolution" value="55.81395" units="1/cm"/>
+          <inkml:channelProperty channel="Y" name="resolution" value="55.6701" units="1/cm"/>
+          <inkml:channelProperty channel="T" name="resolution" value="1" units="1/dev"/>
+        </inkml:channelProperties>
+      </inkml:inkSource>
+      <inkml:timestamp xml:id="ts0" timeString="2020-12-09T06:36:44.348"/>
+    </inkml:context>
+    <inkml:brush xml:id="br0">
+      <inkml:brushProperty name="width" value="0.05" units="cm"/>
+      <inkml:brushProperty name="height" value="0.05" units="cm"/>
+      <inkml:brushProperty name="fitToCurve" value="1"/>
+    </inkml:brush>
+  </inkml:definitions>
+  <inkml:trace contextRef="#ctx0" brushRef="#br0">52 103 0,'0'-26'0,"0"0"16,0 0-16,0 1 0,-26 25 15,0 0 1,26 25-1,0 1-15,0 0 16,0 26-16,26-26 16,-26 0-16,0 26 0,0 0 15,26-1-15,-26 1 16,0 0-16,26 0 0,-26 0 16,0-26-16,0 26 15,0-26-15,0-1 0,0 1 16</inkml:trace>
+</inkml:ink>
+</file>
+
+<file path=ppt/ink/ink56.xml><?xml version="1.0" encoding="utf-8"?>
+<inkml:ink xmlns:inkml="http://www.w3.org/2003/InkML">
+  <inkml:definitions>
+    <inkml:context xml:id="ctx0">
+      <inkml:inkSource xml:id="inkSrc0">
+        <inkml:traceFormat>
+          <inkml:channel name="X" type="integer" max="1920" units="cm"/>
+          <inkml:channel name="Y" type="integer" max="1080" units="cm"/>
+          <inkml:channel name="T" type="integer" max="2.14748E9" units="dev"/>
+        </inkml:traceFormat>
+        <inkml:channelProperties>
+          <inkml:channelProperty channel="X" name="resolution" value="55.81395" units="1/cm"/>
+          <inkml:channelProperty channel="Y" name="resolution" value="55.6701" units="1/cm"/>
+          <inkml:channelProperty channel="T" name="resolution" value="1" units="1/dev"/>
+        </inkml:channelProperties>
+      </inkml:inkSource>
+      <inkml:timestamp xml:id="ts0" timeString="2020-12-09T06:36:44.506"/>
+    </inkml:context>
+    <inkml:brush xml:id="br0">
+      <inkml:brushProperty name="width" value="0.05" units="cm"/>
+      <inkml:brushProperty name="height" value="0.05" units="cm"/>
+      <inkml:brushProperty name="fitToCurve" value="1"/>
+    </inkml:brush>
+  </inkml:definitions>
+  <inkml:trace contextRef="#ctx0" brushRef="#br0">53 264 0,'-26'-26'0,"26"0"16,-26 0-16,26 0 0,0 0 16,0 0-16,0 0 15,26 26-15,0 0 16,0-26-16,0 26 0,0 0 15,0-25-15,26 25 16,0 0-16,-26-26 0,25 26 16</inkml:trace>
+</inkml:ink>
+</file>
+
+<file path=ppt/ink/ink57.xml><?xml version="1.0" encoding="utf-8"?>
+<inkml:ink xmlns:inkml="http://www.w3.org/2003/InkML">
+  <inkml:definitions>
+    <inkml:context xml:id="ctx0">
+      <inkml:inkSource xml:id="inkSrc0">
+        <inkml:traceFormat>
+          <inkml:channel name="X" type="integer" max="1920" units="cm"/>
+          <inkml:channel name="Y" type="integer" max="1080" units="cm"/>
+          <inkml:channel name="T" type="integer" max="2.14748E9" units="dev"/>
+        </inkml:traceFormat>
+        <inkml:channelProperties>
+          <inkml:channelProperty channel="X" name="resolution" value="55.81395" units="1/cm"/>
+          <inkml:channelProperty channel="Y" name="resolution" value="55.6701" units="1/cm"/>
+          <inkml:channelProperty channel="T" name="resolution" value="1" units="1/dev"/>
+        </inkml:channelProperties>
+      </inkml:inkSource>
+      <inkml:timestamp xml:id="ts0" timeString="2020-12-09T06:36:45.028"/>
+    </inkml:context>
+    <inkml:brush xml:id="br0">
+      <inkml:brushProperty name="width" value="0.05" units="cm"/>
+      <inkml:brushProperty name="height" value="0.05" units="cm"/>
+      <inkml:brushProperty name="fitToCurve" value="1"/>
+    </inkml:brush>
+  </inkml:definitions>
+  <inkml:trace contextRef="#ctx0" brushRef="#br0">316 85 0,'-26'-26'0,"0"26"0,0 0 16,26-26-16,-26 26 15,-26 0-15,26 0 0,0 0 16,0 26-16,0 0 16,0 26-16,26-26 15,-26 0-15,26 25 0,0 1 16,26 0-16,-26 0 16,26 0-16,0 0 0,0-26 15,0 25-15,0-25 0,0 0 16,0 0-16,26-26 15,-26 0-15,0 0 0,25 0 16,-25-26-16,26 0 16,-26-26-16,0 27 0,0-27 15,-26 0-15,0-26 0,0 26 16,0 0-16,0 1 16,-26-1-16,0 26 0,26-26 15,-26 26-15,0 26 16,0-26-16,0 26 0,0 0 15,1 0 1,-1 26-16,0-26 16,0 26-16,26 0 15</inkml:trace>
+</inkml:ink>
+</file>
+
+<file path=ppt/ink/ink58.xml><?xml version="1.0" encoding="utf-8"?>
+<inkml:ink xmlns:inkml="http://www.w3.org/2003/InkML">
+  <inkml:definitions>
+    <inkml:context xml:id="ctx0">
+      <inkml:inkSource xml:id="inkSrc0">
+        <inkml:traceFormat>
+          <inkml:channel name="X" type="integer" max="1920" units="cm"/>
+          <inkml:channel name="Y" type="integer" max="1080" units="cm"/>
+          <inkml:channel name="T" type="integer" max="2.14748E9" units="dev"/>
+        </inkml:traceFormat>
+        <inkml:channelProperties>
+          <inkml:channelProperty channel="X" name="resolution" value="55.81395" units="1/cm"/>
+          <inkml:channelProperty channel="Y" name="resolution" value="55.6701" units="1/cm"/>
+          <inkml:channelProperty channel="T" name="resolution" value="1" units="1/dev"/>
+        </inkml:channelProperties>
+      </inkml:inkSource>
+      <inkml:timestamp xml:id="ts0" timeString="2020-12-09T06:36:45.423"/>
+    </inkml:context>
+    <inkml:brush xml:id="br0">
+      <inkml:brushProperty name="width" value="0.05" units="cm"/>
+      <inkml:brushProperty name="height" value="0.05" units="cm"/>
+      <inkml:brushProperty name="fitToCurve" value="1"/>
+    </inkml:brush>
+  </inkml:definitions>
+  <inkml:trace contextRef="#ctx0" brushRef="#br0">0 51 0,'26'0'31,"0"0"-31,0 0 16,0 26-1,0-26-15,0 26 16,0 0-16,0 0 0,0 26 16,0-26-16,-1 26 15,-25-26-15,0 26 0,26-27 16,-26 1-16,0 0 0,-26-26 16,1 0-1,25-26-15,0 0 16,-26 1-16,26-1 15,0-26-15,0 26 0,26-26 16,-26 26-16,25-26 0,1 26 16,0 0-16,0 0 15,26 1-15,-26 25 0,0-26 16,0 26-16,0 0 16</inkml:trace>
+</inkml:ink>
+</file>
+
+<file path=ppt/ink/ink59.xml><?xml version="1.0" encoding="utf-8"?>
+<inkml:ink xmlns:inkml="http://www.w3.org/2003/InkML">
+  <inkml:definitions>
+    <inkml:context xml:id="ctx0">
+      <inkml:inkSource xml:id="inkSrc0">
+        <inkml:traceFormat>
+          <inkml:channel name="X" type="integer" max="1920" units="cm"/>
+          <inkml:channel name="Y" type="integer" max="1080" units="cm"/>
+          <inkml:channel name="T" type="integer" max="2.14748E9" units="dev"/>
+        </inkml:traceFormat>
+        <inkml:channelProperties>
+          <inkml:channelProperty channel="X" name="resolution" value="55.81395" units="1/cm"/>
+          <inkml:channelProperty channel="Y" name="resolution" value="55.6701" units="1/cm"/>
+          <inkml:channelProperty channel="T" name="resolution" value="1" units="1/dev"/>
+        </inkml:channelProperties>
+      </inkml:inkSource>
+      <inkml:timestamp xml:id="ts0" timeString="2020-12-09T06:36:52.216"/>
+    </inkml:context>
+    <inkml:brush xml:id="br0">
+      <inkml:brushProperty name="width" value="0.05" units="cm"/>
+      <inkml:brushProperty name="height" value="0.05" units="cm"/>
+      <inkml:brushProperty name="fitToCurve" value="1"/>
+    </inkml:brush>
+  </inkml:definitions>
+  <inkml:trace contextRef="#ctx0" brushRef="#br0">471 27 0,'0'-25'15,"-26"25"32,0 0-47,0 0 16,-26 0-16,26 0 16,0 0-16,0 0 15,-25 25-15,25 1 0,-26-26 16,26 26-16,0 0 15,0 26-15,0-26 0,26 0 16,-26 26-16,26-26 0,0 26 16,26-27-16,0 27 15,-26-26-15,26 0 0,26 0 16,-26 0-16,0 0 16,25 0-16,1-26 0,-26 0 15,26 0-15,-26 0 0,26-26 16,-26 26-16</inkml:trace>
+  <inkml:trace contextRef="#ctx0" brushRef="#br0" timeOffset="743">1119 287 0,'0'-26'16,"26"26"-16,-26-26 16,25 26-16,-25-26 15,0 0 1,0 0-16,-25 0 15,25 0 1,-26 0-16,26 0 0,-26 26 16,0-26-16,-26 26 0,26-25 15,0 25-15,0 0 16,0 0-16,0 0 0,0 0 16,1 25-16,-1-25 0,26 26 15,-26 0-15,26 26 16,-26-26-16,26 26 0,0-26 15,0 26-15,0-26 16,0 25-16,26-25 0,-26 0 16,26 0-16,0 0 0,-26 0 15,25-26-15,1 0 16,0 26-16,0-26 0,0 0 16,0 0-16,0-26 15,0 26-15,0-26 0,-26 0 16,26 0-16,0 26 0,-26-26 15,26-25-15,-26 25 16,25 0-16,-25 0 0,0-26 16,26 26-16,-26 0 15,0 0-15,0 0 0,26 0 16,-26 52 15,0 0-31,0 0 0,26 0 16,-26 0-16,26 26 0,-26-26 15,26 0-15,-26 25 16,26-25-16,-26 0 0,26-26 16,0 26-16,0-26 15,0 26-15,26-26 16,-27-26-16,1 26 0,0-26 16,0 0-1,0 26-15,-26-26 0</inkml:trace>
+</inkml:ink>
+</file>
+
+<file path=ppt/ink/ink6.xml><?xml version="1.0" encoding="utf-8"?>
+<inkml:ink xmlns:inkml="http://www.w3.org/2003/InkML">
+  <inkml:definitions>
+    <inkml:context xml:id="ctx0">
+      <inkml:inkSource xml:id="inkSrc0">
+        <inkml:traceFormat>
+          <inkml:channel name="X" type="integer" max="1920" units="cm"/>
+          <inkml:channel name="Y" type="integer" max="1080" units="cm"/>
+          <inkml:channel name="T" type="integer" max="2.14748E9" units="dev"/>
+        </inkml:traceFormat>
+        <inkml:channelProperties>
+          <inkml:channelProperty channel="X" name="resolution" value="55.81395" units="1/cm"/>
+          <inkml:channelProperty channel="Y" name="resolution" value="55.6701" units="1/cm"/>
+          <inkml:channelProperty channel="T" name="resolution" value="1" units="1/dev"/>
+        </inkml:channelProperties>
+      </inkml:inkSource>
+      <inkml:timestamp xml:id="ts0" timeString="2020-12-09T06:14:41.926"/>
+    </inkml:context>
+    <inkml:brush xml:id="br0">
+      <inkml:brushProperty name="width" value="0.05" units="cm"/>
+      <inkml:brushProperty name="height" value="0.05" units="cm"/>
+      <inkml:brushProperty name="fitToCurve" value="1"/>
+    </inkml:brush>
+  </inkml:definitions>
+  <inkml:trace contextRef="#ctx0" brushRef="#br0">3654 1895 0,'-26'0'15,"52"0"79,0 26-78,0-26-1,0 0-15,26 0 16,-26 0-16,26 0 0,-26 0 16,25 0-16,-25 0 15,26 0-15,0 0 0,0 0 16,0 0-16,0 0 16,-27 0-16,27 0 0,0 0 15,-26 0-15,0 0 0,0 0 16,0 0-16,0 0 15,-26-26 64</inkml:trace>
+  <inkml:trace contextRef="#ctx0" brushRef="#br0" timeOffset="514">4354 1792 0,'-26'0'0,"52"26"78,0-26-62,0 0-1,0 26-15,0-26 16,0 0-16,0 0 15,-26 26-15,26-26 16,-1 0-16,1 25 16,0-25-1,-26 26-15,26-26 16,0 0-16,-52 0 62,0 26-46,0 0 0,0-26-16,1 26 15,-1-26-15,26 26 0,-26-26 16,26 26-16,-26-26 16,0 0-16</inkml:trace>
+  <inkml:trace contextRef="#ctx0" brushRef="#br0" timeOffset="1842">1114 263 0,'0'-26'16,"0"0"-16,-26 0 0,26 0 15,0 0 1,0 0-1,0 52 1,0 0 0,0 0-16,0 26 15,0-26-15,0 25 16,0 1-16,26 26 0,-26-26 16,0 0-16,26 0 15,-26 25-15,0-25 0,26 0 16,-26-26-16,0 26 0,0-26 15,0 25-15,0-25 16,0 0-16,0 0 16</inkml:trace>
+  <inkml:trace contextRef="#ctx0" brushRef="#br0" timeOffset="2261">1011 107 0,'-26'0'15,"26"26"1,-26 0-1,26 0 1,-26-26-16,26 26 0,-26 0 16,26 0-1,0-52 17,26 26-32,-26-26 15,26 26-15,-26-26 0,26 0 16,-26 0-16,26 0 15,-26 0-15,26 0 0,-26 0 16,25 26-16,-25-26 16,26 26-16,0 26 15,-26 0-15,26 0 16,-26 0-16,26 0 16,0 26-16,0-26 0</inkml:trace>
+  <inkml:trace contextRef="#ctx0" brushRef="#br0" timeOffset="2993">0 574 0,'0'-26'16,"0"52"15,26 0-31,-26-1 16,0 1-16,26 0 0,-26 0 16,0 0-16,0 26 15,26-26-15,-26 26 0,0 0 16,0-27-16,0 1 15,25 26-15,-25-26 0,0 0 16,0-52 15,0 0-15,0 0-16,0 0 16,0-25-16,0-1 0,0 0 15,-25 26-15,25-26 0,0-52 31,0 79-31,0-27 0,0 26 0,0 0 16,0 0 0,25 26-16,-25-26 15,26 26-15,0 0 16,0 0-16,0 0 16,0 0-16,0 0 15,0 26-15,0 0 16,-26 0-16,0 0 15,-26-26-15,26 26 16,-26 0-16,0-26 16,-26 25-16,26-25 0,0 0 15,-25 26-15,25-26 0,0 26 16,0-26-16</inkml:trace>
+</inkml:ink>
+</file>
+
+<file path=ppt/ink/ink60.xml><?xml version="1.0" encoding="utf-8"?>
+<inkml:ink xmlns:inkml="http://www.w3.org/2003/InkML">
+  <inkml:definitions>
+    <inkml:context xml:id="ctx0">
+      <inkml:inkSource xml:id="inkSrc0">
+        <inkml:traceFormat>
+          <inkml:channel name="X" type="integer" max="1920" units="cm"/>
+          <inkml:channel name="Y" type="integer" max="1080" units="cm"/>
+          <inkml:channel name="T" type="integer" max="2.14748E9" units="dev"/>
+        </inkml:traceFormat>
+        <inkml:channelProperties>
+          <inkml:channelProperty channel="X" name="resolution" value="55.81395" units="1/cm"/>
+          <inkml:channelProperty channel="Y" name="resolution" value="55.6701" units="1/cm"/>
+          <inkml:channelProperty channel="T" name="resolution" value="1" units="1/dev"/>
+        </inkml:channelProperties>
+      </inkml:inkSource>
+      <inkml:timestamp xml:id="ts0" timeString="2020-12-09T06:37:30.689"/>
+    </inkml:context>
+    <inkml:brush xml:id="br0">
+      <inkml:brushProperty name="width" value="0.05" units="cm"/>
+      <inkml:brushProperty name="height" value="0.05" units="cm"/>
+      <inkml:brushProperty name="fitToCurve" value="1"/>
+    </inkml:brush>
+  </inkml:definitions>
+  <inkml:trace contextRef="#ctx0" brushRef="#br0">0 106 0,'0'26'0,"26"-26"15,0 0 1,0 0-16,0-26 0,25 26 16,27-26-16,-26 0 0,26 26 15,-1-26-15,-25 26 16,0-26-16,0 26 0,-26 0 16,0 0-16</inkml:trace>
+</inkml:ink>
+</file>
+
+<file path=ppt/ink/ink61.xml><?xml version="1.0" encoding="utf-8"?>
+<inkml:ink xmlns:inkml="http://www.w3.org/2003/InkML">
+  <inkml:definitions>
+    <inkml:context xml:id="ctx0">
+      <inkml:inkSource xml:id="inkSrc0">
+        <inkml:traceFormat>
+          <inkml:channel name="X" type="integer" max="1920" units="cm"/>
+          <inkml:channel name="Y" type="integer" max="1080" units="cm"/>
+          <inkml:channel name="T" type="integer" max="2.14748E9" units="dev"/>
+        </inkml:traceFormat>
+        <inkml:channelProperties>
+          <inkml:channelProperty channel="X" name="resolution" value="55.81395" units="1/cm"/>
+          <inkml:channelProperty channel="Y" name="resolution" value="55.6701" units="1/cm"/>
+          <inkml:channelProperty channel="T" name="resolution" value="1" units="1/dev"/>
+        </inkml:channelProperties>
+      </inkml:inkSource>
+      <inkml:timestamp xml:id="ts0" timeString="2020-12-09T06:37:29.394"/>
+    </inkml:context>
+    <inkml:brush xml:id="br0">
+      <inkml:brushProperty name="width" value="0.05" units="cm"/>
+      <inkml:brushProperty name="height" value="0.05" units="cm"/>
+      <inkml:brushProperty name="fitToCurve" value="1"/>
+    </inkml:brush>
+  </inkml:definitions>
+  <inkml:trace contextRef="#ctx0" brushRef="#br0">182 285 0,'-26'0'0,"0"0"0,0-26 15,26 0-15,-26 0 16,26 0-16,26 1 16,-26-1-16,52 0 0,-26 26 15,0-26-15,26 26 16,0 0-16,-26 26 0,25 0 15,-25 0-15,0-1 16,-26 27-16,0 0 0,-26 26 16,0-26-16,-25 0 15,-1 25-15,0-25 0,0 0 16,0 26-16,0-52 0,1 25 16,25-25-16,26 0 15,0 0-15,0 0 0,26-26 16,-1 0-16,27 0 15,26 0-15,-26 0 0,26 0 16,-1 0-16,-25 0 0,26-26 16,-26 26-16,0-26 15</inkml:trace>
+  <inkml:trace contextRef="#ctx0" brushRef="#br0" timeOffset="365">985 285 0,'0'-26'16,"0"0"-16,0 0 16,-25 26-16,-1 0 15,0 26-15,26 0 16,-26 0-16,0 26 16,0 0-16,26-26 0,-26 26 15,26-1-15,0 1 0,0 0 16,0 0-16,0 0 15,26-26-15,0 0 0,26-1 16,-26-25-16,0 0 16,25-25-16,-25-1 0,26 0 15,-26-26-15,0 26 16,-26-52-16,0 26 0,0 1 16,0-27-16,0 26 0,-26 0 15,-26 0-15,26 26 16,0 0-16,0 26 0,-25 26 15,25-26-15,0 52 16,0-26-16,26 0 0,0 26 16,0-26-16</inkml:trace>
+  <inkml:trace contextRef="#ctx0" brushRef="#br0" timeOffset="617">1348 78 0,'0'26'32,"0"0"-17,0 25-15,0-25 0,0 26 16,0 0-16,0 26 0,0-26 15,0-1-15,26 1 16,-26 0-16,0 0 0,26 0 16,-26-26-16</inkml:trace>
+  <inkml:trace contextRef="#ctx0" brushRef="#br0" timeOffset="1049">1711 26 0,'0'-26'15,"-26"26"1,26 26 0,-26 0-1,26 0-15,-26 0 0,26 26 16,0-27-16,0 27 15,0 0-15,0 0 0,0-26 16,0 26-16,26-26 16,-26 0-16,26-26 0,0 0 15,0 0-15,0 0 0,26-26 16,-26 0-16,0 0 16,0-26-16,0 0 0,-1 26 15,-25-26-15,26 1 16,-26 25-16,0 0 0,0 0 15,0 0-15,0 52 16,0 0-16,0 26 16,0-1-16,0 1 0,26 26 15,-26 0-15,0-1 16,26 1-16,-26 0 0,0 0 16,26-26-16,-26-1 0,26 1 15</inkml:trace>
+</inkml:ink>
+</file>
+
+<file path=ppt/ink/ink62.xml><?xml version="1.0" encoding="utf-8"?>
+<inkml:ink xmlns:inkml="http://www.w3.org/2003/InkML">
+  <inkml:definitions>
+    <inkml:context xml:id="ctx0">
+      <inkml:inkSource xml:id="inkSrc0">
+        <inkml:traceFormat>
+          <inkml:channel name="X" type="integer" max="1920" units="cm"/>
+          <inkml:channel name="Y" type="integer" max="1080" units="cm"/>
+          <inkml:channel name="T" type="integer" max="2.14748E9" units="dev"/>
+        </inkml:traceFormat>
+        <inkml:channelProperties>
+          <inkml:channelProperty channel="X" name="resolution" value="55.81395" units="1/cm"/>
+          <inkml:channelProperty channel="Y" name="resolution" value="55.6701" units="1/cm"/>
+          <inkml:channelProperty channel="T" name="resolution" value="1" units="1/dev"/>
+        </inkml:channelProperties>
+      </inkml:inkSource>
+      <inkml:timestamp xml:id="ts0" timeString="2020-12-09T06:37:27.642"/>
+    </inkml:context>
+    <inkml:brush xml:id="br0">
+      <inkml:brushProperty name="width" value="0.05" units="cm"/>
+      <inkml:brushProperty name="height" value="0.05" units="cm"/>
+      <inkml:brushProperty name="fitToCurve" value="1"/>
+    </inkml:brush>
+  </inkml:definitions>
+  <inkml:trace contextRef="#ctx0" brushRef="#br0">727 29 0,'0'-26'15,"26"26"1,-26 26 62,0 0-62,0 0-1,26 0-15,-26-1 16,0 1-16,0 0 16,0 26-16,0-26 0,26 26 15,-26 0-15,26 0 16,-26-1-16,26 1 0,-26 26 15,26-26-15,0 26 0,-26-1 16,26-25-16,0 26 16,-26 0-16,26-1 0,-26 1 15,26-26-15,-26 26 16,0 0-16,0-27 0,0 27 16,0-26-16,0 0 0,0 0 15,0-1-15,0 1 16,0-26-16,0 0 0,0 0 15,0 0-15,0 0 16,-26-26 0</inkml:trace>
+  <inkml:trace contextRef="#ctx0" brushRef="#br0" timeOffset="258">598 1739 0,'-26'0'16,"0"0"0,26 26-16,26-26 15,0 26-15,0-26 16,0 26-16,0-26 15,25 26-15,-25 0 0,26 0 16,-26 0-16,26 0 0,-26 0 16,0-26-16,0 26 15,0 0-15</inkml:trace>
+  <inkml:trace contextRef="#ctx0" brushRef="#br0" timeOffset="479">1375 1688 0,'26'-26'0,"-26"0"16,26 0-16,0 0 0,-52 52 47,26 0-47,-26 0 0,0 0 15,1-1-15,-1 27 16,0 0-16,-26 0 0,0-26 15,26 26-15,-26 0 0,26-26 16,-25-1-16</inkml:trace>
+  <inkml:trace contextRef="#ctx0" brushRef="#br0" timeOffset="1284">1142 2232 0,'-26'0'0,"0"-26"0,0 26 16,-25 0-16,25-26 0,-26 26 15,-26 26-15,26-26 16,-26 26-16,1 0 0,-1 26 16,-26-1-16,27 1 15,-1 0-15,0 0 0,0 26 16,1-1-16,51 1 16,-26 26-16,52 0 0,0-27 15,0 27-15,52 0 0,-1-1 16,1-25-16,26-26 15,0 26-15,25-52 0,1 25 16,0-51-16,-1 0 16,27 0-16,-26 0 0,-1-51 15,1 25-15,0-26 0,-26-26 16,-1 0-16,-25-25 16,0-1-16,0 0 0,-26-25 15,-26 25-15,0-26 0,0 27 16,-26-1-16,0 26 15,0 1-15,-26-1 0,0 52 16,-25-26-16,-1 52 16,0 0-16,0 0 0,1 0 15,-1 26-15,0 0 0,0 0 16,26 26-16,26-26 16</inkml:trace>
+</inkml:ink>
+</file>
+
+<file path=ppt/ink/ink63.xml><?xml version="1.0" encoding="utf-8"?>
+<inkml:ink xmlns:inkml="http://www.w3.org/2003/InkML">
+  <inkml:definitions>
+    <inkml:context xml:id="ctx0">
+      <inkml:inkSource xml:id="inkSrc0">
+        <inkml:traceFormat>
+          <inkml:channel name="X" type="integer" max="1920" units="cm"/>
+          <inkml:channel name="Y" type="integer" max="1080" units="cm"/>
+          <inkml:channel name="T" type="integer" max="2.14748E9" units="dev"/>
+        </inkml:traceFormat>
+        <inkml:channelProperties>
+          <inkml:channelProperty channel="X" name="resolution" value="55.81395" units="1/cm"/>
+          <inkml:channelProperty channel="Y" name="resolution" value="55.6701" units="1/cm"/>
+          <inkml:channelProperty channel="T" name="resolution" value="1" units="1/dev"/>
+        </inkml:channelProperties>
+      </inkml:inkSource>
+      <inkml:timestamp xml:id="ts0" timeString="2020-12-09T06:37:33.175"/>
+    </inkml:context>
+    <inkml:brush xml:id="br0">
+      <inkml:brushProperty name="width" value="0.05" units="cm"/>
+      <inkml:brushProperty name="height" value="0.05" units="cm"/>
+      <inkml:brushProperty name="fitToCurve" value="1"/>
+    </inkml:brush>
+  </inkml:definitions>
+  <inkml:trace contextRef="#ctx0" brushRef="#br0">466 834 0,'26'0'0,"0"0"15,-26-26-15,26 26 16,-52-26 15,0 26-15,0 0-16,0 0 15,1-26-15,-27 26 0,26 0 16,-26 26-16,0-26 16,0 26-16,0 0 0,1 25 15,25 1-15,0 0 0,0 0 16,26 26-16,0-1 15,26-25-15,0 26 0,0-26 16,25 0-16,1-26 16,26 0-16,-26-1 0,26-25 15,25-25-15,-51 25 0,26-52 16,0 26-16,-26-26 16</inkml:trace>
+  <inkml:trace contextRef="#ctx0" brushRef="#br0" timeOffset="210">907 834 0,'0'-26'0,"0"0"16,0 0-16,0 0 0,0 0 15,0 52 17,0 0-17,0 26-15,0-26 0,0 25 16,0 1-16,0 0 0,0 26 15,26-26-15,0 0 16,0-1-16,-26 1 0,26-26 16,0 0-16</inkml:trace>
+  <inkml:trace contextRef="#ctx0" brushRef="#br0" timeOffset="998">1477 989 0,'26'-26'0,"-26"0"0,0 0 16,-26 26-1,0 0 1,0 26-16,0 0 16,1 0-16,-1 0 15,0 26-15,26-26 0,-26 26 16,26-26-16,0-1 15,26 1-15,0 0 0,0 0 16,25 0-16,-25-26 0,26 0 16,0 0-16,-26 0 15,26-26-15,0 0 0,-27 0 16,1 26-16,-26-26 16,0 1-16,0-1 0,0 0 15,-51 0-15,25 0 0,-26 0 16,26 0-16,-26 0 15,26 26-15,-26-26 0,26 26 16,26 26 0,0 0-16,26-26 15,0 26-15,26-26 0,0 26 16,-26-26-16,52 0 16,-27 0-16,1-26 0,0 26 15,0 0-15,-26-26 16,26 0-16,-26 26 0,0-26 15,-26 0-15,25 26 0,-25-26 16,-25 26 0,-1 0-1,26 26 1,0 0-16,0 0 0,0 0 16,0 0-16,0 26 0,26-26 15,-26 26-15,25-27 16,1 1-16,0 0 0,0 0 15,0 0-15,26-26 0,-26 0 16,26 0-16,-26 0 16,0-26-16,-1 0 0,1 0 15,0 0-15,0-25 16,-26 25-16,0-26 0,0 0 16,0 0-16,0 26 0,-26 0 15,26 0-15,-26 1 16,26 50-1,0 1-15,26 0 16,-26 0-16,26 26 0,0-26 16,-26 26-16,26-26 0,0 0 15,0 0-15,-26-1 16,26 1-16,0-26 0</inkml:trace>
+  <inkml:trace contextRef="#ctx0" brushRef="#br0" timeOffset="2509">2980 989 0,'26'0'16,"-26"-26"-16,26 26 15,-26-26-15,0 0 0,0 0 16,0 1-16,0-1 16,-26 0-16,26 0 0,-26 26 15,1-26-15,-27 26 16,26 0-16,0 26 0,-26 0 16,26 0-16,0 25 0,0-25 15,0 26-15,26 0 16,0 0-16,0 0 0,0 0 15,26-27-15,0 1 0,0 0 16,26-26-16,-26 0 16,26 0-16,0 0 0,-1-26 15,-25 0-15,26 1 16,-26-27-16,0 0 0,-26 0 16,0 0-16,0-26 15,0 27-15,0-27 0,-26 26 16,0 0-16,0 0 0,26 26 15,-26 26-15,0 26 16,26 0-16,0 26 16,26 0-16,-26 0 0,26 0 15,0 25-15,0-25 16,0 26-16,0-52 0,0 26 16,0-26-16</inkml:trace>
+  <inkml:trace contextRef="#ctx0" brushRef="#br0" timeOffset="2808">4069 652 0,'26'-52'16,"26"1"-16,-26-27 15,-26 26-15,26-26 0,-26 0 16,0 1-16,0 25 15,-26 0-15,0 0 0,0 26 16,-26 26-16,26 26 0,0 26 16,0 0-16,0 51 15,0-25-15,1 52 0,-1-26 16,26 25-16,0 1 16,0-1-16,0-25 0,0 26 15,0-27-15,26 1 0,-26-26 16,25-1-16,-25-25 15,26-26-15,-26 0 0</inkml:trace>
+  <inkml:trace contextRef="#ctx0" brushRef="#br0" timeOffset="3433">3758 1171 0,'0'-26'16,"0"-26"-16,26 26 0,0 0 15,0 0-15,0 0 0,0 0 16,25 26-16,1-26 15,0 0-15,26 26 0,-26-26 16,0 1-16,-1 25 16,1-26-16,0 0 0,0 26 15,-26 0-15,-26-26 16,-26 26 0,0 0-16,-26 0 15,26 0-15,0 26 16,-26-26-16,27 26 0,-1 25 15,26-25-15,-26 0 0,26 26 16,0 0-16,26-26 16,-26 0-16,26 0 0,-1 0 15,27 0-15,-26-26 16,26 0-16,-26 0 0,26-26 16,-26 26-16,-26-26 0,26 0 15,-26 0-15,0-26 16,0 26-16,-26 0 0,0-26 15,26 26-15,-26 1 16,26-1-16,-26 26 0,26-26 16,26 26-16,0 0 15,0 0-15,26 26 16,-1-26-16,-25 0 0,26 0 16,0 26-16,0-26 15,-26 25-15,0-25 0,0 26 16,0 0-16,-26 0 15,-26 0-15,0 0 16,0-26-16,0 0 16,0 0-16,26-26 15,-26 26-15,26-26 0,0 0 16,0-26-16,26 27 0,0-27 16,0 26-16,0-26 15,0 26-15,25-26 0,-25 26 16,0 26-16,0-26 15,0 26-15,0 0 0</inkml:trace>
+  <inkml:trace contextRef="#ctx0" brushRef="#br0" timeOffset="3960">5495 367 0,'0'-26'0,"0"0"16,-26 26-16,0-26 0,26 0 15,0 52 1,0 0-16,0 0 16,0 52-16,26-26 0,-26 51 15,26-25-15,-1 26 0,-25 25 16,26-25-16,0 26 15,0-1-15,-26-25 0,0 0 16,26-27-16,-26 1 16,0 0-16,0-52 0,0 0 15,-26-26-15,26-26 16,0-26-16,-26 0 16,26-26-16,0-25 0,0-1 15,0 0-15,0 1 16,0-1-16,0 0 0,26 27 15,0-1-15,0 26 0,0 0 16,26 52-16,0-26 16,-26 26-16,25 26 0,1-26 15,-26 26-15,26 0 16,-26 26-16,-26-26 0,0 26 16,0-26-16,0 25 0,-26-25 15,-26 26-15,26-26 16,-26 0-16,27-26 0,-27 0 15,26 0-15,0 0 16,0-26-16,26 0 0,0-26 16,0 0-16</inkml:trace>
+  <inkml:trace contextRef="#ctx0" brushRef="#br0" timeOffset="4153">6091 445 0,'26'-26'16,"0"0"-16,-26 0 15,25 0 1,1 52 0,-26 0-1,26 0-15,-26 0 0,0 26 16,26 25-16,-26-25 0,0 26 16,0-26-16,0 26 15,0-27-15,0 1 0</inkml:trace>
+  <inkml:trace contextRef="#ctx0" brushRef="#br0" timeOffset="4597">6842 834 0,'26'0'15,"-26"-26"-15,26 26 0,-26-26 16,0 0-16,0 0 15,0 0-15,-26-26 0,26 26 16,-26 0-16,0-25 16,0 25-16,1 26 0,-1 0 15,0 0-15,0 0 0,26 26 16,-26-1-16,0 27 16,0-26-16,26 26 0,0 0 15,0 0-15,0 0 0,0-27 16,0 27-16,26-26 15,0 0-15,0-26 0,0 0 16,0 0-16,0 0 16,-1 0-16,1-26 0,26 0 15,-26 0-15,0-25 16,-26 25-16,26-26 0,-26 26 16,26 0-16,-26 0 0,26 26 15,-26 26 1,26 0-1,-26 0-15,0 0 16,26 0-16,-26 0 16,26-1-16,0 1 15</inkml:trace>
+  <inkml:trace contextRef="#ctx0" brushRef="#br0" timeOffset="4962">7179 678 0,'-26'-26'16,"26"0"-16,0 0 0,-26 0 16,26 1-16,26 25 15,0 0 1,-26 25-16,26 1 0,-26 0 16,26 26-16,-26 0 15,26-26-15,-26 26 0,0 0 16,0-27-16,0 1 0,0 0 15,0 0-15,0-52 16,0 0 0,0 0-16,26 1 15,-26-27-15,26 0 0,-26 0 16,26 0-16,0 26 0,-26-26 16,26 27-16,0 25 15,-1 0-15,1 0 0,0 0 16,0 25-16,-26 27 15,26-26-15,-26 0 0,0 26 16,0 0-16,0-26 0,0 0 16,0 0-16</inkml:trace>
+  <inkml:trace contextRef="#ctx0" brushRef="#br0" timeOffset="5352">7749 523 0,'0'-26'0,"0"0"16,26 52-1,-26 0 1,0 0-16,0-1 16,0 1-16,0 0 0,0 0 15,0 26-15,0-26 0,0 0 16,0 0-16,0 0 15,0 0-15,26 0 16,0-52 0,-26 0-16,26 0 15,-26 0-15,26 0 0,0-26 16,0 26-16,0-26 16,0 26-16,0-25 0,0 25 15,-1 26-15,1 0 16,0 0-16,0 26 0,-26 0 15,26-1-15,-26 27 0,0-26 16,0 26-16,0 0 16,0-26-16,0 26 0,0-26 15,0-1-15</inkml:trace>
+  <inkml:trace contextRef="#ctx0" brushRef="#br0" timeOffset="5556">8346 471 0,'26'0'16,"-26"26"-1,0 0 1,25 0-16,-25-1 0,0 1 16,0 0-16,26 26 15,-26-26-15,0 26 0,0-26 16,0 0-16,0 0 0</inkml:trace>
+  <inkml:trace contextRef="#ctx0" brushRef="#br0" timeOffset="5676">8449 263 0,'-26'-51'0,"26"25"15,0 0-15,-26 0 0,1 26 16,25 26-1</inkml:trace>
+  <inkml:trace contextRef="#ctx0" brushRef="#br0" timeOffset="6522">8631 549 0,'0'-26'16,"0"0"-1,0 52 17,0 0-17,0-1-15,26 1 16,-26 0-16,0 0 16,0 0-16,0 0 15,26 0-15,-26 0 16,25 0-1,1-26 1,0 0 0,0 0-16,0 0 0,-26-26 15,26 0-15,0 26 0,0-26 16,26 0-16,-26 26 16,0-26-16,-1 0 0,1 26 15,0-26-15,0 26 16,0 0-16,0-26 0,0 26 15,0-25-15,0 25 0,-26-26 16,26 0-16,0 0 16,-26 0-16,26 0 0,-26 0 15,-26 26 1,0 0-16,0 0 0,0 0 16,0 0-16,0 26 0,0 0 15,0 0-15,0 0 16,0-26-16,26 26 0,0 0 15,26-1 1,0-25-16,0 0 0,26 0 16,-26 0-16,26 0 0,-26 0 15,25-25-15,-25 25 16,0-26-16,0 26 0,0 0 16,-26 26 15,-26-1-31,26 1 0,-26 52 15,26-26-15,0 26 16,26-1-16,0 27 0,0-26 16,0 26-16,0-27 15,-26-25-15,26 0 0,-26 0 16,0-26-16,-26 0 0,0-26 16,0-26-16,0 0 15,-26 0-15,0-26 0,27 0 16,-1-26-16,0 1 15,26-1-15,0 0 0,26 0 16,0 1-16,51 25 0,-25 0 16,26 26-16,0 0 15,-1 0-15,1 26 0,0 0 16,-26 0-16,-26 26 16,0-26-16,-26 26 0,-26-26 15,0 0-15</inkml:trace>
+</inkml:ink>
+</file>
+
+<file path=ppt/ink/ink64.xml><?xml version="1.0" encoding="utf-8"?>
+<inkml:ink xmlns:inkml="http://www.w3.org/2003/InkML">
+  <inkml:definitions>
+    <inkml:context xml:id="ctx0">
+      <inkml:inkSource xml:id="inkSrc0">
+        <inkml:traceFormat>
+          <inkml:channel name="X" type="integer" max="1920" units="cm"/>
+          <inkml:channel name="Y" type="integer" max="1080" units="cm"/>
+          <inkml:channel name="T" type="integer" max="2.14748E9" units="dev"/>
+        </inkml:traceFormat>
+        <inkml:channelProperties>
+          <inkml:channelProperty channel="X" name="resolution" value="55.81395" units="1/cm"/>
+          <inkml:channelProperty channel="Y" name="resolution" value="55.6701" units="1/cm"/>
+          <inkml:channelProperty channel="T" name="resolution" value="1" units="1/dev"/>
+        </inkml:channelProperties>
+      </inkml:inkSource>
+      <inkml:timestamp xml:id="ts0" timeString="2020-12-09T06:37:44.245"/>
+    </inkml:context>
+    <inkml:brush xml:id="br0">
+      <inkml:brushProperty name="width" value="0.05" units="cm"/>
+      <inkml:brushProperty name="height" value="0.05" units="cm"/>
+      <inkml:brushProperty name="fitToCurve" value="1"/>
+    </inkml:brush>
+  </inkml:definitions>
+  <inkml:trace contextRef="#ctx0" brushRef="#br0">0 130 0,'0'25'0,"25"-25"16,1 0 0,26 0-1,-26-25-15,26 25 0,0-26 16,0 0-16,25 26 0,-25-26 16,0 26-16,0-26 15,0 26-15,-26 0 0,0 0 16,0-26-16,-52 26 31,0 0-31</inkml:trace>
+</inkml:ink>
+</file>
+
+<file path=ppt/ink/ink65.xml><?xml version="1.0" encoding="utf-8"?>
+<inkml:ink xmlns:inkml="http://www.w3.org/2003/InkML">
+  <inkml:definitions>
+    <inkml:context xml:id="ctx0">
+      <inkml:inkSource xml:id="inkSrc0">
+        <inkml:traceFormat>
+          <inkml:channel name="X" type="integer" max="1920" units="cm"/>
+          <inkml:channel name="Y" type="integer" max="1080" units="cm"/>
+          <inkml:channel name="T" type="integer" max="2.14748E9" units="dev"/>
+        </inkml:traceFormat>
+        <inkml:channelProperties>
+          <inkml:channelProperty channel="X" name="resolution" value="55.81395" units="1/cm"/>
+          <inkml:channelProperty channel="Y" name="resolution" value="55.6701" units="1/cm"/>
+          <inkml:channelProperty channel="T" name="resolution" value="1" units="1/dev"/>
+        </inkml:channelProperties>
+      </inkml:inkSource>
+      <inkml:timestamp xml:id="ts0" timeString="2020-12-09T06:37:40.915"/>
+    </inkml:context>
+    <inkml:brush xml:id="br0">
+      <inkml:brushProperty name="width" value="0.05" units="cm"/>
+      <inkml:brushProperty name="height" value="0.05" units="cm"/>
+      <inkml:brushProperty name="fitToCurve" value="1"/>
+    </inkml:brush>
+  </inkml:definitions>
+  <inkml:trace contextRef="#ctx0" brushRef="#br0">648 26 0,'0'-26'16,"26"26"-16,-52 26 47,26 0-32,0 0-15,0 0 16,0 26-16,0 0 0,0-1 16,0 27-16,0 0 0,26 26 15,-26-27-15,26 1 16,-26 26-16,26-26 0,-26-1 15,0 1-15,26 0 16,-26-26-16,0-1 0,26 1 16,-26-26-16,0 0 0,0 0 15</inkml:trace>
+  <inkml:trace contextRef="#ctx0" brushRef="#br0" timeOffset="229">518 1296 0,'-26'0'16,"1"0"0,25 26-1,25-26-15,1 26 16,0 0-1,0-26-15,0 26 0,0 0 16,0 26-16,0-27 0,0 1 16,0 0-16,0-26 15</inkml:trace>
+  <inkml:trace contextRef="#ctx0" brushRef="#br0" timeOffset="421">959 1452 0,'0'-52'0,"26"26"15,0-26-15,0 0 0,-26 26 16,26 0-16,-26 0 16,-26 52-1,0 0 1,0 26-16,0 0 0,0 0 16,-26 26-16,26-27 0,0 1 15,1 0-15,-1 0 16,0 0-16</inkml:trace>
+  <inkml:trace contextRef="#ctx0" brushRef="#br0" timeOffset="1098">1037 1918 0,'-26'0'15,"0"-26"-15,0 26 0,0 0 16,-26 0-16,-25 0 0,25 0 15,-26 26-15,0 0 16,0 0-16,1 26 0,-1 0 16,0 0-16,0 25 15,1 1-15,25 0 0,0 25 16,26 1-16,26 0 0,0-1 16,0 1-16,26 0 15,26-1-15,26-25 0,25-26 16,1 0-16,0 0 15,25-52-15,1 0 0,-1-26 16,27 0-16,-27-26 16,-25-26-16,0 1 0,-1-27 15,-25 0-15,-26-25 0,0-1 16,-52 0-16,0 1 16,0 25-16,-52 1 0,0-1 15,0 26-15,-25 0 0,-1 26 16,-26 52-16,1 0 15,-1 0-15,0 26 0,1 0 16,25 26-16,26 0 16,0-26-16,26 26 0</inkml:trace>
+  <inkml:trace contextRef="#ctx0" brushRef="#br0" timeOffset="1758">2203 2333 0,'0'-26'16,"0"0"0,0 0-16,0 0 0,0 0 15,26 0-15,-26 0 16,26 1-16,0-1 0,0 0 16,26 0-16,-26 0 15,25 26-15,1 0 0,0 0 16,-26 26-16,26 0 0,-26 26 15,-26-1-15,0 1 16,0 26-16,-26 0 0,-26-1 16,0 1-16,-26-26 15,27 26-15,-1-26 0,0-1 16,0 1-16,26-26 0,0-26 16,0 0-16,52-26 15,0 26 1,26-26-16,-26 0 15,26 1-15,25-1 0,-25 0 16,0 26-16,0-26 0,0 26 16,0 0-16,-1 0 15,-25 0-15,0 0 0,0 0 16,0 0-16</inkml:trace>
+  <inkml:trace contextRef="#ctx0" brushRef="#br0" timeOffset="2178">3058 2203 0,'0'-26'0,"26"0"16,-26 1-16,0-1 16,0 0-16,0 52 31,0 0-31,-26-1 0,0 1 15,26 0-15,-25 26 0,-1 0 16,26 0-16,0 0 16,0-1-16,0 1 0,26 0 15,-1 0-15,1-26 16,26 0-16,-26-26 0,26 0 16,0 0-16,-26-26 0,26 0 15,-26 0-15,-1-26 16,1 0-16,0 26 0,-26-25 15,0-1-15,-26 0 0,0 0 16,1 0-16,-1 26 16,-26 0-16,26 1 0,0 25 15,-26 0-15,26 0 16,0 25-16,26 1 0,-26-26 16,26 26-16,0 0 0,0 0 15,0 0-15,26-26 16,0 0-16,0 0 0</inkml:trace>
+  <inkml:trace contextRef="#ctx0" brushRef="#br0" timeOffset="2412">3577 2022 0,'26'-26'0,"-26"0"15,26 26-15,-26-26 0,26 26 16,-1 26 15,-25 26-31,26-26 0,-26 26 16,0-1-16,26 27 15,-26-26-15,0 26 0,0-26 16,0-1-16,26 1 0,-26-26 16,0 26-16</inkml:trace>
+  <inkml:trace contextRef="#ctx0" brushRef="#br0" timeOffset="2772">4069 1918 0,'0'-26'0,"26"0"0,-26 0 15,-26 26 1,26-26-16,-26 26 15,0 26-15,26 0 16,-26 0-16,26 0 16,-25 0-16,25 0 0,0 0 15,0 26-15,25-26 0,1 0 16,0 25-16,0-25 16,26 0-16,0 0 0,-26 0 15,26 0-15,-26-26 16,25 26-16,-25 0 0,-26 0 15,0 0-15,0 0 16,-26 0-16,0-1 16,1 1-16,-1-26 0,-26 26 15,0-26-15,0 0 0,26 0 16,-26 0-16,26-26 16,1 0-16,25-25 0</inkml:trace>
+  <inkml:trace contextRef="#ctx0" brushRef="#br0" timeOffset="2940">4069 1944 0,'26'-52'0,"-26"26"0,26 0 16,0 0-16,0 1 15,0 25 1,0-26-16,0 26 0,0 0 16,25-26-16,-25 26 15,26-26-15,0 26 0,0 0 16,-26-26-16,0 26 0,0 0 15</inkml:trace>
+</inkml:ink>
+</file>
+
+<file path=ppt/ink/ink66.xml><?xml version="1.0" encoding="utf-8"?>
+<inkml:ink xmlns:inkml="http://www.w3.org/2003/InkML">
+  <inkml:definitions>
+    <inkml:context xml:id="ctx0">
+      <inkml:inkSource xml:id="inkSrc0">
+        <inkml:traceFormat>
+          <inkml:channel name="X" type="integer" max="1920" units="cm"/>
+          <inkml:channel name="Y" type="integer" max="1080" units="cm"/>
+          <inkml:channel name="T" type="integer" max="2.14748E9" units="dev"/>
+        </inkml:traceFormat>
+        <inkml:channelProperties>
+          <inkml:channelProperty channel="X" name="resolution" value="55.81395" units="1/cm"/>
+          <inkml:channelProperty channel="Y" name="resolution" value="55.6701" units="1/cm"/>
+          <inkml:channelProperty channel="T" name="resolution" value="1" units="1/dev"/>
+        </inkml:channelProperties>
+      </inkml:inkSource>
+      <inkml:timestamp xml:id="ts0" timeString="2020-12-09T06:37:53.200"/>
+    </inkml:context>
+    <inkml:brush xml:id="br0">
+      <inkml:brushProperty name="width" value="0.05" units="cm"/>
+      <inkml:brushProperty name="height" value="0.05" units="cm"/>
+      <inkml:brushProperty name="fitToCurve" value="1"/>
+    </inkml:brush>
+  </inkml:definitions>
+  <inkml:trace contextRef="#ctx0" brushRef="#br0">148 570 0,'-26'-26'0,"0"26"15,26-26-15,-26 26 16,0 0-16,26 26 16,0 0-1,0 0-15,0 26 0,26-26 16,-26 26-16,0-26 0,26 25 15,-26 1-15,0-26 16,26 0-16,-26 0 0,0 0 16,0 0-1,-26-26-15,0-26 16,26 0-16,-26 0 16,26 0-16,-26 0 15,26-26-15,0 1 0,-26-1 16,26-26-16,0 26 15,26-26-15,-26 27 0,26-1 16,0 0-16,26 26 0,-26 0 16,25 26-16,1 0 15,0 0-15,-26 26 0,26 0 16,-26 0-16,0 0 16,0 0-16,-26 0 0,0-1 15,-26 1-15,26 0 0,-26 26 16,-26-26-16,26 0 15,-26-26-15,26 26 0,0 0 16,0-26-16,1 26 16,-1-26-16,52 0 15,-1 0-15,1 26 16,26-26-16,-26 0 16,52 26-16,-26-26 0,0 25 15,-26 1-15,25 0 16,-25 0-16,0 0 0,0 0 15,-26 0-15,0 0 0,-26 0 16,0 0-16,0 0 16,-25-26-16,-1 26 0,0 0 15,0-26-15,0 0 16,0 0-16,0 0 0,27 0 16,-27-26-16,26 0 0,26 0 15,0 0-15</inkml:trace>
+  <inkml:trace contextRef="#ctx0" brushRef="#br0" timeOffset="383">977 570 0,'0'-26'15,"-26"0"1,0 0-1,0 26-15,0 0 16,0 26-16,26 0 16,-25 0-16,25 0 0,0 0 15,0 26-15,0-26 16,0 26-16,0-1 0,25-25 16,1 26-16,0-26 15,26 0-15,-26 0 0,26-26 16,-26 0-16,26 0 0,-1 0 15,-25 0-15,0-26 16,0 0-16,0 0 0,-26 0 16,0-26-16,0 1 15,-26 25-15,0-26 0,0 0 16,0 26-16,1 0 0,-1-26 16,0 52-16,0-26 15,0 26-15,0 0 16</inkml:trace>
+  <inkml:trace contextRef="#ctx0" brushRef="#br0" timeOffset="1043">1418 441 0,'-26'0'15,"26"25"32,0 1-47,0 0 16,0 26-16,0-26 0,0 26 15,26 0-15,-26 0 0,0-1 16,26-25-16,-26 0 16,0 0-16,0 0 0,25 0 15,-50-26 1,25-26-1,0 0-15,-26 0 0,26-26 16,0 1-16,0-1 16,0 0-16,0-26 0,0 26 15,0 0-15,26-25 0,-26 51 16,25-26-16,27 26 16,-26 0-16,0 26 0,26 0 15,0 0-15,-26 26 16,26-26-16,-26 26 0,-1 0 15,1 0-15,0 26 0,-26-26 16,0-1-16,-26 1 16,0 0-16,1 0 0,-1 0 15,-26-26-15,26 26 16,0-26-16,0 26 0,0-26 16,52 0-1,0 0 1,0 0-16,0 0 0,0 0 15,26 0-15,-1 0 16,1 0-16,0 0 0,-26 26 16,26 0-16,-26 0 0,0 0 15,-26 0-15,0-1 16,0 27-16,-26-26 0,0 0 16,-26-26-16,0 26 15,0 0-15,-25-26 0,25 0 16,-26 0-16,26 0 0,0 0 15,26-26-15,0 0 16,0 0-16</inkml:trace>
+  <inkml:trace contextRef="#ctx0" brushRef="#br0" timeOffset="1608">2195 233 0,'-26'0'0,"0"0"0,26-26 15,-26 26-15,26-26 0,0 0 16,26 1 0,0-1-16,26 26 15,-26-26-15,26 26 0,0-26 16,0 0-16,-1 26 15,-25 0-15,26-26 0,-26 26 16,0 0-16,-52 26 31,0 0-15,0 0-16,0 0 16,26 25-16,-26-25 0,26 26 15,0 0-15,0 0 16,26 0-16,-26 0 0,26-1 15,0 1-15,0 0 0,0-26 16,-26 26-16,26-26 16,-26 0-16,26 0 0,-26-1 15,26 1-15,-26 0 16,-26-52 0,0 0-1,0 1-15,0 25 16,0-26-16,-26 0 0,26 26 15,-25-26-15,25 26 16,-26 0-16,26 0 0,0 0 16,0 26-16,0 0 0,26 0 15,0-1 1,26 1-16,26-26 16,-26 0-16</inkml:trace>
+</inkml:ink>
+</file>
+
+<file path=ppt/ink/ink67.xml><?xml version="1.0" encoding="utf-8"?>
+<inkml:ink xmlns:inkml="http://www.w3.org/2003/InkML">
+  <inkml:definitions>
+    <inkml:context xml:id="ctx0">
+      <inkml:inkSource xml:id="inkSrc0">
+        <inkml:traceFormat>
+          <inkml:channel name="X" type="integer" max="1920" units="cm"/>
+          <inkml:channel name="Y" type="integer" max="1080" units="cm"/>
+          <inkml:channel name="T" type="integer" max="2.14748E9" units="dev"/>
+        </inkml:traceFormat>
+        <inkml:channelProperties>
+          <inkml:channelProperty channel="X" name="resolution" value="55.81395" units="1/cm"/>
+          <inkml:channelProperty channel="Y" name="resolution" value="55.6701" units="1/cm"/>
+          <inkml:channelProperty channel="T" name="resolution" value="1" units="1/dev"/>
+        </inkml:channelProperties>
+      </inkml:inkSource>
+      <inkml:timestamp xml:id="ts0" timeString="2020-12-09T06:37:51.327"/>
+    </inkml:context>
+    <inkml:brush xml:id="br0">
+      <inkml:brushProperty name="width" value="0.05" units="cm"/>
+      <inkml:brushProperty name="height" value="0.05" units="cm"/>
+      <inkml:brushProperty name="fitToCurve" value="1"/>
+    </inkml:brush>
+  </inkml:definitions>
+  <inkml:trace contextRef="#ctx0" brushRef="#br0">499 291 0,'26'0'16,"-26"-26"62,26 26-47,-26-25-15,0-1-1,0 0 16,0 0-15,-26 26-16,0-26 16,0 26-1,0 0 1,-26 0-16,26 26 0,-26-26 16,1 26-16,-1 0 0,0-26 15,26 26-15,-26-1 16,26 1-16,0 0 0,0 0 15,26 0-15,0 0 16,26 0-16,26 0 16,-26-26-16,26 0 15,26 0-15,-27 26 16,1-26-16,0 26 0,26-26 16,-26 26-16,-26 0 15,26-26-15,-27 51 0,1-25 16,-26 0-16,0 0 0,0 0 15,0 0-15,-26 0 16,1 0-16,-1 0 0,-26 0 16,26 0-16,-26-26 15,0 26-15,0-26 0,26 0 16,-25 0-16,25-26 0,0 26 16,0-26-16,26 0 15,0 0-15,0 0 0</inkml:trace>
+  <inkml:trace contextRef="#ctx0" brushRef="#br0" timeOffset="500">991 265 0,'26'0'15,"-52"0"1,0 0-1,0 26-15,26 0 16,-25 0 0,25 0-16,0 26 0,0-26 15,0 26-15,0 0 0,0-26 16,0 25-16,0-25 16,0 26-16,0-26 0,-26 0 15,26 0-15,0 0 0,0 0 16,0-52-1,-26 26 1,26-26-16,0 0 16,0-26-16,0 0 0,0 0 15,0-25-15,26-1 16,-26 0-16,26 0 0,-26 27 16,25-27-16,-25 26 0,26 0 15,0 26-15,26 0 16,-26 26-16,0 26 0,0 0 15,26 26-15,-26 0 0,0 0 16,-1 25-16,1-25 16,0 26-16,0 0 0,0-26 15,-26-1-15,26 1 16,-26 0-16,0 0 0,26-26 16,-26 0-16,0 0 0,-26-26 15,0 0-15</inkml:trace>
+  <inkml:trace contextRef="#ctx0" brushRef="#br0" timeOffset="654">965 577 0,'-51'-26'0,"25"26"15,26-26-15,-26 26 16,26-26-16,0 0 16,26 26-16,0-26 15,-1 26-15,1-26 0,26 0 16,-26 26-16,26-26 0,0 0 15,0 26-15</inkml:trace>
+  <inkml:trace contextRef="#ctx0" brushRef="#br0" timeOffset="1099">1484 214 0,'0'-26'16,"0"0"-1,0 52 17,0 0-32,0 0 15,26 25-15,-26-25 0,0 26 16,26 0-16,-26 0 16,25 0-16,-25 0 0,26-27 15,-26 27-15,0-26 0,26 0 16,-26 0-16,0-52 31,0 0-31,-26 0 0,0 0 16,26-25-16,-25-1 15,-1-26-15,26 26 0,-26-26 16,26 1-16,0 25 16,0 0-16,26 0 0,-26 26 15,26 0-15,25 0 16,-25 26-16,0 0 0,0 26 15,26 0-15,-26 0 0,-26 0 16,26 0-16,-26 0 16,0 0-16,-26 0 0,0 0 15,0-1-15,-26 1 16,0-26-16,1 26 0,25 0 16</inkml:trace>
+</inkml:ink>
+</file>
+
+<file path=ppt/ink/ink68.xml><?xml version="1.0" encoding="utf-8"?>
+<inkml:ink xmlns:inkml="http://www.w3.org/2003/InkML">
+  <inkml:definitions>
+    <inkml:context xml:id="ctx0">
+      <inkml:inkSource xml:id="inkSrc0">
+        <inkml:traceFormat>
+          <inkml:channel name="X" type="integer" max="1920" units="cm"/>
+          <inkml:channel name="Y" type="integer" max="1080" units="cm"/>
+          <inkml:channel name="T" type="integer" max="2.14748E9" units="dev"/>
+        </inkml:traceFormat>
+        <inkml:channelProperties>
+          <inkml:channelProperty channel="X" name="resolution" value="55.81395" units="1/cm"/>
+          <inkml:channelProperty channel="Y" name="resolution" value="55.6701" units="1/cm"/>
+          <inkml:channelProperty channel="T" name="resolution" value="1" units="1/dev"/>
+        </inkml:channelProperties>
+      </inkml:inkSource>
+      <inkml:timestamp xml:id="ts0" timeString="2020-12-09T06:37:55.383"/>
+    </inkml:context>
+    <inkml:brush xml:id="br0">
+      <inkml:brushProperty name="width" value="0.05" units="cm"/>
+      <inkml:brushProperty name="height" value="0.05" units="cm"/>
+      <inkml:brushProperty name="fitToCurve" value="1"/>
+    </inkml:brush>
+  </inkml:definitions>
+  <inkml:trace contextRef="#ctx0" brushRef="#br0">363 830 0,'25'-26'0,"-25"0"0,0 0 16,-25-26-16,25 26 0,-26 0 16,0 1-16,0-1 15,-26 0-15,26 26 0,0 0 16,0 0-16,0 0 0,0 52 16,0-27-16,1 27 15,-1 0-15,0 0 0,26 0 16,0 26-16,0-27 15,0 1-15,26 0 0,0 0 16,-1-26-16,27 0 0,0 0 16,0-26-16,0 0 15,26 0-15,-1 0 0,1-26 16,-26 0-16,26-26 16,-27 26-16,1-26 0,0-26 15,-26 1-15,0 25 0,-26-26 16,0-26-16,-26 27 15,0-1-15,26 0 0,-26 26 16,0 1-16,0 25 16,26-26-16,-26 52 0,26 26 15,0 0 1,0 0-16,26 25 16,-26 1-16,0 26 0,26-26 15,0 26-15,-26-1 16,26-25-16,-26 26 0,26-26 15,0 0-15,-26-1 0,26-25 16,0 0-16,0 0 16,0-26-16</inkml:trace>
+  <inkml:trace contextRef="#ctx0" brushRef="#br0" timeOffset="768">1114 934 0,'26'-26'0,"-26"-26"0,26 26 15,-26 0-15,0-26 16,26 26-16,-26 0 0,0 52 47,-26 0-47,26 0 0,0 26 15,0-26-15,0 0 16,0 26-16,26-27 0,-26 1 16,26 0-16,26 0 0,-26 0 15,0-26-15,25 26 16,-25-26-16,26 0 0,-26-26 15,0 0-15,0 26 16,0-26-16,-26-26 0,0 27 16,0-27-16,0 26 0,-26-26 15,0 0-15,0 26 16,-26-26-16,26 26 0,0 1 16,-25-1-16,25 0 15,0 26-15,0 0 0,0 26 16,26 0-16,0-1 15,0 1 1,26 0-16,0-26 0,26 26 16,-27-26-16,27 0 15,0 0-15,0 0 0,0-26 16,0 26-16,-1-26 0,-25 0 16,0 1-16,0 25 15,0-26-15,-26 0 0,0 0 16,0 0-1,-26 26-15,0 0 0,0 0 16,0 26-16,26 0 16,-25-26-16,25 26 15,0 25-15,0-25 0,25 0 16,-25 26-16,26-26 16,0 0-16,0 26 0,0-26 15,0 0-15,0 0 0,26-26 16,-26 0-16,26 0 15,-27 0-15,1 0 0,0-26 16,0 0-16,0 0 16,0 0-16,-26-26 0,26 0 15,-26 26-15,0-26 0,0 1 16,0 25-16,-26 0 16,26 0-16,0 52 31,0 0-31,0 0 0,0 0 15,26-1-15,-26 27 0,0 0 16,26-26-16,-26 0 16,0 26-16,26-26 0,-26 0 15,0 0-15</inkml:trace>
+  <inkml:trace contextRef="#ctx0" brushRef="#br0" timeOffset="1339">2747 700 0,'0'-26'0,"26"-25"0,-26 25 15,26 0-15,-26 0 16,0 0-16,-26-26 0,26 26 16,-26 0-16,0 0 0,0 26 15,-26-26-15,26 26 16,-25 0-16,-1 0 0,0 0 15,26 0-15,-26 26 16,26 0-16,0 0 16,0 26-16,1 0 0,25-26 0,0 26 15,0-1-15,0 1 16,25 0-16,1-26 0,0 0 16,26 0-16,0 0 15,-26-26-15,26 0 0,25 0 16,-25 0-16,0-26 15,0 0-15,-26 0 0,26 0 16,-26-26-16,0 0 0,-1-25 16,-25 25-16,0-26 15,0 0-15,-25 1 0,-1-1 16,26 26-16,-26-26 0,0 52 16,26-26-16,-26 26 15,26 52 1,0 0-16,0 0 15,0 0-15,0 26 0,0-26 16,26 26-16,0 0 0,-26-1 16,26 1-16,0 0 15,-1 0-15,1 0 0,26 0 16,-26-1-16,26-25 16,0 0-16,0 0 0,-1 0 15,1-26-15,-26 0 0,0 0 16,-26-26-16,0 0 15</inkml:trace>
+</inkml:ink>
+</file>
+
+<file path=ppt/ink/ink69.xml><?xml version="1.0" encoding="utf-8"?>
+<inkml:ink xmlns:inkml="http://www.w3.org/2003/InkML">
+  <inkml:definitions>
+    <inkml:context xml:id="ctx0">
+      <inkml:inkSource xml:id="inkSrc0">
+        <inkml:traceFormat>
+          <inkml:channel name="X" type="integer" max="1920" units="cm"/>
+          <inkml:channel name="Y" type="integer" max="1080" units="cm"/>
+          <inkml:channel name="T" type="integer" max="2.14748E9" units="dev"/>
+        </inkml:traceFormat>
+        <inkml:channelProperties>
+          <inkml:channelProperty channel="X" name="resolution" value="55.81395" units="1/cm"/>
+          <inkml:channelProperty channel="Y" name="resolution" value="55.6701" units="1/cm"/>
+          <inkml:channelProperty channel="T" name="resolution" value="1" units="1/dev"/>
+        </inkml:channelProperties>
+      </inkml:inkSource>
+      <inkml:timestamp xml:id="ts0" timeString="2020-12-09T06:38:02.248"/>
+    </inkml:context>
+    <inkml:brush xml:id="br0">
+      <inkml:brushProperty name="width" value="0.05" units="cm"/>
+      <inkml:brushProperty name="height" value="0.05" units="cm"/>
+      <inkml:brushProperty name="fitToCurve" value="1"/>
+    </inkml:brush>
+  </inkml:definitions>
+  <inkml:trace contextRef="#ctx0" brushRef="#br0">0 132 0,'26'-26'31,"-1"26"-15,1 0-16,26-26 0,0 26 15,0-26-15,0 26 0,0-26 16,-27 26-16,27-26 16,-26 26-16,0 0 0,0 0 15,-52 0 16,0 0-31,0 0 16,0 26-16</inkml:trace>
+</inkml:ink>
+</file>
+
+<file path=ppt/ink/ink7.xml><?xml version="1.0" encoding="utf-8"?>
+<inkml:ink xmlns:inkml="http://www.w3.org/2003/InkML">
+  <inkml:definitions>
+    <inkml:context xml:id="ctx0">
+      <inkml:inkSource xml:id="inkSrc0">
+        <inkml:traceFormat>
+          <inkml:channel name="X" type="integer" max="1920" units="cm"/>
+          <inkml:channel name="Y" type="integer" max="1080" units="cm"/>
+          <inkml:channel name="T" type="integer" max="2.14748E9" units="dev"/>
+        </inkml:traceFormat>
+        <inkml:channelProperties>
+          <inkml:channelProperty channel="X" name="resolution" value="55.81395" units="1/cm"/>
+          <inkml:channelProperty channel="Y" name="resolution" value="55.6701" units="1/cm"/>
+          <inkml:channelProperty channel="T" name="resolution" value="1" units="1/dev"/>
+        </inkml:channelProperties>
+      </inkml:inkSource>
+      <inkml:timestamp xml:id="ts0" timeString="2020-12-09T06:14:48.414"/>
+    </inkml:context>
+    <inkml:brush xml:id="br0">
+      <inkml:brushProperty name="width" value="0.05" units="cm"/>
+      <inkml:brushProperty name="height" value="0.05" units="cm"/>
+      <inkml:brushProperty name="fitToCurve" value="1"/>
+    </inkml:brush>
+  </inkml:definitions>
+  <inkml:trace contextRef="#ctx0" brushRef="#br0">80 26 0,'-26'0'16,"26"-26"0,0 52 62,0 0-63,0 0 1,0 0 0,0-1-1,-26 1-15,26 0 16,0 0-16,0 0 16,-26-26-16,26 26 0,0 0 15,0 0-15,0 0 16,0 0-1,26-26 1,0 0-16,0 0 16,-1-26-16,1 26 15,26 0-15,-26-26 16,0 26-16</inkml:trace>
+</inkml:ink>
+</file>
+
+<file path=ppt/ink/ink70.xml><?xml version="1.0" encoding="utf-8"?>
+<inkml:ink xmlns:inkml="http://www.w3.org/2003/InkML">
+  <inkml:definitions>
+    <inkml:context xml:id="ctx0">
+      <inkml:inkSource xml:id="inkSrc0">
+        <inkml:traceFormat>
+          <inkml:channel name="X" type="integer" max="1920" units="cm"/>
+          <inkml:channel name="Y" type="integer" max="1080" units="cm"/>
+          <inkml:channel name="T" type="integer" max="2.14748E9" units="dev"/>
+        </inkml:traceFormat>
+        <inkml:channelProperties>
+          <inkml:channelProperty channel="X" name="resolution" value="55.81395" units="1/cm"/>
+          <inkml:channelProperty channel="Y" name="resolution" value="55.6701" units="1/cm"/>
+          <inkml:channelProperty channel="T" name="resolution" value="1" units="1/dev"/>
+        </inkml:channelProperties>
+      </inkml:inkSource>
+      <inkml:timestamp xml:id="ts0" timeString="2020-12-09T06:37:58.060"/>
+    </inkml:context>
+    <inkml:brush xml:id="br0">
+      <inkml:brushProperty name="width" value="0.05" units="cm"/>
+      <inkml:brushProperty name="height" value="0.05" units="cm"/>
+      <inkml:brushProperty name="fitToCurve" value="1"/>
+    </inkml:brush>
+  </inkml:definitions>
+  <inkml:trace contextRef="#ctx0" brushRef="#br0">682 26 0,'26'0'16,"-26"-26"-1,-26 26 32,26 26-31,-26 0-1,26 0-15,0 26 0,-26-26 16,26 26-16,0 0 0,0-1 16,0 27-16,26-26 15,-26 0-15,26 0 0,-26 0 16,26-1-16,-26 1 0,26-26 15,-26 26-15,26-26 16,-26 0-16,0 0 0,0 0 16,26-26-16,-26 26 15,0-1-15,26 1 16,-26-52 0</inkml:trace>
+  <inkml:trace contextRef="#ctx0" brushRef="#br0" timeOffset="305">423 804 0,'-26'0'0,"0"0"16,0 0-1,52 0 1,-26 26-16,26-26 16,0 0-16,0 26 15,0-26-15,0 26 0,0 0 16,0-1-16,26 1 16,-27 0-16,1 0 0,0 0 15,0 0-15,0 0 0,0-26 16,0 26-16,0 0 15,0-26-15,0 0 16</inkml:trace>
+  <inkml:trace contextRef="#ctx0" brushRef="#br0" timeOffset="556">1071 856 0,'0'-26'0,"0"0"15,26 26-15,-26-26 16,26 26-16,-26-26 15,0 52 1,-26-26 0,0 26-16,0 0 0,-26 0 15,26 0-15,0 0 16,-25 25-16,25-25 0,0 0 16,0 0-16,26 0 0,-26 0 15,0 0 1,26 0-16,0 0 0,0 0 15,-26 0 1</inkml:trace>
+  <inkml:trace contextRef="#ctx0" brushRef="#br0" timeOffset="1518">1045 1400 0,'-26'-26'0,"0"26"15,0-26-15,0 26 16,1 0-16,-1 0 0,-26 0 15,0 0-15,0 0 0,0 26 16,-25 0-16,25 0 16,0 0-16,-26 26 15,0 0-15,26-1 0,1 1 0,-1 0 16,0 0-16,0 26 16,26-27-16,0 1 0,0 26 15,26-26-15,0 26 16,0-27-16,0 1 0,26 0 15,0 0-15,26 0 0,0-26 16,26 26-16,-1-26 16,1-1-16,0-25 0,26 26 15,-27-26-15,27 0 16,-26 0-16,25 0 0,-51-26 16,26 1-16,0 25 15,-26-52-15,-1 26 0,1 0 16,0 0-16,-26-26 0,26 26 15,-26-26-15,0 26 16,0-25-16,0 25 0,-26-26 16,0 0-16,0 0 0,0 0 15,0 0-15,0 27 16,-26-27-16,0 0 0,0 0 16,26 0-16,-26 0 15,-26 1-15,26-1 0,0 26 16,0-26-16,0 26 0,-25 0 15,25 0-15,0 0 16,-26 26-16,26-26 0,-26 26 16,26 0-16,-26 0 15,1 0-15,25 26 0,-26-26 16,26 26-16,0 0 0,0-26 16,0 26-16,0-26 15,0 26-15,26 0 0</inkml:trace>
+  <inkml:trace contextRef="#ctx0" brushRef="#br0" timeOffset="2549">2030 1841 0,'0'-26'15,"-26"26"1,26-26 0,0 0-1,0 0-15,26 0 16,-26 0-16,0 0 0,26 0 15,0 0 1,0 0-16,-26 1 0,52 25 16,-26-26-16,-1 26 15,1 0-15,0 0 0,0 26 16,0-26-16,0 25 0,0 1 16,0 0-16,0 26 15,-26-26-15,0 26 0,0-26 16,0 26-16,0-1 15,-26-25-15,0 26 0,0 0 16,0 0-16,-26-26 0,26 26 16,0-26-16,1 25 15,-27-25-15,26 0 0,0-26 16,0 26-16,0-26 16,26-26-1,0 0 1,26 0-16,0 0 15,0 1-15,0-1 0,26 0 16,-27 0-16,27 26 16,0-26-16,0 26 0,-26 0 15,26 26-15,-26-26 0,0 26 16,-1 0-16,1-26 16,0 26-16,0-1 0,0 1 15,0 0 1,0 0-16,0-26 15</inkml:trace>
+  <inkml:trace contextRef="#ctx0" brushRef="#br0" timeOffset="2970">2833 1867 0,'26'-26'15,"-26"-26"-15,26 52 16,-26-26-16,0 0 0,-26 26 31,0 26-15,1 0-16,25 0 15,-26 0-15,26 25 16,0-25-16,0 26 0,0-26 16,0 0-16,26 26 0,-1-26 15,1 0-15,0 0 16,0 0-16,0-26 0,26 0 15,-26 0-15,0 0 16,0 0-16,0-26 0,0 0 16,0 0-16,-26 0 0,0-26 15,0 26-15,0-26 16,-26 0-16,0 1 0,0 25 16,-26-26-16,26 26 15,0 0-15,0 26 0,-26 0 16,26 0-16,0 0 15,1 26-15,25 0 16,0 0 0,0 0-1,25-26-15,1 0 0</inkml:trace>
+  <inkml:trace contextRef="#ctx0" brushRef="#br0" timeOffset="3233">3300 1530 0,'0'-26'15,"0"52"17,0 0-32,0-1 15,0 1-15,26 26 0,-26 0 16,26 0-16,-26 0 15,26-26-15,-26 25 0,26 1 16,-26 0-16,0-26 16,26 0-16,-26 0 0,0 0 15,0 0-15,0 0 16</inkml:trace>
+  <inkml:trace contextRef="#ctx0" brushRef="#br0" timeOffset="3629">3663 1659 0,'0'-26'0,"0"0"0,0 0 15,-26 1-15,0-1 16,0 0 0,26 0-16,0 0 15,0 0-15,26 0 16,0 0-16,0 0 0,0 0 15,26 0-15,-1 0 0,1 1 16,0-1-16,0 26 16,-26-26-16,0 26 0,26 0 15,-26 26 1,-26 25-16,0-25 16,-26 0-16,26 26 0,-26 0 15,26 0-15,-26 0 16,26-26-16,0 25 0,0 1 15,0 0-15,0 0 16,26 0-16,-26-26 0,0 25 16,26-25-16,-26 0 0,0 26 15,0-26-15,0 0 16,26 0-16</inkml:trace>
+  <inkml:trace contextRef="#ctx0" brushRef="#br0" timeOffset="3863">3922 1841 0,'-26'-26'0,"0"26"15,26-26-15,-26 26 0,26-26 16,0 0 0,26 26-16,0-26 15,0 0-15,0 26 0,26-26 16,0 0-16,-26 26 15,25-26-15,-25 0 0,26 26 16,-26-25-16,0 25 16,-52 0-1,0 25 1,0-25 0</inkml:trace>
+</inkml:ink>
+</file>
+
+<file path=ppt/ink/ink71.xml><?xml version="1.0" encoding="utf-8"?>
+<inkml:ink xmlns:inkml="http://www.w3.org/2003/InkML">
+  <inkml:definitions>
+    <inkml:context xml:id="ctx0">
+      <inkml:inkSource xml:id="inkSrc0">
+        <inkml:traceFormat>
+          <inkml:channel name="X" type="integer" max="1920" units="cm"/>
+          <inkml:channel name="Y" type="integer" max="1080" units="cm"/>
+          <inkml:channel name="T" type="integer" max="2.14748E9" units="dev"/>
+        </inkml:traceFormat>
+        <inkml:channelProperties>
+          <inkml:channelProperty channel="X" name="resolution" value="55.81395" units="1/cm"/>
+          <inkml:channelProperty channel="Y" name="resolution" value="55.6701" units="1/cm"/>
+          <inkml:channelProperty channel="T" name="resolution" value="1" units="1/dev"/>
+        </inkml:channelProperties>
+      </inkml:inkSource>
+      <inkml:timestamp xml:id="ts0" timeString="2020-12-09T06:38:03.555"/>
+    </inkml:context>
+    <inkml:brush xml:id="br0">
+      <inkml:brushProperty name="width" value="0.05" units="cm"/>
+      <inkml:brushProperty name="height" value="0.05" units="cm"/>
+      <inkml:brushProperty name="fitToCurve" value="1"/>
+    </inkml:brush>
+  </inkml:definitions>
+  <inkml:trace contextRef="#ctx0" brushRef="#br0">570 261 0,'26'-26'16,"0"0"0,-26 0-1,26 0 1,-26 0 0,0 1-1,0-1 1,0 0-16,-26 26 15,0-26-15,0 26 16,0 0-16,-26 0 0,0 26 16,-25-26-16,25 26 15,0 0-15,-26 25 0,26-25 16,0 0-16,27 0 0,-1 26 16,0-26-16,26 0 15,0 0-15,0 0 0,26 26 16,0-27-16,-1 1 15,27 0-15,0 0 0,0-26 16,0 26-16,0 0 0,25-26 16,-25 26-16,-26-26 15,26 26-15,-26 0 0,26-26 16,-52 26-16,26 0 16,-26 0-16,0-1 0,0 1 15,0 0-15,-26-26 0,0 26 16,-26 0-16,26 0 15,-26 0-15,0-26 0,1 26 16,-1-26-16,0 0 0,0 26 16,26-26-16,0 0 15,0-26-15,0 26 0,26-26 16,0 0 0,0 0-16</inkml:trace>
+  <inkml:trace contextRef="#ctx0" brushRef="#br0" timeOffset="517">855 365 0,'26'-26'0,"0"0"0,0 0 16,-26 0-16,26 26 15,-26 26 16,-26 0-31,26 0 16,0 0-16,0 26 0,0-1 16,0 1-16,0 0 0,0 0 15,26 0-15,-26 0 16,0-26-16,0 25 0,26-25 16,-26 0-16,0 0 15,0-52 16,0 0-31,0 0 16,0 0-16,0-25 0,0-1 16,0 0-16,0-26 0,0 26 15,0-25-15,0-1 16,0 0-16,26 0 0,-26 26 16,25 1-16,-25 25 15,26 0-15,0 26 0,0 26 16,-26 0-16,26 0 0,0 25 15,0 1-15,0 0 16,-26 26-16,26-26 0,0 25 16,0 1-16,-26-26 15,26 26-15,-1-26 0,-25-1 16,26 1-16,-26 0 0,0-26 16,0 0-16,0 0 15,0 0-15</inkml:trace>
+  <inkml:trace contextRef="#ctx0" brushRef="#br0" timeOffset="738">1011 702 0,'-26'-26'0,"0"0"0,0 26 16,0-26-16,0 26 16,26-26-16,26 26 15,0 0-15,0-26 0,0 26 16,25-26-16,1 0 15,0 26-15,26-26 0,-26 0 16,0 26-16,-1-25 16,-25 25-16,26-26 0,-26 26 15</inkml:trace>
+  <inkml:trace contextRef="#ctx0" brushRef="#br0" timeOffset="1291">1684 235 0,'0'-26'16,"-26"0"-1,26 52 17,26-26-32,-26 52 0,0-26 15,26 26-15,-26 0 16,26 0-16,-26 25 0,26-25 16,-26 0-16,26 0 0,-26 0 15,26-26-15,-26 25 16,26-25-16,-26 0 15,0-52 1,0 0 0,-26 0-16,26 1 0,0-27 15,-26 0-15,26-26 16,-26 26-16,26-25 0,-26-1 16,26 0-16,0 0 15,0 0-15,26 27 0,0 25 16,0 0-16,0 0 0,0 26 15,26 0-15,-26 0 16,0 0-16,-1 26 0,1 0 16,0-26-16,-26 26 15,26 0-15,-26-1 0,0 1 16,-26 26-16,0-26 0,0 0 16,1 0-16,-1-26 15,0 26-15,0 0 0,0-26 16,0 26-16,0-26 15</inkml:trace>
+</inkml:ink>
+</file>
+
+<file path=ppt/ink/ink72.xml><?xml version="1.0" encoding="utf-8"?>
+<inkml:ink xmlns:inkml="http://www.w3.org/2003/InkML">
+  <inkml:definitions>
+    <inkml:context xml:id="ctx0">
+      <inkml:inkSource xml:id="inkSrc0">
+        <inkml:traceFormat>
+          <inkml:channel name="X" type="integer" max="1920" units="cm"/>
+          <inkml:channel name="Y" type="integer" max="1080" units="cm"/>
+          <inkml:channel name="T" type="integer" max="2.14748E9" units="dev"/>
+        </inkml:traceFormat>
+        <inkml:channelProperties>
+          <inkml:channelProperty channel="X" name="resolution" value="55.81395" units="1/cm"/>
+          <inkml:channelProperty channel="Y" name="resolution" value="55.6701" units="1/cm"/>
+          <inkml:channelProperty channel="T" name="resolution" value="1" units="1/dev"/>
+        </inkml:channelProperties>
+      </inkml:inkSource>
+      <inkml:timestamp xml:id="ts0" timeString="2020-12-09T06:38:07.203"/>
+    </inkml:context>
+    <inkml:brush xml:id="br0">
+      <inkml:brushProperty name="width" value="0.05" units="cm"/>
+      <inkml:brushProperty name="height" value="0.05" units="cm"/>
+      <inkml:brushProperty name="fitToCurve" value="1"/>
+    </inkml:brush>
+  </inkml:definitions>
+  <inkml:trace contextRef="#ctx0" brushRef="#br0">4173 395 0,'26'-52'0,"-26"-26"16,0 26-16,-26-26 15,26 26-15,-52 27 0,26-1 16,0 0-16,-26 26 0,1 0 16,25 26-16,-26 0 15,0-1-15,26 53 0,-26-26 16,26 26-16,26 0 15,-26 25-15,26 1 0,0 0 16,26-1-16,-26 1 0,26 0 16,0-1-16,0 1 15,0 0-15,-26-1 0,0 1 16,0-26-16,0 0 0,0-1 16,-26-25-16,0 0 15,0-26-15,-26-26 0</inkml:trace>
+  <inkml:trace contextRef="#ctx0" brushRef="#br0" timeOffset="-1751">363 1457 0,'26'-26'0,"0"26"0,-26-26 15,26 0-15,-26 0 0,26 26 16,-26-25-16,0-1 16,-26 26-16,0 0 0,0-26 15,0 26-15,0 0 0,-26 0 16,26 26-16,-26 0 15,1-26-15,25 25 0,0 27 16,-26-26-16,26 0 16,0 26-16,26 0 0,0 0 15,0 0-15,0-1 16,26 1-16,0 0 0,0 0 16,26 0-16,-26-26 0,25 0 15,27-26-15,-26 0 16,0 0-16,26 0 0,-26-26 15,25 0-15,-25-26 0,-26 26 16,26-26-16,-26-26 16,0 27-16,-26-27 0,0 0 15,0 0-15,0 0 16,-26-25-16,0 25 0,26 26 16,-26-26-16,26 27 0,0-1 15,-26 26-15,26 0 16,0 52-1,0 0-15,26 26 16,-26-26-16,0 51 0,26-25 16,-26 26-16,0-26 0,26 25 15,-26 1-15,26-26 16,-26 0-16,26 0 0,-26 0 16,0-1-16,26-25 15,-26 0-15,25-26 0</inkml:trace>
+  <inkml:trace contextRef="#ctx0" brushRef="#br0" timeOffset="-913">1115 1405 0,'26'0'0,"-1"-26"0,-25 0 15,26 1-15,0-1 16,-26 0-16,0 0 15,-26 26 1,0 0-16,1 26 0,-1 0 16,0 0-16,0-1 15,26 1-15,-26 26 0,26-26 16,0 26-16,0 0 16,0 0-16,0-26 0,26 0 15,0 25-15,0-51 0,0 26 16,-1-26-16,1 0 15,26 0-15,-26 0 0,0-26 16,0 0-16,0 1 0,0-1 16,-26-26-16,0 26 15,-26-26-15,0 0 0,0 26 16,0-26-16,0 1 16,0 25-16,0 0 0,0 0 15,1 26-15,50 0 31,1 0-15,26 0-16,-26 0 16,0 0-16,26 0 0,-26-26 15,26 26-15,-26 0 16,-1-26-16,1 26 0,0 0 16,0 0-16,0-26 0,0 26 15,-26-26 1,-26 26-1,26 26-15,-26-26 16,26 26-16,-26-26 16,26 26-16,-26 26 0,26-26 15,-26 0-15,26 25 16,0 1-16,26-26 0,0 26 16,0-26-16,0 0 0,0-26 15,26 26-15,-26-26 16,0 0-16,26 0 0,-26 0 15,25-26-15,-25 0 16,0 0-16,0-26 0,0 26 16,-26-26-16,0 26 0,26-25 15,-26-1-15,0 26 16,0-26-16,-26 26 0,26 0 16,0 52 15,0 0-31,26 0 15,-26 0-15,26 26 16,0-26-16,-26 25 0,26-25 16,-26 26-16,26-26 15,-26 26-15,0-26 0,26 0 16</inkml:trace>
+  <inkml:trace contextRef="#ctx0" brushRef="#br0" timeOffset="-384">2722 1302 0,'25'0'0,"1"-26"16,0 0 0,-26 0-16,26 0 0,-26 0 15,0 0-15,0 0 0,0 0 16,0 0-16,-26 0 15,0 1-15,0 25 0,1-26 16,-27 26-16,26 0 0,-26 0 16,26 26-16,-26-26 15,26 25-15,0 1 0,0 26 16,1-26-16,25 26 16,0 0-16,0-26 0,0 26 15,0-27-15,25 27 16,1-26-16,0 0 0,26-26 15,0 26-15,-26-26 0,26 0 16,0-26-16,-1 0 16,1 0-16,-26 0 0,26-25 15,-26-1-15,-26 0 0,0 0 16,0 0-16,0 0 16,0-25-16,-26-1 0,0 26 15,26 0-15,-26 0 16,0 1-16,26 25 0,0 0 15,0 52 1,0 0-16,0 25 16,26 1-16,-26 0 0,0 0 15,26 26-15,-26-27 16,0 1-16,0 26 0,26-26 16,-26-26-16,0 26 15,0-26-15</inkml:trace>
+  <inkml:trace contextRef="#ctx0" brushRef="#br0" timeOffset="679">3525 1224 0,'0'-52'0,"26"26"0,26 0 16,-26 0-16,0 0 0,25 0 15,1 26-15,0 0 16,26-25-16,-26 25 0,0 0 15,25-26-15,-25 26 0,0 0 16,0-26-16,-26 26 16,0-26-16,0 26 0,-26-26 15,0 0 1,-26 26-16,0 0 0,0 0 16,-26 0-16,26 0 0,0 26 15,-26-26-15,52 26 16,-26 0-16,26 0 0,0 0 15,0-1-15,26 1 0,0 0 16,0 0-16,0 0 16,26 0-16,-26 0 0,26-26 15,0 26-15,-27-26 16,1 0-16,0 0 0,0 0 16,0-26-16,-26 0 15,0 0-15,-26 26 16,26-26-16,-26 0 0,26 0 15,-26-25-15,0 25 16,26 0-16,0 0 0,0 0 16,0 0-16,26 0 15,0 26-15,0-26 16,26 26-16,-26 0 0,0 0 16,26 0-16,-26 26 15,0 0-15,-1-26 0,1 26 16,0 0-16,0 26 0,-26-26 15,0-1-15,26-25 16,-26 26-16,0 0 0,0 0 16,-26-26-1,0 0-15,0 0 16,0-26-16,1 0 16,25 0-16,0 1 15,0-1-15,0-26 0,0 26 16,25-26-16,1 26 15,0-26-15,0 26 0,0 26 16,0-26-16,0 1 16</inkml:trace>
+</inkml:ink>
+</file>
+
+<file path=ppt/ink/ink73.xml><?xml version="1.0" encoding="utf-8"?>
+<inkml:ink xmlns:inkml="http://www.w3.org/2003/InkML">
+  <inkml:definitions>
+    <inkml:context xml:id="ctx0">
+      <inkml:inkSource xml:id="inkSrc0">
+        <inkml:traceFormat>
+          <inkml:channel name="X" type="integer" max="1920" units="cm"/>
+          <inkml:channel name="Y" type="integer" max="1080" units="cm"/>
+          <inkml:channel name="T" type="integer" max="2.14748E9" units="dev"/>
+        </inkml:traceFormat>
+        <inkml:channelProperties>
+          <inkml:channelProperty channel="X" name="resolution" value="55.81395" units="1/cm"/>
+          <inkml:channelProperty channel="Y" name="resolution" value="55.6701" units="1/cm"/>
+          <inkml:channelProperty channel="T" name="resolution" value="1" units="1/dev"/>
+        </inkml:channelProperties>
+      </inkml:inkSource>
+      <inkml:timestamp xml:id="ts0" timeString="2020-12-09T06:38:09.045"/>
+    </inkml:context>
+    <inkml:brush xml:id="br0">
+      <inkml:brushProperty name="width" value="0.05" units="cm"/>
+      <inkml:brushProperty name="height" value="0.05" units="cm"/>
+      <inkml:brushProperty name="fitToCurve" value="1"/>
+    </inkml:brush>
+  </inkml:definitions>
+  <inkml:trace contextRef="#ctx0" brushRef="#br0">155 806 0,'-26'-25'15,"26"-1"1,26 26-1,-26 26 1,0-1-16,0 1 16,-26 0-16,0 26 0,26-26 15,-26 26-15,26 0 0,-26-26 16,0 25-16,26-25 16,-25 0-16,25 0 0,0 0 15,25-26 1,-25-26-1,26 0-15,0 0 0,-26 0 16,26-25-16,0-1 16,-26 0-16,26-26 0,0 0 15,0 1-15,-26-1 16,26-26-16,0 27 0,0-1 16,0 0-16,-1 0 0,-25 26 15,26 1-15,0 25 16,0 52-16,0-1 15,-26 27-15,26 0 16,0 0-16,-26 26 0,26 0 16,0-1-16,0 1 0,-26 0 15,26 0-15,-26-27 16,26 27-16,-26-26 0,0 0 16,25-26-16,-25 26 15,0-27-15,0-50 31,0-1-31,0 0 16,0 0-16,-25-26 0,-1 0 16,0 26-16,0-26 15,-26 1-15,0 25 0,26-26 16,-26 26-16,1 26 0,25 0 16,-26 0-16,26 0 15,0 26-15,0 0 0,26 0 16,0 0-16,0-1 15,26 27-15,-26-26 0,26 0 16,0 0-16,0 0 0,0 0 16,0 0-16,-1 0 15,1-26-15,0 0 0,0 0 16,0 0-16,0-26 16,0 26-16,26-26 0,-52 0 15,26 0-15,0-26 0,0 26 16,-1-26-16,-25 27 15,26-27-15,-26 26 0,26 0 16,0 0-16,0 0 0,0 26 16,0 26-1,0 0-15,-26 26 16,26-26-16,-26 0 16,0 25-16,26-25 0,-26 26 15,0-26-15,0 0 0,0 0 16,0 0-1,0-52 1,26 0 0,0 0-16,-26 0 15,25 0-15,1-26 0,0 26 16,-26-25-16,26 25 16,0 0-16,-26 0 0,26 26 15,0 0 1,0 26-16,-26 0 15,0 0-15,0 0 0,0-1 16,26 1-16,-26 0 16,26 0-16,-26 0 0,26 0 15,0-26-15,-26 26 16,26-26-16,-1 0 0</inkml:trace>
+  <inkml:trace contextRef="#ctx0" brushRef="#br0" timeOffset="1081">1529 755 0,'26'-26'0,"-26"0"16,26 0-16,-26-26 0,0 26 15,0 0-15,0 0 16,-26 26-16,0 0 16,0 0-16,0 0 15,-26 0-15,26 26 0,0 0 16,0 0-16,0 0 0,0 0 15,26 26-15,0-26 16,0 0-16,0-1 0,0 1 16,26 0-16,0 0 15,0 0-15,0 0 16,0-26-16,0 0 0,0 0 16,0 0-16,-26-26 15,26 26-15,-26-26 0,26 0 16,-26 0-1,0 0-15,0 1 0,0-1 16,26 0-16,-26 0 0,0 0 16,0 52-1,0 0 1,25 0 0,-25 0-16,0-1 0,26 1 15,0 0-15,0 0 16,0-26-1,0 0-15,0 0 0,0-26 16,0 0 0,0 0-16,-26 1 0,0-27 15,26 26-15,-26-26 0,0 0 16,0 0-16,-26-25 16,26 25-16,-26-26 0,26 26 15,-26 0-15,26 0 16,-26 26-16,26 1 0,-26 50 15,26 1-15,0 26 16,0-26-16,0 52 16,0-26-16,0 0 0,0 25 15,26-25-15,-26 0 16,26 0-16,-26 0 0,0 0 16,26-27-16,-26 1 0,26-26 15,0 26-15,0-26 16,-1-26-16,1 0 15,0 1 1,0-27-16,-26 26 0,0-26 16,26 26-16,-26-26 0,0 26 15,0-26-15,0 27 16,0-1-16,0 52 31,0-1-15,0 1-16,0 0 0,26 0 15,-26 0-15,0 0 16,0 0-16,26 0 0,0 0 16,0-26-16,-26 26 15,26-26-15,0 0 16,0 0-16,-1-26 0,1 26 16,0-26-16,0 26 15,0-26-15,0 0 0,0 0 16,-26 0-16,0-26 0,0 26 15,0 1-15,0-1 16,-26 52 0,26-1-1,-26 1-15,26 26 0,-26 0 16,26 26-16,-26-26 0,26 25 16,0-25-16,0 0 15,0 26-15,0-26 0,0-26 16,0 25-16,0-25 15,0 0-15,0-52 16</inkml:trace>
+  <inkml:trace contextRef="#ctx0" brushRef="#br0" timeOffset="1667">2540 210 0,'0'-52'0,"0"27"0,-26-1 16,26 0-16,0 0 16,0 52-1,0 0-15,0 0 16,0 25-16,26 1 16,-1 26-16,-25-26 0,26 0 15,0 25-15,-26-25 0,26 0 16,0 0-16,-26 0 15,0-26-15,26 26 0,-26-27 16,0 1 0,-26-26-16,0 0 15,26-26 1,0 1-16,-26-1 0,26 0 16,0 0-16,-26 0 0,26 0 15,0 0-15,0 0 16,0 0-16,0 0 0,26 0 15,-26 0-15,26 1 16,0 25-16,0-26 16,0 26-16,0 0 15,0-26 1,0 26-16,0 0 0,0 0 16,-1-26-16,1 26 15,0-26-15,0 0 16,-26 52 15,0 0-15,0 0-16,0 0 15,0 0-15,0 25 16,26-25-16,-26 0 0,0 0 16,26 0-1,-26 0-15,0 0 16</inkml:trace>
+  <inkml:trace contextRef="#ctx0" brushRef="#br0" timeOffset="1837">2851 81 0,'-26'-26'0,"26"0"16,-26 0-16,0 26 15,0 26 1,26 0-16,0 0 16</inkml:trace>
+  <inkml:trace contextRef="#ctx0" brushRef="#br0" timeOffset="2448">3317 340 0,'26'0'16,"0"0"-16,0 0 15,0-26-15,0 26 0,-26-26 16,0 0 0,-26 26-16,0-26 15,0 26 1,-26 0-16,26 0 0,0 26 15,0 0-15,0 0 0,0 0 16,1 0-16,25 0 16,-26 0-16,26 0 0,0 25 15,0-25-15,0 0 16,26 0-16,-1 0 0,1 0 16,0 0-16,0-26 0,26 0 15,-26 0-15,26 0 16,0 0-16,-1 0 0,1-26 15,-26 26-15,26-26 16,0 0-16,-26 0 0,0 0 16,26-25-16,-26 25 0,-1-26 15,1 0-15,0 0 16,-26 0-16,26 0 0,-26 26 16,0 1-16,-26-1 0,26 0 15,-26 26-15,0 0 16,-25 0-16,25 0 0,0 26 15,0 0-15,0-1 16,26 1-16,0 0 0,26 0 16,0 0-16,0 0 15,26 0-15,-27-26 16,27 26-16,-26 0 0,26 0 16,-26 0-16,0 0 15,0 0-15,-26-1 0,0 1 16,-52 0-16,26 0 15,-52 0-15,1 0 0,-27 0 16,-26 0-16</inkml:trace>
+</inkml:ink>
+</file>
+
+<file path=ppt/ink/ink74.xml><?xml version="1.0" encoding="utf-8"?>
+<inkml:ink xmlns:inkml="http://www.w3.org/2003/InkML">
+  <inkml:definitions>
+    <inkml:context xml:id="ctx0">
+      <inkml:inkSource xml:id="inkSrc0">
+        <inkml:traceFormat>
+          <inkml:channel name="X" type="integer" max="1920" units="cm"/>
+          <inkml:channel name="Y" type="integer" max="1080" units="cm"/>
+          <inkml:channel name="T" type="integer" max="2.14748E9" units="dev"/>
+        </inkml:traceFormat>
+        <inkml:channelProperties>
+          <inkml:channelProperty channel="X" name="resolution" value="55.81395" units="1/cm"/>
+          <inkml:channelProperty channel="Y" name="resolution" value="55.6701" units="1/cm"/>
+          <inkml:channelProperty channel="T" name="resolution" value="1" units="1/dev"/>
+        </inkml:channelProperties>
+      </inkml:inkSource>
+      <inkml:timestamp xml:id="ts0" timeString="2020-12-09T06:38:13.622"/>
+    </inkml:context>
+    <inkml:brush xml:id="br0">
+      <inkml:brushProperty name="width" value="0.05" units="cm"/>
+      <inkml:brushProperty name="height" value="0.05" units="cm"/>
+      <inkml:brushProperty name="fitToCurve" value="1"/>
+    </inkml:brush>
+  </inkml:definitions>
+  <inkml:trace contextRef="#ctx0" brushRef="#br0">526 0 0,'-26'0'47,"26"26"-31,0 26-16,-26-26 0,26 26 15,0 26-15,0-1 0,0 1 16,0 0-16,0 0 15,0-1-15,0 1 0,0 0 16,26-26-16,-26 0 0,0 25 16,0-25-16,0 0 15,0 0-15,0-26 0,0 26 16,0 0-16,0-27 16,0 1-16,0 26 0,0-26 15,-26 0-15,26 0 16,-26 0-1,26-52 1</inkml:trace>
+  <inkml:trace contextRef="#ctx0" brushRef="#br0" timeOffset="269">215 1374 0,'-26'26'16,"52"-26"31,-1 0-47,-25 26 15,26-26-15,0 0 16,-26 26-16,26-26 0,0 26 15,0 0-15,26-26 16,-26 0-16,0 26 0,0-26 16,0 0-16,-1 0 0</inkml:trace>
+  <inkml:trace contextRef="#ctx0" brushRef="#br0" timeOffset="586">862 1219 0,'26'0'0,"-26"-26"16,-26 26 0,26 26-1,-25-26-15,-1 26 0,0-26 16,26 25-16,-52 1 15,26 0-15,0 0 0,0 0 16,26 0-16,-26 0 0,0 0 16,26 0-16,-26-26 15,26 26-15,0 0 16,-26-26 0</inkml:trace>
+  <inkml:trace contextRef="#ctx0" brushRef="#br0" timeOffset="1277">733 1867 0,'26'-26'15,"-26"0"-15,0 0 16,0 0-16,0 0 15,-26 26-15,0-26 0,0 26 16,-26 0 0,26 0-16,-26 0 0,27 0 15,-27 26-15,0 0 16,0 26-16,0-26 0,0 25 16,-25 1-16,51 26 0,-26-26 15,0 26-15,26-1 16,0-25-16,26 26 0,0 0 15,26-26-15,0-1 16,0 27-16,26-52 0,26 26 16,-27-26-16,53 26 0,-26-26 15,0-26-15,-1 26 16,27-26-16,-26 0 0,-1-26 16,-25 26-16,26-26 15,-26 0-15,0-26 0,0 26 16,-27-26-16,1 0 0,0 1 15,0-27-15,-26 0 16,0 26-16,0-26 0,0-25 16,-26 25-16,0 26 15,0-26-15,1 1 0,-1 25 16,0 0-16,0 26 0,-26 0 16,26 0-16,-26 0 15,26 26-15,-26 0 0,1 0 16,-1 0-16,0 26 15,0-26-15,0 26 0,0 0 16,27-26-16,-1 0 16,0 26-16,26 0 15</inkml:trace>
+  <inkml:trace contextRef="#ctx0" brushRef="#br0" timeOffset="1884">811 3007 0,'0'-26'32,"0"52"46,0 0-63,0 0 1,0 0-16,0 26 0,0-27 16,0 27-16,0 0 15,0 0-15,0 0 0,26 0 16,-26 25-16,0-25 0,25-26 16,-25 26-16,0 0 15,26-26-15,-26 0 0,0 0 16,0 0-16,0-1 15,0-50 1,-26 25-16,26-26 16</inkml:trace>
+  <inkml:trace contextRef="#ctx0" brushRef="#br0" timeOffset="2699">1977 2048 0,'0'-26'0,"-26"26"0,26-26 15,0 0-15,-26 26 16,26-26-16,0 0 0,0 0 15,0 1-15,0-1 0,0 0 16,26 0-16,0 0 16,0 26-16,26-26 0,-26 26 15,0 0-15,-1 0 16,27 26-16,-26 0 0,0 26 16,0-1-16,-26 1 15,0 0-15,0 26 16,-26-26-16,26 25 0,-26-25 15,-26 0-15,26-26 16,-25 26-16,25-26 0,-26 0 16,26 0-16,-26 0 0,26-26 15,0 0-15,0 0 16,26-26-16,26 26 16,-26-26-16,26-26 15,26 26-15,-26 0 0,26 0 16,0 0-16,-26 0 0,25 26 15,1 0-15,-26 0 16,26 26-16,-26 0 0,0-26 16,0 52-16,0-26 15,-26 0-15,26 0 0,-1 0 16,-25 0-16,26 0 16,0-26-1</inkml:trace>
+  <inkml:trace contextRef="#ctx0" brushRef="#br0" timeOffset="3108">2729 2152 0,'26'-52'0,"-26"0"0,0 26 16,0-26-16,0 26 0,0 0 16,0 0-16,0 1 15,0 50 1,-26 1-16,26 0 15,-26 26-15,26 0 0,-26-26 16,26 26-16,0 0 0,0-1 16,0-25-16,0 26 15,0-26-15,26 0 0,-26 0 16,26-26-16,25 26 16,-25-26-16,0 0 0,0-26 15,26 26-15,-26-26 16,0 0-16,0-26 0,-26 26 15,0 0-15,0-25 0,0-1 16,-26 26-16,0-26 16,0 0-16,0 26 0,0-26 15,-26 26-15,26 26 0,1-25 16,-1 25-16,0 25 16,26 1-1,0 0-15,0 0 16,0 0-16,0 0 0,26 0 15,-26 0-15</inkml:trace>
+  <inkml:trace contextRef="#ctx0" brushRef="#br0" timeOffset="3383">3169 1711 0,'0'-26'16,"0"0"-16,0 52 31,0 0-15,0 0-16,0 0 0,0 26 16,26-26-16,-26 25 15,0 1-15,0 0 0,0 0 16,0 0-16,0-26 0,0 26 15,0-1-15,0-25 16,0 0-16,0 0 0,26 0 16</inkml:trace>
+  <inkml:trace contextRef="#ctx0" brushRef="#br0" timeOffset="3935">3817 1789 0,'0'-26'0,"0"0"0,0 0 16,-26 0 0,26 0-16,0 0 0,0 0 15,-26 0-15,26 1 16,-26 25-16,0 0 15,1 0-15,-1 25 16,0-25-16,0 26 16,0 0-16,0 0 15,26 26-15,-26-26 0,26 0 16,0 0-16,0 26 16,0-26-16,0-1 0,26 1 15,0 0-15,0-26 16,0 0-16,0 0 0,0 0 15,-1 0-15,1-26 0,0 0 16,0 26-16,0-25 16,0-1-16,0-26 0,0 26 15,0 0-15,-26 0 16,0 0-16,0 52 31,0 0-31,0 0 16,0 26-16,0-26 0,0 25 15,0 27-15,0-26 0,0 0 16,0 0-16,0 25 16,0-51-16,26 26 0,-26 0 15,0-26-15,0 0 16,0 0-16,26-26 16</inkml:trace>
+  <inkml:trace contextRef="#ctx0" brushRef="#br0" timeOffset="4199">4543 1970 0,'0'-26'16,"26"26"-16,-26-26 16,0 0-1,26 26-15,-26-25 0,26 25 16,0-26-16,25 26 0,-25-26 15,26 0-15,0 26 16,-26-26-16,26 26 0,-26 0 16,25 0-16,-51-26 15,26 26-15,0 0 0,-52 0 32,0 0-17</inkml:trace>
+  <inkml:trace contextRef="#ctx0" brushRef="#br0" timeOffset="5309">5942 1400 0,'0'-26'0,"26"0"16,0 0-1,-26 0-15,26 26 0,-26-26 16,26 26-16,-26-25 15,0-1-15,0 0 16,-26 26-16,0 0 16,-26 0-16,27 0 15,-27 0-15,0 0 0,0 26 16,0 0-16,0-1 0,1 1 16,25 26-16,-26-26 15,26 26-15,0-26 0,0 26 16,26-26-16,0 0 15,26 25-15,0-25 0,0 0 16,0 0-16,26-26 16,103 52-1,-103-52-15,26 0 0,-27 0 16,1 26-16,-26-26 16,26 26-16,-26-26 0,0 26 15,-26 0-15,0 0 0,0-1 16,-26 1-16,0 26 15,0-26-15,-26 0 0,26 0 16,-25 0-16,25 0 16,-26-26-16,26 26 0,-26-26 15,26 0-15,0 0 0,0-26 16,26 0 0,0 0-16</inkml:trace>
+  <inkml:trace contextRef="#ctx0" brushRef="#br0" timeOffset="5772">6305 1426 0,'26'-26'0,"26"26"15,-26-26-15,0 26 16,-26-26-16,26 26 0,-26-26 16,0 52-1,0 0-15,0 26 16,0-26-16,0 26 15,0-26-15,0 25 16,-26 1-16,26 0 0,0-26 16,0 26-16,0-26 0,0 0 15,0 0 1,0 0-16,0-52 31,0 0-31,0 0 16,0-26-16,0 26 0,0-26 15,26 0-15,-26 1 16,26-1-16,-26-26 0,26 26 16,0 0-16,-26 0 15,26 1-15,-1 51 0,1-26 16,0 26-16,0 26 0,0 0 16,-26-1-16,26 27 15,0 0-15,-26 0 0,26 0 16,-26 0-16,26-1 15,0 1-15,-26 0 0,26-26 16,-26 26-16,0-26 0,0 0 16,0 0-1</inkml:trace>
+  <inkml:trace contextRef="#ctx0" brushRef="#br0" timeOffset="5939">6409 1685 0,'-26'-26'0,"26"0"16,0 0 0,26 0-16,0 26 0,26-25 15,0-1-15,-1 26 0,1-26 16,0 0-16,26 0 16,-26 0-16,0 26 0</inkml:trace>
+  <inkml:trace contextRef="#ctx0" brushRef="#br0" timeOffset="6377">7057 1270 0,'-26'0'16,"26"-25"-16,-26-1 31,52 52-15,0-1-1,-26 1 1,26 26-16,-26-26 0,26 26 15,-26 0-15,26 0 0,-26-26 16,0 25-16,26-25 16,-26 26-16,26-26 0,-26 0 15,0-52 1,0 0 0,0 0-16,-26-26 15,26 26-15,0-25 16,0-1-16,0 0 0,0 0 15,0-26-15,0 27 16,0 25-16,26-26 0,-1 26 16,1 0-16,0 26 0,0 0 15,0 0-15,0 0 16,0 26-16,0 0 0,0 0 16,-26 0-16,0 0 15,0-1-15,0 1 0,-26 26 16,0-26-16,-26-26 0,0 26 15,26 0-15,-25 0 16,25-26-16,-26 0 0</inkml:trace>
+  <inkml:trace contextRef="#ctx0" brushRef="#br0" timeOffset="7469">8068 1089 0,'26'0'0,"0"0"16,-26-26-16,26 26 15,-26 26 16,0 0-31,0 26 0,0-26 16,-26 26-16,26-27 16,0 27-16,-26 0 0,26-26 15,-26 0-15,26 0 0,0 0 16,0 0-16,0 0 16,-26-26-16,26-26 31,0-26-16,0 26-15,0 0 0,0-26 16,0 0-16,0-25 16,0 25-16,0-26 0,26 0 15,-26 26-15,26-25 16,0 25-16,0 26 0,-1-26 16,1 26-16,0 26 0,0 0 15,0 26-15,0 26 16,26-26-16,-26 26 0,0 25 15,0-25-15,0 0 16,25 26-16,-51-26 0,26 0 16,0-1-16,0-25 0,-26 26 15,0-26-15,26-26 16,-26 26-16,0-52 31,-26 26-31,0-52 0,0 26 16,0-26-16,-25 1 0,-1-1 15,0 0-15,0 0 16,0 26-16,0 0 0,26 26 16,-25 0-16,25 0 0,0 52 15,26-26-15,0 0 16,0 26-16,26 0 0,-26-26 16,26 25-16,0-25 15,-1 0-15,1 0 0,0 0 16,26-26-16,-26 0 0,0 0 15,0 0-15,0-26 16,0 26-16,0-26 0,0-26 16,-1 26-16,1 1 0,-26-27 15,26 26-15,0-26 16,-26 0-16,26 26 0,0 0 16,0 0-16,0 0 15,0 26-15,0 0 0,0 0 16,25 0-16,-25 26 15,0 0-15,0 26 0,0-26 16,0 0-16,-26 0 0,0 0 16,0 0-16,0 0 15,0 0-15,-26-26 0,0 0 32,26-26-32,0-26 15,0 26-15,26-26 16,-26 26-16,26-26 15,0 26-15,0-26 0,0 27 16,0 25-16,0 0 0,0 0 16,0 25-1,-1 1-15,-25 26 16,26-26-16,-26 0 16,0 0-16,26-26 0,-26 26 15,26 0-15,0-26 0,0 0 16</inkml:trace>
+  <inkml:trace contextRef="#ctx0" brushRef="#br0" timeOffset="8490">9493 959 0,'26'-26'0,"0"-25"0,0 25 16,0-26-16,-26 26 0,26 0 15,-26 0-15,-26 26 16,0 0-1,0 0-15,0 0 0,0 26 16,-26 0-16,27-26 16,-1 26-16,0 0 0,0 0 15,26 0-15,0 0 16,0-1-16,26 1 0,-26 0 16,26 0-16,0 0 15,-1-26-15,1 26 0,0-26 16,0 0-16,0 0 0,0 0 15,0 0-15,0-26 16,0 26-16,0-26 0,0 0 16,0 0-16,-26 0 15,0 1-15,0-1 16,0 52 15,0-1-15,0 1-16,0 0 0,25 0 15,1 0 1,0 0-16,0-26 16,0 0-16,0 0 15,0-26-15,0 0 0,0 0 16,-26 0-16,26 0 0,0-25 16,-26 25-16,0-26 15,0 0-15,0 0 0,0-26 16,0 27-16,0-1 0,0 26 15,0 0-15,0 0 16,-26 52-16,26 26 16,0-26-1,0 26-15,0-1 0,0 1 16,0 0-16,26 0 0,-26-26 16,0 26-16,26-26 15,-26-1-15,25 1 0,-25 0 16,26 0-16,0-26 15,0 0-15,0-26 16,0 26-16,0-26 0,-26 0 16,26-25-16,0 25 15,-26-26-15,26 26 0,-26-26 16,0 26-16,0 0 16,0 0-16,0 0 0,-26 26 15,26 26 1,0 0-16,0 0 0,-26 0 15,26 0-15,0 26 0,0-26 16,26 26-16,-26-26 16,26-1-16,0 1 0,26 0 15,-27-26 1,1 0-16,26 0 0,-26-26 16,26 0-16,-26 1 0,26-1 15,-26 0-15,0-26 16,-26 26-16,0 0 0,0-26 15,-26 26-15,26 0 0,-26 26 16,0 0-16,0 0 16,26 26-16,-26 0 0,0 0 15,26 26-15,0 0 16,0 0-16,-26 25 0,26-25 16,0 0-16,0 26 15,-26-26-15,26-26 0,0 25 16,-26-25-16,26 0 0,-26-26 15</inkml:trace>
+  <inkml:trace contextRef="#ctx0" brushRef="#br0" timeOffset="8747">10919 337 0,'0'-51'0,"0"25"15,0 0-15,-26 0 16,0 26 0,26 26-1,0 0-15,0 0 0,0 25 16,0 1-16,26 0 0,-26 26 16,26-26-16,0-1 15,-26 27-15,26-26 0,-26 0 16,0 0-16,0-26 15,0 0-15,0-1 0,0 1 16</inkml:trace>
+  <inkml:trace contextRef="#ctx0" brushRef="#br0" timeOffset="9047">10893 830 0,'0'-26'0,"-26"0"16,26 0-16,0-26 0,0 26 15,26 0-15,-26 0 0,26 26 16,0-25-16,26-1 15,-27 26-15,1 0 0,26-26 16,-26 26-16,0 0 0,0-26 16,0 26-16,0 0 15,-26-26-15,-26 0 32,0 26-32,0 0 15,26-26 1,0 52-1,0 0-15,0 0 0,0 0 16,26 0-16,-26 0 16,0 25-16,26-25 0,-26 0 15,26 0-15,-26 0 0,0 0 16</inkml:trace>
+  <inkml:trace contextRef="#ctx0" brushRef="#br0" timeOffset="9228">11308 208 0,'0'-26'0,"-26"0"0,0 0 16,0 26-16,0 26 31,26 0-31</inkml:trace>
+  <inkml:trace contextRef="#ctx0" brushRef="#br0" timeOffset="9510">11645 363 0,'25'0'16,"-25"-26"-16,-25 26 31,-1 0-31,26 26 0,-52-26 16,26 26-16,0 0 0,-26 0 16,26 0-16,0 26 15,26-26-15,-26 0 0,26 0 16,0-1-16,0 1 15,26 0-15,0 0 0,26 0 16,-26-26-16,0 0 16</inkml:trace>
+  <inkml:trace contextRef="#ctx0" brushRef="#br0" timeOffset="9827">12033 415 0,'26'-26'0,"0"-26"16,-26 26-16,0-25 15,0 25-15,0 0 0,0 0 16,0 0-16,0 0 0,-26 26 16,0-26-16,0 26 15,0 26-15,-25-26 16,25 26-16,26 0 16,-26 0-16,26 0 0,0 0 15,0 0-15,26-1 16,0 1-16,25 0 0,-25 0 15,0 0-15,26 0 0,-26 0 16,0 0-16,0-26 16,-26 26-16,0 0 0,0 0 15,-26 0-15,0-1 0,-26 1 16,26 0-16,-26 0 16,1-26-16,25 26 0,-26-26 15,26 0-15</inkml:trace>
+</inkml:ink>
+</file>
+
+<file path=ppt/ink/ink75.xml><?xml version="1.0" encoding="utf-8"?>
+<inkml:ink xmlns:inkml="http://www.w3.org/2003/InkML">
+  <inkml:definitions>
+    <inkml:context xml:id="ctx0">
+      <inkml:inkSource xml:id="inkSrc0">
+        <inkml:traceFormat>
+          <inkml:channel name="X" type="integer" max="1920" units="cm"/>
+          <inkml:channel name="Y" type="integer" max="1080" units="cm"/>
+          <inkml:channel name="T" type="integer" max="2.14748E9" units="dev"/>
+        </inkml:traceFormat>
+        <inkml:channelProperties>
+          <inkml:channelProperty channel="X" name="resolution" value="55.81395" units="1/cm"/>
+          <inkml:channelProperty channel="Y" name="resolution" value="55.6701" units="1/cm"/>
+          <inkml:channelProperty channel="T" name="resolution" value="1" units="1/dev"/>
+        </inkml:channelProperties>
+      </inkml:inkSource>
+      <inkml:timestamp xml:id="ts0" timeString="2020-12-09T06:38:24.901"/>
+    </inkml:context>
+    <inkml:brush xml:id="br0">
+      <inkml:brushProperty name="width" value="0.05" units="cm"/>
+      <inkml:brushProperty name="height" value="0.05" units="cm"/>
+      <inkml:brushProperty name="fitToCurve" value="1"/>
+    </inkml:brush>
+  </inkml:definitions>
+  <inkml:trace contextRef="#ctx0" brushRef="#br0">402 778 0,'0'-26'16,"0"0"-16,0 0 16,0 0-16,0 0 0,0 0 15,0 0-15,0 0 16,0 0-16,0-25 0,0 25 16,0 0-16,-26 0 15,0 0-15,0 26 0,1 0 16,-1 0-16,-26 0 0,26 26 15,0 0-15,-26 26 16,26-1-16,0 1 0,0 0 16,0 26-16,26-26 15,0 0-15,0 25 0,0-25 16,0-26-16,26 26 0,0-26 16,26 0-16,-26 0 15,26-26-15,0 0 0,0 0 16,-1 0-16,27-26 15,-26 0-15,0 0 0,-26 0 16,26-26-16,-1 0 0,-25 0 16,26 1-16,-26-27 15,-26 26-15,26-26 0,-26 1 16,0-1-16,0 26 16,0-26-16,0 26 0,0 26 15,0-25-15,0 25 0,-26 26 16,0 26-1,26-1-15,0 27 16,-26-26-16,26 26 16,0 26-16,0-26 0,0 25 15,0 1-15,0-26 0,26 26 16,-26-26-16,26 77 16,0-77-16,-26-26 15,26 0-15,0 0 0,0-26 16,0 0-16,0 0 15,-1 0-15,1 0 0,0-26 16,26 0-16,-26-26 16,0 26-16,26-26 0,-52 26 15,26-25-15,0 25 16,-26-26-16,0 26 0,0 0 16,0 0-16,-26 26 0,26-26 15,-26 26-15,0 26 16,0 0-1,26 0-15,0 0 0,0 0 16,0 26-16,0-26 16,0-1-16,0 1 0,26 0 15,-26 0-15,26 0 16,-26 0-16,26-26 0,0 0 16,0 0-16,0 0 15,-1-26-15,1 0 16,-26 0-16,26 0 0,0-25 15,-26 25-15,0-26 16,-26 26-16,0-26 0,26 26 16,-51 0-16,25 0 0,0 0 15,0 26-15,0-26 16,0 26-16,52 26 31,0-26-31,26 26 16,-26-26-16,-1 0 15,1 0-15,26 0 16,-26 0-16,0 0 0,0 0 16,26-26-16,-26 26 15,0-26-15,0 26 16,-1-25-16,1-1 16,0 0-1,-52 52 1,0 0-1,26-1 1,-25 1-16,25 0 0,0 26 16,0-26-16,0 0 15,0 26-15,0 0 0,0-26 16,0-1-16,0 1 16,25 0-16,1-26 15,0 0-15,0 0 0,26-26 16,-26 0-16,26 1 15,-26-1-15,26-26 0,-27 26 16,1-26-16,-26 26 16,0-26-16,0 26 0,0 0 15,0 1-15,0-1 0,0 0 16,-26 26-16,1 26 31,25 0-31,0-1 0,0 1 16,0 26-16,0-26 15,0 26-15,25 0 0,-25-26 16,0 26-16,26-27 16,-26 1-16,26 0 15</inkml:trace>
+  <inkml:trace contextRef="#ctx0" brushRef="#br0" timeOffset="558">2398 674 0,'26'0'0,"26"-26"0,-26 26 16,-26-26-16,26 26 0,-1-26 15,-25 0 1,0 0-16,0 1 16,0-1-16,-25 0 15,25 0-15,-26 26 16,26-26-16,-26 26 0,0 0 15,0 0-15,0 0 16,0 0-16,0 26 0,-26 0 16,26 0-16,0 0 0,26-1 15,-26 27-15,26-26 16,0 0-16,0 26 0,0-26 16,0 0-16,26 0 15,0-26-15,0 26 0,0-26 16,26 0-16,-26-26 0,26 26 15,-26-26-15,26 0 16,-1 0-16,-25-26 0,0 26 16,0-26-16,0 1 15,0-1-15,-26 0 0,26 0 16,-26-26-16,0 26 0,0 1 16,-26-1-16,26 0 15,0 26-15,-26 0 0,26 0 16,-26 26-16,26 26 15,0 0-15,0 0 0,0 0 16,0 26-16,0-1 0,0 1 16,26-26-16,-26 26 15,26 0-15,0-26 0,-26 26 16,26-26-16,0 0 0,-26-1 16,26 1-16,-26 0 15,26-26-15</inkml:trace>
+</inkml:ink>
+</file>
+
+<file path=ppt/ink/ink8.xml><?xml version="1.0" encoding="utf-8"?>
+<inkml:ink xmlns:inkml="http://www.w3.org/2003/InkML">
+  <inkml:definitions>
+    <inkml:context xml:id="ctx0">
+      <inkml:inkSource xml:id="inkSrc0">
+        <inkml:traceFormat>
+          <inkml:channel name="X" type="integer" max="1920" units="cm"/>
+          <inkml:channel name="Y" type="integer" max="1080" units="cm"/>
+          <inkml:channel name="T" type="integer" max="2.14748E9" units="dev"/>
+        </inkml:traceFormat>
+        <inkml:channelProperties>
+          <inkml:channelProperty channel="X" name="resolution" value="55.81395" units="1/cm"/>
+          <inkml:channelProperty channel="Y" name="resolution" value="55.6701" units="1/cm"/>
+          <inkml:channelProperty channel="T" name="resolution" value="1" units="1/dev"/>
+        </inkml:channelProperties>
+      </inkml:inkSource>
+      <inkml:timestamp xml:id="ts0" timeString="2020-12-09T06:14:54.948"/>
+    </inkml:context>
+    <inkml:brush xml:id="br0">
+      <inkml:brushProperty name="width" value="0.05" units="cm"/>
+      <inkml:brushProperty name="height" value="0.05" units="cm"/>
+      <inkml:brushProperty name="fitToCurve" value="1"/>
+    </inkml:brush>
+  </inkml:definitions>
+  <inkml:trace contextRef="#ctx0" brushRef="#br0">0 0 0,'26'0'0,"0"0"203,-26 26-203,26-26 31,0 0-15,-26 26-1,26-26 1,-26 26-16,26 0 31,-26 0 0,26-26-31,-26 26 16,26-26 0,-26 26 15,25-26-16,1 0 32,0 0-15,-26-26-17,26 26 1,0 0-1,-26-26 1,26 26 0,0 0-1,0 0 1,-26 26 0,26-26-16,0 0 31,0 0-16,0 0 1,-26 26-16,25-26 16,1 0-1,0 0 1,0 0 15,-26 26-15,26-26-16,0 26 31,-26 0 0,26-26-15,-26 26 0,26-26-16,-26 26 15,26-26 1,0 25-1,0-25 17,-26 26-32,26-26 15,-26 26 1,26-26 0,-1 0 15,-25 26-31,26-26 15,0 0 1,0 0 0,0 0-1,0 0 1,0 0 15,0 0-15,-26 26-1,0 0 95,26-26-110,0 0 47,-26 26-47,26-26 0,0 0 15,-1 0 1,1 0 0,0 0-1,0 0 16,0 0-15,0 0 0,0 26-1,0-26 95,0 0-79,0 0-15,0 0-1,0 0 1,-1 0 15,1 26-15,0-26-1,0 0 1,-26 26-16,26-26 16,0 0-1,0 26 1,0-26 15,-26 26-31,26-26 31,0 0-15,0 0 15,0 0-15,-1 0 15,-25-26-31,26 26 0,0 0 31,-26-26-31,26 26 0,0 0 16,0-26 0,0 26-1,0 0 16,-26 26-31,26-26 32,0 26-17,0-26 1,0 26 0,0-26 30,-26 25-46,25-25 16,1 0 15,-26 26-31,26-26 16,-26 26 0,26-26-1,-26 26-15,26 0 31,0 0 1,0-26-1,-26 26-15,26-26-1,0 26 1,0-26-1,-26 26 1,26-26 0,-26 26-1,0 0 17,26-26-17,-26 26-15,0-1 31,25-25 1,1 0-17,0 0 1,0 26-16,0-26 16,0 0-1,0 0-15,0 0 16,-26 26-1,26-26-15,0 0 16,-26 26 15,0 0 32,26-26-32,-26 26-15,26-26-1,-1 26 17,1-26-17,-26 26-15,26-26 16,-26 26-1,26-26 1,-26 26 0,26-26 15</inkml:trace>
+</inkml:ink>
+</file>
+
+<file path=ppt/ink/ink9.xml><?xml version="1.0" encoding="utf-8"?>
+<inkml:ink xmlns:inkml="http://www.w3.org/2003/InkML">
+  <inkml:definitions>
+    <inkml:context xml:id="ctx0">
+      <inkml:inkSource xml:id="inkSrc0">
+        <inkml:traceFormat>
+          <inkml:channel name="X" type="integer" max="1920" units="cm"/>
+          <inkml:channel name="Y" type="integer" max="1080" units="cm"/>
+          <inkml:channel name="T" type="integer" max="2.14748E9" units="dev"/>
+        </inkml:traceFormat>
+        <inkml:channelProperties>
+          <inkml:channelProperty channel="X" name="resolution" value="55.81395" units="1/cm"/>
+          <inkml:channelProperty channel="Y" name="resolution" value="55.6701" units="1/cm"/>
+          <inkml:channelProperty channel="T" name="resolution" value="1" units="1/dev"/>
+        </inkml:channelProperties>
+      </inkml:inkSource>
+      <inkml:timestamp xml:id="ts0" timeString="2020-12-09T06:15:35.440"/>
+    </inkml:context>
+    <inkml:brush xml:id="br0">
+      <inkml:brushProperty name="width" value="0.05" units="cm"/>
+      <inkml:brushProperty name="height" value="0.05" units="cm"/>
+      <inkml:brushProperty name="fitToCurve" value="1"/>
+    </inkml:brush>
+  </inkml:definitions>
+  <inkml:trace contextRef="#ctx0" brushRef="#br0">30 99 0,'26'0'47,"-26"-26"-47,0 52 78,0 0-47,0 0-15,0 0-16,0 0 15,0 0 1,0 0-16,0 0 0,0 0 15,0 0 1,0 0-16,0-1 0,0 1 16,0 0-16,0 0 0,0 0 15,0 0 1,0 0-16,0 0 0,0 0 16,-26-26-1,26 26-15,0 0 0,0 0 16,-26-1-1,26 1 17,0 0-1,0 0-31,0 0 16,26 0-1,-26 0 1,0 0-1,0 0 1,-26-26-16,26 26 16,0 0-1,0 0 17,0-1-1,0 1 0,26-26-15,0 26 15,0-26-15,0 0-1,0 0 1,0 0-1,0 0-15,0 0 16,0 0 0,-1 0-16,1 0 0,0 0 15,0 26-15,0-26 16,0 0-16,0 0 0,0 0 16,0 0-16,0 0 0,0 26 15,0-26-15,-1 0 16,1 0-16,0 0 0,0 0 15,0 0-15,0 0 0,0 0 16,0 0-16,0 0 16,0 0-16,0 0 15,0-26-15,0 26 16,-1 0 0,1 0-16,0 0 15,0 0 1,0 0-16,0 0 15,0 0 1,0 0-16,0 0 16,0 0-16,0 0 15,0 0 1,-1 0-16,1 0 31,-26-26 16,0 0 16,0 0-48,0 1 1,0-1-1,0 0-15,0 0 16,0 0-16,0 0 0,0 0 16,26 0-1,-26 0-15,0 0 0,0 0 16,0 0 0,0 1-16,0-1 15,0 0-15,0 0 16,0 0-16,0 0 15,0 0-15,0 0 16,0 0 0,-26 26-16,26-26 15,0 0-15,0 0 16,-26 26 0,26-25-16,0-1 15,0 0-15,0 0 16,26 26-1,-26-26-15,0 0 32,0 0-17,26 0 1,-26 0 0,0 0-1,0 0 16,0 0-15,0 0 62,-26 26 16,0 0-78,1 0-1,-1 0-15,0 0 16,0 0-16,0 0 0,0 0 15,0 0 1,-26 0-16,26 0 0,0 0 16,0 0-16,1 0 15,-1 0-15,0 0 16,0 0-16,0 0 0,0 0 16,0 0-16,0 0 15,0 0-15,0 0 16,0 0-16,0 0 15,-25 0-15,25 0 0,0 0 16,0 0-16,0 0 0,0 0 16,0 0-1,0 0-15,0 0 16,0 0 0,0 0-16,0 0 15,1 0 1,-1 0-1,0 0-15,0 0 32,0 0-17,0 0 17,0 0-17,0 0 32,0 0 47,26 26-79,-26-26 1,26 26 62,26-26 0,-26 26-62,26-26 15</inkml:trace>
+  <inkml:trace contextRef="#ctx0" brushRef="#br0" timeOffset="2136">393 384 0,'0'26'94,"0"0"-63,-26 0-31,26 0 15,0 0 1,0 0-16,0 0 16,0 0-16,0 0 15,0 0 1,0 0-16,0-1 31,0 1-15,0 0-1,0 0 1,26-26 0,-26 26 15,26-26 16,0 0-32,0 0 1,0 0-16,0 0 0,0 0 16,-1 0-1,1 0-15,0 0 0,0 0 16,0 0-16,0 0 16,0 0-16,0 0 0,0 0 15,0 0-15,-26 26 0,26-26 16,0 0-16,0 0 15,-1 0-15,1 0 16,0 0 0,0 0-1,0 0 1,0 0 0,0 0-1,-26-26 48,0 0-32,0 0-15,0 0-1,-26 26 1,26-26-16,0 1 15,0-1 17,0 0-32,0 0 15,0 0 1,0 0-16,0 0 16,0 0-1,0 0 1,0 0-1,0 0 1,0 0 0,0 1-1,0-1 1,0 0 31,-26 26 62,0 0-93,0 0-1,0 0-15,0 0 16,1 0-16,-1 0 0,-26 0 16,26 0-16,0 0 15,0 0-15,0 0 0,0 0 16,0 0-16,0 0 16,0 0-16,0 0 15,1 0-15,-1 0 31,0 0-15,0 0 0,0 0-16,0 0 15,0 0 1,0 0 0,0 0 62,26 26-78,-26-26 31,26 26-31,0-1 31,0 1 16,26-26 16,0 0-48</inkml:trace>
+  <inkml:trace contextRef="#ctx0" brushRef="#br0" timeOffset="3598">574 514 0,'0'26'93,"0"0"-61,0 0-1,0 0 0,0 0-15,26-26-1,0 0 32,0 0-31,0 0 0,0 0-1,0 0 1,0 0-16,0 0 15,0 0 1,0 0 0,0 0-16,0 0 31,-1 0 0,1 0 0,-26-26-31,26 26 32,-26-26-17,0 0 1,-26 26 0,26-26 15,-26 26-16,26-26 32,-25 26 94,-1 0-125,0 0 15,26-26-16,-26 26-15,0 0 16,0 0 0,0 0-1,0 0-15,0 0 16,0 0 0,26 26-1,-26-26-15,0 0 16,0 0-1,1 0-15,-1 0 47</inkml:trace>
+</inkml:ink>
+</file>
+
 <file path=ppt/notesMasters/notesMaster1.xml><?xml version="1.0" encoding="utf-8"?>
 <p:notesMaster xmlns:a="http://schemas.openxmlformats.org/drawingml/2006/main" xmlns:r="http://schemas.openxmlformats.org/officeDocument/2006/relationships" xmlns:p="http://schemas.openxmlformats.org/presentationml/2006/main">
   <p:cSld>
@@ -253,7 +2725,7 @@
           <a:p>
             <a:fld id="{4AF2A06D-4991-4208-8C88-4E8BAD69A8B8}" type="datetimeFigureOut">
               <a:rPr lang="en-US" smtClean="0"/>
-              <a:t>12/6/2020</a:t>
+              <a:t>12/9/2020</a:t>
             </a:fld>
             <a:endParaRPr lang="en-US"/>
           </a:p>
@@ -877,7 +3349,7 @@
           <a:p>
             <a:fld id="{E26E0DA5-0C76-4851-AA82-0B75261F9EB4}" type="datetimeFigureOut">
               <a:rPr lang="en-US" smtClean="0"/>
-              <a:t>12/6/2020</a:t>
+              <a:t>12/9/2020</a:t>
             </a:fld>
             <a:endParaRPr lang="en-US"/>
           </a:p>
@@ -1045,7 +3517,7 @@
           <a:p>
             <a:fld id="{E26E0DA5-0C76-4851-AA82-0B75261F9EB4}" type="datetimeFigureOut">
               <a:rPr lang="en-US" smtClean="0"/>
-              <a:t>12/6/2020</a:t>
+              <a:t>12/9/2020</a:t>
             </a:fld>
             <a:endParaRPr lang="en-US"/>
           </a:p>
@@ -1223,7 +3695,7 @@
           <a:p>
             <a:fld id="{E26E0DA5-0C76-4851-AA82-0B75261F9EB4}" type="datetimeFigureOut">
               <a:rPr lang="en-US" smtClean="0"/>
-              <a:t>12/6/2020</a:t>
+              <a:t>12/9/2020</a:t>
             </a:fld>
             <a:endParaRPr lang="en-US"/>
           </a:p>
@@ -1550,7 +4022,7 @@
             <a:fld id="{9578D6DB-6798-42D2-B9AD-FC6F1C72FC30}" type="datetimeFigureOut">
               <a:rPr lang="en-US" smtClean="0"/>
               <a:pPr/>
-              <a:t>12/6/2020</a:t>
+              <a:t>12/9/2020</a:t>
             </a:fld>
             <a:endParaRPr lang="en-US"/>
           </a:p>
@@ -1792,7 +4264,7 @@
             <a:fld id="{425404F2-BE9A-4460-8815-8F645183555F}" type="datetimeFigureOut">
               <a:rPr lang="en-US" smtClean="0"/>
               <a:pPr/>
-              <a:t>12/6/2020</a:t>
+              <a:t>12/9/2020</a:t>
             </a:fld>
             <a:endParaRPr lang="en-US"/>
           </a:p>
@@ -1920,7 +4392,7 @@
             <a:fld id="{425404F2-BE9A-4460-8815-8F645183555F}" type="datetimeFigureOut">
               <a:rPr lang="en-US" smtClean="0"/>
               <a:pPr/>
-              <a:t>12/6/2020</a:t>
+              <a:t>12/9/2020</a:t>
             </a:fld>
             <a:endParaRPr lang="en-US"/>
           </a:p>
@@ -2170,7 +4642,7 @@
             <a:fld id="{425404F2-BE9A-4460-8815-8F645183555F}" type="datetimeFigureOut">
               <a:rPr lang="en-US" smtClean="0"/>
               <a:pPr/>
-              <a:t>12/6/2020</a:t>
+              <a:t>12/9/2020</a:t>
             </a:fld>
             <a:endParaRPr lang="en-US"/>
           </a:p>
@@ -2340,7 +4812,7 @@
             <a:fld id="{425404F2-BE9A-4460-8815-8F645183555F}" type="datetimeFigureOut">
               <a:rPr lang="en-US" smtClean="0"/>
               <a:pPr/>
-              <a:t>12/6/2020</a:t>
+              <a:t>12/9/2020</a:t>
             </a:fld>
             <a:endParaRPr lang="en-US"/>
           </a:p>
@@ -2627,7 +5099,7 @@
             <a:fld id="{425404F2-BE9A-4460-8815-8F645183555F}" type="datetimeFigureOut">
               <a:rPr lang="en-US" smtClean="0"/>
               <a:pPr/>
-              <a:t>12/6/2020</a:t>
+              <a:t>12/9/2020</a:t>
             </a:fld>
             <a:endParaRPr lang="en-US"/>
           </a:p>
@@ -3048,7 +5520,7 @@
             <a:fld id="{425404F2-BE9A-4460-8815-8F645183555F}" type="datetimeFigureOut">
               <a:rPr lang="en-US" smtClean="0"/>
               <a:pPr/>
-              <a:t>12/6/2020</a:t>
+              <a:t>12/9/2020</a:t>
             </a:fld>
             <a:endParaRPr lang="en-US"/>
           </a:p>
@@ -3173,7 +5645,7 @@
             <a:fld id="{425404F2-BE9A-4460-8815-8F645183555F}" type="datetimeFigureOut">
               <a:rPr lang="en-US" smtClean="0"/>
               <a:pPr/>
-              <a:t>12/6/2020</a:t>
+              <a:t>12/9/2020</a:t>
             </a:fld>
             <a:endParaRPr lang="en-US"/>
           </a:p>
@@ -3399,7 +5871,7 @@
           <a:p>
             <a:fld id="{E26E0DA5-0C76-4851-AA82-0B75261F9EB4}" type="datetimeFigureOut">
               <a:rPr lang="en-US" smtClean="0"/>
-              <a:t>12/6/2020</a:t>
+              <a:t>12/9/2020</a:t>
             </a:fld>
             <a:endParaRPr lang="en-US"/>
           </a:p>
@@ -3523,7 +5995,7 @@
             <a:fld id="{425404F2-BE9A-4460-8815-8F645183555F}" type="datetimeFigureOut">
               <a:rPr lang="en-US" smtClean="0"/>
               <a:pPr/>
-              <a:t>12/6/2020</a:t>
+              <a:t>12/9/2020</a:t>
             </a:fld>
             <a:endParaRPr lang="en-US"/>
           </a:p>
@@ -4070,7 +6542,7 @@
             <a:fld id="{425404F2-BE9A-4460-8815-8F645183555F}" type="datetimeFigureOut">
               <a:rPr lang="en-US" smtClean="0"/>
               <a:pPr/>
-              <a:t>12/6/2020</a:t>
+              <a:t>12/9/2020</a:t>
             </a:fld>
             <a:endParaRPr lang="en-US"/>
           </a:p>
@@ -4218,7 +6690,7 @@
             <a:fld id="{425404F2-BE9A-4460-8815-8F645183555F}" type="datetimeFigureOut">
               <a:rPr lang="en-US" smtClean="0"/>
               <a:pPr/>
-              <a:t>12/6/2020</a:t>
+              <a:t>12/9/2020</a:t>
             </a:fld>
             <a:endParaRPr lang="en-US"/>
           </a:p>
@@ -4451,7 +6923,7 @@
             <a:fld id="{425404F2-BE9A-4460-8815-8F645183555F}" type="datetimeFigureOut">
               <a:rPr lang="en-US" smtClean="0"/>
               <a:pPr/>
-              <a:t>12/6/2020</a:t>
+              <a:t>12/9/2020</a:t>
             </a:fld>
             <a:endParaRPr lang="en-US"/>
           </a:p>
@@ -4689,7 +7161,7 @@
             <a:fld id="{425404F2-BE9A-4460-8815-8F645183555F}" type="datetimeFigureOut">
               <a:rPr lang="en-US" smtClean="0"/>
               <a:pPr/>
-              <a:t>12/6/2020</a:t>
+              <a:t>12/9/2020</a:t>
             </a:fld>
             <a:endParaRPr lang="en-US"/>
           </a:p>
@@ -4871,7 +7343,7 @@
             <a:fld id="{425404F2-BE9A-4460-8815-8F645183555F}" type="datetimeFigureOut">
               <a:rPr lang="en-US" smtClean="0"/>
               <a:pPr/>
-              <a:t>12/6/2020</a:t>
+              <a:t>12/9/2020</a:t>
             </a:fld>
             <a:endParaRPr lang="en-US"/>
           </a:p>
@@ -5148,7 +7620,7 @@
             <a:fld id="{425404F2-BE9A-4460-8815-8F645183555F}" type="datetimeFigureOut">
               <a:rPr lang="en-US" smtClean="0"/>
               <a:pPr/>
-              <a:t>12/6/2020</a:t>
+              <a:t>12/9/2020</a:t>
             </a:fld>
             <a:endParaRPr lang="en-US"/>
           </a:p>
@@ -5402,7 +7874,7 @@
             <a:fld id="{425404F2-BE9A-4460-8815-8F645183555F}" type="datetimeFigureOut">
               <a:rPr lang="en-US" smtClean="0"/>
               <a:pPr/>
-              <a:t>12/6/2020</a:t>
+              <a:t>12/9/2020</a:t>
             </a:fld>
             <a:endParaRPr lang="en-US"/>
           </a:p>
@@ -5572,7 +8044,7 @@
             <a:fld id="{425404F2-BE9A-4460-8815-8F645183555F}" type="datetimeFigureOut">
               <a:rPr lang="en-US" smtClean="0"/>
               <a:pPr/>
-              <a:t>12/6/2020</a:t>
+              <a:t>12/9/2020</a:t>
             </a:fld>
             <a:endParaRPr lang="en-US"/>
           </a:p>
@@ -5752,7 +8224,7 @@
             <a:fld id="{425404F2-BE9A-4460-8815-8F645183555F}" type="datetimeFigureOut">
               <a:rPr lang="en-US" smtClean="0"/>
               <a:pPr/>
-              <a:t>12/6/2020</a:t>
+              <a:t>12/9/2020</a:t>
             </a:fld>
             <a:endParaRPr lang="en-US"/>
           </a:p>
@@ -5998,7 +8470,7 @@
           <a:p>
             <a:fld id="{E26E0DA5-0C76-4851-AA82-0B75261F9EB4}" type="datetimeFigureOut">
               <a:rPr lang="en-US" smtClean="0"/>
-              <a:t>12/6/2020</a:t>
+              <a:t>12/9/2020</a:t>
             </a:fld>
             <a:endParaRPr lang="en-US"/>
           </a:p>
@@ -6227,7 +8699,7 @@
           <a:p>
             <a:fld id="{E26E0DA5-0C76-4851-AA82-0B75261F9EB4}" type="datetimeFigureOut">
               <a:rPr lang="en-US" smtClean="0"/>
-              <a:t>12/6/2020</a:t>
+              <a:t>12/9/2020</a:t>
             </a:fld>
             <a:endParaRPr lang="en-US"/>
           </a:p>
@@ -6591,7 +9063,7 @@
           <a:p>
             <a:fld id="{E26E0DA5-0C76-4851-AA82-0B75261F9EB4}" type="datetimeFigureOut">
               <a:rPr lang="en-US" smtClean="0"/>
-              <a:t>12/6/2020</a:t>
+              <a:t>12/9/2020</a:t>
             </a:fld>
             <a:endParaRPr lang="en-US"/>
           </a:p>
@@ -6708,7 +9180,7 @@
           <a:p>
             <a:fld id="{E26E0DA5-0C76-4851-AA82-0B75261F9EB4}" type="datetimeFigureOut">
               <a:rPr lang="en-US" smtClean="0"/>
-              <a:t>12/6/2020</a:t>
+              <a:t>12/9/2020</a:t>
             </a:fld>
             <a:endParaRPr lang="en-US"/>
           </a:p>
@@ -6803,7 +9275,7 @@
           <a:p>
             <a:fld id="{E26E0DA5-0C76-4851-AA82-0B75261F9EB4}" type="datetimeFigureOut">
               <a:rPr lang="en-US" smtClean="0"/>
-              <a:t>12/6/2020</a:t>
+              <a:t>12/9/2020</a:t>
             </a:fld>
             <a:endParaRPr lang="en-US"/>
           </a:p>
@@ -7078,7 +9550,7 @@
           <a:p>
             <a:fld id="{E26E0DA5-0C76-4851-AA82-0B75261F9EB4}" type="datetimeFigureOut">
               <a:rPr lang="en-US" smtClean="0"/>
-              <a:t>12/6/2020</a:t>
+              <a:t>12/9/2020</a:t>
             </a:fld>
             <a:endParaRPr lang="en-US"/>
           </a:p>
@@ -7330,7 +9802,7 @@
           <a:p>
             <a:fld id="{E26E0DA5-0C76-4851-AA82-0B75261F9EB4}" type="datetimeFigureOut">
               <a:rPr lang="en-US" smtClean="0"/>
-              <a:t>12/6/2020</a:t>
+              <a:t>12/9/2020</a:t>
             </a:fld>
             <a:endParaRPr lang="en-US"/>
           </a:p>
@@ -7541,7 +10013,7 @@
           <a:p>
             <a:fld id="{E26E0DA5-0C76-4851-AA82-0B75261F9EB4}" type="datetimeFigureOut">
               <a:rPr lang="en-US" smtClean="0"/>
-              <a:t>12/6/2020</a:t>
+              <a:t>12/9/2020</a:t>
             </a:fld>
             <a:endParaRPr lang="en-US"/>
           </a:p>
@@ -8098,7 +10570,7 @@
             <a:fld id="{425404F2-BE9A-4460-8815-8F645183555F}" type="datetimeFigureOut">
               <a:rPr lang="en-US" smtClean="0"/>
               <a:pPr/>
-              <a:t>12/6/2020</a:t>
+              <a:t>12/9/2020</a:t>
             </a:fld>
             <a:endParaRPr lang="en-US"/>
           </a:p>
@@ -9177,6 +11649,1587 @@
           </a:fontRef>
         </p:style>
       </p:cxnSp>
+      <mc:AlternateContent xmlns:mc="http://schemas.openxmlformats.org/markup-compatibility/2006">
+        <mc:Choice xmlns:p14="http://schemas.microsoft.com/office/powerpoint/2010/main" Requires="p14">
+          <p:contentPart p14:bwMode="auto" r:id="rId3">
+            <p14:nvContentPartPr>
+              <p14:cNvPr id="2" name="Ink 1">
+                <a:extLst>
+                  <a:ext uri="{FF2B5EF4-FFF2-40B4-BE49-F238E27FC236}">
+                    <a16:creationId xmlns:a16="http://schemas.microsoft.com/office/drawing/2014/main" id="{32D75201-AF6D-466E-B9F8-CEB0A5A2310F}"/>
+                  </a:ext>
+                </a:extLst>
+              </p14:cNvPr>
+              <p14:cNvContentPartPr/>
+              <p14:nvPr/>
+            </p14:nvContentPartPr>
+            <p14:xfrm>
+              <a:off x="2564794" y="1062713"/>
+              <a:ext cx="441360" cy="422280"/>
+            </p14:xfrm>
+          </p:contentPart>
+        </mc:Choice>
+        <mc:Fallback>
+          <p:pic>
+            <p:nvPicPr>
+              <p:cNvPr id="2" name="Ink 1">
+                <a:extLst>
+                  <a:ext uri="{FF2B5EF4-FFF2-40B4-BE49-F238E27FC236}">
+                    <a16:creationId xmlns:a16="http://schemas.microsoft.com/office/drawing/2014/main" id="{32D75201-AF6D-466E-B9F8-CEB0A5A2310F}"/>
+                  </a:ext>
+                </a:extLst>
+              </p:cNvPr>
+              <p:cNvPicPr/>
+              <p:nvPr/>
+            </p:nvPicPr>
+            <p:blipFill>
+              <a:blip r:embed="rId4"/>
+              <a:stretch>
+                <a:fillRect/>
+              </a:stretch>
+            </p:blipFill>
+            <p:spPr>
+              <a:xfrm>
+                <a:off x="2555794" y="1053713"/>
+                <a:ext cx="459000" cy="439920"/>
+              </a:xfrm>
+              <a:prstGeom prst="rect">
+                <a:avLst/>
+              </a:prstGeom>
+            </p:spPr>
+          </p:pic>
+        </mc:Fallback>
+      </mc:AlternateContent>
+      <mc:AlternateContent xmlns:mc="http://schemas.openxmlformats.org/markup-compatibility/2006">
+        <mc:Choice xmlns:p14="http://schemas.microsoft.com/office/powerpoint/2010/main" Requires="p14">
+          <p:contentPart p14:bwMode="auto" r:id="rId5">
+            <p14:nvContentPartPr>
+              <p14:cNvPr id="9" name="Ink 8">
+                <a:extLst>
+                  <a:ext uri="{FF2B5EF4-FFF2-40B4-BE49-F238E27FC236}">
+                    <a16:creationId xmlns:a16="http://schemas.microsoft.com/office/drawing/2014/main" id="{EED68DEB-DF9A-41CA-80E0-F1BF41F32DE3}"/>
+                  </a:ext>
+                </a:extLst>
+              </p14:cNvPr>
+              <p14:cNvContentPartPr/>
+              <p14:nvPr/>
+            </p14:nvContentPartPr>
+            <p14:xfrm>
+              <a:off x="3348874" y="1054073"/>
+              <a:ext cx="1198440" cy="252720"/>
+            </p14:xfrm>
+          </p:contentPart>
+        </mc:Choice>
+        <mc:Fallback>
+          <p:pic>
+            <p:nvPicPr>
+              <p:cNvPr id="9" name="Ink 8">
+                <a:extLst>
+                  <a:ext uri="{FF2B5EF4-FFF2-40B4-BE49-F238E27FC236}">
+                    <a16:creationId xmlns:a16="http://schemas.microsoft.com/office/drawing/2014/main" id="{EED68DEB-DF9A-41CA-80E0-F1BF41F32DE3}"/>
+                  </a:ext>
+                </a:extLst>
+              </p:cNvPr>
+              <p:cNvPicPr/>
+              <p:nvPr/>
+            </p:nvPicPr>
+            <p:blipFill>
+              <a:blip r:embed="rId6"/>
+              <a:stretch>
+                <a:fillRect/>
+              </a:stretch>
+            </p:blipFill>
+            <p:spPr>
+              <a:xfrm>
+                <a:off x="3339874" y="1045073"/>
+                <a:ext cx="1216080" cy="270360"/>
+              </a:xfrm>
+              <a:prstGeom prst="rect">
+                <a:avLst/>
+              </a:prstGeom>
+            </p:spPr>
+          </p:pic>
+        </mc:Fallback>
+      </mc:AlternateContent>
+      <mc:AlternateContent xmlns:mc="http://schemas.openxmlformats.org/markup-compatibility/2006">
+        <mc:Choice xmlns:p14="http://schemas.microsoft.com/office/powerpoint/2010/main" Requires="p14">
+          <p:contentPart p14:bwMode="auto" r:id="rId7">
+            <p14:nvContentPartPr>
+              <p14:cNvPr id="10" name="Ink 9">
+                <a:extLst>
+                  <a:ext uri="{FF2B5EF4-FFF2-40B4-BE49-F238E27FC236}">
+                    <a16:creationId xmlns:a16="http://schemas.microsoft.com/office/drawing/2014/main" id="{AC372DB5-3AA7-471F-AFC9-F2F4AE98999F}"/>
+                  </a:ext>
+                </a:extLst>
+              </p14:cNvPr>
+              <p14:cNvContentPartPr/>
+              <p14:nvPr/>
+            </p14:nvContentPartPr>
+            <p14:xfrm>
+              <a:off x="4861234" y="1119593"/>
+              <a:ext cx="28440" cy="308520"/>
+            </p14:xfrm>
+          </p:contentPart>
+        </mc:Choice>
+        <mc:Fallback>
+          <p:pic>
+            <p:nvPicPr>
+              <p:cNvPr id="10" name="Ink 9">
+                <a:extLst>
+                  <a:ext uri="{FF2B5EF4-FFF2-40B4-BE49-F238E27FC236}">
+                    <a16:creationId xmlns:a16="http://schemas.microsoft.com/office/drawing/2014/main" id="{AC372DB5-3AA7-471F-AFC9-F2F4AE98999F}"/>
+                  </a:ext>
+                </a:extLst>
+              </p:cNvPr>
+              <p:cNvPicPr/>
+              <p:nvPr/>
+            </p:nvPicPr>
+            <p:blipFill>
+              <a:blip r:embed="rId8"/>
+              <a:stretch>
+                <a:fillRect/>
+              </a:stretch>
+            </p:blipFill>
+            <p:spPr>
+              <a:xfrm>
+                <a:off x="4852234" y="1110593"/>
+                <a:ext cx="46080" cy="326160"/>
+              </a:xfrm>
+              <a:prstGeom prst="rect">
+                <a:avLst/>
+              </a:prstGeom>
+            </p:spPr>
+          </p:pic>
+        </mc:Fallback>
+      </mc:AlternateContent>
+      <mc:AlternateContent xmlns:mc="http://schemas.openxmlformats.org/markup-compatibility/2006">
+        <mc:Choice xmlns:p14="http://schemas.microsoft.com/office/powerpoint/2010/main" Requires="p14">
+          <p:contentPart p14:bwMode="auto" r:id="rId9">
+            <p14:nvContentPartPr>
+              <p14:cNvPr id="12" name="Ink 11">
+                <a:extLst>
+                  <a:ext uri="{FF2B5EF4-FFF2-40B4-BE49-F238E27FC236}">
+                    <a16:creationId xmlns:a16="http://schemas.microsoft.com/office/drawing/2014/main" id="{ADC3DC3B-788E-4536-82B3-BA75E75DFC05}"/>
+                  </a:ext>
+                </a:extLst>
+              </p14:cNvPr>
+              <p14:cNvContentPartPr/>
+              <p14:nvPr/>
+            </p14:nvContentPartPr>
+            <p14:xfrm>
+              <a:off x="4859434" y="1080353"/>
+              <a:ext cx="171000" cy="198360"/>
+            </p14:xfrm>
+          </p:contentPart>
+        </mc:Choice>
+        <mc:Fallback>
+          <p:pic>
+            <p:nvPicPr>
+              <p:cNvPr id="12" name="Ink 11">
+                <a:extLst>
+                  <a:ext uri="{FF2B5EF4-FFF2-40B4-BE49-F238E27FC236}">
+                    <a16:creationId xmlns:a16="http://schemas.microsoft.com/office/drawing/2014/main" id="{ADC3DC3B-788E-4536-82B3-BA75E75DFC05}"/>
+                  </a:ext>
+                </a:extLst>
+              </p:cNvPr>
+              <p:cNvPicPr/>
+              <p:nvPr/>
+            </p:nvPicPr>
+            <p:blipFill>
+              <a:blip r:embed="rId10"/>
+              <a:stretch>
+                <a:fillRect/>
+              </a:stretch>
+            </p:blipFill>
+            <p:spPr>
+              <a:xfrm>
+                <a:off x="4850434" y="1071353"/>
+                <a:ext cx="188640" cy="216000"/>
+              </a:xfrm>
+              <a:prstGeom prst="rect">
+                <a:avLst/>
+              </a:prstGeom>
+            </p:spPr>
+          </p:pic>
+        </mc:Fallback>
+      </mc:AlternateContent>
+      <mc:AlternateContent xmlns:mc="http://schemas.openxmlformats.org/markup-compatibility/2006">
+        <mc:Choice xmlns:p14="http://schemas.microsoft.com/office/powerpoint/2010/main" Requires="p14">
+          <p:contentPart p14:bwMode="auto" r:id="rId11">
+            <p14:nvContentPartPr>
+              <p14:cNvPr id="13" name="Ink 12">
+                <a:extLst>
+                  <a:ext uri="{FF2B5EF4-FFF2-40B4-BE49-F238E27FC236}">
+                    <a16:creationId xmlns:a16="http://schemas.microsoft.com/office/drawing/2014/main" id="{E23C43BA-058B-48E4-B8FE-F8808A88725D}"/>
+                  </a:ext>
+                </a:extLst>
+              </p14:cNvPr>
+              <p14:cNvContentPartPr/>
+              <p14:nvPr/>
+            </p14:nvContentPartPr>
+            <p14:xfrm>
+              <a:off x="5085154" y="1240913"/>
+              <a:ext cx="168480" cy="189360"/>
+            </p14:xfrm>
+          </p:contentPart>
+        </mc:Choice>
+        <mc:Fallback>
+          <p:pic>
+            <p:nvPicPr>
+              <p:cNvPr id="13" name="Ink 12">
+                <a:extLst>
+                  <a:ext uri="{FF2B5EF4-FFF2-40B4-BE49-F238E27FC236}">
+                    <a16:creationId xmlns:a16="http://schemas.microsoft.com/office/drawing/2014/main" id="{E23C43BA-058B-48E4-B8FE-F8808A88725D}"/>
+                  </a:ext>
+                </a:extLst>
+              </p:cNvPr>
+              <p:cNvPicPr/>
+              <p:nvPr/>
+            </p:nvPicPr>
+            <p:blipFill>
+              <a:blip r:embed="rId12"/>
+              <a:stretch>
+                <a:fillRect/>
+              </a:stretch>
+            </p:blipFill>
+            <p:spPr>
+              <a:xfrm>
+                <a:off x="5076154" y="1231913"/>
+                <a:ext cx="186120" cy="207000"/>
+              </a:xfrm>
+              <a:prstGeom prst="rect">
+                <a:avLst/>
+              </a:prstGeom>
+            </p:spPr>
+          </p:pic>
+        </mc:Fallback>
+      </mc:AlternateContent>
+      <mc:AlternateContent xmlns:mc="http://schemas.openxmlformats.org/markup-compatibility/2006">
+        <mc:Choice xmlns:p14="http://schemas.microsoft.com/office/powerpoint/2010/main" Requires="p14">
+          <p:contentPart p14:bwMode="auto" r:id="rId13">
+            <p14:nvContentPartPr>
+              <p14:cNvPr id="14" name="Ink 13">
+                <a:extLst>
+                  <a:ext uri="{FF2B5EF4-FFF2-40B4-BE49-F238E27FC236}">
+                    <a16:creationId xmlns:a16="http://schemas.microsoft.com/office/drawing/2014/main" id="{32CE9AC6-FBF1-4E68-8107-AD4936CF88D4}"/>
+                  </a:ext>
+                </a:extLst>
+              </p14:cNvPr>
+              <p14:cNvContentPartPr/>
+              <p14:nvPr/>
+            </p14:nvContentPartPr>
+            <p14:xfrm>
+              <a:off x="5337154" y="1221833"/>
+              <a:ext cx="133920" cy="162720"/>
+            </p14:xfrm>
+          </p:contentPart>
+        </mc:Choice>
+        <mc:Fallback>
+          <p:pic>
+            <p:nvPicPr>
+              <p:cNvPr id="14" name="Ink 13">
+                <a:extLst>
+                  <a:ext uri="{FF2B5EF4-FFF2-40B4-BE49-F238E27FC236}">
+                    <a16:creationId xmlns:a16="http://schemas.microsoft.com/office/drawing/2014/main" id="{32CE9AC6-FBF1-4E68-8107-AD4936CF88D4}"/>
+                  </a:ext>
+                </a:extLst>
+              </p:cNvPr>
+              <p:cNvPicPr/>
+              <p:nvPr/>
+            </p:nvPicPr>
+            <p:blipFill>
+              <a:blip r:embed="rId14"/>
+              <a:stretch>
+                <a:fillRect/>
+              </a:stretch>
+            </p:blipFill>
+            <p:spPr>
+              <a:xfrm>
+                <a:off x="5328154" y="1212833"/>
+                <a:ext cx="151560" cy="180360"/>
+              </a:xfrm>
+              <a:prstGeom prst="rect">
+                <a:avLst/>
+              </a:prstGeom>
+            </p:spPr>
+          </p:pic>
+        </mc:Fallback>
+      </mc:AlternateContent>
+      <mc:AlternateContent xmlns:mc="http://schemas.openxmlformats.org/markup-compatibility/2006">
+        <mc:Choice xmlns:p14="http://schemas.microsoft.com/office/powerpoint/2010/main" Requires="p14">
+          <p:contentPart p14:bwMode="auto" r:id="rId15">
+            <p14:nvContentPartPr>
+              <p14:cNvPr id="15" name="Ink 14">
+                <a:extLst>
+                  <a:ext uri="{FF2B5EF4-FFF2-40B4-BE49-F238E27FC236}">
+                    <a16:creationId xmlns:a16="http://schemas.microsoft.com/office/drawing/2014/main" id="{B69ACECD-8C87-481D-AC66-558BBACA92FC}"/>
+                  </a:ext>
+                </a:extLst>
+              </p14:cNvPr>
+              <p14:cNvContentPartPr/>
+              <p14:nvPr/>
+            </p14:nvContentPartPr>
+            <p14:xfrm>
+              <a:off x="5449114" y="1203473"/>
+              <a:ext cx="162360" cy="329040"/>
+            </p14:xfrm>
+          </p:contentPart>
+        </mc:Choice>
+        <mc:Fallback>
+          <p:pic>
+            <p:nvPicPr>
+              <p:cNvPr id="15" name="Ink 14">
+                <a:extLst>
+                  <a:ext uri="{FF2B5EF4-FFF2-40B4-BE49-F238E27FC236}">
+                    <a16:creationId xmlns:a16="http://schemas.microsoft.com/office/drawing/2014/main" id="{B69ACECD-8C87-481D-AC66-558BBACA92FC}"/>
+                  </a:ext>
+                </a:extLst>
+              </p:cNvPr>
+              <p:cNvPicPr/>
+              <p:nvPr/>
+            </p:nvPicPr>
+            <p:blipFill>
+              <a:blip r:embed="rId16"/>
+              <a:stretch>
+                <a:fillRect/>
+              </a:stretch>
+            </p:blipFill>
+            <p:spPr>
+              <a:xfrm>
+                <a:off x="5440114" y="1194473"/>
+                <a:ext cx="180000" cy="346680"/>
+              </a:xfrm>
+              <a:prstGeom prst="rect">
+                <a:avLst/>
+              </a:prstGeom>
+            </p:spPr>
+          </p:pic>
+        </mc:Fallback>
+      </mc:AlternateContent>
+      <mc:AlternateContent xmlns:mc="http://schemas.openxmlformats.org/markup-compatibility/2006">
+        <mc:Choice xmlns:p14="http://schemas.microsoft.com/office/powerpoint/2010/main" Requires="p14">
+          <p:contentPart p14:bwMode="auto" r:id="rId17">
+            <p14:nvContentPartPr>
+              <p14:cNvPr id="16" name="Ink 15">
+                <a:extLst>
+                  <a:ext uri="{FF2B5EF4-FFF2-40B4-BE49-F238E27FC236}">
+                    <a16:creationId xmlns:a16="http://schemas.microsoft.com/office/drawing/2014/main" id="{482C6A92-8919-47CA-BAB2-61B7B3CF0427}"/>
+                  </a:ext>
+                </a:extLst>
+              </p14:cNvPr>
+              <p14:cNvContentPartPr/>
+              <p14:nvPr/>
+            </p14:nvContentPartPr>
+            <p14:xfrm>
+              <a:off x="5551354" y="1138313"/>
+              <a:ext cx="19440" cy="9720"/>
+            </p14:xfrm>
+          </p:contentPart>
+        </mc:Choice>
+        <mc:Fallback>
+          <p:pic>
+            <p:nvPicPr>
+              <p:cNvPr id="16" name="Ink 15">
+                <a:extLst>
+                  <a:ext uri="{FF2B5EF4-FFF2-40B4-BE49-F238E27FC236}">
+                    <a16:creationId xmlns:a16="http://schemas.microsoft.com/office/drawing/2014/main" id="{482C6A92-8919-47CA-BAB2-61B7B3CF0427}"/>
+                  </a:ext>
+                </a:extLst>
+              </p:cNvPr>
+              <p:cNvPicPr/>
+              <p:nvPr/>
+            </p:nvPicPr>
+            <p:blipFill>
+              <a:blip r:embed="rId18"/>
+              <a:stretch>
+                <a:fillRect/>
+              </a:stretch>
+            </p:blipFill>
+            <p:spPr>
+              <a:xfrm>
+                <a:off x="5542354" y="1129313"/>
+                <a:ext cx="37080" cy="27360"/>
+              </a:xfrm>
+              <a:prstGeom prst="rect">
+                <a:avLst/>
+              </a:prstGeom>
+            </p:spPr>
+          </p:pic>
+        </mc:Fallback>
+      </mc:AlternateContent>
+      <mc:AlternateContent xmlns:mc="http://schemas.openxmlformats.org/markup-compatibility/2006">
+        <mc:Choice xmlns:p14="http://schemas.microsoft.com/office/powerpoint/2010/main" Requires="p14">
+          <p:contentPart p14:bwMode="auto" r:id="rId19">
+            <p14:nvContentPartPr>
+              <p14:cNvPr id="17" name="Ink 16">
+                <a:extLst>
+                  <a:ext uri="{FF2B5EF4-FFF2-40B4-BE49-F238E27FC236}">
+                    <a16:creationId xmlns:a16="http://schemas.microsoft.com/office/drawing/2014/main" id="{3544960D-4EFA-484E-B77A-7ECC6E282B5D}"/>
+                  </a:ext>
+                </a:extLst>
+              </p14:cNvPr>
+              <p14:cNvContentPartPr/>
+              <p14:nvPr/>
+            </p14:nvContentPartPr>
+            <p14:xfrm>
+              <a:off x="5673034" y="1185113"/>
+              <a:ext cx="122040" cy="158760"/>
+            </p14:xfrm>
+          </p:contentPart>
+        </mc:Choice>
+        <mc:Fallback>
+          <p:pic>
+            <p:nvPicPr>
+              <p:cNvPr id="17" name="Ink 16">
+                <a:extLst>
+                  <a:ext uri="{FF2B5EF4-FFF2-40B4-BE49-F238E27FC236}">
+                    <a16:creationId xmlns:a16="http://schemas.microsoft.com/office/drawing/2014/main" id="{3544960D-4EFA-484E-B77A-7ECC6E282B5D}"/>
+                  </a:ext>
+                </a:extLst>
+              </p:cNvPr>
+              <p:cNvPicPr/>
+              <p:nvPr/>
+            </p:nvPicPr>
+            <p:blipFill>
+              <a:blip r:embed="rId20"/>
+              <a:stretch>
+                <a:fillRect/>
+              </a:stretch>
+            </p:blipFill>
+            <p:spPr>
+              <a:xfrm>
+                <a:off x="5664034" y="1176113"/>
+                <a:ext cx="139680" cy="176400"/>
+              </a:xfrm>
+              <a:prstGeom prst="rect">
+                <a:avLst/>
+              </a:prstGeom>
+            </p:spPr>
+          </p:pic>
+        </mc:Fallback>
+      </mc:AlternateContent>
+      <mc:AlternateContent xmlns:mc="http://schemas.openxmlformats.org/markup-compatibility/2006">
+        <mc:Choice xmlns:p14="http://schemas.microsoft.com/office/powerpoint/2010/main" Requires="p14">
+          <p:contentPart p14:bwMode="auto" r:id="rId21">
+            <p14:nvContentPartPr>
+              <p14:cNvPr id="18" name="Ink 17">
+                <a:extLst>
+                  <a:ext uri="{FF2B5EF4-FFF2-40B4-BE49-F238E27FC236}">
+                    <a16:creationId xmlns:a16="http://schemas.microsoft.com/office/drawing/2014/main" id="{33AC8B1E-D642-4865-A81F-063587CE40AB}"/>
+                  </a:ext>
+                </a:extLst>
+              </p14:cNvPr>
+              <p14:cNvContentPartPr/>
+              <p14:nvPr/>
+            </p14:nvContentPartPr>
+            <p14:xfrm>
+              <a:off x="5895154" y="1194113"/>
+              <a:ext cx="105120" cy="169560"/>
+            </p14:xfrm>
+          </p:contentPart>
+        </mc:Choice>
+        <mc:Fallback>
+          <p:pic>
+            <p:nvPicPr>
+              <p:cNvPr id="18" name="Ink 17">
+                <a:extLst>
+                  <a:ext uri="{FF2B5EF4-FFF2-40B4-BE49-F238E27FC236}">
+                    <a16:creationId xmlns:a16="http://schemas.microsoft.com/office/drawing/2014/main" id="{33AC8B1E-D642-4865-A81F-063587CE40AB}"/>
+                  </a:ext>
+                </a:extLst>
+              </p:cNvPr>
+              <p:cNvPicPr/>
+              <p:nvPr/>
+            </p:nvPicPr>
+            <p:blipFill>
+              <a:blip r:embed="rId22"/>
+              <a:stretch>
+                <a:fillRect/>
+              </a:stretch>
+            </p:blipFill>
+            <p:spPr>
+              <a:xfrm>
+                <a:off x="5886154" y="1185113"/>
+                <a:ext cx="122760" cy="187200"/>
+              </a:xfrm>
+              <a:prstGeom prst="rect">
+                <a:avLst/>
+              </a:prstGeom>
+            </p:spPr>
+          </p:pic>
+        </mc:Fallback>
+      </mc:AlternateContent>
+      <mc:AlternateContent xmlns:mc="http://schemas.openxmlformats.org/markup-compatibility/2006">
+        <mc:Choice xmlns:p14="http://schemas.microsoft.com/office/powerpoint/2010/main" Requires="p14">
+          <p:contentPart p14:bwMode="auto" r:id="rId23">
+            <p14:nvContentPartPr>
+              <p14:cNvPr id="19" name="Ink 18">
+                <a:extLst>
+                  <a:ext uri="{FF2B5EF4-FFF2-40B4-BE49-F238E27FC236}">
+                    <a16:creationId xmlns:a16="http://schemas.microsoft.com/office/drawing/2014/main" id="{CEF4D403-B63E-4C07-B5C8-4AEBFD30C680}"/>
+                  </a:ext>
+                </a:extLst>
+              </p14:cNvPr>
+              <p14:cNvContentPartPr/>
+              <p14:nvPr/>
+            </p14:nvContentPartPr>
+            <p14:xfrm>
+              <a:off x="6102154" y="1082513"/>
+              <a:ext cx="28440" cy="252000"/>
+            </p14:xfrm>
+          </p:contentPart>
+        </mc:Choice>
+        <mc:Fallback>
+          <p:pic>
+            <p:nvPicPr>
+              <p:cNvPr id="19" name="Ink 18">
+                <a:extLst>
+                  <a:ext uri="{FF2B5EF4-FFF2-40B4-BE49-F238E27FC236}">
+                    <a16:creationId xmlns:a16="http://schemas.microsoft.com/office/drawing/2014/main" id="{CEF4D403-B63E-4C07-B5C8-4AEBFD30C680}"/>
+                  </a:ext>
+                </a:extLst>
+              </p:cNvPr>
+              <p:cNvPicPr/>
+              <p:nvPr/>
+            </p:nvPicPr>
+            <p:blipFill>
+              <a:blip r:embed="rId24"/>
+              <a:stretch>
+                <a:fillRect/>
+              </a:stretch>
+            </p:blipFill>
+            <p:spPr>
+              <a:xfrm>
+                <a:off x="6093154" y="1073513"/>
+                <a:ext cx="46080" cy="269640"/>
+              </a:xfrm>
+              <a:prstGeom prst="rect">
+                <a:avLst/>
+              </a:prstGeom>
+            </p:spPr>
+          </p:pic>
+        </mc:Fallback>
+      </mc:AlternateContent>
+      <mc:AlternateContent xmlns:mc="http://schemas.openxmlformats.org/markup-compatibility/2006">
+        <mc:Choice xmlns:p14="http://schemas.microsoft.com/office/powerpoint/2010/main" Requires="p14">
+          <p:contentPart p14:bwMode="auto" r:id="rId25">
+            <p14:nvContentPartPr>
+              <p14:cNvPr id="20" name="Ink 19">
+                <a:extLst>
+                  <a:ext uri="{FF2B5EF4-FFF2-40B4-BE49-F238E27FC236}">
+                    <a16:creationId xmlns:a16="http://schemas.microsoft.com/office/drawing/2014/main" id="{FAF53ECE-91BD-487F-80E1-8DF91CF26B57}"/>
+                  </a:ext>
+                </a:extLst>
+              </p14:cNvPr>
+              <p14:cNvContentPartPr/>
+              <p14:nvPr/>
+            </p14:nvContentPartPr>
+            <p14:xfrm>
+              <a:off x="6073714" y="1183313"/>
+              <a:ext cx="122040" cy="95400"/>
+            </p14:xfrm>
+          </p:contentPart>
+        </mc:Choice>
+        <mc:Fallback>
+          <p:pic>
+            <p:nvPicPr>
+              <p:cNvPr id="20" name="Ink 19">
+                <a:extLst>
+                  <a:ext uri="{FF2B5EF4-FFF2-40B4-BE49-F238E27FC236}">
+                    <a16:creationId xmlns:a16="http://schemas.microsoft.com/office/drawing/2014/main" id="{FAF53ECE-91BD-487F-80E1-8DF91CF26B57}"/>
+                  </a:ext>
+                </a:extLst>
+              </p:cNvPr>
+              <p:cNvPicPr/>
+              <p:nvPr/>
+            </p:nvPicPr>
+            <p:blipFill>
+              <a:blip r:embed="rId26"/>
+              <a:stretch>
+                <a:fillRect/>
+              </a:stretch>
+            </p:blipFill>
+            <p:spPr>
+              <a:xfrm>
+                <a:off x="6064714" y="1174313"/>
+                <a:ext cx="139680" cy="113040"/>
+              </a:xfrm>
+              <a:prstGeom prst="rect">
+                <a:avLst/>
+              </a:prstGeom>
+            </p:spPr>
+          </p:pic>
+        </mc:Fallback>
+      </mc:AlternateContent>
+      <mc:AlternateContent xmlns:mc="http://schemas.openxmlformats.org/markup-compatibility/2006">
+        <mc:Choice xmlns:p14="http://schemas.microsoft.com/office/powerpoint/2010/main" Requires="p14">
+          <p:contentPart p14:bwMode="auto" r:id="rId27">
+            <p14:nvContentPartPr>
+              <p14:cNvPr id="21" name="Ink 20">
+                <a:extLst>
+                  <a:ext uri="{FF2B5EF4-FFF2-40B4-BE49-F238E27FC236}">
+                    <a16:creationId xmlns:a16="http://schemas.microsoft.com/office/drawing/2014/main" id="{45B28146-BC79-4B34-AF89-84A10B7182DA}"/>
+                  </a:ext>
+                </a:extLst>
+              </p14:cNvPr>
+              <p14:cNvContentPartPr/>
+              <p14:nvPr/>
+            </p14:nvContentPartPr>
+            <p14:xfrm>
+              <a:off x="6408514" y="1126433"/>
+              <a:ext cx="192960" cy="236520"/>
+            </p14:xfrm>
+          </p:contentPart>
+        </mc:Choice>
+        <mc:Fallback>
+          <p:pic>
+            <p:nvPicPr>
+              <p:cNvPr id="21" name="Ink 20">
+                <a:extLst>
+                  <a:ext uri="{FF2B5EF4-FFF2-40B4-BE49-F238E27FC236}">
+                    <a16:creationId xmlns:a16="http://schemas.microsoft.com/office/drawing/2014/main" id="{45B28146-BC79-4B34-AF89-84A10B7182DA}"/>
+                  </a:ext>
+                </a:extLst>
+              </p:cNvPr>
+              <p:cNvPicPr/>
+              <p:nvPr/>
+            </p:nvPicPr>
+            <p:blipFill>
+              <a:blip r:embed="rId28"/>
+              <a:stretch>
+                <a:fillRect/>
+              </a:stretch>
+            </p:blipFill>
+            <p:spPr>
+              <a:xfrm>
+                <a:off x="6399514" y="1117433"/>
+                <a:ext cx="210600" cy="254160"/>
+              </a:xfrm>
+              <a:prstGeom prst="rect">
+                <a:avLst/>
+              </a:prstGeom>
+            </p:spPr>
+          </p:pic>
+        </mc:Fallback>
+      </mc:AlternateContent>
+      <mc:AlternateContent xmlns:mc="http://schemas.openxmlformats.org/markup-compatibility/2006">
+        <mc:Choice xmlns:p14="http://schemas.microsoft.com/office/powerpoint/2010/main" Requires="p14">
+          <p:contentPart p14:bwMode="auto" r:id="rId29">
+            <p14:nvContentPartPr>
+              <p14:cNvPr id="22" name="Ink 21">
+                <a:extLst>
+                  <a:ext uri="{FF2B5EF4-FFF2-40B4-BE49-F238E27FC236}">
+                    <a16:creationId xmlns:a16="http://schemas.microsoft.com/office/drawing/2014/main" id="{3EC56202-F923-4373-A470-88DE6D4B7737}"/>
+                  </a:ext>
+                </a:extLst>
+              </p14:cNvPr>
+              <p14:cNvContentPartPr/>
+              <p14:nvPr/>
+            </p14:nvContentPartPr>
+            <p14:xfrm>
+              <a:off x="6652594" y="1185113"/>
+              <a:ext cx="187200" cy="158760"/>
+            </p14:xfrm>
+          </p:contentPart>
+        </mc:Choice>
+        <mc:Fallback>
+          <p:pic>
+            <p:nvPicPr>
+              <p:cNvPr id="22" name="Ink 21">
+                <a:extLst>
+                  <a:ext uri="{FF2B5EF4-FFF2-40B4-BE49-F238E27FC236}">
+                    <a16:creationId xmlns:a16="http://schemas.microsoft.com/office/drawing/2014/main" id="{3EC56202-F923-4373-A470-88DE6D4B7737}"/>
+                  </a:ext>
+                </a:extLst>
+              </p:cNvPr>
+              <p:cNvPicPr/>
+              <p:nvPr/>
+            </p:nvPicPr>
+            <p:blipFill>
+              <a:blip r:embed="rId30"/>
+              <a:stretch>
+                <a:fillRect/>
+              </a:stretch>
+            </p:blipFill>
+            <p:spPr>
+              <a:xfrm>
+                <a:off x="6643594" y="1176113"/>
+                <a:ext cx="204840" cy="176400"/>
+              </a:xfrm>
+              <a:prstGeom prst="rect">
+                <a:avLst/>
+              </a:prstGeom>
+            </p:spPr>
+          </p:pic>
+        </mc:Fallback>
+      </mc:AlternateContent>
+      <mc:AlternateContent xmlns:mc="http://schemas.openxmlformats.org/markup-compatibility/2006">
+        <mc:Choice xmlns:p14="http://schemas.microsoft.com/office/powerpoint/2010/main" Requires="p14">
+          <p:contentPart p14:bwMode="auto" r:id="rId31">
+            <p14:nvContentPartPr>
+              <p14:cNvPr id="28" name="Ink 27">
+                <a:extLst>
+                  <a:ext uri="{FF2B5EF4-FFF2-40B4-BE49-F238E27FC236}">
+                    <a16:creationId xmlns:a16="http://schemas.microsoft.com/office/drawing/2014/main" id="{C54D0ABA-0CFF-4EF0-9B94-B657C8D53B78}"/>
+                  </a:ext>
+                </a:extLst>
+              </p14:cNvPr>
+              <p14:cNvContentPartPr/>
+              <p14:nvPr/>
+            </p14:nvContentPartPr>
+            <p14:xfrm>
+              <a:off x="6903154" y="1193753"/>
+              <a:ext cx="581400" cy="206280"/>
+            </p14:xfrm>
+          </p:contentPart>
+        </mc:Choice>
+        <mc:Fallback>
+          <p:pic>
+            <p:nvPicPr>
+              <p:cNvPr id="28" name="Ink 27">
+                <a:extLst>
+                  <a:ext uri="{FF2B5EF4-FFF2-40B4-BE49-F238E27FC236}">
+                    <a16:creationId xmlns:a16="http://schemas.microsoft.com/office/drawing/2014/main" id="{C54D0ABA-0CFF-4EF0-9B94-B657C8D53B78}"/>
+                  </a:ext>
+                </a:extLst>
+              </p:cNvPr>
+              <p:cNvPicPr/>
+              <p:nvPr/>
+            </p:nvPicPr>
+            <p:blipFill>
+              <a:blip r:embed="rId32"/>
+              <a:stretch>
+                <a:fillRect/>
+              </a:stretch>
+            </p:blipFill>
+            <p:spPr>
+              <a:xfrm>
+                <a:off x="6894154" y="1184753"/>
+                <a:ext cx="599040" cy="223920"/>
+              </a:xfrm>
+              <a:prstGeom prst="rect">
+                <a:avLst/>
+              </a:prstGeom>
+            </p:spPr>
+          </p:pic>
+        </mc:Fallback>
+      </mc:AlternateContent>
+      <mc:AlternateContent xmlns:mc="http://schemas.openxmlformats.org/markup-compatibility/2006">
+        <mc:Choice xmlns:p14="http://schemas.microsoft.com/office/powerpoint/2010/main" Requires="p14">
+          <p:contentPart p14:bwMode="auto" r:id="rId33">
+            <p14:nvContentPartPr>
+              <p14:cNvPr id="38" name="Ink 37">
+                <a:extLst>
+                  <a:ext uri="{FF2B5EF4-FFF2-40B4-BE49-F238E27FC236}">
+                    <a16:creationId xmlns:a16="http://schemas.microsoft.com/office/drawing/2014/main" id="{DE8DCC10-F844-48C8-8E93-792FB9878864}"/>
+                  </a:ext>
+                </a:extLst>
+              </p14:cNvPr>
+              <p14:cNvContentPartPr/>
+              <p14:nvPr/>
+            </p14:nvContentPartPr>
+            <p14:xfrm>
+              <a:off x="4310794" y="2359793"/>
+              <a:ext cx="233640" cy="50760"/>
+            </p14:xfrm>
+          </p:contentPart>
+        </mc:Choice>
+        <mc:Fallback>
+          <p:pic>
+            <p:nvPicPr>
+              <p:cNvPr id="38" name="Ink 37">
+                <a:extLst>
+                  <a:ext uri="{FF2B5EF4-FFF2-40B4-BE49-F238E27FC236}">
+                    <a16:creationId xmlns:a16="http://schemas.microsoft.com/office/drawing/2014/main" id="{DE8DCC10-F844-48C8-8E93-792FB9878864}"/>
+                  </a:ext>
+                </a:extLst>
+              </p:cNvPr>
+              <p:cNvPicPr/>
+              <p:nvPr/>
+            </p:nvPicPr>
+            <p:blipFill>
+              <a:blip r:embed="rId34"/>
+              <a:stretch>
+                <a:fillRect/>
+              </a:stretch>
+            </p:blipFill>
+            <p:spPr>
+              <a:xfrm>
+                <a:off x="4301794" y="2350793"/>
+                <a:ext cx="251280" cy="68400"/>
+              </a:xfrm>
+              <a:prstGeom prst="rect">
+                <a:avLst/>
+              </a:prstGeom>
+            </p:spPr>
+          </p:pic>
+        </mc:Fallback>
+      </mc:AlternateContent>
+      <mc:AlternateContent xmlns:mc="http://schemas.openxmlformats.org/markup-compatibility/2006">
+        <mc:Choice xmlns:p14="http://schemas.microsoft.com/office/powerpoint/2010/main" Requires="p14">
+          <p:contentPart p14:bwMode="auto" r:id="rId35">
+            <p14:nvContentPartPr>
+              <p14:cNvPr id="39" name="Ink 38">
+                <a:extLst>
+                  <a:ext uri="{FF2B5EF4-FFF2-40B4-BE49-F238E27FC236}">
+                    <a16:creationId xmlns:a16="http://schemas.microsoft.com/office/drawing/2014/main" id="{D7BA607A-703F-454F-B83F-D0B250AC003E}"/>
+                  </a:ext>
+                </a:extLst>
+              </p14:cNvPr>
+              <p14:cNvContentPartPr/>
+              <p14:nvPr/>
+            </p14:nvContentPartPr>
+            <p14:xfrm>
+              <a:off x="3312154" y="2285993"/>
+              <a:ext cx="747000" cy="326880"/>
+            </p14:xfrm>
+          </p:contentPart>
+        </mc:Choice>
+        <mc:Fallback>
+          <p:pic>
+            <p:nvPicPr>
+              <p:cNvPr id="39" name="Ink 38">
+                <a:extLst>
+                  <a:ext uri="{FF2B5EF4-FFF2-40B4-BE49-F238E27FC236}">
+                    <a16:creationId xmlns:a16="http://schemas.microsoft.com/office/drawing/2014/main" id="{D7BA607A-703F-454F-B83F-D0B250AC003E}"/>
+                  </a:ext>
+                </a:extLst>
+              </p:cNvPr>
+              <p:cNvPicPr/>
+              <p:nvPr/>
+            </p:nvPicPr>
+            <p:blipFill>
+              <a:blip r:embed="rId36"/>
+              <a:stretch>
+                <a:fillRect/>
+              </a:stretch>
+            </p:blipFill>
+            <p:spPr>
+              <a:xfrm>
+                <a:off x="3303154" y="2276993"/>
+                <a:ext cx="764640" cy="344520"/>
+              </a:xfrm>
+              <a:prstGeom prst="rect">
+                <a:avLst/>
+              </a:prstGeom>
+            </p:spPr>
+          </p:pic>
+        </mc:Fallback>
+      </mc:AlternateContent>
+      <mc:AlternateContent xmlns:mc="http://schemas.openxmlformats.org/markup-compatibility/2006">
+        <mc:Choice xmlns:p14="http://schemas.microsoft.com/office/powerpoint/2010/main" Requires="p14">
+          <p:contentPart p14:bwMode="auto" r:id="rId37">
+            <p14:nvContentPartPr>
+              <p14:cNvPr id="42" name="Ink 41">
+                <a:extLst>
+                  <a:ext uri="{FF2B5EF4-FFF2-40B4-BE49-F238E27FC236}">
+                    <a16:creationId xmlns:a16="http://schemas.microsoft.com/office/drawing/2014/main" id="{AFEDB6C2-BB8B-4792-A952-9BDBA6B7E1B3}"/>
+                  </a:ext>
+                </a:extLst>
+              </p14:cNvPr>
+              <p14:cNvContentPartPr/>
+              <p14:nvPr/>
+            </p14:nvContentPartPr>
+            <p14:xfrm>
+              <a:off x="2490634" y="1501193"/>
+              <a:ext cx="579600" cy="1308240"/>
+            </p14:xfrm>
+          </p:contentPart>
+        </mc:Choice>
+        <mc:Fallback>
+          <p:pic>
+            <p:nvPicPr>
+              <p:cNvPr id="42" name="Ink 41">
+                <a:extLst>
+                  <a:ext uri="{FF2B5EF4-FFF2-40B4-BE49-F238E27FC236}">
+                    <a16:creationId xmlns:a16="http://schemas.microsoft.com/office/drawing/2014/main" id="{AFEDB6C2-BB8B-4792-A952-9BDBA6B7E1B3}"/>
+                  </a:ext>
+                </a:extLst>
+              </p:cNvPr>
+              <p:cNvPicPr/>
+              <p:nvPr/>
+            </p:nvPicPr>
+            <p:blipFill>
+              <a:blip r:embed="rId38"/>
+              <a:stretch>
+                <a:fillRect/>
+              </a:stretch>
+            </p:blipFill>
+            <p:spPr>
+              <a:xfrm>
+                <a:off x="2481634" y="1492193"/>
+                <a:ext cx="597240" cy="1325880"/>
+              </a:xfrm>
+              <a:prstGeom prst="rect">
+                <a:avLst/>
+              </a:prstGeom>
+            </p:spPr>
+          </p:pic>
+        </mc:Fallback>
+      </mc:AlternateContent>
+      <mc:AlternateContent xmlns:mc="http://schemas.openxmlformats.org/markup-compatibility/2006">
+        <mc:Choice xmlns:p14="http://schemas.microsoft.com/office/powerpoint/2010/main" Requires="p14">
+          <p:contentPart p14:bwMode="auto" r:id="rId39">
+            <p14:nvContentPartPr>
+              <p14:cNvPr id="59" name="Ink 58">
+                <a:extLst>
+                  <a:ext uri="{FF2B5EF4-FFF2-40B4-BE49-F238E27FC236}">
+                    <a16:creationId xmlns:a16="http://schemas.microsoft.com/office/drawing/2014/main" id="{2D7497E9-D84C-47B9-AFE7-DF410E8A891C}"/>
+                  </a:ext>
+                </a:extLst>
+              </p14:cNvPr>
+              <p14:cNvContentPartPr/>
+              <p14:nvPr/>
+            </p14:nvContentPartPr>
+            <p14:xfrm>
+              <a:off x="4879954" y="2032553"/>
+              <a:ext cx="3571920" cy="627120"/>
+            </p14:xfrm>
+          </p:contentPart>
+        </mc:Choice>
+        <mc:Fallback>
+          <p:pic>
+            <p:nvPicPr>
+              <p:cNvPr id="59" name="Ink 58">
+                <a:extLst>
+                  <a:ext uri="{FF2B5EF4-FFF2-40B4-BE49-F238E27FC236}">
+                    <a16:creationId xmlns:a16="http://schemas.microsoft.com/office/drawing/2014/main" id="{2D7497E9-D84C-47B9-AFE7-DF410E8A891C}"/>
+                  </a:ext>
+                </a:extLst>
+              </p:cNvPr>
+              <p:cNvPicPr/>
+              <p:nvPr/>
+            </p:nvPicPr>
+            <p:blipFill>
+              <a:blip r:embed="rId40"/>
+              <a:stretch>
+                <a:fillRect/>
+              </a:stretch>
+            </p:blipFill>
+            <p:spPr>
+              <a:xfrm>
+                <a:off x="4870954" y="2023553"/>
+                <a:ext cx="3589560" cy="644760"/>
+              </a:xfrm>
+              <a:prstGeom prst="rect">
+                <a:avLst/>
+              </a:prstGeom>
+            </p:spPr>
+          </p:pic>
+        </mc:Fallback>
+      </mc:AlternateContent>
+      <mc:AlternateContent xmlns:mc="http://schemas.openxmlformats.org/markup-compatibility/2006">
+        <mc:Choice xmlns:p14="http://schemas.microsoft.com/office/powerpoint/2010/main" Requires="p14">
+          <p:contentPart p14:bwMode="auto" r:id="rId41">
+            <p14:nvContentPartPr>
+              <p14:cNvPr id="70" name="Ink 69">
+                <a:extLst>
+                  <a:ext uri="{FF2B5EF4-FFF2-40B4-BE49-F238E27FC236}">
+                    <a16:creationId xmlns:a16="http://schemas.microsoft.com/office/drawing/2014/main" id="{F68CBC35-91D9-4591-8003-12CDDC2D9B95}"/>
+                  </a:ext>
+                </a:extLst>
+              </p14:cNvPr>
+              <p14:cNvContentPartPr/>
+              <p14:nvPr/>
+            </p14:nvContentPartPr>
+            <p14:xfrm>
+              <a:off x="4460194" y="3554993"/>
+              <a:ext cx="234000" cy="59040"/>
+            </p14:xfrm>
+          </p:contentPart>
+        </mc:Choice>
+        <mc:Fallback>
+          <p:pic>
+            <p:nvPicPr>
+              <p:cNvPr id="70" name="Ink 69">
+                <a:extLst>
+                  <a:ext uri="{FF2B5EF4-FFF2-40B4-BE49-F238E27FC236}">
+                    <a16:creationId xmlns:a16="http://schemas.microsoft.com/office/drawing/2014/main" id="{F68CBC35-91D9-4591-8003-12CDDC2D9B95}"/>
+                  </a:ext>
+                </a:extLst>
+              </p:cNvPr>
+              <p:cNvPicPr/>
+              <p:nvPr/>
+            </p:nvPicPr>
+            <p:blipFill>
+              <a:blip r:embed="rId42"/>
+              <a:stretch>
+                <a:fillRect/>
+              </a:stretch>
+            </p:blipFill>
+            <p:spPr>
+              <a:xfrm>
+                <a:off x="4451194" y="3545993"/>
+                <a:ext cx="251640" cy="76680"/>
+              </a:xfrm>
+              <a:prstGeom prst="rect">
+                <a:avLst/>
+              </a:prstGeom>
+            </p:spPr>
+          </p:pic>
+        </mc:Fallback>
+      </mc:AlternateContent>
+      <mc:AlternateContent xmlns:mc="http://schemas.openxmlformats.org/markup-compatibility/2006">
+        <mc:Choice xmlns:p14="http://schemas.microsoft.com/office/powerpoint/2010/main" Requires="p14">
+          <p:contentPart p14:bwMode="auto" r:id="rId43">
+            <p14:nvContentPartPr>
+              <p14:cNvPr id="71" name="Ink 70">
+                <a:extLst>
+                  <a:ext uri="{FF2B5EF4-FFF2-40B4-BE49-F238E27FC236}">
+                    <a16:creationId xmlns:a16="http://schemas.microsoft.com/office/drawing/2014/main" id="{F4ADB08A-6C6C-4354-AB97-3D29C02CCD3A}"/>
+                  </a:ext>
+                </a:extLst>
+              </p14:cNvPr>
+              <p14:cNvContentPartPr/>
+              <p14:nvPr/>
+            </p14:nvContentPartPr>
+            <p14:xfrm>
+              <a:off x="2575234" y="2836433"/>
+              <a:ext cx="1652040" cy="1195200"/>
+            </p14:xfrm>
+          </p:contentPart>
+        </mc:Choice>
+        <mc:Fallback>
+          <p:pic>
+            <p:nvPicPr>
+              <p:cNvPr id="71" name="Ink 70">
+                <a:extLst>
+                  <a:ext uri="{FF2B5EF4-FFF2-40B4-BE49-F238E27FC236}">
+                    <a16:creationId xmlns:a16="http://schemas.microsoft.com/office/drawing/2014/main" id="{F4ADB08A-6C6C-4354-AB97-3D29C02CCD3A}"/>
+                  </a:ext>
+                </a:extLst>
+              </p:cNvPr>
+              <p:cNvPicPr/>
+              <p:nvPr/>
+            </p:nvPicPr>
+            <p:blipFill>
+              <a:blip r:embed="rId44"/>
+              <a:stretch>
+                <a:fillRect/>
+              </a:stretch>
+            </p:blipFill>
+            <p:spPr>
+              <a:xfrm>
+                <a:off x="2566234" y="2827433"/>
+                <a:ext cx="1669680" cy="1212840"/>
+              </a:xfrm>
+              <a:prstGeom prst="rect">
+                <a:avLst/>
+              </a:prstGeom>
+            </p:spPr>
+          </p:pic>
+        </mc:Fallback>
+      </mc:AlternateContent>
+      <mc:AlternateContent xmlns:mc="http://schemas.openxmlformats.org/markup-compatibility/2006">
+        <mc:Choice xmlns:p14="http://schemas.microsoft.com/office/powerpoint/2010/main" Requires="p14">
+          <p:contentPart p14:bwMode="auto" r:id="rId45">
+            <p14:nvContentPartPr>
+              <p14:cNvPr id="80" name="Ink 79">
+                <a:extLst>
+                  <a:ext uri="{FF2B5EF4-FFF2-40B4-BE49-F238E27FC236}">
+                    <a16:creationId xmlns:a16="http://schemas.microsoft.com/office/drawing/2014/main" id="{9DB6DAA4-2B61-4CD7-B9BB-0108CD9FF263}"/>
+                  </a:ext>
+                </a:extLst>
+              </p14:cNvPr>
+              <p14:cNvContentPartPr/>
+              <p14:nvPr/>
+            </p14:nvContentPartPr>
+            <p14:xfrm>
+              <a:off x="5881114" y="3209753"/>
+              <a:ext cx="958680" cy="393120"/>
+            </p14:xfrm>
+          </p:contentPart>
+        </mc:Choice>
+        <mc:Fallback>
+          <p:pic>
+            <p:nvPicPr>
+              <p:cNvPr id="80" name="Ink 79">
+                <a:extLst>
+                  <a:ext uri="{FF2B5EF4-FFF2-40B4-BE49-F238E27FC236}">
+                    <a16:creationId xmlns:a16="http://schemas.microsoft.com/office/drawing/2014/main" id="{9DB6DAA4-2B61-4CD7-B9BB-0108CD9FF263}"/>
+                  </a:ext>
+                </a:extLst>
+              </p:cNvPr>
+              <p:cNvPicPr/>
+              <p:nvPr/>
+            </p:nvPicPr>
+            <p:blipFill>
+              <a:blip r:embed="rId46"/>
+              <a:stretch>
+                <a:fillRect/>
+              </a:stretch>
+            </p:blipFill>
+            <p:spPr>
+              <a:xfrm>
+                <a:off x="5872114" y="3200753"/>
+                <a:ext cx="976320" cy="410760"/>
+              </a:xfrm>
+              <a:prstGeom prst="rect">
+                <a:avLst/>
+              </a:prstGeom>
+            </p:spPr>
+          </p:pic>
+        </mc:Fallback>
+      </mc:AlternateContent>
+      <mc:AlternateContent xmlns:mc="http://schemas.openxmlformats.org/markup-compatibility/2006">
+        <mc:Choice xmlns:p14="http://schemas.microsoft.com/office/powerpoint/2010/main" Requires="p14">
+          <p:contentPart p14:bwMode="auto" r:id="rId47">
+            <p14:nvContentPartPr>
+              <p14:cNvPr id="81" name="Ink 80">
+                <a:extLst>
+                  <a:ext uri="{FF2B5EF4-FFF2-40B4-BE49-F238E27FC236}">
+                    <a16:creationId xmlns:a16="http://schemas.microsoft.com/office/drawing/2014/main" id="{A50F98FA-7D63-4E74-ACE5-68516A36CB0A}"/>
+                  </a:ext>
+                </a:extLst>
+              </p14:cNvPr>
+              <p14:cNvContentPartPr/>
+              <p14:nvPr/>
+            </p14:nvContentPartPr>
+            <p14:xfrm>
+              <a:off x="4933594" y="3394073"/>
+              <a:ext cx="637200" cy="322920"/>
+            </p14:xfrm>
+          </p:contentPart>
+        </mc:Choice>
+        <mc:Fallback>
+          <p:pic>
+            <p:nvPicPr>
+              <p:cNvPr id="81" name="Ink 80">
+                <a:extLst>
+                  <a:ext uri="{FF2B5EF4-FFF2-40B4-BE49-F238E27FC236}">
+                    <a16:creationId xmlns:a16="http://schemas.microsoft.com/office/drawing/2014/main" id="{A50F98FA-7D63-4E74-ACE5-68516A36CB0A}"/>
+                  </a:ext>
+                </a:extLst>
+              </p:cNvPr>
+              <p:cNvPicPr/>
+              <p:nvPr/>
+            </p:nvPicPr>
+            <p:blipFill>
+              <a:blip r:embed="rId48"/>
+              <a:stretch>
+                <a:fillRect/>
+              </a:stretch>
+            </p:blipFill>
+            <p:spPr>
+              <a:xfrm>
+                <a:off x="4924594" y="3385073"/>
+                <a:ext cx="654840" cy="340560"/>
+              </a:xfrm>
+              <a:prstGeom prst="rect">
+                <a:avLst/>
+              </a:prstGeom>
+            </p:spPr>
+          </p:pic>
+        </mc:Fallback>
+      </mc:AlternateContent>
+      <mc:AlternateContent xmlns:mc="http://schemas.openxmlformats.org/markup-compatibility/2006">
+        <mc:Choice xmlns:p14="http://schemas.microsoft.com/office/powerpoint/2010/main" Requires="p14">
+          <p:contentPart p14:bwMode="auto" r:id="rId49">
+            <p14:nvContentPartPr>
+              <p14:cNvPr id="85" name="Ink 84">
+                <a:extLst>
+                  <a:ext uri="{FF2B5EF4-FFF2-40B4-BE49-F238E27FC236}">
+                    <a16:creationId xmlns:a16="http://schemas.microsoft.com/office/drawing/2014/main" id="{A2668D03-07CC-47CE-A188-B42667E25DF9}"/>
+                  </a:ext>
+                </a:extLst>
+              </p14:cNvPr>
+              <p14:cNvContentPartPr/>
+              <p14:nvPr/>
+            </p14:nvContentPartPr>
+            <p14:xfrm>
+              <a:off x="7072714" y="3032273"/>
+              <a:ext cx="1203840" cy="440280"/>
+            </p14:xfrm>
+          </p:contentPart>
+        </mc:Choice>
+        <mc:Fallback>
+          <p:pic>
+            <p:nvPicPr>
+              <p:cNvPr id="85" name="Ink 84">
+                <a:extLst>
+                  <a:ext uri="{FF2B5EF4-FFF2-40B4-BE49-F238E27FC236}">
+                    <a16:creationId xmlns:a16="http://schemas.microsoft.com/office/drawing/2014/main" id="{A2668D03-07CC-47CE-A188-B42667E25DF9}"/>
+                  </a:ext>
+                </a:extLst>
+              </p:cNvPr>
+              <p:cNvPicPr/>
+              <p:nvPr/>
+            </p:nvPicPr>
+            <p:blipFill>
+              <a:blip r:embed="rId50"/>
+              <a:stretch>
+                <a:fillRect/>
+              </a:stretch>
+            </p:blipFill>
+            <p:spPr>
+              <a:xfrm>
+                <a:off x="7063714" y="3023273"/>
+                <a:ext cx="1221480" cy="457920"/>
+              </a:xfrm>
+              <a:prstGeom prst="rect">
+                <a:avLst/>
+              </a:prstGeom>
+            </p:spPr>
+          </p:pic>
+        </mc:Fallback>
+      </mc:AlternateContent>
+      <mc:AlternateContent xmlns:mc="http://schemas.openxmlformats.org/markup-compatibility/2006">
+        <mc:Choice xmlns:p14="http://schemas.microsoft.com/office/powerpoint/2010/main" Requires="p14">
+          <p:contentPart p14:bwMode="auto" r:id="rId51">
+            <p14:nvContentPartPr>
+              <p14:cNvPr id="97" name="Ink 96">
+                <a:extLst>
+                  <a:ext uri="{FF2B5EF4-FFF2-40B4-BE49-F238E27FC236}">
+                    <a16:creationId xmlns:a16="http://schemas.microsoft.com/office/drawing/2014/main" id="{31E0E7B4-9DE3-4416-A258-F273F0E3B6E9}"/>
+                  </a:ext>
+                </a:extLst>
+              </p14:cNvPr>
+              <p14:cNvContentPartPr/>
+              <p14:nvPr/>
+            </p14:nvContentPartPr>
+            <p14:xfrm>
+              <a:off x="4450834" y="4580633"/>
+              <a:ext cx="176760" cy="47880"/>
+            </p14:xfrm>
+          </p:contentPart>
+        </mc:Choice>
+        <mc:Fallback>
+          <p:pic>
+            <p:nvPicPr>
+              <p:cNvPr id="97" name="Ink 96">
+                <a:extLst>
+                  <a:ext uri="{FF2B5EF4-FFF2-40B4-BE49-F238E27FC236}">
+                    <a16:creationId xmlns:a16="http://schemas.microsoft.com/office/drawing/2014/main" id="{31E0E7B4-9DE3-4416-A258-F273F0E3B6E9}"/>
+                  </a:ext>
+                </a:extLst>
+              </p:cNvPr>
+              <p:cNvPicPr/>
+              <p:nvPr/>
+            </p:nvPicPr>
+            <p:blipFill>
+              <a:blip r:embed="rId52"/>
+              <a:stretch>
+                <a:fillRect/>
+              </a:stretch>
+            </p:blipFill>
+            <p:spPr>
+              <a:xfrm>
+                <a:off x="4441834" y="4571633"/>
+                <a:ext cx="194400" cy="65520"/>
+              </a:xfrm>
+              <a:prstGeom prst="rect">
+                <a:avLst/>
+              </a:prstGeom>
+            </p:spPr>
+          </p:pic>
+        </mc:Fallback>
+      </mc:AlternateContent>
+      <mc:AlternateContent xmlns:mc="http://schemas.openxmlformats.org/markup-compatibility/2006">
+        <mc:Choice xmlns:p14="http://schemas.microsoft.com/office/powerpoint/2010/main" Requires="p14">
+          <p:contentPart p14:bwMode="auto" r:id="rId53">
+            <p14:nvContentPartPr>
+              <p14:cNvPr id="98" name="Ink 97">
+                <a:extLst>
+                  <a:ext uri="{FF2B5EF4-FFF2-40B4-BE49-F238E27FC236}">
+                    <a16:creationId xmlns:a16="http://schemas.microsoft.com/office/drawing/2014/main" id="{61C378E8-AB66-4709-896E-C1337F1DACB9}"/>
+                  </a:ext>
+                </a:extLst>
+              </p14:cNvPr>
+              <p14:cNvContentPartPr/>
+              <p14:nvPr/>
+            </p14:nvContentPartPr>
+            <p14:xfrm>
+              <a:off x="2646874" y="4067993"/>
+              <a:ext cx="1536120" cy="927000"/>
+            </p14:xfrm>
+          </p:contentPart>
+        </mc:Choice>
+        <mc:Fallback>
+          <p:pic>
+            <p:nvPicPr>
+              <p:cNvPr id="98" name="Ink 97">
+                <a:extLst>
+                  <a:ext uri="{FF2B5EF4-FFF2-40B4-BE49-F238E27FC236}">
+                    <a16:creationId xmlns:a16="http://schemas.microsoft.com/office/drawing/2014/main" id="{61C378E8-AB66-4709-896E-C1337F1DACB9}"/>
+                  </a:ext>
+                </a:extLst>
+              </p:cNvPr>
+              <p:cNvPicPr/>
+              <p:nvPr/>
+            </p:nvPicPr>
+            <p:blipFill>
+              <a:blip r:embed="rId54"/>
+              <a:stretch>
+                <a:fillRect/>
+              </a:stretch>
+            </p:blipFill>
+            <p:spPr>
+              <a:xfrm>
+                <a:off x="2637874" y="4058993"/>
+                <a:ext cx="1553760" cy="944640"/>
+              </a:xfrm>
+              <a:prstGeom prst="rect">
+                <a:avLst/>
+              </a:prstGeom>
+            </p:spPr>
+          </p:pic>
+        </mc:Fallback>
+      </mc:AlternateContent>
+      <mc:AlternateContent xmlns:mc="http://schemas.openxmlformats.org/markup-compatibility/2006">
+        <mc:Choice xmlns:p14="http://schemas.microsoft.com/office/powerpoint/2010/main" Requires="p14">
+          <p:contentPart p14:bwMode="auto" r:id="rId55">
+            <p14:nvContentPartPr>
+              <p14:cNvPr id="104" name="Ink 103">
+                <a:extLst>
+                  <a:ext uri="{FF2B5EF4-FFF2-40B4-BE49-F238E27FC236}">
+                    <a16:creationId xmlns:a16="http://schemas.microsoft.com/office/drawing/2014/main" id="{AA1AC0A6-16BB-4C5C-9EA3-697292653FE9}"/>
+                  </a:ext>
+                </a:extLst>
+              </p14:cNvPr>
+              <p14:cNvContentPartPr/>
+              <p14:nvPr/>
+            </p14:nvContentPartPr>
+            <p14:xfrm>
+              <a:off x="4898674" y="4356713"/>
+              <a:ext cx="747000" cy="355680"/>
+            </p14:xfrm>
+          </p:contentPart>
+        </mc:Choice>
+        <mc:Fallback>
+          <p:pic>
+            <p:nvPicPr>
+              <p:cNvPr id="104" name="Ink 103">
+                <a:extLst>
+                  <a:ext uri="{FF2B5EF4-FFF2-40B4-BE49-F238E27FC236}">
+                    <a16:creationId xmlns:a16="http://schemas.microsoft.com/office/drawing/2014/main" id="{AA1AC0A6-16BB-4C5C-9EA3-697292653FE9}"/>
+                  </a:ext>
+                </a:extLst>
+              </p:cNvPr>
+              <p:cNvPicPr/>
+              <p:nvPr/>
+            </p:nvPicPr>
+            <p:blipFill>
+              <a:blip r:embed="rId56"/>
+              <a:stretch>
+                <a:fillRect/>
+              </a:stretch>
+            </p:blipFill>
+            <p:spPr>
+              <a:xfrm>
+                <a:off x="4889674" y="4347713"/>
+                <a:ext cx="764640" cy="373320"/>
+              </a:xfrm>
+              <a:prstGeom prst="rect">
+                <a:avLst/>
+              </a:prstGeom>
+            </p:spPr>
+          </p:pic>
+        </mc:Fallback>
+      </mc:AlternateContent>
+      <mc:AlternateContent xmlns:mc="http://schemas.openxmlformats.org/markup-compatibility/2006">
+        <mc:Choice xmlns:p14="http://schemas.microsoft.com/office/powerpoint/2010/main" Requires="p14">
+          <p:contentPart p14:bwMode="auto" r:id="rId57">
+            <p14:nvContentPartPr>
+              <p14:cNvPr id="110" name="Ink 109">
+                <a:extLst>
+                  <a:ext uri="{FF2B5EF4-FFF2-40B4-BE49-F238E27FC236}">
+                    <a16:creationId xmlns:a16="http://schemas.microsoft.com/office/drawing/2014/main" id="{2D771A5C-94A1-4B5C-87AD-6FF2CC6FB19F}"/>
+                  </a:ext>
+                </a:extLst>
+              </p14:cNvPr>
+              <p14:cNvContentPartPr/>
+              <p14:nvPr/>
+            </p14:nvContentPartPr>
+            <p14:xfrm>
+              <a:off x="5878234" y="3916793"/>
+              <a:ext cx="1735920" cy="714600"/>
+            </p14:xfrm>
+          </p:contentPart>
+        </mc:Choice>
+        <mc:Fallback>
+          <p:pic>
+            <p:nvPicPr>
+              <p:cNvPr id="110" name="Ink 109">
+                <a:extLst>
+                  <a:ext uri="{FF2B5EF4-FFF2-40B4-BE49-F238E27FC236}">
+                    <a16:creationId xmlns:a16="http://schemas.microsoft.com/office/drawing/2014/main" id="{2D771A5C-94A1-4B5C-87AD-6FF2CC6FB19F}"/>
+                  </a:ext>
+                </a:extLst>
+              </p:cNvPr>
+              <p:cNvPicPr/>
+              <p:nvPr/>
+            </p:nvPicPr>
+            <p:blipFill>
+              <a:blip r:embed="rId58"/>
+              <a:stretch>
+                <a:fillRect/>
+              </a:stretch>
+            </p:blipFill>
+            <p:spPr>
+              <a:xfrm>
+                <a:off x="5869234" y="3907793"/>
+                <a:ext cx="1753560" cy="732240"/>
+              </a:xfrm>
+              <a:prstGeom prst="rect">
+                <a:avLst/>
+              </a:prstGeom>
+            </p:spPr>
+          </p:pic>
+        </mc:Fallback>
+      </mc:AlternateContent>
+      <mc:AlternateContent xmlns:mc="http://schemas.openxmlformats.org/markup-compatibility/2006">
+        <mc:Choice xmlns:p14="http://schemas.microsoft.com/office/powerpoint/2010/main" Requires="p14">
+          <p:contentPart p14:bwMode="auto" r:id="rId59">
+            <p14:nvContentPartPr>
+              <p14:cNvPr id="116" name="Ink 115">
+                <a:extLst>
+                  <a:ext uri="{FF2B5EF4-FFF2-40B4-BE49-F238E27FC236}">
+                    <a16:creationId xmlns:a16="http://schemas.microsoft.com/office/drawing/2014/main" id="{40546199-81FE-4B14-80E4-D9C32326F973}"/>
+                  </a:ext>
+                </a:extLst>
+              </p14:cNvPr>
+              <p14:cNvContentPartPr/>
+              <p14:nvPr/>
+            </p14:nvContentPartPr>
+            <p14:xfrm>
+              <a:off x="7893874" y="3889793"/>
+              <a:ext cx="1455840" cy="439920"/>
+            </p14:xfrm>
+          </p:contentPart>
+        </mc:Choice>
+        <mc:Fallback>
+          <p:pic>
+            <p:nvPicPr>
+              <p:cNvPr id="116" name="Ink 115">
+                <a:extLst>
+                  <a:ext uri="{FF2B5EF4-FFF2-40B4-BE49-F238E27FC236}">
+                    <a16:creationId xmlns:a16="http://schemas.microsoft.com/office/drawing/2014/main" id="{40546199-81FE-4B14-80E4-D9C32326F973}"/>
+                  </a:ext>
+                </a:extLst>
+              </p:cNvPr>
+              <p:cNvPicPr/>
+              <p:nvPr/>
+            </p:nvPicPr>
+            <p:blipFill>
+              <a:blip r:embed="rId60"/>
+              <a:stretch>
+                <a:fillRect/>
+              </a:stretch>
+            </p:blipFill>
+            <p:spPr>
+              <a:xfrm>
+                <a:off x="7884874" y="3880793"/>
+                <a:ext cx="1473480" cy="457560"/>
+              </a:xfrm>
+              <a:prstGeom prst="rect">
+                <a:avLst/>
+              </a:prstGeom>
+            </p:spPr>
+          </p:pic>
+        </mc:Fallback>
+      </mc:AlternateContent>
+      <mc:AlternateContent xmlns:mc="http://schemas.openxmlformats.org/markup-compatibility/2006">
+        <mc:Choice xmlns:p14="http://schemas.microsoft.com/office/powerpoint/2010/main" Requires="p14">
+          <p:contentPart p14:bwMode="auto" r:id="rId61">
+            <p14:nvContentPartPr>
+              <p14:cNvPr id="142" name="Ink 141">
+                <a:extLst>
+                  <a:ext uri="{FF2B5EF4-FFF2-40B4-BE49-F238E27FC236}">
+                    <a16:creationId xmlns:a16="http://schemas.microsoft.com/office/drawing/2014/main" id="{B7B587CD-86CC-44BA-B82D-E766A3B8B166}"/>
+                  </a:ext>
+                </a:extLst>
+              </p14:cNvPr>
+              <p14:cNvContentPartPr/>
+              <p14:nvPr/>
+            </p14:nvContentPartPr>
+            <p14:xfrm>
+              <a:off x="2787274" y="4982393"/>
+              <a:ext cx="4379040" cy="1369800"/>
+            </p14:xfrm>
+          </p:contentPart>
+        </mc:Choice>
+        <mc:Fallback>
+          <p:pic>
+            <p:nvPicPr>
+              <p:cNvPr id="142" name="Ink 141">
+                <a:extLst>
+                  <a:ext uri="{FF2B5EF4-FFF2-40B4-BE49-F238E27FC236}">
+                    <a16:creationId xmlns:a16="http://schemas.microsoft.com/office/drawing/2014/main" id="{B7B587CD-86CC-44BA-B82D-E766A3B8B166}"/>
+                  </a:ext>
+                </a:extLst>
+              </p:cNvPr>
+              <p:cNvPicPr/>
+              <p:nvPr/>
+            </p:nvPicPr>
+            <p:blipFill>
+              <a:blip r:embed="rId62"/>
+              <a:stretch>
+                <a:fillRect/>
+              </a:stretch>
+            </p:blipFill>
+            <p:spPr>
+              <a:xfrm>
+                <a:off x="2778274" y="4973393"/>
+                <a:ext cx="4396680" cy="1387440"/>
+              </a:xfrm>
+              <a:prstGeom prst="rect">
+                <a:avLst/>
+              </a:prstGeom>
+            </p:spPr>
+          </p:pic>
+        </mc:Fallback>
+      </mc:AlternateContent>
+      <mc:AlternateContent xmlns:mc="http://schemas.openxmlformats.org/markup-compatibility/2006">
+        <mc:Choice xmlns:p14="http://schemas.microsoft.com/office/powerpoint/2010/main" Requires="p14">
+          <p:contentPart p14:bwMode="auto" r:id="rId63">
+            <p14:nvContentPartPr>
+              <p14:cNvPr id="145" name="Ink 144">
+                <a:extLst>
+                  <a:ext uri="{FF2B5EF4-FFF2-40B4-BE49-F238E27FC236}">
+                    <a16:creationId xmlns:a16="http://schemas.microsoft.com/office/drawing/2014/main" id="{A07C7039-44F0-4434-BBE8-1CBB50CDEEFC}"/>
+                  </a:ext>
+                </a:extLst>
+              </p14:cNvPr>
+              <p14:cNvContentPartPr/>
+              <p14:nvPr/>
+            </p14:nvContentPartPr>
+            <p14:xfrm>
+              <a:off x="7440994" y="4786553"/>
+              <a:ext cx="1022400" cy="402840"/>
+            </p14:xfrm>
+          </p:contentPart>
+        </mc:Choice>
+        <mc:Fallback>
+          <p:pic>
+            <p:nvPicPr>
+              <p:cNvPr id="145" name="Ink 144">
+                <a:extLst>
+                  <a:ext uri="{FF2B5EF4-FFF2-40B4-BE49-F238E27FC236}">
+                    <a16:creationId xmlns:a16="http://schemas.microsoft.com/office/drawing/2014/main" id="{A07C7039-44F0-4434-BBE8-1CBB50CDEEFC}"/>
+                  </a:ext>
+                </a:extLst>
+              </p:cNvPr>
+              <p:cNvPicPr/>
+              <p:nvPr/>
+            </p:nvPicPr>
+            <p:blipFill>
+              <a:blip r:embed="rId64"/>
+              <a:stretch>
+                <a:fillRect/>
+              </a:stretch>
+            </p:blipFill>
+            <p:spPr>
+              <a:xfrm>
+                <a:off x="7431994" y="4777553"/>
+                <a:ext cx="1040040" cy="420480"/>
+              </a:xfrm>
+              <a:prstGeom prst="rect">
+                <a:avLst/>
+              </a:prstGeom>
+            </p:spPr>
+          </p:pic>
+        </mc:Fallback>
+      </mc:AlternateContent>
     </p:spTree>
     <p:extLst>
       <p:ext uri="{BB962C8B-B14F-4D97-AF65-F5344CB8AC3E}">
@@ -9408,7 +13461,7 @@
                 </a:solidFill>
                 <a:latin typeface="Calibri"/>
               </a:rPr>
-              <a:t>We are converging USE CASES not FUTURES and FUNCTIONS</a:t>
+              <a:t>We are converging USE CASES not FEATURES and FUNCTIONS</a:t>
             </a:r>
           </a:p>
           <a:p>
@@ -27613,8 +31666,27 @@
                 </a:solidFill>
                 <a:latin typeface="Patua One" pitchFamily="2" charset="0"/>
               </a:rPr>
-              <a:t>SAP Analytics Cloud Certification – C_SAC_2014</a:t>
-            </a:r>
+              <a:t>SAP Analytics Cloud Certification – </a:t>
+            </a:r>
+            <a:r>
+              <a:rPr lang="en-US" b="0" i="0">
+                <a:solidFill>
+                  <a:srgbClr val="373A3C"/>
+                </a:solidFill>
+                <a:effectLst/>
+                <a:latin typeface="bentonsansregular"/>
+              </a:rPr>
+              <a:t>C_SAC_2021</a:t>
+            </a:r>
+            <a:endParaRPr lang="en-IN" dirty="0">
+              <a:solidFill>
+                <a:schemeClr val="tx2">
+                  <a:lumMod val="60000"/>
+                  <a:lumOff val="40000"/>
+                </a:schemeClr>
+              </a:solidFill>
+              <a:latin typeface="Patua One" pitchFamily="2" charset="0"/>
+            </a:endParaRPr>
           </a:p>
         </p:txBody>
       </p:sp>
@@ -31708,6 +35780,1724 @@
               <a:xfrm>
                 <a:off x="6665991" y="1308323"/>
                 <a:ext cx="176040" cy="90000"/>
+              </a:xfrm>
+              <a:prstGeom prst="rect">
+                <a:avLst/>
+              </a:prstGeom>
+            </p:spPr>
+          </p:pic>
+        </mc:Fallback>
+      </mc:AlternateContent>
+      <mc:AlternateContent xmlns:mc="http://schemas.openxmlformats.org/markup-compatibility/2006">
+        <mc:Choice xmlns:p14="http://schemas.microsoft.com/office/powerpoint/2010/main" Requires="p14">
+          <p:contentPart p14:bwMode="auto" r:id="rId5">
+            <p14:nvContentPartPr>
+              <p14:cNvPr id="32" name="Ink 31">
+                <a:extLst>
+                  <a:ext uri="{FF2B5EF4-FFF2-40B4-BE49-F238E27FC236}">
+                    <a16:creationId xmlns:a16="http://schemas.microsoft.com/office/drawing/2014/main" id="{D58EA220-F550-480C-AFD7-9E4BA907CC90}"/>
+                  </a:ext>
+                </a:extLst>
+              </p14:cNvPr>
+              <p14:cNvContentPartPr/>
+              <p14:nvPr/>
+            </p14:nvContentPartPr>
+            <p14:xfrm>
+              <a:off x="7574554" y="2238921"/>
+              <a:ext cx="1849680" cy="972360"/>
+            </p14:xfrm>
+          </p:contentPart>
+        </mc:Choice>
+        <mc:Fallback>
+          <p:pic>
+            <p:nvPicPr>
+              <p:cNvPr id="32" name="Ink 31">
+                <a:extLst>
+                  <a:ext uri="{FF2B5EF4-FFF2-40B4-BE49-F238E27FC236}">
+                    <a16:creationId xmlns:a16="http://schemas.microsoft.com/office/drawing/2014/main" id="{D58EA220-F550-480C-AFD7-9E4BA907CC90}"/>
+                  </a:ext>
+                </a:extLst>
+              </p:cNvPr>
+              <p:cNvPicPr/>
+              <p:nvPr/>
+            </p:nvPicPr>
+            <p:blipFill>
+              <a:blip r:embed="rId6"/>
+              <a:stretch>
+                <a:fillRect/>
+              </a:stretch>
+            </p:blipFill>
+            <p:spPr>
+              <a:xfrm>
+                <a:off x="7565554" y="2229921"/>
+                <a:ext cx="1867320" cy="990000"/>
+              </a:xfrm>
+              <a:prstGeom prst="rect">
+                <a:avLst/>
+              </a:prstGeom>
+            </p:spPr>
+          </p:pic>
+        </mc:Fallback>
+      </mc:AlternateContent>
+      <mc:AlternateContent xmlns:mc="http://schemas.openxmlformats.org/markup-compatibility/2006">
+        <mc:Choice xmlns:p14="http://schemas.microsoft.com/office/powerpoint/2010/main" Requires="p14">
+          <p:contentPart p14:bwMode="auto" r:id="rId7">
+            <p14:nvContentPartPr>
+              <p14:cNvPr id="46" name="Ink 45">
+                <a:extLst>
+                  <a:ext uri="{FF2B5EF4-FFF2-40B4-BE49-F238E27FC236}">
+                    <a16:creationId xmlns:a16="http://schemas.microsoft.com/office/drawing/2014/main" id="{78CECB43-22BD-41BD-AD2A-E7036FA751E9}"/>
+                  </a:ext>
+                </a:extLst>
+              </p14:cNvPr>
+              <p14:cNvContentPartPr/>
+              <p14:nvPr/>
+            </p14:nvContentPartPr>
+            <p14:xfrm>
+              <a:off x="8937154" y="3347001"/>
+              <a:ext cx="393840" cy="245520"/>
+            </p14:xfrm>
+          </p:contentPart>
+        </mc:Choice>
+        <mc:Fallback>
+          <p:pic>
+            <p:nvPicPr>
+              <p:cNvPr id="46" name="Ink 45">
+                <a:extLst>
+                  <a:ext uri="{FF2B5EF4-FFF2-40B4-BE49-F238E27FC236}">
+                    <a16:creationId xmlns:a16="http://schemas.microsoft.com/office/drawing/2014/main" id="{78CECB43-22BD-41BD-AD2A-E7036FA751E9}"/>
+                  </a:ext>
+                </a:extLst>
+              </p:cNvPr>
+              <p:cNvPicPr/>
+              <p:nvPr/>
+            </p:nvPicPr>
+            <p:blipFill>
+              <a:blip r:embed="rId8"/>
+              <a:stretch>
+                <a:fillRect/>
+              </a:stretch>
+            </p:blipFill>
+            <p:spPr>
+              <a:xfrm>
+                <a:off x="8928154" y="3338001"/>
+                <a:ext cx="411480" cy="263160"/>
+              </a:xfrm>
+              <a:prstGeom prst="rect">
+                <a:avLst/>
+              </a:prstGeom>
+            </p:spPr>
+          </p:pic>
+        </mc:Fallback>
+      </mc:AlternateContent>
+      <mc:AlternateContent xmlns:mc="http://schemas.openxmlformats.org/markup-compatibility/2006">
+        <mc:Choice xmlns:p14="http://schemas.microsoft.com/office/powerpoint/2010/main" Requires="p14">
+          <p:contentPart p14:bwMode="auto" r:id="rId9">
+            <p14:nvContentPartPr>
+              <p14:cNvPr id="54" name="Ink 53">
+                <a:extLst>
+                  <a:ext uri="{FF2B5EF4-FFF2-40B4-BE49-F238E27FC236}">
+                    <a16:creationId xmlns:a16="http://schemas.microsoft.com/office/drawing/2014/main" id="{FCC441FB-38AF-424C-BFFA-11BE05FA16D6}"/>
+                  </a:ext>
+                </a:extLst>
+              </p14:cNvPr>
+              <p14:cNvContentPartPr/>
+              <p14:nvPr/>
+            </p14:nvContentPartPr>
+            <p14:xfrm>
+              <a:off x="34354" y="2108601"/>
+              <a:ext cx="964440" cy="1494360"/>
+            </p14:xfrm>
+          </p:contentPart>
+        </mc:Choice>
+        <mc:Fallback>
+          <p:pic>
+            <p:nvPicPr>
+              <p:cNvPr id="54" name="Ink 53">
+                <a:extLst>
+                  <a:ext uri="{FF2B5EF4-FFF2-40B4-BE49-F238E27FC236}">
+                    <a16:creationId xmlns:a16="http://schemas.microsoft.com/office/drawing/2014/main" id="{FCC441FB-38AF-424C-BFFA-11BE05FA16D6}"/>
+                  </a:ext>
+                </a:extLst>
+              </p:cNvPr>
+              <p:cNvPicPr/>
+              <p:nvPr/>
+            </p:nvPicPr>
+            <p:blipFill>
+              <a:blip r:embed="rId10"/>
+              <a:stretch>
+                <a:fillRect/>
+              </a:stretch>
+            </p:blipFill>
+            <p:spPr>
+              <a:xfrm>
+                <a:off x="25354" y="2099601"/>
+                <a:ext cx="982080" cy="1512000"/>
+              </a:xfrm>
+              <a:prstGeom prst="rect">
+                <a:avLst/>
+              </a:prstGeom>
+            </p:spPr>
+          </p:pic>
+        </mc:Fallback>
+      </mc:AlternateContent>
+      <mc:AlternateContent xmlns:mc="http://schemas.openxmlformats.org/markup-compatibility/2006">
+        <mc:Choice xmlns:p14="http://schemas.microsoft.com/office/powerpoint/2010/main" Requires="p14">
+          <p:contentPart p14:bwMode="auto" r:id="rId11">
+            <p14:nvContentPartPr>
+              <p14:cNvPr id="153" name="Ink 152">
+                <a:extLst>
+                  <a:ext uri="{FF2B5EF4-FFF2-40B4-BE49-F238E27FC236}">
+                    <a16:creationId xmlns:a16="http://schemas.microsoft.com/office/drawing/2014/main" id="{FA4EC9E0-94E3-4D67-9008-A99608B3A911}"/>
+                  </a:ext>
+                </a:extLst>
+              </p14:cNvPr>
+              <p14:cNvContentPartPr/>
+              <p14:nvPr/>
+            </p14:nvContentPartPr>
+            <p14:xfrm>
+              <a:off x="2696554" y="3349521"/>
+              <a:ext cx="1306800" cy="793800"/>
+            </p14:xfrm>
+          </p:contentPart>
+        </mc:Choice>
+        <mc:Fallback>
+          <p:pic>
+            <p:nvPicPr>
+              <p:cNvPr id="153" name="Ink 152">
+                <a:extLst>
+                  <a:ext uri="{FF2B5EF4-FFF2-40B4-BE49-F238E27FC236}">
+                    <a16:creationId xmlns:a16="http://schemas.microsoft.com/office/drawing/2014/main" id="{FA4EC9E0-94E3-4D67-9008-A99608B3A911}"/>
+                  </a:ext>
+                </a:extLst>
+              </p:cNvPr>
+              <p:cNvPicPr/>
+              <p:nvPr/>
+            </p:nvPicPr>
+            <p:blipFill>
+              <a:blip r:embed="rId12"/>
+              <a:stretch>
+                <a:fillRect/>
+              </a:stretch>
+            </p:blipFill>
+            <p:spPr>
+              <a:xfrm>
+                <a:off x="2687554" y="3340521"/>
+                <a:ext cx="1324440" cy="811440"/>
+              </a:xfrm>
+              <a:prstGeom prst="rect">
+                <a:avLst/>
+              </a:prstGeom>
+            </p:spPr>
+          </p:pic>
+        </mc:Fallback>
+      </mc:AlternateContent>
+      <mc:AlternateContent xmlns:mc="http://schemas.openxmlformats.org/markup-compatibility/2006">
+        <mc:Choice xmlns:p14="http://schemas.microsoft.com/office/powerpoint/2010/main" Requires="p14">
+          <p:contentPart p14:bwMode="auto" r:id="rId13">
+            <p14:nvContentPartPr>
+              <p14:cNvPr id="161" name="Ink 160">
+                <a:extLst>
+                  <a:ext uri="{FF2B5EF4-FFF2-40B4-BE49-F238E27FC236}">
+                    <a16:creationId xmlns:a16="http://schemas.microsoft.com/office/drawing/2014/main" id="{98B406D8-BBBC-43EB-A27D-3E03588E4CBC}"/>
+                  </a:ext>
+                </a:extLst>
+              </p14:cNvPr>
+              <p14:cNvContentPartPr/>
+              <p14:nvPr/>
+            </p14:nvContentPartPr>
+            <p14:xfrm>
+              <a:off x="2258074" y="3469761"/>
+              <a:ext cx="1683000" cy="738720"/>
+            </p14:xfrm>
+          </p:contentPart>
+        </mc:Choice>
+        <mc:Fallback>
+          <p:pic>
+            <p:nvPicPr>
+              <p:cNvPr id="161" name="Ink 160">
+                <a:extLst>
+                  <a:ext uri="{FF2B5EF4-FFF2-40B4-BE49-F238E27FC236}">
+                    <a16:creationId xmlns:a16="http://schemas.microsoft.com/office/drawing/2014/main" id="{98B406D8-BBBC-43EB-A27D-3E03588E4CBC}"/>
+                  </a:ext>
+                </a:extLst>
+              </p:cNvPr>
+              <p:cNvPicPr/>
+              <p:nvPr/>
+            </p:nvPicPr>
+            <p:blipFill>
+              <a:blip r:embed="rId14"/>
+              <a:stretch>
+                <a:fillRect/>
+              </a:stretch>
+            </p:blipFill>
+            <p:spPr>
+              <a:xfrm>
+                <a:off x="2249074" y="3460761"/>
+                <a:ext cx="1700640" cy="756360"/>
+              </a:xfrm>
+              <a:prstGeom prst="rect">
+                <a:avLst/>
+              </a:prstGeom>
+            </p:spPr>
+          </p:pic>
+        </mc:Fallback>
+      </mc:AlternateContent>
+      <mc:AlternateContent xmlns:mc="http://schemas.openxmlformats.org/markup-compatibility/2006">
+        <mc:Choice xmlns:p14="http://schemas.microsoft.com/office/powerpoint/2010/main" Requires="p14">
+          <p:contentPart p14:bwMode="auto" r:id="rId15">
+            <p14:nvContentPartPr>
+              <p14:cNvPr id="162" name="Ink 161">
+                <a:extLst>
+                  <a:ext uri="{FF2B5EF4-FFF2-40B4-BE49-F238E27FC236}">
+                    <a16:creationId xmlns:a16="http://schemas.microsoft.com/office/drawing/2014/main" id="{00E64002-1C52-4057-BEBB-DF2EFE653903}"/>
+                  </a:ext>
+                </a:extLst>
+              </p14:cNvPr>
+              <p14:cNvContentPartPr/>
+              <p14:nvPr/>
+            </p14:nvContentPartPr>
+            <p14:xfrm>
+              <a:off x="4086154" y="4105521"/>
+              <a:ext cx="84960" cy="131040"/>
+            </p14:xfrm>
+          </p:contentPart>
+        </mc:Choice>
+        <mc:Fallback>
+          <p:pic>
+            <p:nvPicPr>
+              <p:cNvPr id="162" name="Ink 161">
+                <a:extLst>
+                  <a:ext uri="{FF2B5EF4-FFF2-40B4-BE49-F238E27FC236}">
+                    <a16:creationId xmlns:a16="http://schemas.microsoft.com/office/drawing/2014/main" id="{00E64002-1C52-4057-BEBB-DF2EFE653903}"/>
+                  </a:ext>
+                </a:extLst>
+              </p:cNvPr>
+              <p:cNvPicPr/>
+              <p:nvPr/>
+            </p:nvPicPr>
+            <p:blipFill>
+              <a:blip r:embed="rId16"/>
+              <a:stretch>
+                <a:fillRect/>
+              </a:stretch>
+            </p:blipFill>
+            <p:spPr>
+              <a:xfrm>
+                <a:off x="4077154" y="4096521"/>
+                <a:ext cx="102600" cy="148680"/>
+              </a:xfrm>
+              <a:prstGeom prst="rect">
+                <a:avLst/>
+              </a:prstGeom>
+            </p:spPr>
+          </p:pic>
+        </mc:Fallback>
+      </mc:AlternateContent>
+      <mc:AlternateContent xmlns:mc="http://schemas.openxmlformats.org/markup-compatibility/2006">
+        <mc:Choice xmlns:p14="http://schemas.microsoft.com/office/powerpoint/2010/main" Requires="p14">
+          <p:contentPart p14:bwMode="auto" r:id="rId17">
+            <p14:nvContentPartPr>
+              <p14:cNvPr id="163" name="Ink 162">
+                <a:extLst>
+                  <a:ext uri="{FF2B5EF4-FFF2-40B4-BE49-F238E27FC236}">
+                    <a16:creationId xmlns:a16="http://schemas.microsoft.com/office/drawing/2014/main" id="{0B247DF6-AF8D-4080-9E91-4DB0D6F348F0}"/>
+                  </a:ext>
+                </a:extLst>
+              </p14:cNvPr>
+              <p14:cNvContentPartPr/>
+              <p14:nvPr/>
+            </p14:nvContentPartPr>
+            <p14:xfrm>
+              <a:off x="3013714" y="3461481"/>
+              <a:ext cx="1036080" cy="429840"/>
+            </p14:xfrm>
+          </p:contentPart>
+        </mc:Choice>
+        <mc:Fallback>
+          <p:pic>
+            <p:nvPicPr>
+              <p:cNvPr id="163" name="Ink 162">
+                <a:extLst>
+                  <a:ext uri="{FF2B5EF4-FFF2-40B4-BE49-F238E27FC236}">
+                    <a16:creationId xmlns:a16="http://schemas.microsoft.com/office/drawing/2014/main" id="{0B247DF6-AF8D-4080-9E91-4DB0D6F348F0}"/>
+                  </a:ext>
+                </a:extLst>
+              </p:cNvPr>
+              <p:cNvPicPr/>
+              <p:nvPr/>
+            </p:nvPicPr>
+            <p:blipFill>
+              <a:blip r:embed="rId18"/>
+              <a:stretch>
+                <a:fillRect/>
+              </a:stretch>
+            </p:blipFill>
+            <p:spPr>
+              <a:xfrm>
+                <a:off x="3004714" y="3452481"/>
+                <a:ext cx="1053720" cy="447480"/>
+              </a:xfrm>
+              <a:prstGeom prst="rect">
+                <a:avLst/>
+              </a:prstGeom>
+            </p:spPr>
+          </p:pic>
+        </mc:Fallback>
+      </mc:AlternateContent>
+      <mc:AlternateContent xmlns:mc="http://schemas.openxmlformats.org/markup-compatibility/2006">
+        <mc:Choice xmlns:p14="http://schemas.microsoft.com/office/powerpoint/2010/main" Requires="p14">
+          <p:contentPart p14:bwMode="auto" r:id="rId19">
+            <p14:nvContentPartPr>
+              <p14:cNvPr id="168" name="Ink 167">
+                <a:extLst>
+                  <a:ext uri="{FF2B5EF4-FFF2-40B4-BE49-F238E27FC236}">
+                    <a16:creationId xmlns:a16="http://schemas.microsoft.com/office/drawing/2014/main" id="{42DA79DA-6A94-4D87-BC30-9B41BE39D447}"/>
+                  </a:ext>
+                </a:extLst>
+              </p14:cNvPr>
+              <p14:cNvContentPartPr/>
+              <p14:nvPr/>
+            </p14:nvContentPartPr>
+            <p14:xfrm>
+              <a:off x="4831714" y="3444561"/>
+              <a:ext cx="461520" cy="402840"/>
+            </p14:xfrm>
+          </p:contentPart>
+        </mc:Choice>
+        <mc:Fallback>
+          <p:pic>
+            <p:nvPicPr>
+              <p:cNvPr id="168" name="Ink 167">
+                <a:extLst>
+                  <a:ext uri="{FF2B5EF4-FFF2-40B4-BE49-F238E27FC236}">
+                    <a16:creationId xmlns:a16="http://schemas.microsoft.com/office/drawing/2014/main" id="{42DA79DA-6A94-4D87-BC30-9B41BE39D447}"/>
+                  </a:ext>
+                </a:extLst>
+              </p:cNvPr>
+              <p:cNvPicPr/>
+              <p:nvPr/>
+            </p:nvPicPr>
+            <p:blipFill>
+              <a:blip r:embed="rId20"/>
+              <a:stretch>
+                <a:fillRect/>
+              </a:stretch>
+            </p:blipFill>
+            <p:spPr>
+              <a:xfrm>
+                <a:off x="4822714" y="3435561"/>
+                <a:ext cx="479160" cy="420480"/>
+              </a:xfrm>
+              <a:prstGeom prst="rect">
+                <a:avLst/>
+              </a:prstGeom>
+            </p:spPr>
+          </p:pic>
+        </mc:Fallback>
+      </mc:AlternateContent>
+      <mc:AlternateContent xmlns:mc="http://schemas.openxmlformats.org/markup-compatibility/2006">
+        <mc:Choice xmlns:p14="http://schemas.microsoft.com/office/powerpoint/2010/main" Requires="p14">
+          <p:contentPart p14:bwMode="auto" r:id="rId21">
+            <p14:nvContentPartPr>
+              <p14:cNvPr id="169" name="Ink 168">
+                <a:extLst>
+                  <a:ext uri="{FF2B5EF4-FFF2-40B4-BE49-F238E27FC236}">
+                    <a16:creationId xmlns:a16="http://schemas.microsoft.com/office/drawing/2014/main" id="{605497E6-D922-4071-A8C7-BF65F217E7B0}"/>
+                  </a:ext>
+                </a:extLst>
+              </p14:cNvPr>
+              <p14:cNvContentPartPr/>
+              <p14:nvPr/>
+            </p14:nvContentPartPr>
+            <p14:xfrm>
+              <a:off x="5644954" y="3452481"/>
+              <a:ext cx="1077480" cy="690840"/>
+            </p14:xfrm>
+          </p:contentPart>
+        </mc:Choice>
+        <mc:Fallback>
+          <p:pic>
+            <p:nvPicPr>
+              <p:cNvPr id="169" name="Ink 168">
+                <a:extLst>
+                  <a:ext uri="{FF2B5EF4-FFF2-40B4-BE49-F238E27FC236}">
+                    <a16:creationId xmlns:a16="http://schemas.microsoft.com/office/drawing/2014/main" id="{605497E6-D922-4071-A8C7-BF65F217E7B0}"/>
+                  </a:ext>
+                </a:extLst>
+              </p:cNvPr>
+              <p:cNvPicPr/>
+              <p:nvPr/>
+            </p:nvPicPr>
+            <p:blipFill>
+              <a:blip r:embed="rId22"/>
+              <a:stretch>
+                <a:fillRect/>
+              </a:stretch>
+            </p:blipFill>
+            <p:spPr>
+              <a:xfrm>
+                <a:off x="5635954" y="3443481"/>
+                <a:ext cx="1095120" cy="708480"/>
+              </a:xfrm>
+              <a:prstGeom prst="rect">
+                <a:avLst/>
+              </a:prstGeom>
+            </p:spPr>
+          </p:pic>
+        </mc:Fallback>
+      </mc:AlternateContent>
+      <mc:AlternateContent xmlns:mc="http://schemas.openxmlformats.org/markup-compatibility/2006">
+        <mc:Choice xmlns:p14="http://schemas.microsoft.com/office/powerpoint/2010/main" Requires="p14">
+          <p:contentPart p14:bwMode="auto" r:id="rId23">
+            <p14:nvContentPartPr>
+              <p14:cNvPr id="176" name="Ink 175">
+                <a:extLst>
+                  <a:ext uri="{FF2B5EF4-FFF2-40B4-BE49-F238E27FC236}">
+                    <a16:creationId xmlns:a16="http://schemas.microsoft.com/office/drawing/2014/main" id="{F89FFAC6-9AEF-408B-AA17-DA2A22C2F281}"/>
+                  </a:ext>
+                </a:extLst>
+              </p14:cNvPr>
+              <p14:cNvContentPartPr/>
+              <p14:nvPr/>
+            </p14:nvContentPartPr>
+            <p14:xfrm>
+              <a:off x="5821714" y="3517641"/>
+              <a:ext cx="759960" cy="541440"/>
+            </p14:xfrm>
+          </p:contentPart>
+        </mc:Choice>
+        <mc:Fallback>
+          <p:pic>
+            <p:nvPicPr>
+              <p:cNvPr id="176" name="Ink 175">
+                <a:extLst>
+                  <a:ext uri="{FF2B5EF4-FFF2-40B4-BE49-F238E27FC236}">
+                    <a16:creationId xmlns:a16="http://schemas.microsoft.com/office/drawing/2014/main" id="{F89FFAC6-9AEF-408B-AA17-DA2A22C2F281}"/>
+                  </a:ext>
+                </a:extLst>
+              </p:cNvPr>
+              <p:cNvPicPr/>
+              <p:nvPr/>
+            </p:nvPicPr>
+            <p:blipFill>
+              <a:blip r:embed="rId24"/>
+              <a:stretch>
+                <a:fillRect/>
+              </a:stretch>
+            </p:blipFill>
+            <p:spPr>
+              <a:xfrm>
+                <a:off x="5812714" y="3508641"/>
+                <a:ext cx="777600" cy="559080"/>
+              </a:xfrm>
+              <a:prstGeom prst="rect">
+                <a:avLst/>
+              </a:prstGeom>
+            </p:spPr>
+          </p:pic>
+        </mc:Fallback>
+      </mc:AlternateContent>
+      <mc:AlternateContent xmlns:mc="http://schemas.openxmlformats.org/markup-compatibility/2006">
+        <mc:Choice xmlns:p14="http://schemas.microsoft.com/office/powerpoint/2010/main" Requires="p14">
+          <p:contentPart p14:bwMode="auto" r:id="rId25">
+            <p14:nvContentPartPr>
+              <p14:cNvPr id="183" name="Ink 182">
+                <a:extLst>
+                  <a:ext uri="{FF2B5EF4-FFF2-40B4-BE49-F238E27FC236}">
+                    <a16:creationId xmlns:a16="http://schemas.microsoft.com/office/drawing/2014/main" id="{DB59C7AD-5D01-49F5-9825-43C6462EB1ED}"/>
+                  </a:ext>
+                </a:extLst>
+              </p14:cNvPr>
+              <p14:cNvContentPartPr/>
+              <p14:nvPr/>
+            </p14:nvContentPartPr>
+            <p14:xfrm>
+              <a:off x="5951674" y="3590001"/>
+              <a:ext cx="608040" cy="443160"/>
+            </p14:xfrm>
+          </p:contentPart>
+        </mc:Choice>
+        <mc:Fallback>
+          <p:pic>
+            <p:nvPicPr>
+              <p:cNvPr id="183" name="Ink 182">
+                <a:extLst>
+                  <a:ext uri="{FF2B5EF4-FFF2-40B4-BE49-F238E27FC236}">
+                    <a16:creationId xmlns:a16="http://schemas.microsoft.com/office/drawing/2014/main" id="{DB59C7AD-5D01-49F5-9825-43C6462EB1ED}"/>
+                  </a:ext>
+                </a:extLst>
+              </p:cNvPr>
+              <p:cNvPicPr/>
+              <p:nvPr/>
+            </p:nvPicPr>
+            <p:blipFill>
+              <a:blip r:embed="rId26"/>
+              <a:stretch>
+                <a:fillRect/>
+              </a:stretch>
+            </p:blipFill>
+            <p:spPr>
+              <a:xfrm>
+                <a:off x="5942674" y="3581001"/>
+                <a:ext cx="625680" cy="460800"/>
+              </a:xfrm>
+              <a:prstGeom prst="rect">
+                <a:avLst/>
+              </a:prstGeom>
+            </p:spPr>
+          </p:pic>
+        </mc:Fallback>
+      </mc:AlternateContent>
+      <mc:AlternateContent xmlns:mc="http://schemas.openxmlformats.org/markup-compatibility/2006">
+        <mc:Choice xmlns:p14="http://schemas.microsoft.com/office/powerpoint/2010/main" Requires="p14">
+          <p:contentPart p14:bwMode="auto" r:id="rId27">
+            <p14:nvContentPartPr>
+              <p14:cNvPr id="189" name="Ink 188">
+                <a:extLst>
+                  <a:ext uri="{FF2B5EF4-FFF2-40B4-BE49-F238E27FC236}">
+                    <a16:creationId xmlns:a16="http://schemas.microsoft.com/office/drawing/2014/main" id="{B938662C-9490-4C26-9DA7-EC5E5FBBAF52}"/>
+                  </a:ext>
+                </a:extLst>
+              </p14:cNvPr>
+              <p14:cNvContentPartPr/>
+              <p14:nvPr/>
+            </p14:nvContentPartPr>
+            <p14:xfrm>
+              <a:off x="5943754" y="3256281"/>
+              <a:ext cx="560160" cy="317880"/>
+            </p14:xfrm>
+          </p:contentPart>
+        </mc:Choice>
+        <mc:Fallback>
+          <p:pic>
+            <p:nvPicPr>
+              <p:cNvPr id="189" name="Ink 188">
+                <a:extLst>
+                  <a:ext uri="{FF2B5EF4-FFF2-40B4-BE49-F238E27FC236}">
+                    <a16:creationId xmlns:a16="http://schemas.microsoft.com/office/drawing/2014/main" id="{B938662C-9490-4C26-9DA7-EC5E5FBBAF52}"/>
+                  </a:ext>
+                </a:extLst>
+              </p:cNvPr>
+              <p:cNvPicPr/>
+              <p:nvPr/>
+            </p:nvPicPr>
+            <p:blipFill>
+              <a:blip r:embed="rId28"/>
+              <a:stretch>
+                <a:fillRect/>
+              </a:stretch>
+            </p:blipFill>
+            <p:spPr>
+              <a:xfrm>
+                <a:off x="5934754" y="3247281"/>
+                <a:ext cx="577800" cy="335520"/>
+              </a:xfrm>
+              <a:prstGeom prst="rect">
+                <a:avLst/>
+              </a:prstGeom>
+            </p:spPr>
+          </p:pic>
+        </mc:Fallback>
+      </mc:AlternateContent>
+      <mc:AlternateContent xmlns:mc="http://schemas.openxmlformats.org/markup-compatibility/2006">
+        <mc:Choice xmlns:p14="http://schemas.microsoft.com/office/powerpoint/2010/main" Requires="p14">
+          <p:contentPart p14:bwMode="auto" r:id="rId29">
+            <p14:nvContentPartPr>
+              <p14:cNvPr id="193" name="Ink 192">
+                <a:extLst>
+                  <a:ext uri="{FF2B5EF4-FFF2-40B4-BE49-F238E27FC236}">
+                    <a16:creationId xmlns:a16="http://schemas.microsoft.com/office/drawing/2014/main" id="{DE13E58E-3C49-4FB1-96CB-C04F0A7201FB}"/>
+                  </a:ext>
+                </a:extLst>
+              </p14:cNvPr>
+              <p14:cNvContentPartPr/>
+              <p14:nvPr/>
+            </p14:nvContentPartPr>
+            <p14:xfrm>
+              <a:off x="5831794" y="4041081"/>
+              <a:ext cx="168120" cy="233640"/>
+            </p14:xfrm>
+          </p:contentPart>
+        </mc:Choice>
+        <mc:Fallback>
+          <p:pic>
+            <p:nvPicPr>
+              <p:cNvPr id="193" name="Ink 192">
+                <a:extLst>
+                  <a:ext uri="{FF2B5EF4-FFF2-40B4-BE49-F238E27FC236}">
+                    <a16:creationId xmlns:a16="http://schemas.microsoft.com/office/drawing/2014/main" id="{DE13E58E-3C49-4FB1-96CB-C04F0A7201FB}"/>
+                  </a:ext>
+                </a:extLst>
+              </p:cNvPr>
+              <p:cNvPicPr/>
+              <p:nvPr/>
+            </p:nvPicPr>
+            <p:blipFill>
+              <a:blip r:embed="rId30"/>
+              <a:stretch>
+                <a:fillRect/>
+              </a:stretch>
+            </p:blipFill>
+            <p:spPr>
+              <a:xfrm>
+                <a:off x="5822794" y="4032081"/>
+                <a:ext cx="185760" cy="251280"/>
+              </a:xfrm>
+              <a:prstGeom prst="rect">
+                <a:avLst/>
+              </a:prstGeom>
+            </p:spPr>
+          </p:pic>
+        </mc:Fallback>
+      </mc:AlternateContent>
+      <mc:AlternateContent xmlns:mc="http://schemas.openxmlformats.org/markup-compatibility/2006">
+        <mc:Choice xmlns:p14="http://schemas.microsoft.com/office/powerpoint/2010/main" Requires="p14">
+          <p:contentPart p14:bwMode="auto" r:id="rId31">
+            <p14:nvContentPartPr>
+              <p14:cNvPr id="197" name="Ink 196">
+                <a:extLst>
+                  <a:ext uri="{FF2B5EF4-FFF2-40B4-BE49-F238E27FC236}">
+                    <a16:creationId xmlns:a16="http://schemas.microsoft.com/office/drawing/2014/main" id="{9EC4CA7B-22AA-43C6-8C24-B84AB11735D0}"/>
+                  </a:ext>
+                </a:extLst>
+              </p14:cNvPr>
+              <p14:cNvContentPartPr/>
+              <p14:nvPr/>
+            </p14:nvContentPartPr>
+            <p14:xfrm>
+              <a:off x="6382234" y="4021641"/>
+              <a:ext cx="150120" cy="224280"/>
+            </p14:xfrm>
+          </p:contentPart>
+        </mc:Choice>
+        <mc:Fallback>
+          <p:pic>
+            <p:nvPicPr>
+              <p:cNvPr id="197" name="Ink 196">
+                <a:extLst>
+                  <a:ext uri="{FF2B5EF4-FFF2-40B4-BE49-F238E27FC236}">
+                    <a16:creationId xmlns:a16="http://schemas.microsoft.com/office/drawing/2014/main" id="{9EC4CA7B-22AA-43C6-8C24-B84AB11735D0}"/>
+                  </a:ext>
+                </a:extLst>
+              </p:cNvPr>
+              <p:cNvPicPr/>
+              <p:nvPr/>
+            </p:nvPicPr>
+            <p:blipFill>
+              <a:blip r:embed="rId32"/>
+              <a:stretch>
+                <a:fillRect/>
+              </a:stretch>
+            </p:blipFill>
+            <p:spPr>
+              <a:xfrm>
+                <a:off x="6373234" y="4012641"/>
+                <a:ext cx="167760" cy="241920"/>
+              </a:xfrm>
+              <a:prstGeom prst="rect">
+                <a:avLst/>
+              </a:prstGeom>
+            </p:spPr>
+          </p:pic>
+        </mc:Fallback>
+      </mc:AlternateContent>
+      <mc:AlternateContent xmlns:mc="http://schemas.openxmlformats.org/markup-compatibility/2006">
+        <mc:Choice xmlns:p14="http://schemas.microsoft.com/office/powerpoint/2010/main" Requires="p14">
+          <p:contentPart p14:bwMode="auto" r:id="rId33">
+            <p14:nvContentPartPr>
+              <p14:cNvPr id="205" name="Ink 204">
+                <a:extLst>
+                  <a:ext uri="{FF2B5EF4-FFF2-40B4-BE49-F238E27FC236}">
+                    <a16:creationId xmlns:a16="http://schemas.microsoft.com/office/drawing/2014/main" id="{80744BB8-4CAB-4C60-BC00-C5E5E81517CE}"/>
+                  </a:ext>
+                </a:extLst>
+              </p14:cNvPr>
+              <p14:cNvContentPartPr/>
+              <p14:nvPr/>
+            </p14:nvContentPartPr>
+            <p14:xfrm>
+              <a:off x="1539514" y="3527001"/>
+              <a:ext cx="672120" cy="261720"/>
+            </p14:xfrm>
+          </p:contentPart>
+        </mc:Choice>
+        <mc:Fallback>
+          <p:pic>
+            <p:nvPicPr>
+              <p:cNvPr id="205" name="Ink 204">
+                <a:extLst>
+                  <a:ext uri="{FF2B5EF4-FFF2-40B4-BE49-F238E27FC236}">
+                    <a16:creationId xmlns:a16="http://schemas.microsoft.com/office/drawing/2014/main" id="{80744BB8-4CAB-4C60-BC00-C5E5E81517CE}"/>
+                  </a:ext>
+                </a:extLst>
+              </p:cNvPr>
+              <p:cNvPicPr/>
+              <p:nvPr/>
+            </p:nvPicPr>
+            <p:blipFill>
+              <a:blip r:embed="rId34"/>
+              <a:stretch>
+                <a:fillRect/>
+              </a:stretch>
+            </p:blipFill>
+            <p:spPr>
+              <a:xfrm>
+                <a:off x="1530514" y="3518001"/>
+                <a:ext cx="689760" cy="279360"/>
+              </a:xfrm>
+              <a:prstGeom prst="rect">
+                <a:avLst/>
+              </a:prstGeom>
+            </p:spPr>
+          </p:pic>
+        </mc:Fallback>
+      </mc:AlternateContent>
+      <mc:AlternateContent xmlns:mc="http://schemas.openxmlformats.org/markup-compatibility/2006">
+        <mc:Choice xmlns:p14="http://schemas.microsoft.com/office/powerpoint/2010/main" Requires="p14">
+          <p:contentPart p14:bwMode="auto" r:id="rId35">
+            <p14:nvContentPartPr>
+              <p14:cNvPr id="206" name="Ink 205">
+                <a:extLst>
+                  <a:ext uri="{FF2B5EF4-FFF2-40B4-BE49-F238E27FC236}">
+                    <a16:creationId xmlns:a16="http://schemas.microsoft.com/office/drawing/2014/main" id="{8F4EA1A2-6AA5-41F4-BBE4-553928492FF7}"/>
+                  </a:ext>
+                </a:extLst>
+              </p14:cNvPr>
+              <p14:cNvContentPartPr/>
+              <p14:nvPr/>
+            </p14:nvContentPartPr>
+            <p14:xfrm>
+              <a:off x="6932674" y="3536361"/>
+              <a:ext cx="457560" cy="364320"/>
+            </p14:xfrm>
+          </p:contentPart>
+        </mc:Choice>
+        <mc:Fallback>
+          <p:pic>
+            <p:nvPicPr>
+              <p:cNvPr id="206" name="Ink 205">
+                <a:extLst>
+                  <a:ext uri="{FF2B5EF4-FFF2-40B4-BE49-F238E27FC236}">
+                    <a16:creationId xmlns:a16="http://schemas.microsoft.com/office/drawing/2014/main" id="{8F4EA1A2-6AA5-41F4-BBE4-553928492FF7}"/>
+                  </a:ext>
+                </a:extLst>
+              </p:cNvPr>
+              <p:cNvPicPr/>
+              <p:nvPr/>
+            </p:nvPicPr>
+            <p:blipFill>
+              <a:blip r:embed="rId36"/>
+              <a:stretch>
+                <a:fillRect/>
+              </a:stretch>
+            </p:blipFill>
+            <p:spPr>
+              <a:xfrm>
+                <a:off x="6923674" y="3527361"/>
+                <a:ext cx="475200" cy="381960"/>
+              </a:xfrm>
+              <a:prstGeom prst="rect">
+                <a:avLst/>
+              </a:prstGeom>
+            </p:spPr>
+          </p:pic>
+        </mc:Fallback>
+      </mc:AlternateContent>
+      <mc:AlternateContent xmlns:mc="http://schemas.openxmlformats.org/markup-compatibility/2006">
+        <mc:Choice xmlns:p14="http://schemas.microsoft.com/office/powerpoint/2010/main" Requires="p14">
+          <p:contentPart p14:bwMode="auto" r:id="rId37">
+            <p14:nvContentPartPr>
+              <p14:cNvPr id="215" name="Ink 214">
+                <a:extLst>
+                  <a:ext uri="{FF2B5EF4-FFF2-40B4-BE49-F238E27FC236}">
+                    <a16:creationId xmlns:a16="http://schemas.microsoft.com/office/drawing/2014/main" id="{3BBF6338-DFC8-4C9D-AEF8-E40747FB19AE}"/>
+                  </a:ext>
+                </a:extLst>
+              </p14:cNvPr>
+              <p14:cNvContentPartPr/>
+              <p14:nvPr/>
+            </p14:nvContentPartPr>
+            <p14:xfrm>
+              <a:off x="1157914" y="1837881"/>
+              <a:ext cx="8091000" cy="1279800"/>
+            </p14:xfrm>
+          </p:contentPart>
+        </mc:Choice>
+        <mc:Fallback>
+          <p:pic>
+            <p:nvPicPr>
+              <p:cNvPr id="215" name="Ink 214">
+                <a:extLst>
+                  <a:ext uri="{FF2B5EF4-FFF2-40B4-BE49-F238E27FC236}">
+                    <a16:creationId xmlns:a16="http://schemas.microsoft.com/office/drawing/2014/main" id="{3BBF6338-DFC8-4C9D-AEF8-E40747FB19AE}"/>
+                  </a:ext>
+                </a:extLst>
+              </p:cNvPr>
+              <p:cNvPicPr/>
+              <p:nvPr/>
+            </p:nvPicPr>
+            <p:blipFill>
+              <a:blip r:embed="rId38"/>
+              <a:stretch>
+                <a:fillRect/>
+              </a:stretch>
+            </p:blipFill>
+            <p:spPr>
+              <a:xfrm>
+                <a:off x="1148914" y="1828881"/>
+                <a:ext cx="8108640" cy="1297440"/>
+              </a:xfrm>
+              <a:prstGeom prst="rect">
+                <a:avLst/>
+              </a:prstGeom>
+            </p:spPr>
+          </p:pic>
+        </mc:Fallback>
+      </mc:AlternateContent>
+      <mc:AlternateContent xmlns:mc="http://schemas.openxmlformats.org/markup-compatibility/2006">
+        <mc:Choice xmlns:p14="http://schemas.microsoft.com/office/powerpoint/2010/main" Requires="p14">
+          <p:contentPart p14:bwMode="auto" r:id="rId39">
+            <p14:nvContentPartPr>
+              <p14:cNvPr id="216" name="Ink 215">
+                <a:extLst>
+                  <a:ext uri="{FF2B5EF4-FFF2-40B4-BE49-F238E27FC236}">
+                    <a16:creationId xmlns:a16="http://schemas.microsoft.com/office/drawing/2014/main" id="{087A727B-4028-4DDD-9896-BEA2A1852638}"/>
+                  </a:ext>
+                </a:extLst>
+              </p14:cNvPr>
+              <p14:cNvContentPartPr/>
+              <p14:nvPr/>
+            </p14:nvContentPartPr>
+            <p14:xfrm>
+              <a:off x="1828954" y="1660761"/>
+              <a:ext cx="186840" cy="65880"/>
+            </p14:xfrm>
+          </p:contentPart>
+        </mc:Choice>
+        <mc:Fallback>
+          <p:pic>
+            <p:nvPicPr>
+              <p:cNvPr id="216" name="Ink 215">
+                <a:extLst>
+                  <a:ext uri="{FF2B5EF4-FFF2-40B4-BE49-F238E27FC236}">
+                    <a16:creationId xmlns:a16="http://schemas.microsoft.com/office/drawing/2014/main" id="{087A727B-4028-4DDD-9896-BEA2A1852638}"/>
+                  </a:ext>
+                </a:extLst>
+              </p:cNvPr>
+              <p:cNvPicPr/>
+              <p:nvPr/>
+            </p:nvPicPr>
+            <p:blipFill>
+              <a:blip r:embed="rId40"/>
+              <a:stretch>
+                <a:fillRect/>
+              </a:stretch>
+            </p:blipFill>
+            <p:spPr>
+              <a:xfrm>
+                <a:off x="1819954" y="1651761"/>
+                <a:ext cx="204480" cy="83520"/>
+              </a:xfrm>
+              <a:prstGeom prst="rect">
+                <a:avLst/>
+              </a:prstGeom>
+            </p:spPr>
+          </p:pic>
+        </mc:Fallback>
+      </mc:AlternateContent>
+      <mc:AlternateContent xmlns:mc="http://schemas.openxmlformats.org/markup-compatibility/2006">
+        <mc:Choice xmlns:p14="http://schemas.microsoft.com/office/powerpoint/2010/main" Requires="p14">
+          <p:contentPart p14:bwMode="auto" r:id="rId41">
+            <p14:nvContentPartPr>
+              <p14:cNvPr id="221" name="Ink 220">
+                <a:extLst>
+                  <a:ext uri="{FF2B5EF4-FFF2-40B4-BE49-F238E27FC236}">
+                    <a16:creationId xmlns:a16="http://schemas.microsoft.com/office/drawing/2014/main" id="{76D70613-9463-4D13-8EB3-AB99D383AECC}"/>
+                  </a:ext>
+                </a:extLst>
+              </p14:cNvPr>
+              <p14:cNvContentPartPr/>
+              <p14:nvPr/>
+            </p14:nvContentPartPr>
+            <p14:xfrm>
+              <a:off x="7846354" y="3555081"/>
+              <a:ext cx="507240" cy="243000"/>
+            </p14:xfrm>
+          </p:contentPart>
+        </mc:Choice>
+        <mc:Fallback>
+          <p:pic>
+            <p:nvPicPr>
+              <p:cNvPr id="221" name="Ink 220">
+                <a:extLst>
+                  <a:ext uri="{FF2B5EF4-FFF2-40B4-BE49-F238E27FC236}">
+                    <a16:creationId xmlns:a16="http://schemas.microsoft.com/office/drawing/2014/main" id="{76D70613-9463-4D13-8EB3-AB99D383AECC}"/>
+                  </a:ext>
+                </a:extLst>
+              </p:cNvPr>
+              <p:cNvPicPr/>
+              <p:nvPr/>
+            </p:nvPicPr>
+            <p:blipFill>
+              <a:blip r:embed="rId42"/>
+              <a:stretch>
+                <a:fillRect/>
+              </a:stretch>
+            </p:blipFill>
+            <p:spPr>
+              <a:xfrm>
+                <a:off x="7837354" y="3546081"/>
+                <a:ext cx="524880" cy="260640"/>
+              </a:xfrm>
+              <a:prstGeom prst="rect">
+                <a:avLst/>
+              </a:prstGeom>
+            </p:spPr>
+          </p:pic>
+        </mc:Fallback>
+      </mc:AlternateContent>
+      <mc:AlternateContent xmlns:mc="http://schemas.openxmlformats.org/markup-compatibility/2006">
+        <mc:Choice xmlns:p14="http://schemas.microsoft.com/office/powerpoint/2010/main" Requires="p14">
+          <p:contentPart p14:bwMode="auto" r:id="rId43">
+            <p14:nvContentPartPr>
+              <p14:cNvPr id="233" name="Ink 232">
+                <a:extLst>
+                  <a:ext uri="{FF2B5EF4-FFF2-40B4-BE49-F238E27FC236}">
+                    <a16:creationId xmlns:a16="http://schemas.microsoft.com/office/drawing/2014/main" id="{0327A9D9-1D7A-42C4-9E1B-9BA412120E80}"/>
+                  </a:ext>
+                </a:extLst>
+              </p14:cNvPr>
+              <p14:cNvContentPartPr/>
+              <p14:nvPr/>
+            </p14:nvContentPartPr>
+            <p14:xfrm>
+              <a:off x="9774874" y="3051081"/>
+              <a:ext cx="1235520" cy="253800"/>
+            </p14:xfrm>
+          </p:contentPart>
+        </mc:Choice>
+        <mc:Fallback>
+          <p:pic>
+            <p:nvPicPr>
+              <p:cNvPr id="233" name="Ink 232">
+                <a:extLst>
+                  <a:ext uri="{FF2B5EF4-FFF2-40B4-BE49-F238E27FC236}">
+                    <a16:creationId xmlns:a16="http://schemas.microsoft.com/office/drawing/2014/main" id="{0327A9D9-1D7A-42C4-9E1B-9BA412120E80}"/>
+                  </a:ext>
+                </a:extLst>
+              </p:cNvPr>
+              <p:cNvPicPr/>
+              <p:nvPr/>
+            </p:nvPicPr>
+            <p:blipFill>
+              <a:blip r:embed="rId44"/>
+              <a:stretch>
+                <a:fillRect/>
+              </a:stretch>
+            </p:blipFill>
+            <p:spPr>
+              <a:xfrm>
+                <a:off x="9765874" y="3042081"/>
+                <a:ext cx="1253160" cy="271440"/>
+              </a:xfrm>
+              <a:prstGeom prst="rect">
+                <a:avLst/>
+              </a:prstGeom>
+            </p:spPr>
+          </p:pic>
+        </mc:Fallback>
+      </mc:AlternateContent>
+      <mc:AlternateContent xmlns:mc="http://schemas.openxmlformats.org/markup-compatibility/2006">
+        <mc:Choice xmlns:p14="http://schemas.microsoft.com/office/powerpoint/2010/main" Requires="p14">
+          <p:contentPart p14:bwMode="auto" r:id="rId45">
+            <p14:nvContentPartPr>
+              <p14:cNvPr id="241" name="Ink 240">
+                <a:extLst>
+                  <a:ext uri="{FF2B5EF4-FFF2-40B4-BE49-F238E27FC236}">
+                    <a16:creationId xmlns:a16="http://schemas.microsoft.com/office/drawing/2014/main" id="{8D06D474-40B1-42A3-904B-7209DB9592F9}"/>
+                  </a:ext>
+                </a:extLst>
+              </p14:cNvPr>
+              <p14:cNvContentPartPr/>
+              <p14:nvPr/>
+            </p14:nvContentPartPr>
+            <p14:xfrm>
+              <a:off x="9777754" y="3470481"/>
+              <a:ext cx="1215360" cy="308880"/>
+            </p14:xfrm>
+          </p:contentPart>
+        </mc:Choice>
+        <mc:Fallback>
+          <p:pic>
+            <p:nvPicPr>
+              <p:cNvPr id="241" name="Ink 240">
+                <a:extLst>
+                  <a:ext uri="{FF2B5EF4-FFF2-40B4-BE49-F238E27FC236}">
+                    <a16:creationId xmlns:a16="http://schemas.microsoft.com/office/drawing/2014/main" id="{8D06D474-40B1-42A3-904B-7209DB9592F9}"/>
+                  </a:ext>
+                </a:extLst>
+              </p:cNvPr>
+              <p:cNvPicPr/>
+              <p:nvPr/>
+            </p:nvPicPr>
+            <p:blipFill>
+              <a:blip r:embed="rId46"/>
+              <a:stretch>
+                <a:fillRect/>
+              </a:stretch>
+            </p:blipFill>
+            <p:spPr>
+              <a:xfrm>
+                <a:off x="9768754" y="3461481"/>
+                <a:ext cx="1233000" cy="326520"/>
+              </a:xfrm>
+              <a:prstGeom prst="rect">
+                <a:avLst/>
+              </a:prstGeom>
+            </p:spPr>
+          </p:pic>
+        </mc:Fallback>
+      </mc:AlternateContent>
+      <mc:AlternateContent xmlns:mc="http://schemas.openxmlformats.org/markup-compatibility/2006">
+        <mc:Choice xmlns:p14="http://schemas.microsoft.com/office/powerpoint/2010/main" Requires="p14">
+          <p:contentPart p14:bwMode="auto" r:id="rId47">
+            <p14:nvContentPartPr>
+              <p14:cNvPr id="255" name="Ink 254">
+                <a:extLst>
+                  <a:ext uri="{FF2B5EF4-FFF2-40B4-BE49-F238E27FC236}">
+                    <a16:creationId xmlns:a16="http://schemas.microsoft.com/office/drawing/2014/main" id="{B5B2E4AC-2037-42D9-9E30-3016A15126EF}"/>
+                  </a:ext>
+                </a:extLst>
+              </p14:cNvPr>
+              <p14:cNvContentPartPr/>
+              <p14:nvPr/>
+            </p14:nvContentPartPr>
+            <p14:xfrm>
+              <a:off x="9787834" y="3896361"/>
+              <a:ext cx="1455840" cy="367920"/>
+            </p14:xfrm>
+          </p:contentPart>
+        </mc:Choice>
+        <mc:Fallback>
+          <p:pic>
+            <p:nvPicPr>
+              <p:cNvPr id="255" name="Ink 254">
+                <a:extLst>
+                  <a:ext uri="{FF2B5EF4-FFF2-40B4-BE49-F238E27FC236}">
+                    <a16:creationId xmlns:a16="http://schemas.microsoft.com/office/drawing/2014/main" id="{B5B2E4AC-2037-42D9-9E30-3016A15126EF}"/>
+                  </a:ext>
+                </a:extLst>
+              </p:cNvPr>
+              <p:cNvPicPr/>
+              <p:nvPr/>
+            </p:nvPicPr>
+            <p:blipFill>
+              <a:blip r:embed="rId48"/>
+              <a:stretch>
+                <a:fillRect/>
+              </a:stretch>
+            </p:blipFill>
+            <p:spPr>
+              <a:xfrm>
+                <a:off x="9778834" y="3887361"/>
+                <a:ext cx="1473480" cy="385560"/>
+              </a:xfrm>
+              <a:prstGeom prst="rect">
+                <a:avLst/>
+              </a:prstGeom>
+            </p:spPr>
+          </p:pic>
+        </mc:Fallback>
+      </mc:AlternateContent>
+      <mc:AlternateContent xmlns:mc="http://schemas.openxmlformats.org/markup-compatibility/2006">
+        <mc:Choice xmlns:p14="http://schemas.microsoft.com/office/powerpoint/2010/main" Requires="p14">
+          <p:contentPart p14:bwMode="auto" r:id="rId49">
+            <p14:nvContentPartPr>
+              <p14:cNvPr id="263" name="Ink 262">
+                <a:extLst>
+                  <a:ext uri="{FF2B5EF4-FFF2-40B4-BE49-F238E27FC236}">
+                    <a16:creationId xmlns:a16="http://schemas.microsoft.com/office/drawing/2014/main" id="{4BB78737-79EE-4A1B-9C96-11EC6012BA9F}"/>
+                  </a:ext>
+                </a:extLst>
+              </p14:cNvPr>
+              <p14:cNvContentPartPr/>
+              <p14:nvPr/>
+            </p14:nvContentPartPr>
+            <p14:xfrm>
+              <a:off x="9852994" y="4319721"/>
+              <a:ext cx="1092240" cy="226440"/>
+            </p14:xfrm>
+          </p:contentPart>
+        </mc:Choice>
+        <mc:Fallback>
+          <p:pic>
+            <p:nvPicPr>
+              <p:cNvPr id="263" name="Ink 262">
+                <a:extLst>
+                  <a:ext uri="{FF2B5EF4-FFF2-40B4-BE49-F238E27FC236}">
+                    <a16:creationId xmlns:a16="http://schemas.microsoft.com/office/drawing/2014/main" id="{4BB78737-79EE-4A1B-9C96-11EC6012BA9F}"/>
+                  </a:ext>
+                </a:extLst>
+              </p:cNvPr>
+              <p:cNvPicPr/>
+              <p:nvPr/>
+            </p:nvPicPr>
+            <p:blipFill>
+              <a:blip r:embed="rId50"/>
+              <a:stretch>
+                <a:fillRect/>
+              </a:stretch>
+            </p:blipFill>
+            <p:spPr>
+              <a:xfrm>
+                <a:off x="9843994" y="4310721"/>
+                <a:ext cx="1109880" cy="244080"/>
+              </a:xfrm>
+              <a:prstGeom prst="rect">
+                <a:avLst/>
+              </a:prstGeom>
+            </p:spPr>
+          </p:pic>
+        </mc:Fallback>
+      </mc:AlternateContent>
+      <mc:AlternateContent xmlns:mc="http://schemas.openxmlformats.org/markup-compatibility/2006">
+        <mc:Choice xmlns:p14="http://schemas.microsoft.com/office/powerpoint/2010/main" Requires="p14">
+          <p:contentPart p14:bwMode="auto" r:id="rId51">
+            <p14:nvContentPartPr>
+              <p14:cNvPr id="266" name="Ink 265">
+                <a:extLst>
+                  <a:ext uri="{FF2B5EF4-FFF2-40B4-BE49-F238E27FC236}">
+                    <a16:creationId xmlns:a16="http://schemas.microsoft.com/office/drawing/2014/main" id="{20857257-EF39-4FDA-B29F-F7440A4EF780}"/>
+                  </a:ext>
+                </a:extLst>
+              </p14:cNvPr>
+              <p14:cNvContentPartPr/>
+              <p14:nvPr/>
+            </p14:nvContentPartPr>
+            <p14:xfrm>
+              <a:off x="11178154" y="4336281"/>
+              <a:ext cx="382680" cy="189360"/>
+            </p14:xfrm>
+          </p:contentPart>
+        </mc:Choice>
+        <mc:Fallback>
+          <p:pic>
+            <p:nvPicPr>
+              <p:cNvPr id="266" name="Ink 265">
+                <a:extLst>
+                  <a:ext uri="{FF2B5EF4-FFF2-40B4-BE49-F238E27FC236}">
+                    <a16:creationId xmlns:a16="http://schemas.microsoft.com/office/drawing/2014/main" id="{20857257-EF39-4FDA-B29F-F7440A4EF780}"/>
+                  </a:ext>
+                </a:extLst>
+              </p:cNvPr>
+              <p:cNvPicPr/>
+              <p:nvPr/>
+            </p:nvPicPr>
+            <p:blipFill>
+              <a:blip r:embed="rId52"/>
+              <a:stretch>
+                <a:fillRect/>
+              </a:stretch>
+            </p:blipFill>
+            <p:spPr>
+              <a:xfrm>
+                <a:off x="11169154" y="4327281"/>
+                <a:ext cx="400320" cy="207000"/>
+              </a:xfrm>
+              <a:prstGeom prst="rect">
+                <a:avLst/>
+              </a:prstGeom>
+            </p:spPr>
+          </p:pic>
+        </mc:Fallback>
+      </mc:AlternateContent>
+      <mc:AlternateContent xmlns:mc="http://schemas.openxmlformats.org/markup-compatibility/2006">
+        <mc:Choice xmlns:p14="http://schemas.microsoft.com/office/powerpoint/2010/main" Requires="p14">
+          <p:contentPart p14:bwMode="auto" r:id="rId53">
+            <p14:nvContentPartPr>
+              <p14:cNvPr id="269" name="Ink 268">
+                <a:extLst>
+                  <a:ext uri="{FF2B5EF4-FFF2-40B4-BE49-F238E27FC236}">
+                    <a16:creationId xmlns:a16="http://schemas.microsoft.com/office/drawing/2014/main" id="{660208C9-D1D6-4940-A7D3-5C4349882338}"/>
+                  </a:ext>
+                </a:extLst>
+              </p14:cNvPr>
+              <p14:cNvContentPartPr/>
+              <p14:nvPr/>
+            </p14:nvContentPartPr>
+            <p14:xfrm>
+              <a:off x="8136154" y="4245561"/>
+              <a:ext cx="720720" cy="410760"/>
+            </p14:xfrm>
+          </p:contentPart>
+        </mc:Choice>
+        <mc:Fallback>
+          <p:pic>
+            <p:nvPicPr>
+              <p:cNvPr id="269" name="Ink 268">
+                <a:extLst>
+                  <a:ext uri="{FF2B5EF4-FFF2-40B4-BE49-F238E27FC236}">
+                    <a16:creationId xmlns:a16="http://schemas.microsoft.com/office/drawing/2014/main" id="{660208C9-D1D6-4940-A7D3-5C4349882338}"/>
+                  </a:ext>
+                </a:extLst>
+              </p:cNvPr>
+              <p:cNvPicPr/>
+              <p:nvPr/>
+            </p:nvPicPr>
+            <p:blipFill>
+              <a:blip r:embed="rId54"/>
+              <a:stretch>
+                <a:fillRect/>
+              </a:stretch>
+            </p:blipFill>
+            <p:spPr>
+              <a:xfrm>
+                <a:off x="8127154" y="4236561"/>
+                <a:ext cx="738360" cy="428400"/>
+              </a:xfrm>
+              <a:prstGeom prst="rect">
+                <a:avLst/>
+              </a:prstGeom>
+            </p:spPr>
+          </p:pic>
+        </mc:Fallback>
+      </mc:AlternateContent>
+      <mc:AlternateContent xmlns:mc="http://schemas.openxmlformats.org/markup-compatibility/2006">
+        <mc:Choice xmlns:p14="http://schemas.microsoft.com/office/powerpoint/2010/main" Requires="p14">
+          <p:contentPart p14:bwMode="auto" r:id="rId55">
+            <p14:nvContentPartPr>
+              <p14:cNvPr id="299" name="Ink 298">
+                <a:extLst>
+                  <a:ext uri="{FF2B5EF4-FFF2-40B4-BE49-F238E27FC236}">
+                    <a16:creationId xmlns:a16="http://schemas.microsoft.com/office/drawing/2014/main" id="{38A5AC21-FBB5-473D-99DB-E1815127B5C3}"/>
+                  </a:ext>
+                </a:extLst>
+              </p14:cNvPr>
+              <p14:cNvContentPartPr/>
+              <p14:nvPr/>
+            </p14:nvContentPartPr>
+            <p14:xfrm>
+              <a:off x="7846714" y="4590801"/>
+              <a:ext cx="1689840" cy="1306440"/>
+            </p14:xfrm>
+          </p:contentPart>
+        </mc:Choice>
+        <mc:Fallback>
+          <p:pic>
+            <p:nvPicPr>
+              <p:cNvPr id="299" name="Ink 298">
+                <a:extLst>
+                  <a:ext uri="{FF2B5EF4-FFF2-40B4-BE49-F238E27FC236}">
+                    <a16:creationId xmlns:a16="http://schemas.microsoft.com/office/drawing/2014/main" id="{38A5AC21-FBB5-473D-99DB-E1815127B5C3}"/>
+                  </a:ext>
+                </a:extLst>
+              </p:cNvPr>
+              <p:cNvPicPr/>
+              <p:nvPr/>
+            </p:nvPicPr>
+            <p:blipFill>
+              <a:blip r:embed="rId56"/>
+              <a:stretch>
+                <a:fillRect/>
+              </a:stretch>
+            </p:blipFill>
+            <p:spPr>
+              <a:xfrm>
+                <a:off x="7837714" y="4581801"/>
+                <a:ext cx="1707480" cy="1324080"/>
+              </a:xfrm>
+              <a:prstGeom prst="rect">
+                <a:avLst/>
+              </a:prstGeom>
+            </p:spPr>
+          </p:pic>
+        </mc:Fallback>
+      </mc:AlternateContent>
+      <mc:AlternateContent xmlns:mc="http://schemas.openxmlformats.org/markup-compatibility/2006">
+        <mc:Choice xmlns:p14="http://schemas.microsoft.com/office/powerpoint/2010/main" Requires="p14">
+          <p:contentPart p14:bwMode="auto" r:id="rId57">
+            <p14:nvContentPartPr>
+              <p14:cNvPr id="319" name="Ink 318">
+                <a:extLst>
+                  <a:ext uri="{FF2B5EF4-FFF2-40B4-BE49-F238E27FC236}">
+                    <a16:creationId xmlns:a16="http://schemas.microsoft.com/office/drawing/2014/main" id="{2BE5E2CA-7C06-452C-8EB0-A8636C32F3E4}"/>
+                  </a:ext>
+                </a:extLst>
+              </p14:cNvPr>
+              <p14:cNvContentPartPr/>
+              <p14:nvPr/>
+            </p14:nvContentPartPr>
+            <p14:xfrm>
+              <a:off x="9078634" y="5036481"/>
+              <a:ext cx="1045440" cy="1010160"/>
+            </p14:xfrm>
+          </p:contentPart>
+        </mc:Choice>
+        <mc:Fallback>
+          <p:pic>
+            <p:nvPicPr>
+              <p:cNvPr id="319" name="Ink 318">
+                <a:extLst>
+                  <a:ext uri="{FF2B5EF4-FFF2-40B4-BE49-F238E27FC236}">
+                    <a16:creationId xmlns:a16="http://schemas.microsoft.com/office/drawing/2014/main" id="{2BE5E2CA-7C06-452C-8EB0-A8636C32F3E4}"/>
+                  </a:ext>
+                </a:extLst>
+              </p:cNvPr>
+              <p:cNvPicPr/>
+              <p:nvPr/>
+            </p:nvPicPr>
+            <p:blipFill>
+              <a:blip r:embed="rId58"/>
+              <a:stretch>
+                <a:fillRect/>
+              </a:stretch>
+            </p:blipFill>
+            <p:spPr>
+              <a:xfrm>
+                <a:off x="9069634" y="5027481"/>
+                <a:ext cx="1063080" cy="1027800"/>
+              </a:xfrm>
+              <a:prstGeom prst="rect">
+                <a:avLst/>
+              </a:prstGeom>
+            </p:spPr>
+          </p:pic>
+        </mc:Fallback>
+      </mc:AlternateContent>
+      <mc:AlternateContent xmlns:mc="http://schemas.openxmlformats.org/markup-compatibility/2006">
+        <mc:Choice xmlns:p14="http://schemas.microsoft.com/office/powerpoint/2010/main" Requires="p14">
+          <p:contentPart p14:bwMode="auto" r:id="rId59">
+            <p14:nvContentPartPr>
+              <p14:cNvPr id="322" name="Ink 321">
+                <a:extLst>
+                  <a:ext uri="{FF2B5EF4-FFF2-40B4-BE49-F238E27FC236}">
+                    <a16:creationId xmlns:a16="http://schemas.microsoft.com/office/drawing/2014/main" id="{D4FF7B4E-AD53-40E7-9DDB-489B01DF6EEC}"/>
+                  </a:ext>
+                </a:extLst>
+              </p14:cNvPr>
+              <p14:cNvContentPartPr/>
+              <p14:nvPr/>
+            </p14:nvContentPartPr>
+            <p14:xfrm>
+              <a:off x="8518834" y="5410881"/>
+              <a:ext cx="177480" cy="66600"/>
+            </p14:xfrm>
+          </p:contentPart>
+        </mc:Choice>
+        <mc:Fallback>
+          <p:pic>
+            <p:nvPicPr>
+              <p:cNvPr id="322" name="Ink 321">
+                <a:extLst>
+                  <a:ext uri="{FF2B5EF4-FFF2-40B4-BE49-F238E27FC236}">
+                    <a16:creationId xmlns:a16="http://schemas.microsoft.com/office/drawing/2014/main" id="{D4FF7B4E-AD53-40E7-9DDB-489B01DF6EEC}"/>
+                  </a:ext>
+                </a:extLst>
+              </p:cNvPr>
+              <p:cNvPicPr/>
+              <p:nvPr/>
+            </p:nvPicPr>
+            <p:blipFill>
+              <a:blip r:embed="rId60"/>
+              <a:stretch>
+                <a:fillRect/>
+              </a:stretch>
+            </p:blipFill>
+            <p:spPr>
+              <a:xfrm>
+                <a:off x="8509834" y="5401881"/>
+                <a:ext cx="195120" cy="84240"/>
+              </a:xfrm>
+              <a:prstGeom prst="rect">
+                <a:avLst/>
+              </a:prstGeom>
+            </p:spPr>
+          </p:pic>
+        </mc:Fallback>
+      </mc:AlternateContent>
+      <mc:AlternateContent xmlns:mc="http://schemas.openxmlformats.org/markup-compatibility/2006">
+        <mc:Choice xmlns:p14="http://schemas.microsoft.com/office/powerpoint/2010/main" Requires="p14">
+          <p:contentPart p14:bwMode="auto" r:id="rId61">
+            <p14:nvContentPartPr>
+              <p14:cNvPr id="327" name="Ink 326">
+                <a:extLst>
+                  <a:ext uri="{FF2B5EF4-FFF2-40B4-BE49-F238E27FC236}">
+                    <a16:creationId xmlns:a16="http://schemas.microsoft.com/office/drawing/2014/main" id="{A253D985-34B4-4B7F-BBBE-7936F91B19D7}"/>
+                  </a:ext>
+                </a:extLst>
+              </p14:cNvPr>
+              <p14:cNvContentPartPr/>
+              <p14:nvPr/>
+            </p14:nvContentPartPr>
+            <p14:xfrm>
+              <a:off x="513154" y="4543641"/>
+              <a:ext cx="325800" cy="205920"/>
+            </p14:xfrm>
+          </p:contentPart>
+        </mc:Choice>
+        <mc:Fallback>
+          <p:pic>
+            <p:nvPicPr>
+              <p:cNvPr id="327" name="Ink 326">
+                <a:extLst>
+                  <a:ext uri="{FF2B5EF4-FFF2-40B4-BE49-F238E27FC236}">
+                    <a16:creationId xmlns:a16="http://schemas.microsoft.com/office/drawing/2014/main" id="{A253D985-34B4-4B7F-BBBE-7936F91B19D7}"/>
+                  </a:ext>
+                </a:extLst>
+              </p:cNvPr>
+              <p:cNvPicPr/>
+              <p:nvPr/>
+            </p:nvPicPr>
+            <p:blipFill>
+              <a:blip r:embed="rId62"/>
+              <a:stretch>
+                <a:fillRect/>
+              </a:stretch>
+            </p:blipFill>
+            <p:spPr>
+              <a:xfrm>
+                <a:off x="504154" y="4534641"/>
+                <a:ext cx="343440" cy="223560"/>
+              </a:xfrm>
+              <a:prstGeom prst="rect">
+                <a:avLst/>
+              </a:prstGeom>
+            </p:spPr>
+          </p:pic>
+        </mc:Fallback>
+      </mc:AlternateContent>
+      <p:sp>
+        <p:nvSpPr>
+          <p:cNvPr id="328" name="TextBox 327">
+            <a:extLst>
+              <a:ext uri="{FF2B5EF4-FFF2-40B4-BE49-F238E27FC236}">
+                <a16:creationId xmlns:a16="http://schemas.microsoft.com/office/drawing/2014/main" id="{8FB9735F-21A2-429A-97B8-225DFED62CE9}"/>
+              </a:ext>
+            </a:extLst>
+          </p:cNvPr>
+          <p:cNvSpPr txBox="1"/>
+          <p:nvPr/>
+        </p:nvSpPr>
+        <p:spPr>
+          <a:xfrm>
+            <a:off x="76201" y="4749561"/>
+            <a:ext cx="7677538" cy="461665"/>
+          </a:xfrm>
+          <a:prstGeom prst="rect">
+            <a:avLst/>
+          </a:prstGeom>
+          <a:noFill/>
+        </p:spPr>
+        <p:txBody>
+          <a:bodyPr wrap="square" rtlCol="0">
+            <a:spAutoFit/>
+          </a:bodyPr>
+          <a:lstStyle/>
+          <a:p>
+            <a:r>
+              <a:rPr lang="en-US" sz="2400" dirty="0"/>
+              <a:t>S/4HANA is SAP’s new ERP system powered by SAP HANA</a:t>
+            </a:r>
+          </a:p>
+        </p:txBody>
+      </p:sp>
+      <mc:AlternateContent xmlns:mc="http://schemas.openxmlformats.org/markup-compatibility/2006">
+        <mc:Choice xmlns:p14="http://schemas.microsoft.com/office/powerpoint/2010/main" Requires="p14">
+          <p:contentPart p14:bwMode="auto" r:id="rId63">
+            <p14:nvContentPartPr>
+              <p14:cNvPr id="333" name="Ink 332">
+                <a:extLst>
+                  <a:ext uri="{FF2B5EF4-FFF2-40B4-BE49-F238E27FC236}">
+                    <a16:creationId xmlns:a16="http://schemas.microsoft.com/office/drawing/2014/main" id="{151383FF-D481-4711-A9B6-91CF1F89E0A8}"/>
+                  </a:ext>
+                </a:extLst>
+              </p14:cNvPr>
+              <p14:cNvContentPartPr/>
+              <p14:nvPr/>
+            </p14:nvContentPartPr>
+            <p14:xfrm>
+              <a:off x="7660594" y="5775561"/>
+              <a:ext cx="486000" cy="205560"/>
+            </p14:xfrm>
+          </p:contentPart>
+        </mc:Choice>
+        <mc:Fallback>
+          <p:pic>
+            <p:nvPicPr>
+              <p:cNvPr id="333" name="Ink 332">
+                <a:extLst>
+                  <a:ext uri="{FF2B5EF4-FFF2-40B4-BE49-F238E27FC236}">
+                    <a16:creationId xmlns:a16="http://schemas.microsoft.com/office/drawing/2014/main" id="{151383FF-D481-4711-A9B6-91CF1F89E0A8}"/>
+                  </a:ext>
+                </a:extLst>
+              </p:cNvPr>
+              <p:cNvPicPr/>
+              <p:nvPr/>
+            </p:nvPicPr>
+            <p:blipFill>
+              <a:blip r:embed="rId64"/>
+              <a:stretch>
+                <a:fillRect/>
+              </a:stretch>
+            </p:blipFill>
+            <p:spPr>
+              <a:xfrm>
+                <a:off x="7651594" y="5766561"/>
+                <a:ext cx="503640" cy="223200"/>
+              </a:xfrm>
+              <a:prstGeom prst="rect">
+                <a:avLst/>
+              </a:prstGeom>
+            </p:spPr>
+          </p:pic>
+        </mc:Fallback>
+      </mc:AlternateContent>
+      <mc:AlternateContent xmlns:mc="http://schemas.openxmlformats.org/markup-compatibility/2006">
+        <mc:Choice xmlns:p14="http://schemas.microsoft.com/office/powerpoint/2010/main" Requires="p14">
+          <p:contentPart p14:bwMode="auto" r:id="rId65">
+            <p14:nvContentPartPr>
+              <p14:cNvPr id="356" name="Ink 355">
+                <a:extLst>
+                  <a:ext uri="{FF2B5EF4-FFF2-40B4-BE49-F238E27FC236}">
+                    <a16:creationId xmlns:a16="http://schemas.microsoft.com/office/drawing/2014/main" id="{3F9CAA51-83C5-4033-BAB3-B8B991F83C34}"/>
+                  </a:ext>
+                </a:extLst>
+              </p14:cNvPr>
+              <p14:cNvContentPartPr/>
+              <p14:nvPr/>
+            </p14:nvContentPartPr>
+            <p14:xfrm>
+              <a:off x="251794" y="5169321"/>
+              <a:ext cx="2081160" cy="1343880"/>
+            </p14:xfrm>
+          </p:contentPart>
+        </mc:Choice>
+        <mc:Fallback>
+          <p:pic>
+            <p:nvPicPr>
+              <p:cNvPr id="356" name="Ink 355">
+                <a:extLst>
+                  <a:ext uri="{FF2B5EF4-FFF2-40B4-BE49-F238E27FC236}">
+                    <a16:creationId xmlns:a16="http://schemas.microsoft.com/office/drawing/2014/main" id="{3F9CAA51-83C5-4033-BAB3-B8B991F83C34}"/>
+                  </a:ext>
+                </a:extLst>
+              </p:cNvPr>
+              <p:cNvPicPr/>
+              <p:nvPr/>
+            </p:nvPicPr>
+            <p:blipFill>
+              <a:blip r:embed="rId66"/>
+              <a:stretch>
+                <a:fillRect/>
+              </a:stretch>
+            </p:blipFill>
+            <p:spPr>
+              <a:xfrm>
+                <a:off x="242794" y="5160321"/>
+                <a:ext cx="2098800" cy="1361520"/>
+              </a:xfrm>
+              <a:prstGeom prst="rect">
+                <a:avLst/>
+              </a:prstGeom>
+            </p:spPr>
+          </p:pic>
+        </mc:Fallback>
+      </mc:AlternateContent>
+      <mc:AlternateContent xmlns:mc="http://schemas.openxmlformats.org/markup-compatibility/2006">
+        <mc:Choice xmlns:p14="http://schemas.microsoft.com/office/powerpoint/2010/main" Requires="p14">
+          <p:contentPart p14:bwMode="auto" r:id="rId67">
+            <p14:nvContentPartPr>
+              <p14:cNvPr id="367" name="Ink 366">
+                <a:extLst>
+                  <a:ext uri="{FF2B5EF4-FFF2-40B4-BE49-F238E27FC236}">
+                    <a16:creationId xmlns:a16="http://schemas.microsoft.com/office/drawing/2014/main" id="{CBAB0B3B-01D6-475F-A50E-09978EBC0772}"/>
+                  </a:ext>
+                </a:extLst>
+              </p14:cNvPr>
+              <p14:cNvContentPartPr/>
+              <p14:nvPr/>
+            </p14:nvContentPartPr>
+            <p14:xfrm>
+              <a:off x="1390114" y="6381081"/>
+              <a:ext cx="1308960" cy="440640"/>
+            </p14:xfrm>
+          </p:contentPart>
+        </mc:Choice>
+        <mc:Fallback>
+          <p:pic>
+            <p:nvPicPr>
+              <p:cNvPr id="367" name="Ink 366">
+                <a:extLst>
+                  <a:ext uri="{FF2B5EF4-FFF2-40B4-BE49-F238E27FC236}">
+                    <a16:creationId xmlns:a16="http://schemas.microsoft.com/office/drawing/2014/main" id="{CBAB0B3B-01D6-475F-A50E-09978EBC0772}"/>
+                  </a:ext>
+                </a:extLst>
+              </p:cNvPr>
+              <p:cNvPicPr/>
+              <p:nvPr/>
+            </p:nvPicPr>
+            <p:blipFill>
+              <a:blip r:embed="rId68"/>
+              <a:stretch>
+                <a:fillRect/>
+              </a:stretch>
+            </p:blipFill>
+            <p:spPr>
+              <a:xfrm>
+                <a:off x="1381114" y="6372081"/>
+                <a:ext cx="1326600" cy="458280"/>
+              </a:xfrm>
+              <a:prstGeom prst="rect">
+                <a:avLst/>
+              </a:prstGeom>
+            </p:spPr>
+          </p:pic>
+        </mc:Fallback>
+      </mc:AlternateContent>
+      <mc:AlternateContent xmlns:mc="http://schemas.openxmlformats.org/markup-compatibility/2006">
+        <mc:Choice xmlns:p14="http://schemas.microsoft.com/office/powerpoint/2010/main" Requires="p14">
+          <p:contentPart p14:bwMode="auto" r:id="rId69">
+            <p14:nvContentPartPr>
+              <p14:cNvPr id="383" name="Ink 382">
+                <a:extLst>
+                  <a:ext uri="{FF2B5EF4-FFF2-40B4-BE49-F238E27FC236}">
+                    <a16:creationId xmlns:a16="http://schemas.microsoft.com/office/drawing/2014/main" id="{C0686A37-FA6A-4DF2-B907-A8D0EB7986C6}"/>
+                  </a:ext>
+                </a:extLst>
+              </p14:cNvPr>
+              <p14:cNvContentPartPr/>
+              <p14:nvPr/>
+            </p14:nvContentPartPr>
+            <p14:xfrm>
+              <a:off x="3032434" y="5660001"/>
+              <a:ext cx="2109240" cy="722520"/>
+            </p14:xfrm>
+          </p:contentPart>
+        </mc:Choice>
+        <mc:Fallback>
+          <p:pic>
+            <p:nvPicPr>
+              <p:cNvPr id="383" name="Ink 382">
+                <a:extLst>
+                  <a:ext uri="{FF2B5EF4-FFF2-40B4-BE49-F238E27FC236}">
+                    <a16:creationId xmlns:a16="http://schemas.microsoft.com/office/drawing/2014/main" id="{C0686A37-FA6A-4DF2-B907-A8D0EB7986C6}"/>
+                  </a:ext>
+                </a:extLst>
+              </p:cNvPr>
+              <p:cNvPicPr/>
+              <p:nvPr/>
+            </p:nvPicPr>
+            <p:blipFill>
+              <a:blip r:embed="rId70"/>
+              <a:stretch>
+                <a:fillRect/>
+              </a:stretch>
+            </p:blipFill>
+            <p:spPr>
+              <a:xfrm>
+                <a:off x="3023434" y="5651001"/>
+                <a:ext cx="2126880" cy="740160"/>
               </a:xfrm>
               <a:prstGeom prst="rect">
                 <a:avLst/>
@@ -34986,6 +40776,516 @@
           </a:p>
         </p:txBody>
       </p:sp>
+      <mc:AlternateContent xmlns:mc="http://schemas.openxmlformats.org/markup-compatibility/2006">
+        <mc:Choice xmlns:p14="http://schemas.microsoft.com/office/powerpoint/2010/main" Requires="p14">
+          <p:contentPart p14:bwMode="auto" r:id="rId3">
+            <p14:nvContentPartPr>
+              <p14:cNvPr id="12" name="Ink 11">
+                <a:extLst>
+                  <a:ext uri="{FF2B5EF4-FFF2-40B4-BE49-F238E27FC236}">
+                    <a16:creationId xmlns:a16="http://schemas.microsoft.com/office/drawing/2014/main" id="{B049F7FC-46ED-4CCC-8506-A9FCB7C56ADF}"/>
+                  </a:ext>
+                </a:extLst>
+              </p14:cNvPr>
+              <p14:cNvContentPartPr/>
+              <p14:nvPr/>
+            </p14:nvContentPartPr>
+            <p14:xfrm>
+              <a:off x="5682394" y="3088433"/>
+              <a:ext cx="373680" cy="1652040"/>
+            </p14:xfrm>
+          </p:contentPart>
+        </mc:Choice>
+        <mc:Fallback>
+          <p:pic>
+            <p:nvPicPr>
+              <p:cNvPr id="12" name="Ink 11">
+                <a:extLst>
+                  <a:ext uri="{FF2B5EF4-FFF2-40B4-BE49-F238E27FC236}">
+                    <a16:creationId xmlns:a16="http://schemas.microsoft.com/office/drawing/2014/main" id="{B049F7FC-46ED-4CCC-8506-A9FCB7C56ADF}"/>
+                  </a:ext>
+                </a:extLst>
+              </p:cNvPr>
+              <p:cNvPicPr/>
+              <p:nvPr/>
+            </p:nvPicPr>
+            <p:blipFill>
+              <a:blip r:embed="rId4"/>
+              <a:stretch>
+                <a:fillRect/>
+              </a:stretch>
+            </p:blipFill>
+            <p:spPr>
+              <a:xfrm>
+                <a:off x="5673394" y="3079433"/>
+                <a:ext cx="391320" cy="1669680"/>
+              </a:xfrm>
+              <a:prstGeom prst="rect">
+                <a:avLst/>
+              </a:prstGeom>
+            </p:spPr>
+          </p:pic>
+        </mc:Fallback>
+      </mc:AlternateContent>
+      <mc:AlternateContent xmlns:mc="http://schemas.openxmlformats.org/markup-compatibility/2006">
+        <mc:Choice xmlns:p14="http://schemas.microsoft.com/office/powerpoint/2010/main" Requires="p14">
+          <p:contentPart p14:bwMode="auto" r:id="rId5">
+            <p14:nvContentPartPr>
+              <p14:cNvPr id="116" name="Ink 115">
+                <a:extLst>
+                  <a:ext uri="{FF2B5EF4-FFF2-40B4-BE49-F238E27FC236}">
+                    <a16:creationId xmlns:a16="http://schemas.microsoft.com/office/drawing/2014/main" id="{D00A031A-8045-4D81-B3A1-B0CE385E8F82}"/>
+                  </a:ext>
+                </a:extLst>
+              </p14:cNvPr>
+              <p14:cNvContentPartPr/>
+              <p14:nvPr/>
+            </p14:nvContentPartPr>
+            <p14:xfrm>
+              <a:off x="6083434" y="3247193"/>
+              <a:ext cx="4012560" cy="1721160"/>
+            </p14:xfrm>
+          </p:contentPart>
+        </mc:Choice>
+        <mc:Fallback>
+          <p:pic>
+            <p:nvPicPr>
+              <p:cNvPr id="116" name="Ink 115">
+                <a:extLst>
+                  <a:ext uri="{FF2B5EF4-FFF2-40B4-BE49-F238E27FC236}">
+                    <a16:creationId xmlns:a16="http://schemas.microsoft.com/office/drawing/2014/main" id="{D00A031A-8045-4D81-B3A1-B0CE385E8F82}"/>
+                  </a:ext>
+                </a:extLst>
+              </p:cNvPr>
+              <p:cNvPicPr/>
+              <p:nvPr/>
+            </p:nvPicPr>
+            <p:blipFill>
+              <a:blip r:embed="rId6"/>
+              <a:stretch>
+                <a:fillRect/>
+              </a:stretch>
+            </p:blipFill>
+            <p:spPr>
+              <a:xfrm>
+                <a:off x="6074434" y="3238193"/>
+                <a:ext cx="4030200" cy="1738800"/>
+              </a:xfrm>
+              <a:prstGeom prst="rect">
+                <a:avLst/>
+              </a:prstGeom>
+            </p:spPr>
+          </p:pic>
+        </mc:Fallback>
+      </mc:AlternateContent>
+      <mc:AlternateContent xmlns:mc="http://schemas.openxmlformats.org/markup-compatibility/2006">
+        <mc:Choice xmlns:p14="http://schemas.microsoft.com/office/powerpoint/2010/main" Requires="p14">
+          <p:contentPart p14:bwMode="auto" r:id="rId7">
+            <p14:nvContentPartPr>
+              <p14:cNvPr id="119" name="Ink 118">
+                <a:extLst>
+                  <a:ext uri="{FF2B5EF4-FFF2-40B4-BE49-F238E27FC236}">
+                    <a16:creationId xmlns:a16="http://schemas.microsoft.com/office/drawing/2014/main" id="{792F73E9-7950-480B-9D16-6E7F2AC0EB6A}"/>
+                  </a:ext>
+                </a:extLst>
+              </p14:cNvPr>
+              <p14:cNvContentPartPr/>
+              <p14:nvPr/>
+            </p14:nvContentPartPr>
+            <p14:xfrm>
+              <a:off x="6549274" y="5850353"/>
+              <a:ext cx="411840" cy="254520"/>
+            </p14:xfrm>
+          </p:contentPart>
+        </mc:Choice>
+        <mc:Fallback>
+          <p:pic>
+            <p:nvPicPr>
+              <p:cNvPr id="119" name="Ink 118">
+                <a:extLst>
+                  <a:ext uri="{FF2B5EF4-FFF2-40B4-BE49-F238E27FC236}">
+                    <a16:creationId xmlns:a16="http://schemas.microsoft.com/office/drawing/2014/main" id="{792F73E9-7950-480B-9D16-6E7F2AC0EB6A}"/>
+                  </a:ext>
+                </a:extLst>
+              </p:cNvPr>
+              <p:cNvPicPr/>
+              <p:nvPr/>
+            </p:nvPicPr>
+            <p:blipFill>
+              <a:blip r:embed="rId8"/>
+              <a:stretch>
+                <a:fillRect/>
+              </a:stretch>
+            </p:blipFill>
+            <p:spPr>
+              <a:xfrm>
+                <a:off x="6540274" y="5841353"/>
+                <a:ext cx="429480" cy="272160"/>
+              </a:xfrm>
+              <a:prstGeom prst="rect">
+                <a:avLst/>
+              </a:prstGeom>
+            </p:spPr>
+          </p:pic>
+        </mc:Fallback>
+      </mc:AlternateContent>
+      <mc:AlternateContent xmlns:mc="http://schemas.openxmlformats.org/markup-compatibility/2006">
+        <mc:Choice xmlns:p14="http://schemas.microsoft.com/office/powerpoint/2010/main" Requires="p14">
+          <p:contentPart p14:bwMode="auto" r:id="rId9">
+            <p14:nvContentPartPr>
+              <p14:cNvPr id="243" name="Ink 242">
+                <a:extLst>
+                  <a:ext uri="{FF2B5EF4-FFF2-40B4-BE49-F238E27FC236}">
+                    <a16:creationId xmlns:a16="http://schemas.microsoft.com/office/drawing/2014/main" id="{664450FB-D55D-4E3D-8C07-24275AE32632}"/>
+                  </a:ext>
+                </a:extLst>
+              </p14:cNvPr>
+              <p14:cNvContentPartPr/>
+              <p14:nvPr/>
+            </p14:nvContentPartPr>
+            <p14:xfrm>
+              <a:off x="8201674" y="3992393"/>
+              <a:ext cx="3256560" cy="2614680"/>
+            </p14:xfrm>
+          </p:contentPart>
+        </mc:Choice>
+        <mc:Fallback>
+          <p:pic>
+            <p:nvPicPr>
+              <p:cNvPr id="243" name="Ink 242">
+                <a:extLst>
+                  <a:ext uri="{FF2B5EF4-FFF2-40B4-BE49-F238E27FC236}">
+                    <a16:creationId xmlns:a16="http://schemas.microsoft.com/office/drawing/2014/main" id="{664450FB-D55D-4E3D-8C07-24275AE32632}"/>
+                  </a:ext>
+                </a:extLst>
+              </p:cNvPr>
+              <p:cNvPicPr/>
+              <p:nvPr/>
+            </p:nvPicPr>
+            <p:blipFill>
+              <a:blip r:embed="rId10"/>
+              <a:stretch>
+                <a:fillRect/>
+              </a:stretch>
+            </p:blipFill>
+            <p:spPr>
+              <a:xfrm>
+                <a:off x="8192674" y="3983393"/>
+                <a:ext cx="3274200" cy="2632320"/>
+              </a:xfrm>
+              <a:prstGeom prst="rect">
+                <a:avLst/>
+              </a:prstGeom>
+            </p:spPr>
+          </p:pic>
+        </mc:Fallback>
+      </mc:AlternateContent>
+      <mc:AlternateContent xmlns:mc="http://schemas.openxmlformats.org/markup-compatibility/2006">
+        <mc:Choice xmlns:p14="http://schemas.microsoft.com/office/powerpoint/2010/main" Requires="p14">
+          <p:contentPart p14:bwMode="auto" r:id="rId11">
+            <p14:nvContentPartPr>
+              <p14:cNvPr id="247" name="Ink 246">
+                <a:extLst>
+                  <a:ext uri="{FF2B5EF4-FFF2-40B4-BE49-F238E27FC236}">
+                    <a16:creationId xmlns:a16="http://schemas.microsoft.com/office/drawing/2014/main" id="{DA7EF710-14F0-4E2F-9395-E703A460CDBB}"/>
+                  </a:ext>
+                </a:extLst>
+              </p14:cNvPr>
+              <p14:cNvContentPartPr/>
+              <p14:nvPr/>
+            </p14:nvContentPartPr>
+            <p14:xfrm>
+              <a:off x="1017154" y="5514473"/>
+              <a:ext cx="243000" cy="159840"/>
+            </p14:xfrm>
+          </p:contentPart>
+        </mc:Choice>
+        <mc:Fallback>
+          <p:pic>
+            <p:nvPicPr>
+              <p:cNvPr id="247" name="Ink 246">
+                <a:extLst>
+                  <a:ext uri="{FF2B5EF4-FFF2-40B4-BE49-F238E27FC236}">
+                    <a16:creationId xmlns:a16="http://schemas.microsoft.com/office/drawing/2014/main" id="{DA7EF710-14F0-4E2F-9395-E703A460CDBB}"/>
+                  </a:ext>
+                </a:extLst>
+              </p:cNvPr>
+              <p:cNvPicPr/>
+              <p:nvPr/>
+            </p:nvPicPr>
+            <p:blipFill>
+              <a:blip r:embed="rId12"/>
+              <a:stretch>
+                <a:fillRect/>
+              </a:stretch>
+            </p:blipFill>
+            <p:spPr>
+              <a:xfrm>
+                <a:off x="1008154" y="5505473"/>
+                <a:ext cx="260640" cy="177480"/>
+              </a:xfrm>
+              <a:prstGeom prst="rect">
+                <a:avLst/>
+              </a:prstGeom>
+            </p:spPr>
+          </p:pic>
+        </mc:Fallback>
+      </mc:AlternateContent>
+      <mc:AlternateContent xmlns:mc="http://schemas.openxmlformats.org/markup-compatibility/2006">
+        <mc:Choice xmlns:p14="http://schemas.microsoft.com/office/powerpoint/2010/main" Requires="p14">
+          <p:contentPart p14:bwMode="auto" r:id="rId13">
+            <p14:nvContentPartPr>
+              <p14:cNvPr id="254" name="Ink 253">
+                <a:extLst>
+                  <a:ext uri="{FF2B5EF4-FFF2-40B4-BE49-F238E27FC236}">
+                    <a16:creationId xmlns:a16="http://schemas.microsoft.com/office/drawing/2014/main" id="{0D49D64E-319B-4003-857A-385E57A8FB84}"/>
+                  </a:ext>
+                </a:extLst>
+              </p14:cNvPr>
+              <p14:cNvContentPartPr/>
+              <p14:nvPr/>
+            </p14:nvContentPartPr>
+            <p14:xfrm>
+              <a:off x="3539674" y="5607713"/>
+              <a:ext cx="4522320" cy="832680"/>
+            </p14:xfrm>
+          </p:contentPart>
+        </mc:Choice>
+        <mc:Fallback>
+          <p:pic>
+            <p:nvPicPr>
+              <p:cNvPr id="254" name="Ink 253">
+                <a:extLst>
+                  <a:ext uri="{FF2B5EF4-FFF2-40B4-BE49-F238E27FC236}">
+                    <a16:creationId xmlns:a16="http://schemas.microsoft.com/office/drawing/2014/main" id="{0D49D64E-319B-4003-857A-385E57A8FB84}"/>
+                  </a:ext>
+                </a:extLst>
+              </p:cNvPr>
+              <p:cNvPicPr/>
+              <p:nvPr/>
+            </p:nvPicPr>
+            <p:blipFill>
+              <a:blip r:embed="rId14"/>
+              <a:stretch>
+                <a:fillRect/>
+              </a:stretch>
+            </p:blipFill>
+            <p:spPr>
+              <a:xfrm>
+                <a:off x="3530674" y="5598713"/>
+                <a:ext cx="4539960" cy="850320"/>
+              </a:xfrm>
+              <a:prstGeom prst="rect">
+                <a:avLst/>
+              </a:prstGeom>
+            </p:spPr>
+          </p:pic>
+        </mc:Fallback>
+      </mc:AlternateContent>
+      <mc:AlternateContent xmlns:mc="http://schemas.openxmlformats.org/markup-compatibility/2006">
+        <mc:Choice xmlns:p14="http://schemas.microsoft.com/office/powerpoint/2010/main" Requires="p14">
+          <p:contentPart p14:bwMode="auto" r:id="rId15">
+            <p14:nvContentPartPr>
+              <p14:cNvPr id="255" name="Ink 254">
+                <a:extLst>
+                  <a:ext uri="{FF2B5EF4-FFF2-40B4-BE49-F238E27FC236}">
+                    <a16:creationId xmlns:a16="http://schemas.microsoft.com/office/drawing/2014/main" id="{50D670ED-29BC-4E3F-9D08-1A375CD8E56E}"/>
+                  </a:ext>
+                </a:extLst>
+              </p14:cNvPr>
+              <p14:cNvContentPartPr/>
+              <p14:nvPr/>
+            </p14:nvContentPartPr>
+            <p14:xfrm>
+              <a:off x="1445194" y="6410153"/>
+              <a:ext cx="402480" cy="65520"/>
+            </p14:xfrm>
+          </p:contentPart>
+        </mc:Choice>
+        <mc:Fallback>
+          <p:pic>
+            <p:nvPicPr>
+              <p:cNvPr id="255" name="Ink 254">
+                <a:extLst>
+                  <a:ext uri="{FF2B5EF4-FFF2-40B4-BE49-F238E27FC236}">
+                    <a16:creationId xmlns:a16="http://schemas.microsoft.com/office/drawing/2014/main" id="{50D670ED-29BC-4E3F-9D08-1A375CD8E56E}"/>
+                  </a:ext>
+                </a:extLst>
+              </p:cNvPr>
+              <p:cNvPicPr/>
+              <p:nvPr/>
+            </p:nvPicPr>
+            <p:blipFill>
+              <a:blip r:embed="rId16"/>
+              <a:stretch>
+                <a:fillRect/>
+              </a:stretch>
+            </p:blipFill>
+            <p:spPr>
+              <a:xfrm>
+                <a:off x="1436194" y="6401153"/>
+                <a:ext cx="420120" cy="83160"/>
+              </a:xfrm>
+              <a:prstGeom prst="rect">
+                <a:avLst/>
+              </a:prstGeom>
+            </p:spPr>
+          </p:pic>
+        </mc:Fallback>
+      </mc:AlternateContent>
+      <mc:AlternateContent xmlns:mc="http://schemas.openxmlformats.org/markup-compatibility/2006">
+        <mc:Choice xmlns:p14="http://schemas.microsoft.com/office/powerpoint/2010/main" Requires="p14">
+          <p:contentPart p14:bwMode="auto" r:id="rId17">
+            <p14:nvContentPartPr>
+              <p14:cNvPr id="270" name="Ink 269">
+                <a:extLst>
+                  <a:ext uri="{FF2B5EF4-FFF2-40B4-BE49-F238E27FC236}">
+                    <a16:creationId xmlns:a16="http://schemas.microsoft.com/office/drawing/2014/main" id="{3C8BD330-67B8-4FD2-BD09-31FCD350DEAF}"/>
+                  </a:ext>
+                </a:extLst>
+              </p14:cNvPr>
+              <p14:cNvContentPartPr/>
+              <p14:nvPr/>
+            </p14:nvContentPartPr>
+            <p14:xfrm>
+              <a:off x="251794" y="3620153"/>
+              <a:ext cx="2426760" cy="775080"/>
+            </p14:xfrm>
+          </p:contentPart>
+        </mc:Choice>
+        <mc:Fallback>
+          <p:pic>
+            <p:nvPicPr>
+              <p:cNvPr id="270" name="Ink 269">
+                <a:extLst>
+                  <a:ext uri="{FF2B5EF4-FFF2-40B4-BE49-F238E27FC236}">
+                    <a16:creationId xmlns:a16="http://schemas.microsoft.com/office/drawing/2014/main" id="{3C8BD330-67B8-4FD2-BD09-31FCD350DEAF}"/>
+                  </a:ext>
+                </a:extLst>
+              </p:cNvPr>
+              <p:cNvPicPr/>
+              <p:nvPr/>
+            </p:nvPicPr>
+            <p:blipFill>
+              <a:blip r:embed="rId18"/>
+              <a:stretch>
+                <a:fillRect/>
+              </a:stretch>
+            </p:blipFill>
+            <p:spPr>
+              <a:xfrm>
+                <a:off x="242794" y="3611153"/>
+                <a:ext cx="2444400" cy="792720"/>
+              </a:xfrm>
+              <a:prstGeom prst="rect">
+                <a:avLst/>
+              </a:prstGeom>
+            </p:spPr>
+          </p:pic>
+        </mc:Fallback>
+      </mc:AlternateContent>
+      <mc:AlternateContent xmlns:mc="http://schemas.openxmlformats.org/markup-compatibility/2006">
+        <mc:Choice xmlns:p14="http://schemas.microsoft.com/office/powerpoint/2010/main" Requires="p14">
+          <p:contentPart p14:bwMode="auto" r:id="rId19">
+            <p14:nvContentPartPr>
+              <p14:cNvPr id="275" name="Ink 274">
+                <a:extLst>
+                  <a:ext uri="{FF2B5EF4-FFF2-40B4-BE49-F238E27FC236}">
+                    <a16:creationId xmlns:a16="http://schemas.microsoft.com/office/drawing/2014/main" id="{52B68B66-1BDD-43ED-B151-F30E72B05BEC}"/>
+                  </a:ext>
+                </a:extLst>
+              </p14:cNvPr>
+              <p14:cNvContentPartPr/>
+              <p14:nvPr/>
+            </p14:nvContentPartPr>
+            <p14:xfrm>
+              <a:off x="3023074" y="3645713"/>
+              <a:ext cx="1222560" cy="824040"/>
+            </p14:xfrm>
+          </p:contentPart>
+        </mc:Choice>
+        <mc:Fallback>
+          <p:pic>
+            <p:nvPicPr>
+              <p:cNvPr id="275" name="Ink 274">
+                <a:extLst>
+                  <a:ext uri="{FF2B5EF4-FFF2-40B4-BE49-F238E27FC236}">
+                    <a16:creationId xmlns:a16="http://schemas.microsoft.com/office/drawing/2014/main" id="{52B68B66-1BDD-43ED-B151-F30E72B05BEC}"/>
+                  </a:ext>
+                </a:extLst>
+              </p:cNvPr>
+              <p:cNvPicPr/>
+              <p:nvPr/>
+            </p:nvPicPr>
+            <p:blipFill>
+              <a:blip r:embed="rId20"/>
+              <a:stretch>
+                <a:fillRect/>
+              </a:stretch>
+            </p:blipFill>
+            <p:spPr>
+              <a:xfrm>
+                <a:off x="3014074" y="3636713"/>
+                <a:ext cx="1240200" cy="841680"/>
+              </a:xfrm>
+              <a:prstGeom prst="rect">
+                <a:avLst/>
+              </a:prstGeom>
+            </p:spPr>
+          </p:pic>
+        </mc:Fallback>
+      </mc:AlternateContent>
+      <mc:AlternateContent xmlns:mc="http://schemas.openxmlformats.org/markup-compatibility/2006">
+        <mc:Choice xmlns:p14="http://schemas.microsoft.com/office/powerpoint/2010/main" Requires="p14">
+          <p:contentPart p14:bwMode="auto" r:id="rId21">
+            <p14:nvContentPartPr>
+              <p14:cNvPr id="284" name="Ink 283">
+                <a:extLst>
+                  <a:ext uri="{FF2B5EF4-FFF2-40B4-BE49-F238E27FC236}">
+                    <a16:creationId xmlns:a16="http://schemas.microsoft.com/office/drawing/2014/main" id="{5D250F39-121E-4185-8623-3C3B3D523F4C}"/>
+                  </a:ext>
+                </a:extLst>
+              </p14:cNvPr>
+              <p14:cNvContentPartPr/>
+              <p14:nvPr/>
+            </p14:nvContentPartPr>
+            <p14:xfrm>
+              <a:off x="4550554" y="3648233"/>
+              <a:ext cx="768240" cy="793440"/>
+            </p14:xfrm>
+          </p:contentPart>
+        </mc:Choice>
+        <mc:Fallback>
+          <p:pic>
+            <p:nvPicPr>
+              <p:cNvPr id="284" name="Ink 283">
+                <a:extLst>
+                  <a:ext uri="{FF2B5EF4-FFF2-40B4-BE49-F238E27FC236}">
+                    <a16:creationId xmlns:a16="http://schemas.microsoft.com/office/drawing/2014/main" id="{5D250F39-121E-4185-8623-3C3B3D523F4C}"/>
+                  </a:ext>
+                </a:extLst>
+              </p:cNvPr>
+              <p:cNvPicPr/>
+              <p:nvPr/>
+            </p:nvPicPr>
+            <p:blipFill>
+              <a:blip r:embed="rId22"/>
+              <a:stretch>
+                <a:fillRect/>
+              </a:stretch>
+            </p:blipFill>
+            <p:spPr>
+              <a:xfrm>
+                <a:off x="4541554" y="3639233"/>
+                <a:ext cx="785880" cy="811080"/>
+              </a:xfrm>
+              <a:prstGeom prst="rect">
+                <a:avLst/>
+              </a:prstGeom>
+            </p:spPr>
+          </p:pic>
+        </mc:Fallback>
+      </mc:AlternateContent>
     </p:spTree>
     <p:extLst>
       <p:ext uri="{BB962C8B-B14F-4D97-AF65-F5344CB8AC3E}">
